--- a/Presentation.pptx
+++ b/Presentation.pptx
@@ -111,7 +111,57 @@
       </a:defRPr>
     </a:lvl9pPr>
   </p:defaultTextStyle>
+  <p:extLst>
+    <p:ext uri="{EFAFB233-063F-42B5-8137-9DF3F51BA10A}">
+      <p15:sldGuideLst xmlns:p15="http://schemas.microsoft.com/office/powerpoint/2012/main"/>
+    </p:ext>
+  </p:extLst>
 </p:presentation>
+</file>
+
+<file path=ppt/revisionInfo.xml><?xml version="1.0" encoding="utf-8"?>
+<p1510:revInfo xmlns:a="http://schemas.openxmlformats.org/drawingml/2006/main" xmlns:r="http://schemas.openxmlformats.org/officeDocument/2006/relationships" xmlns:p1510="http://schemas.microsoft.com/office/powerpoint/2015/10/main">
+  <p1510:revLst>
+    <p1510:client id="{903FC241-FDA8-4AA6-8FF0-2A4D8A56C5A0}" v="2" dt="2019-11-27T04:02:37.968"/>
+  </p1510:revLst>
+</p1510:revInfo>
+</file>
+
+<file path=ppt/changesInfos/changesInfo1.xml><?xml version="1.0" encoding="utf-8"?>
+<pc:chgInfo xmlns:a="http://schemas.openxmlformats.org/drawingml/2006/main" xmlns:r="http://schemas.openxmlformats.org/officeDocument/2006/relationships" xmlns:ac="http://schemas.microsoft.com/office/drawing/2013/main/command" xmlns:pc="http://schemas.microsoft.com/office/powerpoint/2013/main/command">
+  <pc:docChgLst>
+    <pc:chgData name="Ron Javor" userId="e840de2940c497cb" providerId="LiveId" clId="{903FC241-FDA8-4AA6-8FF0-2A4D8A56C5A0}"/>
+    <pc:docChg chg="undo custSel mod modSld">
+      <pc:chgData name="Ron Javor" userId="e840de2940c497cb" providerId="LiveId" clId="{903FC241-FDA8-4AA6-8FF0-2A4D8A56C5A0}" dt="2019-11-27T04:06:46.168" v="102" actId="20577"/>
+      <pc:docMkLst>
+        <pc:docMk/>
+      </pc:docMkLst>
+      <pc:sldChg chg="modSp mod setBg">
+        <pc:chgData name="Ron Javor" userId="e840de2940c497cb" providerId="LiveId" clId="{903FC241-FDA8-4AA6-8FF0-2A4D8A56C5A0}" dt="2019-11-27T04:06:46.168" v="102" actId="20577"/>
+        <pc:sldMkLst>
+          <pc:docMk/>
+          <pc:sldMk cId="176846830" sldId="262"/>
+        </pc:sldMkLst>
+        <pc:spChg chg="mod">
+          <ac:chgData name="Ron Javor" userId="e840de2940c497cb" providerId="LiveId" clId="{903FC241-FDA8-4AA6-8FF0-2A4D8A56C5A0}" dt="2019-11-27T04:06:46.168" v="102" actId="20577"/>
+          <ac:spMkLst>
+            <pc:docMk/>
+            <pc:sldMk cId="176846830" sldId="262"/>
+            <ac:spMk id="2" creationId="{6A330886-AC2D-492F-8FDC-19969F48FBF0}"/>
+          </ac:spMkLst>
+        </pc:spChg>
+        <pc:graphicFrameChg chg="add mod modGraphic">
+          <ac:chgData name="Ron Javor" userId="e840de2940c497cb" providerId="LiveId" clId="{903FC241-FDA8-4AA6-8FF0-2A4D8A56C5A0}" dt="2019-11-27T04:04:02.957" v="47" actId="1076"/>
+          <ac:graphicFrameMkLst>
+            <pc:docMk/>
+            <pc:sldMk cId="176846830" sldId="262"/>
+            <ac:graphicFrameMk id="3" creationId="{06429AEB-4429-4D9D-AB1C-5C57EAC53342}"/>
+          </ac:graphicFrameMkLst>
+        </pc:graphicFrameChg>
+      </pc:sldChg>
+    </pc:docChg>
+  </pc:docChgLst>
+</pc:chgInfo>
 </file>
 
 <file path=ppt/slideLayouts/slideLayout1.xml><?xml version="1.0" encoding="utf-8"?>
@@ -3980,6 +4030,14 @@
 <file path=ppt/slides/slide7.xml><?xml version="1.0" encoding="utf-8"?>
 <p:sld xmlns:a="http://schemas.openxmlformats.org/drawingml/2006/main" xmlns:r="http://schemas.openxmlformats.org/officeDocument/2006/relationships" xmlns:p="http://schemas.openxmlformats.org/presentationml/2006/main">
   <p:cSld>
+    <p:bg>
+      <p:bgPr>
+        <a:solidFill>
+          <a:schemeClr val="bg1"/>
+        </a:solidFill>
+        <a:effectLst/>
+      </p:bgPr>
+    </p:bg>
     <p:spTree>
       <p:nvGrpSpPr>
         <p:cNvPr id="1" name=""/>
@@ -4010,18 +4068,2853 @@
             <p:ph type="title"/>
           </p:nvPr>
         </p:nvSpPr>
-        <p:spPr/>
-        <p:txBody>
-          <a:bodyPr/>
+        <p:spPr>
+          <a:xfrm>
+            <a:off x="514156" y="88838"/>
+            <a:ext cx="11214018" cy="918328"/>
+          </a:xfrm>
+        </p:spPr>
+        <p:txBody>
+          <a:bodyPr vert="horz" lIns="91440" tIns="45720" rIns="91440" bIns="45720" rtlCol="0" anchor="ctr">
+            <a:normAutofit/>
+          </a:bodyPr>
           <a:lstStyle/>
           <a:p>
             <a:r>
-              <a:rPr lang="en-US" b="1" dirty="0"/>
-              <a:t>Dashboard Snapshots</a:t>
-            </a:r>
-          </a:p>
-        </p:txBody>
-      </p:sp>
+              <a:rPr lang="en-US" sz="3600" b="1" kern="1200" dirty="0">
+                <a:solidFill>
+                  <a:schemeClr val="tx1"/>
+                </a:solidFill>
+                <a:latin typeface="+mj-lt"/>
+                <a:ea typeface="+mj-ea"/>
+                <a:cs typeface="+mj-cs"/>
+              </a:rPr>
+              <a:t>Linear Regression (Top-12) – Health, Happiness and Income</a:t>
+            </a:r>
+          </a:p>
+        </p:txBody>
+      </p:sp>
+      <p:graphicFrame>
+        <p:nvGraphicFramePr>
+          <p:cNvPr id="3" name="Table 2">
+            <a:extLst>
+              <a:ext uri="{FF2B5EF4-FFF2-40B4-BE49-F238E27FC236}">
+                <a16:creationId xmlns:a16="http://schemas.microsoft.com/office/drawing/2014/main" id="{06429AEB-4429-4D9D-AB1C-5C57EAC53342}"/>
+              </a:ext>
+            </a:extLst>
+          </p:cNvPr>
+          <p:cNvGraphicFramePr>
+            <a:graphicFrameLocks noGrp="1"/>
+          </p:cNvGraphicFramePr>
+          <p:nvPr>
+            <p:extLst>
+              <p:ext uri="{D42A27DB-BD31-4B8C-83A1-F6EECF244321}">
+                <p14:modId xmlns:p14="http://schemas.microsoft.com/office/powerpoint/2010/main" val="3519503191"/>
+              </p:ext>
+            </p:extLst>
+          </p:nvPr>
+        </p:nvGraphicFramePr>
+        <p:xfrm>
+          <a:off x="1505446" y="1215618"/>
+          <a:ext cx="8533019" cy="5443600"/>
+        </p:xfrm>
+        <a:graphic>
+          <a:graphicData uri="http://schemas.openxmlformats.org/drawingml/2006/table">
+            <a:tbl>
+              <a:tblPr firstRow="1" bandRow="1">
+                <a:noFill/>
+              </a:tblPr>
+              <a:tblGrid>
+                <a:gridCol w="2530113">
+                  <a:extLst>
+                    <a:ext uri="{9D8B030D-6E8A-4147-A177-3AD203B41FA5}">
+                      <a16:colId xmlns:a16="http://schemas.microsoft.com/office/drawing/2014/main" val="2188532543"/>
+                    </a:ext>
+                  </a:extLst>
+                </a:gridCol>
+                <a:gridCol w="2753032">
+                  <a:extLst>
+                    <a:ext uri="{9D8B030D-6E8A-4147-A177-3AD203B41FA5}">
+                      <a16:colId xmlns:a16="http://schemas.microsoft.com/office/drawing/2014/main" val="4135660647"/>
+                    </a:ext>
+                  </a:extLst>
+                </a:gridCol>
+                <a:gridCol w="1624937">
+                  <a:extLst>
+                    <a:ext uri="{9D8B030D-6E8A-4147-A177-3AD203B41FA5}">
+                      <a16:colId xmlns:a16="http://schemas.microsoft.com/office/drawing/2014/main" val="3818810793"/>
+                    </a:ext>
+                  </a:extLst>
+                </a:gridCol>
+                <a:gridCol w="1624937">
+                  <a:extLst>
+                    <a:ext uri="{9D8B030D-6E8A-4147-A177-3AD203B41FA5}">
+                      <a16:colId xmlns:a16="http://schemas.microsoft.com/office/drawing/2014/main" val="3384654084"/>
+                    </a:ext>
+                  </a:extLst>
+                </a:gridCol>
+              </a:tblGrid>
+              <a:tr h="334719">
+                <a:tc>
+                  <a:txBody>
+                    <a:bodyPr/>
+                    <a:lstStyle/>
+                    <a:p>
+                      <a:r>
+                        <a:rPr lang="en-US" sz="2400" b="1" dirty="0">
+                          <a:solidFill>
+                            <a:srgbClr val="FFFFFF"/>
+                          </a:solidFill>
+                        </a:rPr>
+                        <a:t>Measure1</a:t>
+                      </a:r>
+                    </a:p>
+                  </a:txBody>
+                  <a:tcPr marL="137933" marR="82760" marT="82760" marB="82760" anchor="ctr">
+                    <a:lnL w="38100" cap="flat" cmpd="sng" algn="ctr">
+                      <a:solidFill>
+                        <a:srgbClr val="FFFFFF"/>
+                      </a:solidFill>
+                      <a:prstDash val="solid"/>
+                    </a:lnL>
+                    <a:lnR w="38100" cap="flat" cmpd="sng" algn="ctr">
+                      <a:solidFill>
+                        <a:srgbClr val="FFFFFF"/>
+                      </a:solidFill>
+                      <a:prstDash val="solid"/>
+                    </a:lnR>
+                    <a:lnT w="38100" cap="flat" cmpd="sng" algn="ctr">
+                      <a:noFill/>
+                      <a:prstDash val="solid"/>
+                    </a:lnT>
+                    <a:lnB w="38100" cap="flat" cmpd="sng" algn="ctr">
+                      <a:solidFill>
+                        <a:srgbClr val="FFFFFF"/>
+                      </a:solidFill>
+                      <a:prstDash val="solid"/>
+                      <a:round/>
+                      <a:headEnd type="none" w="med" len="med"/>
+                      <a:tailEnd type="none" w="med" len="med"/>
+                    </a:lnB>
+                    <a:solidFill>
+                      <a:srgbClr val="636B68">
+                        <a:alpha val="69804"/>
+                      </a:srgbClr>
+                    </a:solidFill>
+                  </a:tcPr>
+                </a:tc>
+                <a:tc>
+                  <a:txBody>
+                    <a:bodyPr/>
+                    <a:lstStyle/>
+                    <a:p>
+                      <a:r>
+                        <a:rPr lang="en-US" sz="2400" b="1" dirty="0">
+                          <a:solidFill>
+                            <a:srgbClr val="FFFFFF"/>
+                          </a:solidFill>
+                        </a:rPr>
+                        <a:t>Measure2</a:t>
+                      </a:r>
+                    </a:p>
+                  </a:txBody>
+                  <a:tcPr marL="137933" marR="82760" marT="82760" marB="82760" anchor="ctr">
+                    <a:lnL w="38100" cap="flat" cmpd="sng" algn="ctr">
+                      <a:solidFill>
+                        <a:srgbClr val="FFFFFF"/>
+                      </a:solidFill>
+                      <a:prstDash val="solid"/>
+                    </a:lnL>
+                    <a:lnR w="38100" cap="flat" cmpd="sng" algn="ctr">
+                      <a:solidFill>
+                        <a:srgbClr val="FFFFFF"/>
+                      </a:solidFill>
+                      <a:prstDash val="solid"/>
+                    </a:lnR>
+                    <a:lnT w="38100" cap="flat" cmpd="sng" algn="ctr">
+                      <a:noFill/>
+                      <a:prstDash val="solid"/>
+                    </a:lnT>
+                    <a:lnB w="38100" cap="flat" cmpd="sng" algn="ctr">
+                      <a:solidFill>
+                        <a:srgbClr val="FFFFFF"/>
+                      </a:solidFill>
+                      <a:prstDash val="solid"/>
+                    </a:lnB>
+                    <a:solidFill>
+                      <a:srgbClr val="636B68">
+                        <a:alpha val="69804"/>
+                      </a:srgbClr>
+                    </a:solidFill>
+                  </a:tcPr>
+                </a:tc>
+                <a:tc>
+                  <a:txBody>
+                    <a:bodyPr/>
+                    <a:lstStyle/>
+                    <a:p>
+                      <a:r>
+                        <a:rPr lang="en-US" sz="2400" b="1" dirty="0">
+                          <a:solidFill>
+                            <a:srgbClr val="FFFFFF"/>
+                          </a:solidFill>
+                        </a:rPr>
+                        <a:t>slope</a:t>
+                      </a:r>
+                    </a:p>
+                  </a:txBody>
+                  <a:tcPr marL="137933" marR="82760" marT="82760" marB="82760" anchor="ctr">
+                    <a:lnL w="38100" cap="flat" cmpd="sng" algn="ctr">
+                      <a:solidFill>
+                        <a:srgbClr val="FFFFFF"/>
+                      </a:solidFill>
+                      <a:prstDash val="solid"/>
+                    </a:lnL>
+                    <a:lnR w="38100" cap="flat" cmpd="sng" algn="ctr">
+                      <a:solidFill>
+                        <a:srgbClr val="FFFFFF"/>
+                      </a:solidFill>
+                      <a:prstDash val="solid"/>
+                    </a:lnR>
+                    <a:lnT w="38100" cap="flat" cmpd="sng" algn="ctr">
+                      <a:noFill/>
+                      <a:prstDash val="solid"/>
+                    </a:lnT>
+                    <a:lnB w="38100" cap="flat" cmpd="sng" algn="ctr">
+                      <a:solidFill>
+                        <a:srgbClr val="FFFFFF"/>
+                      </a:solidFill>
+                      <a:prstDash val="solid"/>
+                    </a:lnB>
+                    <a:solidFill>
+                      <a:srgbClr val="636B68">
+                        <a:alpha val="69804"/>
+                      </a:srgbClr>
+                    </a:solidFill>
+                  </a:tcPr>
+                </a:tc>
+                <a:tc>
+                  <a:txBody>
+                    <a:bodyPr/>
+                    <a:lstStyle/>
+                    <a:p>
+                      <a:r>
+                        <a:rPr lang="en-US" sz="2400" b="1" dirty="0">
+                          <a:solidFill>
+                            <a:srgbClr val="FFFFFF"/>
+                          </a:solidFill>
+                        </a:rPr>
+                        <a:t>p-value</a:t>
+                      </a:r>
+                    </a:p>
+                  </a:txBody>
+                  <a:tcPr marL="137933" marR="82760" marT="82760" marB="82760" anchor="ctr">
+                    <a:lnL w="38100" cap="flat" cmpd="sng" algn="ctr">
+                      <a:solidFill>
+                        <a:srgbClr val="FFFFFF"/>
+                      </a:solidFill>
+                      <a:prstDash val="solid"/>
+                    </a:lnL>
+                    <a:lnR w="38100" cap="flat" cmpd="sng" algn="ctr">
+                      <a:noFill/>
+                      <a:prstDash val="solid"/>
+                    </a:lnR>
+                    <a:lnT w="38100" cap="flat" cmpd="sng" algn="ctr">
+                      <a:noFill/>
+                      <a:prstDash val="solid"/>
+                    </a:lnT>
+                    <a:lnB w="38100" cap="flat" cmpd="sng" algn="ctr">
+                      <a:solidFill>
+                        <a:srgbClr val="FFFFFF"/>
+                      </a:solidFill>
+                      <a:prstDash val="solid"/>
+                    </a:lnB>
+                    <a:solidFill>
+                      <a:srgbClr val="636B68">
+                        <a:alpha val="69804"/>
+                      </a:srgbClr>
+                    </a:solidFill>
+                  </a:tcPr>
+                </a:tc>
+                <a:extLst>
+                  <a:ext uri="{0D108BD9-81ED-4DB2-BD59-A6C34878D82A}">
+                    <a16:rowId xmlns:a16="http://schemas.microsoft.com/office/drawing/2014/main" val="2177020853"/>
+                  </a:ext>
+                </a:extLst>
+              </a:tr>
+              <a:tr h="334719">
+                <a:tc>
+                  <a:txBody>
+                    <a:bodyPr/>
+                    <a:lstStyle/>
+                    <a:p>
+                      <a:r>
+                        <a:rPr lang="en-US" sz="1600" dirty="0">
+                          <a:solidFill>
+                            <a:schemeClr val="tx1">
+                              <a:lumMod val="85000"/>
+                              <a:lumOff val="15000"/>
+                            </a:schemeClr>
+                          </a:solidFill>
+                        </a:rPr>
+                        <a:t>parks</a:t>
+                      </a:r>
+                    </a:p>
+                  </a:txBody>
+                  <a:tcPr marL="137933" marR="82760" marT="82760" marB="82760" anchor="ctr">
+                    <a:lnL w="38100" cap="flat" cmpd="sng" algn="ctr">
+                      <a:solidFill>
+                        <a:srgbClr val="FFFFFF"/>
+                      </a:solidFill>
+                      <a:prstDash val="solid"/>
+                    </a:lnL>
+                    <a:lnR w="38100" cap="flat" cmpd="sng" algn="ctr">
+                      <a:solidFill>
+                        <a:srgbClr val="FFFFFF"/>
+                      </a:solidFill>
+                      <a:prstDash val="solid"/>
+                    </a:lnR>
+                    <a:lnT w="38100" cap="flat" cmpd="sng" algn="ctr">
+                      <a:solidFill>
+                        <a:srgbClr val="FFFFFF"/>
+                      </a:solidFill>
+                      <a:prstDash val="solid"/>
+                      <a:round/>
+                      <a:headEnd type="none" w="med" len="med"/>
+                      <a:tailEnd type="none" w="med" len="med"/>
+                    </a:lnT>
+                    <a:lnB w="38100" cap="flat" cmpd="sng" algn="ctr">
+                      <a:solidFill>
+                        <a:srgbClr val="FFFFFF"/>
+                      </a:solidFill>
+                      <a:prstDash val="solid"/>
+                      <a:round/>
+                      <a:headEnd type="none" w="med" len="med"/>
+                      <a:tailEnd type="none" w="med" len="med"/>
+                    </a:lnB>
+                    <a:solidFill>
+                      <a:srgbClr val="878E8B">
+                        <a:alpha val="14902"/>
+                      </a:srgbClr>
+                    </a:solidFill>
+                  </a:tcPr>
+                </a:tc>
+                <a:tc>
+                  <a:txBody>
+                    <a:bodyPr/>
+                    <a:lstStyle/>
+                    <a:p>
+                      <a:r>
+                        <a:rPr lang="en-US" sz="1600" dirty="0" err="1">
+                          <a:solidFill>
+                            <a:schemeClr val="tx1">
+                              <a:lumMod val="85000"/>
+                              <a:lumOff val="15000"/>
+                            </a:schemeClr>
+                          </a:solidFill>
+                        </a:rPr>
+                        <a:t>greenspace_rank</a:t>
+                      </a:r>
+                      <a:endParaRPr lang="en-US" sz="1600" dirty="0">
+                        <a:solidFill>
+                          <a:schemeClr val="tx1">
+                            <a:lumMod val="85000"/>
+                            <a:lumOff val="15000"/>
+                          </a:schemeClr>
+                        </a:solidFill>
+                      </a:endParaRPr>
+                    </a:p>
+                  </a:txBody>
+                  <a:tcPr marL="137933" marR="82760" marT="82760" marB="82760" anchor="ctr">
+                    <a:lnL w="38100" cap="flat" cmpd="sng" algn="ctr">
+                      <a:solidFill>
+                        <a:srgbClr val="FFFFFF"/>
+                      </a:solidFill>
+                      <a:prstDash val="solid"/>
+                    </a:lnL>
+                    <a:lnR w="38100" cap="flat" cmpd="sng" algn="ctr">
+                      <a:solidFill>
+                        <a:srgbClr val="FFFFFF"/>
+                      </a:solidFill>
+                      <a:prstDash val="solid"/>
+                    </a:lnR>
+                    <a:lnT w="38100" cap="flat" cmpd="sng" algn="ctr">
+                      <a:solidFill>
+                        <a:srgbClr val="FFFFFF"/>
+                      </a:solidFill>
+                      <a:prstDash val="solid"/>
+                    </a:lnT>
+                    <a:lnB w="38100" cap="flat" cmpd="sng" algn="ctr">
+                      <a:solidFill>
+                        <a:srgbClr val="FFFFFF"/>
+                      </a:solidFill>
+                      <a:prstDash val="solid"/>
+                    </a:lnB>
+                    <a:solidFill>
+                      <a:srgbClr val="878E8B">
+                        <a:alpha val="14902"/>
+                      </a:srgbClr>
+                    </a:solidFill>
+                  </a:tcPr>
+                </a:tc>
+                <a:tc>
+                  <a:txBody>
+                    <a:bodyPr/>
+                    <a:lstStyle/>
+                    <a:p>
+                      <a:r>
+                        <a:rPr lang="en-US" sz="1600">
+                          <a:solidFill>
+                            <a:schemeClr val="tx1">
+                              <a:lumMod val="85000"/>
+                              <a:lumOff val="15000"/>
+                            </a:schemeClr>
+                          </a:solidFill>
+                        </a:rPr>
+                        <a:t>0.700493</a:t>
+                      </a:r>
+                    </a:p>
+                  </a:txBody>
+                  <a:tcPr marL="137933" marR="82760" marT="82760" marB="82760" anchor="ctr">
+                    <a:lnL w="38100" cap="flat" cmpd="sng" algn="ctr">
+                      <a:solidFill>
+                        <a:srgbClr val="FFFFFF"/>
+                      </a:solidFill>
+                      <a:prstDash val="solid"/>
+                    </a:lnL>
+                    <a:lnR w="38100" cap="flat" cmpd="sng" algn="ctr">
+                      <a:solidFill>
+                        <a:srgbClr val="FFFFFF"/>
+                      </a:solidFill>
+                      <a:prstDash val="solid"/>
+                    </a:lnR>
+                    <a:lnT w="38100" cap="flat" cmpd="sng" algn="ctr">
+                      <a:solidFill>
+                        <a:srgbClr val="FFFFFF"/>
+                      </a:solidFill>
+                      <a:prstDash val="solid"/>
+                    </a:lnT>
+                    <a:lnB w="38100" cap="flat" cmpd="sng" algn="ctr">
+                      <a:solidFill>
+                        <a:srgbClr val="FFFFFF"/>
+                      </a:solidFill>
+                      <a:prstDash val="solid"/>
+                    </a:lnB>
+                    <a:solidFill>
+                      <a:srgbClr val="878E8B">
+                        <a:alpha val="14902"/>
+                      </a:srgbClr>
+                    </a:solidFill>
+                  </a:tcPr>
+                </a:tc>
+                <a:tc>
+                  <a:txBody>
+                    <a:bodyPr/>
+                    <a:lstStyle/>
+                    <a:p>
+                      <a:r>
+                        <a:rPr lang="en-US" sz="1600">
+                          <a:solidFill>
+                            <a:schemeClr val="tx1">
+                              <a:lumMod val="85000"/>
+                              <a:lumOff val="15000"/>
+                            </a:schemeClr>
+                          </a:solidFill>
+                        </a:rPr>
+                        <a:t>1.501518e-15</a:t>
+                      </a:r>
+                    </a:p>
+                  </a:txBody>
+                  <a:tcPr marL="137933" marR="82760" marT="82760" marB="82760" anchor="ctr">
+                    <a:lnL w="38100" cap="flat" cmpd="sng" algn="ctr">
+                      <a:solidFill>
+                        <a:srgbClr val="FFFFFF"/>
+                      </a:solidFill>
+                      <a:prstDash val="solid"/>
+                    </a:lnL>
+                    <a:lnR w="38100" cap="flat" cmpd="sng" algn="ctr">
+                      <a:noFill/>
+                      <a:prstDash val="solid"/>
+                    </a:lnR>
+                    <a:lnT w="38100" cap="flat" cmpd="sng" algn="ctr">
+                      <a:solidFill>
+                        <a:srgbClr val="FFFFFF"/>
+                      </a:solidFill>
+                      <a:prstDash val="solid"/>
+                    </a:lnT>
+                    <a:lnB w="38100" cap="flat" cmpd="sng" algn="ctr">
+                      <a:solidFill>
+                        <a:srgbClr val="FFFFFF"/>
+                      </a:solidFill>
+                      <a:prstDash val="solid"/>
+                    </a:lnB>
+                    <a:solidFill>
+                      <a:srgbClr val="878E8B">
+                        <a:alpha val="14902"/>
+                      </a:srgbClr>
+                    </a:solidFill>
+                  </a:tcPr>
+                </a:tc>
+                <a:extLst>
+                  <a:ext uri="{0D108BD9-81ED-4DB2-BD59-A6C34878D82A}">
+                    <a16:rowId xmlns:a16="http://schemas.microsoft.com/office/drawing/2014/main" val="732028017"/>
+                  </a:ext>
+                </a:extLst>
+              </a:tr>
+              <a:tr h="334719">
+                <a:tc>
+                  <a:txBody>
+                    <a:bodyPr/>
+                    <a:lstStyle/>
+                    <a:p>
+                      <a:r>
+                        <a:rPr lang="en-US" sz="1600" dirty="0" err="1">
+                          <a:solidFill>
+                            <a:schemeClr val="tx1">
+                              <a:lumMod val="85000"/>
+                              <a:lumOff val="15000"/>
+                            </a:schemeClr>
+                          </a:solidFill>
+                        </a:rPr>
+                        <a:t>hap_entertainment</a:t>
+                      </a:r>
+                      <a:endParaRPr lang="en-US" sz="1600" dirty="0">
+                        <a:solidFill>
+                          <a:schemeClr val="tx1">
+                            <a:lumMod val="85000"/>
+                            <a:lumOff val="15000"/>
+                          </a:schemeClr>
+                        </a:solidFill>
+                      </a:endParaRPr>
+                    </a:p>
+                  </a:txBody>
+                  <a:tcPr marL="137933" marR="82760" marT="82760" marB="82760" anchor="ctr">
+                    <a:lnL w="38100" cap="flat" cmpd="sng" algn="ctr">
+                      <a:solidFill>
+                        <a:srgbClr val="FFFFFF"/>
+                      </a:solidFill>
+                      <a:prstDash val="solid"/>
+                    </a:lnL>
+                    <a:lnR w="38100" cap="flat" cmpd="sng" algn="ctr">
+                      <a:solidFill>
+                        <a:srgbClr val="FFFFFF"/>
+                      </a:solidFill>
+                      <a:prstDash val="solid"/>
+                    </a:lnR>
+                    <a:lnT w="38100" cap="flat" cmpd="sng" algn="ctr">
+                      <a:solidFill>
+                        <a:srgbClr val="FFFFFF"/>
+                      </a:solidFill>
+                      <a:prstDash val="solid"/>
+                      <a:round/>
+                      <a:headEnd type="none" w="med" len="med"/>
+                      <a:tailEnd type="none" w="med" len="med"/>
+                    </a:lnT>
+                    <a:lnB w="38100" cap="flat" cmpd="sng" algn="ctr">
+                      <a:solidFill>
+                        <a:srgbClr val="FFFFFF"/>
+                      </a:solidFill>
+                      <a:prstDash val="solid"/>
+                      <a:round/>
+                      <a:headEnd type="none" w="med" len="med"/>
+                      <a:tailEnd type="none" w="med" len="med"/>
+                    </a:lnB>
+                    <a:solidFill>
+                      <a:srgbClr val="878E8B">
+                        <a:alpha val="30196"/>
+                      </a:srgbClr>
+                    </a:solidFill>
+                  </a:tcPr>
+                </a:tc>
+                <a:tc>
+                  <a:txBody>
+                    <a:bodyPr/>
+                    <a:lstStyle/>
+                    <a:p>
+                      <a:r>
+                        <a:rPr lang="en-US" sz="1600" dirty="0" err="1">
+                          <a:solidFill>
+                            <a:schemeClr val="tx1">
+                              <a:lumMod val="85000"/>
+                              <a:lumOff val="15000"/>
+                            </a:schemeClr>
+                          </a:solidFill>
+                        </a:rPr>
+                        <a:t>health_rank</a:t>
+                      </a:r>
+                      <a:endParaRPr lang="en-US" sz="1600" dirty="0">
+                        <a:solidFill>
+                          <a:schemeClr val="tx1">
+                            <a:lumMod val="85000"/>
+                            <a:lumOff val="15000"/>
+                          </a:schemeClr>
+                        </a:solidFill>
+                      </a:endParaRPr>
+                    </a:p>
+                  </a:txBody>
+                  <a:tcPr marL="137933" marR="82760" marT="82760" marB="82760" anchor="ctr">
+                    <a:lnL w="38100" cap="flat" cmpd="sng" algn="ctr">
+                      <a:solidFill>
+                        <a:srgbClr val="FFFFFF"/>
+                      </a:solidFill>
+                      <a:prstDash val="solid"/>
+                    </a:lnL>
+                    <a:lnR w="38100" cap="flat" cmpd="sng" algn="ctr">
+                      <a:solidFill>
+                        <a:srgbClr val="FFFFFF"/>
+                      </a:solidFill>
+                      <a:prstDash val="solid"/>
+                    </a:lnR>
+                    <a:lnT w="38100" cap="flat" cmpd="sng" algn="ctr">
+                      <a:solidFill>
+                        <a:srgbClr val="FFFFFF"/>
+                      </a:solidFill>
+                      <a:prstDash val="solid"/>
+                    </a:lnT>
+                    <a:lnB w="38100" cap="flat" cmpd="sng" algn="ctr">
+                      <a:solidFill>
+                        <a:srgbClr val="FFFFFF"/>
+                      </a:solidFill>
+                      <a:prstDash val="solid"/>
+                    </a:lnB>
+                    <a:solidFill>
+                      <a:srgbClr val="878E8B">
+                        <a:alpha val="30196"/>
+                      </a:srgbClr>
+                    </a:solidFill>
+                  </a:tcPr>
+                </a:tc>
+                <a:tc>
+                  <a:txBody>
+                    <a:bodyPr/>
+                    <a:lstStyle/>
+                    <a:p>
+                      <a:r>
+                        <a:rPr lang="en-US" sz="1600">
+                          <a:solidFill>
+                            <a:schemeClr val="tx1">
+                              <a:lumMod val="85000"/>
+                              <a:lumOff val="15000"/>
+                            </a:schemeClr>
+                          </a:solidFill>
+                        </a:rPr>
+                        <a:t>0.692889</a:t>
+                      </a:r>
+                    </a:p>
+                  </a:txBody>
+                  <a:tcPr marL="137933" marR="82760" marT="82760" marB="82760" anchor="ctr">
+                    <a:lnL w="38100" cap="flat" cmpd="sng" algn="ctr">
+                      <a:solidFill>
+                        <a:srgbClr val="FFFFFF"/>
+                      </a:solidFill>
+                      <a:prstDash val="solid"/>
+                    </a:lnL>
+                    <a:lnR w="38100" cap="flat" cmpd="sng" algn="ctr">
+                      <a:solidFill>
+                        <a:srgbClr val="FFFFFF"/>
+                      </a:solidFill>
+                      <a:prstDash val="solid"/>
+                    </a:lnR>
+                    <a:lnT w="38100" cap="flat" cmpd="sng" algn="ctr">
+                      <a:solidFill>
+                        <a:srgbClr val="FFFFFF"/>
+                      </a:solidFill>
+                      <a:prstDash val="solid"/>
+                    </a:lnT>
+                    <a:lnB w="38100" cap="flat" cmpd="sng" algn="ctr">
+                      <a:solidFill>
+                        <a:srgbClr val="FFFFFF"/>
+                      </a:solidFill>
+                      <a:prstDash val="solid"/>
+                    </a:lnB>
+                    <a:solidFill>
+                      <a:srgbClr val="878E8B">
+                        <a:alpha val="30196"/>
+                      </a:srgbClr>
+                    </a:solidFill>
+                  </a:tcPr>
+                </a:tc>
+                <a:tc>
+                  <a:txBody>
+                    <a:bodyPr/>
+                    <a:lstStyle/>
+                    <a:p>
+                      <a:r>
+                        <a:rPr lang="en-US" sz="1600">
+                          <a:solidFill>
+                            <a:schemeClr val="tx1">
+                              <a:lumMod val="85000"/>
+                              <a:lumOff val="15000"/>
+                            </a:schemeClr>
+                          </a:solidFill>
+                        </a:rPr>
+                        <a:t>6.754246e-15</a:t>
+                      </a:r>
+                    </a:p>
+                  </a:txBody>
+                  <a:tcPr marL="137933" marR="82760" marT="82760" marB="82760" anchor="ctr">
+                    <a:lnL w="38100" cap="flat" cmpd="sng" algn="ctr">
+                      <a:solidFill>
+                        <a:srgbClr val="FFFFFF"/>
+                      </a:solidFill>
+                      <a:prstDash val="solid"/>
+                    </a:lnL>
+                    <a:lnR w="12700" cmpd="sng">
+                      <a:noFill/>
+                      <a:prstDash val="solid"/>
+                    </a:lnR>
+                    <a:lnT w="38100" cap="flat" cmpd="sng" algn="ctr">
+                      <a:solidFill>
+                        <a:srgbClr val="FFFFFF"/>
+                      </a:solidFill>
+                      <a:prstDash val="solid"/>
+                    </a:lnT>
+                    <a:lnB w="38100" cap="flat" cmpd="sng" algn="ctr">
+                      <a:solidFill>
+                        <a:srgbClr val="FFFFFF"/>
+                      </a:solidFill>
+                      <a:prstDash val="solid"/>
+                    </a:lnB>
+                    <a:solidFill>
+                      <a:srgbClr val="878E8B">
+                        <a:alpha val="30196"/>
+                      </a:srgbClr>
+                    </a:solidFill>
+                  </a:tcPr>
+                </a:tc>
+                <a:extLst>
+                  <a:ext uri="{0D108BD9-81ED-4DB2-BD59-A6C34878D82A}">
+                    <a16:rowId xmlns:a16="http://schemas.microsoft.com/office/drawing/2014/main" val="1786122550"/>
+                  </a:ext>
+                </a:extLst>
+              </a:tr>
+              <a:tr h="334719">
+                <a:tc>
+                  <a:txBody>
+                    <a:bodyPr/>
+                    <a:lstStyle/>
+                    <a:p>
+                      <a:r>
+                        <a:rPr lang="en-US" sz="1600">
+                          <a:solidFill>
+                            <a:schemeClr val="tx1">
+                              <a:lumMod val="85000"/>
+                              <a:lumOff val="15000"/>
+                            </a:schemeClr>
+                          </a:solidFill>
+                        </a:rPr>
+                        <a:t>greenspace_rank</a:t>
+                      </a:r>
+                    </a:p>
+                  </a:txBody>
+                  <a:tcPr marL="137933" marR="82760" marT="82760" marB="82760" anchor="ctr">
+                    <a:lnL w="38100" cap="flat" cmpd="sng" algn="ctr">
+                      <a:solidFill>
+                        <a:srgbClr val="FFFFFF"/>
+                      </a:solidFill>
+                      <a:prstDash val="solid"/>
+                    </a:lnL>
+                    <a:lnR w="38100" cap="flat" cmpd="sng" algn="ctr">
+                      <a:solidFill>
+                        <a:srgbClr val="FFFFFF"/>
+                      </a:solidFill>
+                      <a:prstDash val="solid"/>
+                    </a:lnR>
+                    <a:lnT w="38100" cap="flat" cmpd="sng" algn="ctr">
+                      <a:solidFill>
+                        <a:srgbClr val="FFFFFF"/>
+                      </a:solidFill>
+                      <a:prstDash val="solid"/>
+                      <a:round/>
+                      <a:headEnd type="none" w="med" len="med"/>
+                      <a:tailEnd type="none" w="med" len="med"/>
+                    </a:lnT>
+                    <a:lnB w="38100" cap="flat" cmpd="sng" algn="ctr">
+                      <a:solidFill>
+                        <a:srgbClr val="FFFFFF"/>
+                      </a:solidFill>
+                      <a:prstDash val="solid"/>
+                      <a:round/>
+                      <a:headEnd type="none" w="med" len="med"/>
+                      <a:tailEnd type="none" w="med" len="med"/>
+                    </a:lnB>
+                    <a:solidFill>
+                      <a:srgbClr val="878E8B">
+                        <a:alpha val="14902"/>
+                      </a:srgbClr>
+                    </a:solidFill>
+                  </a:tcPr>
+                </a:tc>
+                <a:tc>
+                  <a:txBody>
+                    <a:bodyPr/>
+                    <a:lstStyle/>
+                    <a:p>
+                      <a:r>
+                        <a:rPr lang="en-US" sz="1600" dirty="0">
+                          <a:solidFill>
+                            <a:schemeClr val="tx1">
+                              <a:lumMod val="85000"/>
+                              <a:lumOff val="15000"/>
+                            </a:schemeClr>
+                          </a:solidFill>
+                        </a:rPr>
+                        <a:t>parks</a:t>
+                      </a:r>
+                    </a:p>
+                  </a:txBody>
+                  <a:tcPr marL="137933" marR="82760" marT="82760" marB="82760" anchor="ctr">
+                    <a:lnL w="38100" cap="flat" cmpd="sng" algn="ctr">
+                      <a:solidFill>
+                        <a:srgbClr val="FFFFFF"/>
+                      </a:solidFill>
+                      <a:prstDash val="solid"/>
+                    </a:lnL>
+                    <a:lnR w="38100" cap="flat" cmpd="sng" algn="ctr">
+                      <a:solidFill>
+                        <a:srgbClr val="FFFFFF"/>
+                      </a:solidFill>
+                      <a:prstDash val="solid"/>
+                    </a:lnR>
+                    <a:lnT w="38100" cap="flat" cmpd="sng" algn="ctr">
+                      <a:solidFill>
+                        <a:srgbClr val="FFFFFF"/>
+                      </a:solidFill>
+                      <a:prstDash val="solid"/>
+                    </a:lnT>
+                    <a:lnB w="38100" cap="flat" cmpd="sng" algn="ctr">
+                      <a:solidFill>
+                        <a:srgbClr val="FFFFFF"/>
+                      </a:solidFill>
+                      <a:prstDash val="solid"/>
+                    </a:lnB>
+                    <a:solidFill>
+                      <a:srgbClr val="878E8B">
+                        <a:alpha val="14902"/>
+                      </a:srgbClr>
+                    </a:solidFill>
+                  </a:tcPr>
+                </a:tc>
+                <a:tc>
+                  <a:txBody>
+                    <a:bodyPr/>
+                    <a:lstStyle/>
+                    <a:p>
+                      <a:r>
+                        <a:rPr lang="en-US" sz="1600">
+                          <a:solidFill>
+                            <a:schemeClr val="tx1">
+                              <a:lumMod val="85000"/>
+                              <a:lumOff val="15000"/>
+                            </a:schemeClr>
+                          </a:solidFill>
+                        </a:rPr>
+                        <a:t>0.684114</a:t>
+                      </a:r>
+                    </a:p>
+                  </a:txBody>
+                  <a:tcPr marL="137933" marR="82760" marT="82760" marB="82760" anchor="ctr">
+                    <a:lnL w="38100" cap="flat" cmpd="sng" algn="ctr">
+                      <a:solidFill>
+                        <a:srgbClr val="FFFFFF"/>
+                      </a:solidFill>
+                      <a:prstDash val="solid"/>
+                    </a:lnL>
+                    <a:lnR w="38100" cap="flat" cmpd="sng" algn="ctr">
+                      <a:solidFill>
+                        <a:srgbClr val="FFFFFF"/>
+                      </a:solidFill>
+                      <a:prstDash val="solid"/>
+                    </a:lnR>
+                    <a:lnT w="38100" cap="flat" cmpd="sng" algn="ctr">
+                      <a:solidFill>
+                        <a:srgbClr val="FFFFFF"/>
+                      </a:solidFill>
+                      <a:prstDash val="solid"/>
+                    </a:lnT>
+                    <a:lnB w="38100" cap="flat" cmpd="sng" algn="ctr">
+                      <a:solidFill>
+                        <a:srgbClr val="FFFFFF"/>
+                      </a:solidFill>
+                      <a:prstDash val="solid"/>
+                    </a:lnB>
+                    <a:solidFill>
+                      <a:srgbClr val="878E8B">
+                        <a:alpha val="14902"/>
+                      </a:srgbClr>
+                    </a:solidFill>
+                  </a:tcPr>
+                </a:tc>
+                <a:tc>
+                  <a:txBody>
+                    <a:bodyPr/>
+                    <a:lstStyle/>
+                    <a:p>
+                      <a:r>
+                        <a:rPr lang="en-US" sz="1600">
+                          <a:solidFill>
+                            <a:schemeClr val="tx1">
+                              <a:lumMod val="85000"/>
+                              <a:lumOff val="15000"/>
+                            </a:schemeClr>
+                          </a:solidFill>
+                        </a:rPr>
+                        <a:t>1.501518e-15</a:t>
+                      </a:r>
+                    </a:p>
+                  </a:txBody>
+                  <a:tcPr marL="137933" marR="82760" marT="82760" marB="82760" anchor="ctr">
+                    <a:lnL w="38100" cap="flat" cmpd="sng" algn="ctr">
+                      <a:solidFill>
+                        <a:srgbClr val="FFFFFF"/>
+                      </a:solidFill>
+                      <a:prstDash val="solid"/>
+                    </a:lnL>
+                    <a:lnR w="38100" cap="flat" cmpd="sng" algn="ctr">
+                      <a:noFill/>
+                      <a:prstDash val="solid"/>
+                    </a:lnR>
+                    <a:lnT w="38100" cap="flat" cmpd="sng" algn="ctr">
+                      <a:solidFill>
+                        <a:srgbClr val="FFFFFF"/>
+                      </a:solidFill>
+                      <a:prstDash val="solid"/>
+                    </a:lnT>
+                    <a:lnB w="38100" cap="flat" cmpd="sng" algn="ctr">
+                      <a:solidFill>
+                        <a:srgbClr val="FFFFFF"/>
+                      </a:solidFill>
+                      <a:prstDash val="solid"/>
+                    </a:lnB>
+                    <a:solidFill>
+                      <a:srgbClr val="878E8B">
+                        <a:alpha val="14902"/>
+                      </a:srgbClr>
+                    </a:solidFill>
+                  </a:tcPr>
+                </a:tc>
+                <a:extLst>
+                  <a:ext uri="{0D108BD9-81ED-4DB2-BD59-A6C34878D82A}">
+                    <a16:rowId xmlns:a16="http://schemas.microsoft.com/office/drawing/2014/main" val="1403559940"/>
+                  </a:ext>
+                </a:extLst>
+              </a:tr>
+              <a:tr h="334719">
+                <a:tc>
+                  <a:txBody>
+                    <a:bodyPr/>
+                    <a:lstStyle/>
+                    <a:p>
+                      <a:r>
+                        <a:rPr lang="en-US" sz="1600">
+                          <a:solidFill>
+                            <a:schemeClr val="tx1">
+                              <a:lumMod val="85000"/>
+                              <a:lumOff val="15000"/>
+                            </a:schemeClr>
+                          </a:solidFill>
+                        </a:rPr>
+                        <a:t>health_rank</a:t>
+                      </a:r>
+                    </a:p>
+                  </a:txBody>
+                  <a:tcPr marL="137933" marR="82760" marT="82760" marB="82760" anchor="ctr">
+                    <a:lnL w="38100" cap="flat" cmpd="sng" algn="ctr">
+                      <a:solidFill>
+                        <a:srgbClr val="FFFFFF"/>
+                      </a:solidFill>
+                      <a:prstDash val="solid"/>
+                    </a:lnL>
+                    <a:lnR w="38100" cap="flat" cmpd="sng" algn="ctr">
+                      <a:solidFill>
+                        <a:srgbClr val="FFFFFF"/>
+                      </a:solidFill>
+                      <a:prstDash val="solid"/>
+                    </a:lnR>
+                    <a:lnT w="38100" cap="flat" cmpd="sng" algn="ctr">
+                      <a:solidFill>
+                        <a:srgbClr val="FFFFFF"/>
+                      </a:solidFill>
+                      <a:prstDash val="solid"/>
+                      <a:round/>
+                      <a:headEnd type="none" w="med" len="med"/>
+                      <a:tailEnd type="none" w="med" len="med"/>
+                    </a:lnT>
+                    <a:lnB w="38100" cap="flat" cmpd="sng" algn="ctr">
+                      <a:solidFill>
+                        <a:srgbClr val="FFFFFF"/>
+                      </a:solidFill>
+                      <a:prstDash val="solid"/>
+                      <a:round/>
+                      <a:headEnd type="none" w="med" len="med"/>
+                      <a:tailEnd type="none" w="med" len="med"/>
+                    </a:lnB>
+                    <a:solidFill>
+                      <a:srgbClr val="878E8B">
+                        <a:alpha val="30196"/>
+                      </a:srgbClr>
+                    </a:solidFill>
+                  </a:tcPr>
+                </a:tc>
+                <a:tc>
+                  <a:txBody>
+                    <a:bodyPr/>
+                    <a:lstStyle/>
+                    <a:p>
+                      <a:r>
+                        <a:rPr lang="en-US" sz="1600" dirty="0" err="1">
+                          <a:solidFill>
+                            <a:schemeClr val="tx1">
+                              <a:lumMod val="85000"/>
+                              <a:lumOff val="15000"/>
+                            </a:schemeClr>
+                          </a:solidFill>
+                        </a:rPr>
+                        <a:t>hap_entertainment</a:t>
+                      </a:r>
+                      <a:endParaRPr lang="en-US" sz="1600" dirty="0">
+                        <a:solidFill>
+                          <a:schemeClr val="tx1">
+                            <a:lumMod val="85000"/>
+                            <a:lumOff val="15000"/>
+                          </a:schemeClr>
+                        </a:solidFill>
+                      </a:endParaRPr>
+                    </a:p>
+                  </a:txBody>
+                  <a:tcPr marL="137933" marR="82760" marT="82760" marB="82760" anchor="ctr">
+                    <a:lnL w="38100" cap="flat" cmpd="sng" algn="ctr">
+                      <a:solidFill>
+                        <a:srgbClr val="FFFFFF"/>
+                      </a:solidFill>
+                      <a:prstDash val="solid"/>
+                    </a:lnL>
+                    <a:lnR w="38100" cap="flat" cmpd="sng" algn="ctr">
+                      <a:solidFill>
+                        <a:srgbClr val="FFFFFF"/>
+                      </a:solidFill>
+                      <a:prstDash val="solid"/>
+                    </a:lnR>
+                    <a:lnT w="38100" cap="flat" cmpd="sng" algn="ctr">
+                      <a:solidFill>
+                        <a:srgbClr val="FFFFFF"/>
+                      </a:solidFill>
+                      <a:prstDash val="solid"/>
+                    </a:lnT>
+                    <a:lnB w="38100" cap="flat" cmpd="sng" algn="ctr">
+                      <a:solidFill>
+                        <a:srgbClr val="FFFFFF"/>
+                      </a:solidFill>
+                      <a:prstDash val="solid"/>
+                    </a:lnB>
+                    <a:solidFill>
+                      <a:srgbClr val="878E8B">
+                        <a:alpha val="30196"/>
+                      </a:srgbClr>
+                    </a:solidFill>
+                  </a:tcPr>
+                </a:tc>
+                <a:tc>
+                  <a:txBody>
+                    <a:bodyPr/>
+                    <a:lstStyle/>
+                    <a:p>
+                      <a:r>
+                        <a:rPr lang="en-US" sz="1600">
+                          <a:solidFill>
+                            <a:schemeClr val="tx1">
+                              <a:lumMod val="85000"/>
+                              <a:lumOff val="15000"/>
+                            </a:schemeClr>
+                          </a:solidFill>
+                        </a:rPr>
+                        <a:t>0.668457</a:t>
+                      </a:r>
+                    </a:p>
+                  </a:txBody>
+                  <a:tcPr marL="137933" marR="82760" marT="82760" marB="82760" anchor="ctr">
+                    <a:lnL w="38100" cap="flat" cmpd="sng" algn="ctr">
+                      <a:solidFill>
+                        <a:srgbClr val="FFFFFF"/>
+                      </a:solidFill>
+                      <a:prstDash val="solid"/>
+                    </a:lnL>
+                    <a:lnR w="38100" cap="flat" cmpd="sng" algn="ctr">
+                      <a:solidFill>
+                        <a:srgbClr val="FFFFFF"/>
+                      </a:solidFill>
+                      <a:prstDash val="solid"/>
+                    </a:lnR>
+                    <a:lnT w="38100" cap="flat" cmpd="sng" algn="ctr">
+                      <a:solidFill>
+                        <a:srgbClr val="FFFFFF"/>
+                      </a:solidFill>
+                      <a:prstDash val="solid"/>
+                    </a:lnT>
+                    <a:lnB w="38100" cap="flat" cmpd="sng" algn="ctr">
+                      <a:solidFill>
+                        <a:srgbClr val="FFFFFF"/>
+                      </a:solidFill>
+                      <a:prstDash val="solid"/>
+                    </a:lnB>
+                    <a:solidFill>
+                      <a:srgbClr val="878E8B">
+                        <a:alpha val="30196"/>
+                      </a:srgbClr>
+                    </a:solidFill>
+                  </a:tcPr>
+                </a:tc>
+                <a:tc>
+                  <a:txBody>
+                    <a:bodyPr/>
+                    <a:lstStyle/>
+                    <a:p>
+                      <a:r>
+                        <a:rPr lang="en-US" sz="1600">
+                          <a:solidFill>
+                            <a:schemeClr val="tx1">
+                              <a:lumMod val="85000"/>
+                              <a:lumOff val="15000"/>
+                            </a:schemeClr>
+                          </a:solidFill>
+                        </a:rPr>
+                        <a:t>6.754246e-15</a:t>
+                      </a:r>
+                    </a:p>
+                  </a:txBody>
+                  <a:tcPr marL="137933" marR="82760" marT="82760" marB="82760" anchor="ctr">
+                    <a:lnL w="38100" cap="flat" cmpd="sng" algn="ctr">
+                      <a:solidFill>
+                        <a:srgbClr val="FFFFFF"/>
+                      </a:solidFill>
+                      <a:prstDash val="solid"/>
+                    </a:lnL>
+                    <a:lnR w="12700" cmpd="sng">
+                      <a:noFill/>
+                      <a:prstDash val="solid"/>
+                    </a:lnR>
+                    <a:lnT w="38100" cap="flat" cmpd="sng" algn="ctr">
+                      <a:solidFill>
+                        <a:srgbClr val="FFFFFF"/>
+                      </a:solidFill>
+                      <a:prstDash val="solid"/>
+                    </a:lnT>
+                    <a:lnB w="38100" cap="flat" cmpd="sng" algn="ctr">
+                      <a:solidFill>
+                        <a:srgbClr val="FFFFFF"/>
+                      </a:solidFill>
+                      <a:prstDash val="solid"/>
+                    </a:lnB>
+                    <a:solidFill>
+                      <a:srgbClr val="878E8B">
+                        <a:alpha val="30196"/>
+                      </a:srgbClr>
+                    </a:solidFill>
+                  </a:tcPr>
+                </a:tc>
+                <a:extLst>
+                  <a:ext uri="{0D108BD9-81ED-4DB2-BD59-A6C34878D82A}">
+                    <a16:rowId xmlns:a16="http://schemas.microsoft.com/office/drawing/2014/main" val="3732989622"/>
+                  </a:ext>
+                </a:extLst>
+              </a:tr>
+              <a:tr h="334719">
+                <a:tc>
+                  <a:txBody>
+                    <a:bodyPr/>
+                    <a:lstStyle/>
+                    <a:p>
+                      <a:r>
+                        <a:rPr lang="en-US" sz="1600">
+                          <a:solidFill>
+                            <a:schemeClr val="tx1">
+                              <a:lumMod val="85000"/>
+                              <a:lumOff val="15000"/>
+                            </a:schemeClr>
+                          </a:solidFill>
+                        </a:rPr>
+                        <a:t>greenspace_rank</a:t>
+                      </a:r>
+                    </a:p>
+                  </a:txBody>
+                  <a:tcPr marL="137933" marR="82760" marT="82760" marB="82760" anchor="ctr">
+                    <a:lnL w="38100" cap="flat" cmpd="sng" algn="ctr">
+                      <a:solidFill>
+                        <a:srgbClr val="FFFFFF"/>
+                      </a:solidFill>
+                      <a:prstDash val="solid"/>
+                    </a:lnL>
+                    <a:lnR w="38100" cap="flat" cmpd="sng" algn="ctr">
+                      <a:solidFill>
+                        <a:srgbClr val="FFFFFF"/>
+                      </a:solidFill>
+                      <a:prstDash val="solid"/>
+                    </a:lnR>
+                    <a:lnT w="38100" cap="flat" cmpd="sng" algn="ctr">
+                      <a:solidFill>
+                        <a:srgbClr val="FFFFFF"/>
+                      </a:solidFill>
+                      <a:prstDash val="solid"/>
+                      <a:round/>
+                      <a:headEnd type="none" w="med" len="med"/>
+                      <a:tailEnd type="none" w="med" len="med"/>
+                    </a:lnT>
+                    <a:lnB w="38100" cap="flat" cmpd="sng" algn="ctr">
+                      <a:solidFill>
+                        <a:srgbClr val="FFFFFF"/>
+                      </a:solidFill>
+                      <a:prstDash val="solid"/>
+                      <a:round/>
+                      <a:headEnd type="none" w="med" len="med"/>
+                      <a:tailEnd type="none" w="med" len="med"/>
+                    </a:lnB>
+                    <a:solidFill>
+                      <a:srgbClr val="878E8B">
+                        <a:alpha val="14902"/>
+                      </a:srgbClr>
+                    </a:solidFill>
+                  </a:tcPr>
+                </a:tc>
+                <a:tc>
+                  <a:txBody>
+                    <a:bodyPr/>
+                    <a:lstStyle/>
+                    <a:p>
+                      <a:r>
+                        <a:rPr lang="en-US" sz="1600" dirty="0" err="1">
+                          <a:solidFill>
+                            <a:schemeClr val="tx1">
+                              <a:lumMod val="85000"/>
+                              <a:lumOff val="15000"/>
+                            </a:schemeClr>
+                          </a:solidFill>
+                        </a:rPr>
+                        <a:t>health_rank</a:t>
+                      </a:r>
+                      <a:endParaRPr lang="en-US" sz="1600" dirty="0">
+                        <a:solidFill>
+                          <a:schemeClr val="tx1">
+                            <a:lumMod val="85000"/>
+                            <a:lumOff val="15000"/>
+                          </a:schemeClr>
+                        </a:solidFill>
+                      </a:endParaRPr>
+                    </a:p>
+                  </a:txBody>
+                  <a:tcPr marL="137933" marR="82760" marT="82760" marB="82760" anchor="ctr">
+                    <a:lnL w="38100" cap="flat" cmpd="sng" algn="ctr">
+                      <a:solidFill>
+                        <a:srgbClr val="FFFFFF"/>
+                      </a:solidFill>
+                      <a:prstDash val="solid"/>
+                    </a:lnL>
+                    <a:lnR w="38100" cap="flat" cmpd="sng" algn="ctr">
+                      <a:solidFill>
+                        <a:srgbClr val="FFFFFF"/>
+                      </a:solidFill>
+                      <a:prstDash val="solid"/>
+                    </a:lnR>
+                    <a:lnT w="38100" cap="flat" cmpd="sng" algn="ctr">
+                      <a:solidFill>
+                        <a:srgbClr val="FFFFFF"/>
+                      </a:solidFill>
+                      <a:prstDash val="solid"/>
+                    </a:lnT>
+                    <a:lnB w="38100" cap="flat" cmpd="sng" algn="ctr">
+                      <a:solidFill>
+                        <a:srgbClr val="FFFFFF"/>
+                      </a:solidFill>
+                      <a:prstDash val="solid"/>
+                    </a:lnB>
+                    <a:solidFill>
+                      <a:srgbClr val="878E8B">
+                        <a:alpha val="14902"/>
+                      </a:srgbClr>
+                    </a:solidFill>
+                  </a:tcPr>
+                </a:tc>
+                <a:tc>
+                  <a:txBody>
+                    <a:bodyPr/>
+                    <a:lstStyle/>
+                    <a:p>
+                      <a:r>
+                        <a:rPr lang="en-US" sz="1600">
+                          <a:solidFill>
+                            <a:schemeClr val="tx1">
+                              <a:lumMod val="85000"/>
+                              <a:lumOff val="15000"/>
+                            </a:schemeClr>
+                          </a:solidFill>
+                        </a:rPr>
+                        <a:t>0.574157</a:t>
+                      </a:r>
+                    </a:p>
+                  </a:txBody>
+                  <a:tcPr marL="137933" marR="82760" marT="82760" marB="82760" anchor="ctr">
+                    <a:lnL w="38100" cap="flat" cmpd="sng" algn="ctr">
+                      <a:solidFill>
+                        <a:srgbClr val="FFFFFF"/>
+                      </a:solidFill>
+                      <a:prstDash val="solid"/>
+                    </a:lnL>
+                    <a:lnR w="38100" cap="flat" cmpd="sng" algn="ctr">
+                      <a:solidFill>
+                        <a:srgbClr val="FFFFFF"/>
+                      </a:solidFill>
+                      <a:prstDash val="solid"/>
+                    </a:lnR>
+                    <a:lnT w="38100" cap="flat" cmpd="sng" algn="ctr">
+                      <a:solidFill>
+                        <a:srgbClr val="FFFFFF"/>
+                      </a:solidFill>
+                      <a:prstDash val="solid"/>
+                    </a:lnT>
+                    <a:lnB w="38100" cap="flat" cmpd="sng" algn="ctr">
+                      <a:solidFill>
+                        <a:srgbClr val="FFFFFF"/>
+                      </a:solidFill>
+                      <a:prstDash val="solid"/>
+                    </a:lnB>
+                    <a:solidFill>
+                      <a:srgbClr val="878E8B">
+                        <a:alpha val="14902"/>
+                      </a:srgbClr>
+                    </a:solidFill>
+                  </a:tcPr>
+                </a:tc>
+                <a:tc>
+                  <a:txBody>
+                    <a:bodyPr/>
+                    <a:lstStyle/>
+                    <a:p>
+                      <a:r>
+                        <a:rPr lang="en-US" sz="1600">
+                          <a:solidFill>
+                            <a:schemeClr val="tx1">
+                              <a:lumMod val="85000"/>
+                              <a:lumOff val="15000"/>
+                            </a:schemeClr>
+                          </a:solidFill>
+                        </a:rPr>
+                        <a:t>8.273011e-10</a:t>
+                      </a:r>
+                    </a:p>
+                  </a:txBody>
+                  <a:tcPr marL="137933" marR="82760" marT="82760" marB="82760" anchor="ctr">
+                    <a:lnL w="38100" cap="flat" cmpd="sng" algn="ctr">
+                      <a:solidFill>
+                        <a:srgbClr val="FFFFFF"/>
+                      </a:solidFill>
+                      <a:prstDash val="solid"/>
+                    </a:lnL>
+                    <a:lnR w="38100" cap="flat" cmpd="sng" algn="ctr">
+                      <a:noFill/>
+                      <a:prstDash val="solid"/>
+                    </a:lnR>
+                    <a:lnT w="38100" cap="flat" cmpd="sng" algn="ctr">
+                      <a:solidFill>
+                        <a:srgbClr val="FFFFFF"/>
+                      </a:solidFill>
+                      <a:prstDash val="solid"/>
+                    </a:lnT>
+                    <a:lnB w="38100" cap="flat" cmpd="sng" algn="ctr">
+                      <a:solidFill>
+                        <a:srgbClr val="FFFFFF"/>
+                      </a:solidFill>
+                      <a:prstDash val="solid"/>
+                    </a:lnB>
+                    <a:solidFill>
+                      <a:srgbClr val="878E8B">
+                        <a:alpha val="14902"/>
+                      </a:srgbClr>
+                    </a:solidFill>
+                  </a:tcPr>
+                </a:tc>
+                <a:extLst>
+                  <a:ext uri="{0D108BD9-81ED-4DB2-BD59-A6C34878D82A}">
+                    <a16:rowId xmlns:a16="http://schemas.microsoft.com/office/drawing/2014/main" val="2310936665"/>
+                  </a:ext>
+                </a:extLst>
+              </a:tr>
+              <a:tr h="334719">
+                <a:tc>
+                  <a:txBody>
+                    <a:bodyPr/>
+                    <a:lstStyle/>
+                    <a:p>
+                      <a:r>
+                        <a:rPr lang="en-US" sz="1600">
+                          <a:solidFill>
+                            <a:schemeClr val="tx1">
+                              <a:lumMod val="85000"/>
+                              <a:lumOff val="15000"/>
+                            </a:schemeClr>
+                          </a:solidFill>
+                        </a:rPr>
+                        <a:t>hap_entertainment</a:t>
+                      </a:r>
+                    </a:p>
+                  </a:txBody>
+                  <a:tcPr marL="137933" marR="82760" marT="82760" marB="82760" anchor="ctr">
+                    <a:lnL w="38100" cap="flat" cmpd="sng" algn="ctr">
+                      <a:solidFill>
+                        <a:srgbClr val="FFFFFF"/>
+                      </a:solidFill>
+                      <a:prstDash val="solid"/>
+                    </a:lnL>
+                    <a:lnR w="38100" cap="flat" cmpd="sng" algn="ctr">
+                      <a:solidFill>
+                        <a:srgbClr val="FFFFFF"/>
+                      </a:solidFill>
+                      <a:prstDash val="solid"/>
+                    </a:lnR>
+                    <a:lnT w="38100" cap="flat" cmpd="sng" algn="ctr">
+                      <a:solidFill>
+                        <a:srgbClr val="FFFFFF"/>
+                      </a:solidFill>
+                      <a:prstDash val="solid"/>
+                      <a:round/>
+                      <a:headEnd type="none" w="med" len="med"/>
+                      <a:tailEnd type="none" w="med" len="med"/>
+                    </a:lnT>
+                    <a:lnB w="38100" cap="flat" cmpd="sng" algn="ctr">
+                      <a:solidFill>
+                        <a:srgbClr val="FFFFFF"/>
+                      </a:solidFill>
+                      <a:prstDash val="solid"/>
+                      <a:round/>
+                      <a:headEnd type="none" w="med" len="med"/>
+                      <a:tailEnd type="none" w="med" len="med"/>
+                    </a:lnB>
+                    <a:solidFill>
+                      <a:srgbClr val="878E8B">
+                        <a:alpha val="30196"/>
+                      </a:srgbClr>
+                    </a:solidFill>
+                  </a:tcPr>
+                </a:tc>
+                <a:tc>
+                  <a:txBody>
+                    <a:bodyPr/>
+                    <a:lstStyle/>
+                    <a:p>
+                      <a:r>
+                        <a:rPr lang="en-US" sz="1600" dirty="0" err="1">
+                          <a:solidFill>
+                            <a:schemeClr val="tx1">
+                              <a:lumMod val="85000"/>
+                              <a:lumOff val="15000"/>
+                            </a:schemeClr>
+                          </a:solidFill>
+                        </a:rPr>
+                        <a:t>income_employment</a:t>
+                      </a:r>
+                      <a:endParaRPr lang="en-US" sz="1600" dirty="0">
+                        <a:solidFill>
+                          <a:schemeClr val="tx1">
+                            <a:lumMod val="85000"/>
+                            <a:lumOff val="15000"/>
+                          </a:schemeClr>
+                        </a:solidFill>
+                      </a:endParaRPr>
+                    </a:p>
+                  </a:txBody>
+                  <a:tcPr marL="137933" marR="82760" marT="82760" marB="82760" anchor="ctr">
+                    <a:lnL w="38100" cap="flat" cmpd="sng" algn="ctr">
+                      <a:solidFill>
+                        <a:srgbClr val="FFFFFF"/>
+                      </a:solidFill>
+                      <a:prstDash val="solid"/>
+                    </a:lnL>
+                    <a:lnR w="38100" cap="flat" cmpd="sng" algn="ctr">
+                      <a:solidFill>
+                        <a:srgbClr val="FFFFFF"/>
+                      </a:solidFill>
+                      <a:prstDash val="solid"/>
+                    </a:lnR>
+                    <a:lnT w="38100" cap="flat" cmpd="sng" algn="ctr">
+                      <a:solidFill>
+                        <a:srgbClr val="FFFFFF"/>
+                      </a:solidFill>
+                      <a:prstDash val="solid"/>
+                    </a:lnT>
+                    <a:lnB w="38100" cap="flat" cmpd="sng" algn="ctr">
+                      <a:solidFill>
+                        <a:srgbClr val="FFFFFF"/>
+                      </a:solidFill>
+                      <a:prstDash val="solid"/>
+                    </a:lnB>
+                    <a:solidFill>
+                      <a:srgbClr val="878E8B">
+                        <a:alpha val="30196"/>
+                      </a:srgbClr>
+                    </a:solidFill>
+                  </a:tcPr>
+                </a:tc>
+                <a:tc>
+                  <a:txBody>
+                    <a:bodyPr/>
+                    <a:lstStyle/>
+                    <a:p>
+                      <a:r>
+                        <a:rPr lang="en-US" sz="1600" dirty="0">
+                          <a:solidFill>
+                            <a:schemeClr val="tx1">
+                              <a:lumMod val="85000"/>
+                              <a:lumOff val="15000"/>
+                            </a:schemeClr>
+                          </a:solidFill>
+                        </a:rPr>
+                        <a:t>0.572916</a:t>
+                      </a:r>
+                    </a:p>
+                  </a:txBody>
+                  <a:tcPr marL="137933" marR="82760" marT="82760" marB="82760" anchor="ctr">
+                    <a:lnL w="38100" cap="flat" cmpd="sng" algn="ctr">
+                      <a:solidFill>
+                        <a:srgbClr val="FFFFFF"/>
+                      </a:solidFill>
+                      <a:prstDash val="solid"/>
+                    </a:lnL>
+                    <a:lnR w="38100" cap="flat" cmpd="sng" algn="ctr">
+                      <a:solidFill>
+                        <a:srgbClr val="FFFFFF"/>
+                      </a:solidFill>
+                      <a:prstDash val="solid"/>
+                    </a:lnR>
+                    <a:lnT w="38100" cap="flat" cmpd="sng" algn="ctr">
+                      <a:solidFill>
+                        <a:srgbClr val="FFFFFF"/>
+                      </a:solidFill>
+                      <a:prstDash val="solid"/>
+                    </a:lnT>
+                    <a:lnB w="38100" cap="flat" cmpd="sng" algn="ctr">
+                      <a:solidFill>
+                        <a:srgbClr val="FFFFFF"/>
+                      </a:solidFill>
+                      <a:prstDash val="solid"/>
+                    </a:lnB>
+                    <a:solidFill>
+                      <a:srgbClr val="878E8B">
+                        <a:alpha val="30196"/>
+                      </a:srgbClr>
+                    </a:solidFill>
+                  </a:tcPr>
+                </a:tc>
+                <a:tc>
+                  <a:txBody>
+                    <a:bodyPr/>
+                    <a:lstStyle/>
+                    <a:p>
+                      <a:r>
+                        <a:rPr lang="en-US" sz="1600">
+                          <a:solidFill>
+                            <a:schemeClr val="tx1">
+                              <a:lumMod val="85000"/>
+                              <a:lumOff val="15000"/>
+                            </a:schemeClr>
+                          </a:solidFill>
+                        </a:rPr>
+                        <a:t>1.120893e-09</a:t>
+                      </a:r>
+                    </a:p>
+                  </a:txBody>
+                  <a:tcPr marL="137933" marR="82760" marT="82760" marB="82760" anchor="ctr">
+                    <a:lnL w="38100" cap="flat" cmpd="sng" algn="ctr">
+                      <a:solidFill>
+                        <a:srgbClr val="FFFFFF"/>
+                      </a:solidFill>
+                      <a:prstDash val="solid"/>
+                    </a:lnL>
+                    <a:lnR w="12700" cmpd="sng">
+                      <a:noFill/>
+                      <a:prstDash val="solid"/>
+                    </a:lnR>
+                    <a:lnT w="38100" cap="flat" cmpd="sng" algn="ctr">
+                      <a:solidFill>
+                        <a:srgbClr val="FFFFFF"/>
+                      </a:solidFill>
+                      <a:prstDash val="solid"/>
+                    </a:lnT>
+                    <a:lnB w="38100" cap="flat" cmpd="sng" algn="ctr">
+                      <a:solidFill>
+                        <a:srgbClr val="FFFFFF"/>
+                      </a:solidFill>
+                      <a:prstDash val="solid"/>
+                    </a:lnB>
+                    <a:solidFill>
+                      <a:srgbClr val="878E8B">
+                        <a:alpha val="30196"/>
+                      </a:srgbClr>
+                    </a:solidFill>
+                  </a:tcPr>
+                </a:tc>
+                <a:extLst>
+                  <a:ext uri="{0D108BD9-81ED-4DB2-BD59-A6C34878D82A}">
+                    <a16:rowId xmlns:a16="http://schemas.microsoft.com/office/drawing/2014/main" val="1603092949"/>
+                  </a:ext>
+                </a:extLst>
+              </a:tr>
+              <a:tr h="334719">
+                <a:tc>
+                  <a:txBody>
+                    <a:bodyPr/>
+                    <a:lstStyle/>
+                    <a:p>
+                      <a:r>
+                        <a:rPr lang="en-US" sz="1600">
+                          <a:solidFill>
+                            <a:schemeClr val="tx1">
+                              <a:lumMod val="85000"/>
+                              <a:lumOff val="15000"/>
+                            </a:schemeClr>
+                          </a:solidFill>
+                        </a:rPr>
+                        <a:t>health_rank</a:t>
+                      </a:r>
+                    </a:p>
+                  </a:txBody>
+                  <a:tcPr marL="137933" marR="82760" marT="82760" marB="82760" anchor="ctr">
+                    <a:lnL w="38100" cap="flat" cmpd="sng" algn="ctr">
+                      <a:solidFill>
+                        <a:srgbClr val="FFFFFF"/>
+                      </a:solidFill>
+                      <a:prstDash val="solid"/>
+                    </a:lnL>
+                    <a:lnR w="38100" cap="flat" cmpd="sng" algn="ctr">
+                      <a:solidFill>
+                        <a:srgbClr val="FFFFFF"/>
+                      </a:solidFill>
+                      <a:prstDash val="solid"/>
+                    </a:lnR>
+                    <a:lnT w="38100" cap="flat" cmpd="sng" algn="ctr">
+                      <a:solidFill>
+                        <a:srgbClr val="FFFFFF"/>
+                      </a:solidFill>
+                      <a:prstDash val="solid"/>
+                      <a:round/>
+                      <a:headEnd type="none" w="med" len="med"/>
+                      <a:tailEnd type="none" w="med" len="med"/>
+                    </a:lnT>
+                    <a:lnB w="38100" cap="flat" cmpd="sng" algn="ctr">
+                      <a:solidFill>
+                        <a:srgbClr val="FFFFFF"/>
+                      </a:solidFill>
+                      <a:prstDash val="solid"/>
+                      <a:round/>
+                      <a:headEnd type="none" w="med" len="med"/>
+                      <a:tailEnd type="none" w="med" len="med"/>
+                    </a:lnB>
+                    <a:solidFill>
+                      <a:srgbClr val="878E8B">
+                        <a:alpha val="14902"/>
+                      </a:srgbClr>
+                    </a:solidFill>
+                  </a:tcPr>
+                </a:tc>
+                <a:tc>
+                  <a:txBody>
+                    <a:bodyPr/>
+                    <a:lstStyle/>
+                    <a:p>
+                      <a:r>
+                        <a:rPr lang="en-US" sz="1600">
+                          <a:solidFill>
+                            <a:schemeClr val="tx1">
+                              <a:lumMod val="85000"/>
+                              <a:lumOff val="15000"/>
+                            </a:schemeClr>
+                          </a:solidFill>
+                        </a:rPr>
+                        <a:t>income_employment</a:t>
+                      </a:r>
+                    </a:p>
+                  </a:txBody>
+                  <a:tcPr marL="137933" marR="82760" marT="82760" marB="82760" anchor="ctr">
+                    <a:lnL w="38100" cap="flat" cmpd="sng" algn="ctr">
+                      <a:solidFill>
+                        <a:srgbClr val="FFFFFF"/>
+                      </a:solidFill>
+                      <a:prstDash val="solid"/>
+                    </a:lnL>
+                    <a:lnR w="38100" cap="flat" cmpd="sng" algn="ctr">
+                      <a:solidFill>
+                        <a:srgbClr val="FFFFFF"/>
+                      </a:solidFill>
+                      <a:prstDash val="solid"/>
+                    </a:lnR>
+                    <a:lnT w="38100" cap="flat" cmpd="sng" algn="ctr">
+                      <a:solidFill>
+                        <a:srgbClr val="FFFFFF"/>
+                      </a:solidFill>
+                      <a:prstDash val="solid"/>
+                    </a:lnT>
+                    <a:lnB w="38100" cap="flat" cmpd="sng" algn="ctr">
+                      <a:solidFill>
+                        <a:srgbClr val="FFFFFF"/>
+                      </a:solidFill>
+                      <a:prstDash val="solid"/>
+                    </a:lnB>
+                    <a:solidFill>
+                      <a:srgbClr val="878E8B">
+                        <a:alpha val="14902"/>
+                      </a:srgbClr>
+                    </a:solidFill>
+                  </a:tcPr>
+                </a:tc>
+                <a:tc>
+                  <a:txBody>
+                    <a:bodyPr/>
+                    <a:lstStyle/>
+                    <a:p>
+                      <a:r>
+                        <a:rPr lang="en-US" sz="1600" dirty="0">
+                          <a:solidFill>
+                            <a:schemeClr val="tx1">
+                              <a:lumMod val="85000"/>
+                              <a:lumOff val="15000"/>
+                            </a:schemeClr>
+                          </a:solidFill>
+                        </a:rPr>
+                        <a:t>0.571850</a:t>
+                      </a:r>
+                    </a:p>
+                  </a:txBody>
+                  <a:tcPr marL="137933" marR="82760" marT="82760" marB="82760" anchor="ctr">
+                    <a:lnL w="38100" cap="flat" cmpd="sng" algn="ctr">
+                      <a:solidFill>
+                        <a:srgbClr val="FFFFFF"/>
+                      </a:solidFill>
+                      <a:prstDash val="solid"/>
+                    </a:lnL>
+                    <a:lnR w="38100" cap="flat" cmpd="sng" algn="ctr">
+                      <a:solidFill>
+                        <a:srgbClr val="FFFFFF"/>
+                      </a:solidFill>
+                      <a:prstDash val="solid"/>
+                    </a:lnR>
+                    <a:lnT w="38100" cap="flat" cmpd="sng" algn="ctr">
+                      <a:solidFill>
+                        <a:srgbClr val="FFFFFF"/>
+                      </a:solidFill>
+                      <a:prstDash val="solid"/>
+                    </a:lnT>
+                    <a:lnB w="38100" cap="flat" cmpd="sng" algn="ctr">
+                      <a:solidFill>
+                        <a:srgbClr val="FFFFFF"/>
+                      </a:solidFill>
+                      <a:prstDash val="solid"/>
+                    </a:lnB>
+                    <a:solidFill>
+                      <a:srgbClr val="878E8B">
+                        <a:alpha val="14902"/>
+                      </a:srgbClr>
+                    </a:solidFill>
+                  </a:tcPr>
+                </a:tc>
+                <a:tc>
+                  <a:txBody>
+                    <a:bodyPr/>
+                    <a:lstStyle/>
+                    <a:p>
+                      <a:r>
+                        <a:rPr lang="en-US" sz="1600">
+                          <a:solidFill>
+                            <a:schemeClr val="tx1">
+                              <a:lumMod val="85000"/>
+                              <a:lumOff val="15000"/>
+                            </a:schemeClr>
+                          </a:solidFill>
+                        </a:rPr>
+                        <a:t>5.228215e-10</a:t>
+                      </a:r>
+                    </a:p>
+                  </a:txBody>
+                  <a:tcPr marL="137933" marR="82760" marT="82760" marB="82760" anchor="ctr">
+                    <a:lnL w="38100" cap="flat" cmpd="sng" algn="ctr">
+                      <a:solidFill>
+                        <a:srgbClr val="FFFFFF"/>
+                      </a:solidFill>
+                      <a:prstDash val="solid"/>
+                    </a:lnL>
+                    <a:lnR w="38100" cap="flat" cmpd="sng" algn="ctr">
+                      <a:noFill/>
+                      <a:prstDash val="solid"/>
+                    </a:lnR>
+                    <a:lnT w="38100" cap="flat" cmpd="sng" algn="ctr">
+                      <a:solidFill>
+                        <a:srgbClr val="FFFFFF"/>
+                      </a:solidFill>
+                      <a:prstDash val="solid"/>
+                    </a:lnT>
+                    <a:lnB w="38100" cap="flat" cmpd="sng" algn="ctr">
+                      <a:solidFill>
+                        <a:srgbClr val="FFFFFF"/>
+                      </a:solidFill>
+                      <a:prstDash val="solid"/>
+                    </a:lnB>
+                    <a:solidFill>
+                      <a:srgbClr val="878E8B">
+                        <a:alpha val="14902"/>
+                      </a:srgbClr>
+                    </a:solidFill>
+                  </a:tcPr>
+                </a:tc>
+                <a:extLst>
+                  <a:ext uri="{0D108BD9-81ED-4DB2-BD59-A6C34878D82A}">
+                    <a16:rowId xmlns:a16="http://schemas.microsoft.com/office/drawing/2014/main" val="222812720"/>
+                  </a:ext>
+                </a:extLst>
+              </a:tr>
+              <a:tr h="334719">
+                <a:tc>
+                  <a:txBody>
+                    <a:bodyPr/>
+                    <a:lstStyle/>
+                    <a:p>
+                      <a:r>
+                        <a:rPr lang="en-US" sz="1600">
+                          <a:solidFill>
+                            <a:schemeClr val="tx1">
+                              <a:lumMod val="85000"/>
+                              <a:lumOff val="15000"/>
+                            </a:schemeClr>
+                          </a:solidFill>
+                        </a:rPr>
+                        <a:t>income_employment</a:t>
+                      </a:r>
+                    </a:p>
+                  </a:txBody>
+                  <a:tcPr marL="137933" marR="82760" marT="82760" marB="82760" anchor="ctr">
+                    <a:lnL w="38100" cap="flat" cmpd="sng" algn="ctr">
+                      <a:solidFill>
+                        <a:srgbClr val="FFFFFF"/>
+                      </a:solidFill>
+                      <a:prstDash val="solid"/>
+                    </a:lnL>
+                    <a:lnR w="38100" cap="flat" cmpd="sng" algn="ctr">
+                      <a:solidFill>
+                        <a:srgbClr val="FFFFFF"/>
+                      </a:solidFill>
+                      <a:prstDash val="solid"/>
+                    </a:lnR>
+                    <a:lnT w="38100" cap="flat" cmpd="sng" algn="ctr">
+                      <a:solidFill>
+                        <a:srgbClr val="FFFFFF"/>
+                      </a:solidFill>
+                      <a:prstDash val="solid"/>
+                      <a:round/>
+                      <a:headEnd type="none" w="med" len="med"/>
+                      <a:tailEnd type="none" w="med" len="med"/>
+                    </a:lnT>
+                    <a:lnB w="38100" cap="flat" cmpd="sng" algn="ctr">
+                      <a:solidFill>
+                        <a:srgbClr val="FFFFFF"/>
+                      </a:solidFill>
+                      <a:prstDash val="solid"/>
+                      <a:round/>
+                      <a:headEnd type="none" w="med" len="med"/>
+                      <a:tailEnd type="none" w="med" len="med"/>
+                    </a:lnB>
+                    <a:solidFill>
+                      <a:srgbClr val="878E8B">
+                        <a:alpha val="30196"/>
+                      </a:srgbClr>
+                    </a:solidFill>
+                  </a:tcPr>
+                </a:tc>
+                <a:tc>
+                  <a:txBody>
+                    <a:bodyPr/>
+                    <a:lstStyle/>
+                    <a:p>
+                      <a:r>
+                        <a:rPr lang="en-US" sz="1600">
+                          <a:solidFill>
+                            <a:schemeClr val="tx1">
+                              <a:lumMod val="85000"/>
+                              <a:lumOff val="15000"/>
+                            </a:schemeClr>
+                          </a:solidFill>
+                        </a:rPr>
+                        <a:t>health_rank</a:t>
+                      </a:r>
+                    </a:p>
+                  </a:txBody>
+                  <a:tcPr marL="137933" marR="82760" marT="82760" marB="82760" anchor="ctr">
+                    <a:lnL w="38100" cap="flat" cmpd="sng" algn="ctr">
+                      <a:solidFill>
+                        <a:srgbClr val="FFFFFF"/>
+                      </a:solidFill>
+                      <a:prstDash val="solid"/>
+                    </a:lnL>
+                    <a:lnR w="38100" cap="flat" cmpd="sng" algn="ctr">
+                      <a:solidFill>
+                        <a:srgbClr val="FFFFFF"/>
+                      </a:solidFill>
+                      <a:prstDash val="solid"/>
+                    </a:lnR>
+                    <a:lnT w="38100" cap="flat" cmpd="sng" algn="ctr">
+                      <a:solidFill>
+                        <a:srgbClr val="FFFFFF"/>
+                      </a:solidFill>
+                      <a:prstDash val="solid"/>
+                    </a:lnT>
+                    <a:lnB w="38100" cap="flat" cmpd="sng" algn="ctr">
+                      <a:solidFill>
+                        <a:srgbClr val="FFFFFF"/>
+                      </a:solidFill>
+                      <a:prstDash val="solid"/>
+                    </a:lnB>
+                    <a:solidFill>
+                      <a:srgbClr val="878E8B">
+                        <a:alpha val="30196"/>
+                      </a:srgbClr>
+                    </a:solidFill>
+                  </a:tcPr>
+                </a:tc>
+                <a:tc>
+                  <a:txBody>
+                    <a:bodyPr/>
+                    <a:lstStyle/>
+                    <a:p>
+                      <a:r>
+                        <a:rPr lang="en-US" sz="1600" dirty="0">
+                          <a:solidFill>
+                            <a:schemeClr val="tx1">
+                              <a:lumMod val="85000"/>
+                              <a:lumOff val="15000"/>
+                            </a:schemeClr>
+                          </a:solidFill>
+                        </a:rPr>
+                        <a:t>0.571492</a:t>
+                      </a:r>
+                    </a:p>
+                  </a:txBody>
+                  <a:tcPr marL="137933" marR="82760" marT="82760" marB="82760" anchor="ctr">
+                    <a:lnL w="38100" cap="flat" cmpd="sng" algn="ctr">
+                      <a:solidFill>
+                        <a:srgbClr val="FFFFFF"/>
+                      </a:solidFill>
+                      <a:prstDash val="solid"/>
+                    </a:lnL>
+                    <a:lnR w="38100" cap="flat" cmpd="sng" algn="ctr">
+                      <a:solidFill>
+                        <a:srgbClr val="FFFFFF"/>
+                      </a:solidFill>
+                      <a:prstDash val="solid"/>
+                    </a:lnR>
+                    <a:lnT w="38100" cap="flat" cmpd="sng" algn="ctr">
+                      <a:solidFill>
+                        <a:srgbClr val="FFFFFF"/>
+                      </a:solidFill>
+                      <a:prstDash val="solid"/>
+                    </a:lnT>
+                    <a:lnB w="38100" cap="flat" cmpd="sng" algn="ctr">
+                      <a:solidFill>
+                        <a:srgbClr val="FFFFFF"/>
+                      </a:solidFill>
+                      <a:prstDash val="solid"/>
+                    </a:lnB>
+                    <a:solidFill>
+                      <a:srgbClr val="878E8B">
+                        <a:alpha val="30196"/>
+                      </a:srgbClr>
+                    </a:solidFill>
+                  </a:tcPr>
+                </a:tc>
+                <a:tc>
+                  <a:txBody>
+                    <a:bodyPr/>
+                    <a:lstStyle/>
+                    <a:p>
+                      <a:r>
+                        <a:rPr lang="en-US" sz="1600">
+                          <a:solidFill>
+                            <a:schemeClr val="tx1">
+                              <a:lumMod val="85000"/>
+                              <a:lumOff val="15000"/>
+                            </a:schemeClr>
+                          </a:solidFill>
+                        </a:rPr>
+                        <a:t>5.228215e-10</a:t>
+                      </a:r>
+                    </a:p>
+                  </a:txBody>
+                  <a:tcPr marL="137933" marR="82760" marT="82760" marB="82760" anchor="ctr">
+                    <a:lnL w="38100" cap="flat" cmpd="sng" algn="ctr">
+                      <a:solidFill>
+                        <a:srgbClr val="FFFFFF"/>
+                      </a:solidFill>
+                      <a:prstDash val="solid"/>
+                    </a:lnL>
+                    <a:lnR w="12700" cmpd="sng">
+                      <a:noFill/>
+                      <a:prstDash val="solid"/>
+                    </a:lnR>
+                    <a:lnT w="38100" cap="flat" cmpd="sng" algn="ctr">
+                      <a:solidFill>
+                        <a:srgbClr val="FFFFFF"/>
+                      </a:solidFill>
+                      <a:prstDash val="solid"/>
+                    </a:lnT>
+                    <a:lnB w="38100" cap="flat" cmpd="sng" algn="ctr">
+                      <a:solidFill>
+                        <a:srgbClr val="FFFFFF"/>
+                      </a:solidFill>
+                      <a:prstDash val="solid"/>
+                    </a:lnB>
+                    <a:solidFill>
+                      <a:srgbClr val="878E8B">
+                        <a:alpha val="30196"/>
+                      </a:srgbClr>
+                    </a:solidFill>
+                  </a:tcPr>
+                </a:tc>
+                <a:extLst>
+                  <a:ext uri="{0D108BD9-81ED-4DB2-BD59-A6C34878D82A}">
+                    <a16:rowId xmlns:a16="http://schemas.microsoft.com/office/drawing/2014/main" val="3175387071"/>
+                  </a:ext>
+                </a:extLst>
+              </a:tr>
+              <a:tr h="334719">
+                <a:tc>
+                  <a:txBody>
+                    <a:bodyPr/>
+                    <a:lstStyle/>
+                    <a:p>
+                      <a:r>
+                        <a:rPr lang="en-US" sz="1600">
+                          <a:solidFill>
+                            <a:schemeClr val="tx1">
+                              <a:lumMod val="85000"/>
+                              <a:lumOff val="15000"/>
+                            </a:schemeClr>
+                          </a:solidFill>
+                        </a:rPr>
+                        <a:t>health_rank</a:t>
+                      </a:r>
+                    </a:p>
+                  </a:txBody>
+                  <a:tcPr marL="137933" marR="82760" marT="82760" marB="82760" anchor="ctr">
+                    <a:lnL w="38100" cap="flat" cmpd="sng" algn="ctr">
+                      <a:solidFill>
+                        <a:srgbClr val="FFFFFF"/>
+                      </a:solidFill>
+                      <a:prstDash val="solid"/>
+                    </a:lnL>
+                    <a:lnR w="38100" cap="flat" cmpd="sng" algn="ctr">
+                      <a:solidFill>
+                        <a:srgbClr val="FFFFFF"/>
+                      </a:solidFill>
+                      <a:prstDash val="solid"/>
+                    </a:lnR>
+                    <a:lnT w="38100" cap="flat" cmpd="sng" algn="ctr">
+                      <a:solidFill>
+                        <a:srgbClr val="FFFFFF"/>
+                      </a:solidFill>
+                      <a:prstDash val="solid"/>
+                      <a:round/>
+                      <a:headEnd type="none" w="med" len="med"/>
+                      <a:tailEnd type="none" w="med" len="med"/>
+                    </a:lnT>
+                    <a:lnB w="38100" cap="flat" cmpd="sng" algn="ctr">
+                      <a:solidFill>
+                        <a:srgbClr val="FFFFFF"/>
+                      </a:solidFill>
+                      <a:prstDash val="solid"/>
+                      <a:round/>
+                      <a:headEnd type="none" w="med" len="med"/>
+                      <a:tailEnd type="none" w="med" len="med"/>
+                    </a:lnB>
+                    <a:solidFill>
+                      <a:srgbClr val="878E8B">
+                        <a:alpha val="14902"/>
+                      </a:srgbClr>
+                    </a:solidFill>
+                  </a:tcPr>
+                </a:tc>
+                <a:tc>
+                  <a:txBody>
+                    <a:bodyPr/>
+                    <a:lstStyle/>
+                    <a:p>
+                      <a:r>
+                        <a:rPr lang="en-US" sz="1600">
+                          <a:solidFill>
+                            <a:schemeClr val="tx1">
+                              <a:lumMod val="85000"/>
+                              <a:lumOff val="15000"/>
+                            </a:schemeClr>
+                          </a:solidFill>
+                        </a:rPr>
+                        <a:t>greenspace_rank</a:t>
+                      </a:r>
+                    </a:p>
+                  </a:txBody>
+                  <a:tcPr marL="137933" marR="82760" marT="82760" marB="82760" anchor="ctr">
+                    <a:lnL w="38100" cap="flat" cmpd="sng" algn="ctr">
+                      <a:solidFill>
+                        <a:srgbClr val="FFFFFF"/>
+                      </a:solidFill>
+                      <a:prstDash val="solid"/>
+                    </a:lnL>
+                    <a:lnR w="38100" cap="flat" cmpd="sng" algn="ctr">
+                      <a:solidFill>
+                        <a:srgbClr val="FFFFFF"/>
+                      </a:solidFill>
+                      <a:prstDash val="solid"/>
+                    </a:lnR>
+                    <a:lnT w="38100" cap="flat" cmpd="sng" algn="ctr">
+                      <a:solidFill>
+                        <a:srgbClr val="FFFFFF"/>
+                      </a:solidFill>
+                      <a:prstDash val="solid"/>
+                    </a:lnT>
+                    <a:lnB w="38100" cap="flat" cmpd="sng" algn="ctr">
+                      <a:solidFill>
+                        <a:srgbClr val="FFFFFF"/>
+                      </a:solidFill>
+                      <a:prstDash val="solid"/>
+                    </a:lnB>
+                    <a:solidFill>
+                      <a:srgbClr val="878E8B">
+                        <a:alpha val="14902"/>
+                      </a:srgbClr>
+                    </a:solidFill>
+                  </a:tcPr>
+                </a:tc>
+                <a:tc>
+                  <a:txBody>
+                    <a:bodyPr/>
+                    <a:lstStyle/>
+                    <a:p>
+                      <a:r>
+                        <a:rPr lang="en-US" sz="1600" dirty="0">
+                          <a:solidFill>
+                            <a:schemeClr val="tx1">
+                              <a:lumMod val="85000"/>
+                              <a:lumOff val="15000"/>
+                            </a:schemeClr>
+                          </a:solidFill>
+                        </a:rPr>
+                        <a:t>0.558382</a:t>
+                      </a:r>
+                    </a:p>
+                  </a:txBody>
+                  <a:tcPr marL="137933" marR="82760" marT="82760" marB="82760" anchor="ctr">
+                    <a:lnL w="38100" cap="flat" cmpd="sng" algn="ctr">
+                      <a:solidFill>
+                        <a:srgbClr val="FFFFFF"/>
+                      </a:solidFill>
+                      <a:prstDash val="solid"/>
+                    </a:lnL>
+                    <a:lnR w="38100" cap="flat" cmpd="sng" algn="ctr">
+                      <a:solidFill>
+                        <a:srgbClr val="FFFFFF"/>
+                      </a:solidFill>
+                      <a:prstDash val="solid"/>
+                    </a:lnR>
+                    <a:lnT w="38100" cap="flat" cmpd="sng" algn="ctr">
+                      <a:solidFill>
+                        <a:srgbClr val="FFFFFF"/>
+                      </a:solidFill>
+                      <a:prstDash val="solid"/>
+                    </a:lnT>
+                    <a:lnB w="38100" cap="flat" cmpd="sng" algn="ctr">
+                      <a:solidFill>
+                        <a:srgbClr val="FFFFFF"/>
+                      </a:solidFill>
+                      <a:prstDash val="solid"/>
+                    </a:lnB>
+                    <a:solidFill>
+                      <a:srgbClr val="878E8B">
+                        <a:alpha val="14902"/>
+                      </a:srgbClr>
+                    </a:solidFill>
+                  </a:tcPr>
+                </a:tc>
+                <a:tc>
+                  <a:txBody>
+                    <a:bodyPr/>
+                    <a:lstStyle/>
+                    <a:p>
+                      <a:r>
+                        <a:rPr lang="en-US" sz="1600">
+                          <a:solidFill>
+                            <a:schemeClr val="tx1">
+                              <a:lumMod val="85000"/>
+                              <a:lumOff val="15000"/>
+                            </a:schemeClr>
+                          </a:solidFill>
+                        </a:rPr>
+                        <a:t>8.273011e-10</a:t>
+                      </a:r>
+                    </a:p>
+                  </a:txBody>
+                  <a:tcPr marL="137933" marR="82760" marT="82760" marB="82760" anchor="ctr">
+                    <a:lnL w="38100" cap="flat" cmpd="sng" algn="ctr">
+                      <a:solidFill>
+                        <a:srgbClr val="FFFFFF"/>
+                      </a:solidFill>
+                      <a:prstDash val="solid"/>
+                    </a:lnL>
+                    <a:lnR w="38100" cap="flat" cmpd="sng" algn="ctr">
+                      <a:noFill/>
+                      <a:prstDash val="solid"/>
+                    </a:lnR>
+                    <a:lnT w="38100" cap="flat" cmpd="sng" algn="ctr">
+                      <a:solidFill>
+                        <a:srgbClr val="FFFFFF"/>
+                      </a:solidFill>
+                      <a:prstDash val="solid"/>
+                    </a:lnT>
+                    <a:lnB w="38100" cap="flat" cmpd="sng" algn="ctr">
+                      <a:solidFill>
+                        <a:srgbClr val="FFFFFF"/>
+                      </a:solidFill>
+                      <a:prstDash val="solid"/>
+                    </a:lnB>
+                    <a:solidFill>
+                      <a:srgbClr val="878E8B">
+                        <a:alpha val="14902"/>
+                      </a:srgbClr>
+                    </a:solidFill>
+                  </a:tcPr>
+                </a:tc>
+                <a:extLst>
+                  <a:ext uri="{0D108BD9-81ED-4DB2-BD59-A6C34878D82A}">
+                    <a16:rowId xmlns:a16="http://schemas.microsoft.com/office/drawing/2014/main" val="1012187045"/>
+                  </a:ext>
+                </a:extLst>
+              </a:tr>
+              <a:tr h="334719">
+                <a:tc>
+                  <a:txBody>
+                    <a:bodyPr/>
+                    <a:lstStyle/>
+                    <a:p>
+                      <a:r>
+                        <a:rPr lang="en-US" sz="1600">
+                          <a:solidFill>
+                            <a:schemeClr val="tx1">
+                              <a:lumMod val="85000"/>
+                              <a:lumOff val="15000"/>
+                            </a:schemeClr>
+                          </a:solidFill>
+                        </a:rPr>
+                        <a:t>income_employment</a:t>
+                      </a:r>
+                    </a:p>
+                  </a:txBody>
+                  <a:tcPr marL="137933" marR="82760" marT="82760" marB="82760" anchor="ctr">
+                    <a:lnL w="38100" cap="flat" cmpd="sng" algn="ctr">
+                      <a:solidFill>
+                        <a:srgbClr val="FFFFFF"/>
+                      </a:solidFill>
+                      <a:prstDash val="solid"/>
+                    </a:lnL>
+                    <a:lnR w="38100" cap="flat" cmpd="sng" algn="ctr">
+                      <a:solidFill>
+                        <a:srgbClr val="FFFFFF"/>
+                      </a:solidFill>
+                      <a:prstDash val="solid"/>
+                    </a:lnR>
+                    <a:lnT w="38100" cap="flat" cmpd="sng" algn="ctr">
+                      <a:solidFill>
+                        <a:srgbClr val="FFFFFF"/>
+                      </a:solidFill>
+                      <a:prstDash val="solid"/>
+                      <a:round/>
+                      <a:headEnd type="none" w="med" len="med"/>
+                      <a:tailEnd type="none" w="med" len="med"/>
+                    </a:lnT>
+                    <a:lnB w="38100" cap="flat" cmpd="sng" algn="ctr">
+                      <a:solidFill>
+                        <a:srgbClr val="FFFFFF"/>
+                      </a:solidFill>
+                      <a:prstDash val="solid"/>
+                      <a:round/>
+                      <a:headEnd type="none" w="med" len="med"/>
+                      <a:tailEnd type="none" w="med" len="med"/>
+                    </a:lnB>
+                    <a:solidFill>
+                      <a:srgbClr val="878E8B">
+                        <a:alpha val="30196"/>
+                      </a:srgbClr>
+                    </a:solidFill>
+                  </a:tcPr>
+                </a:tc>
+                <a:tc>
+                  <a:txBody>
+                    <a:bodyPr/>
+                    <a:lstStyle/>
+                    <a:p>
+                      <a:r>
+                        <a:rPr lang="en-US" sz="1600">
+                          <a:solidFill>
+                            <a:schemeClr val="tx1">
+                              <a:lumMod val="85000"/>
+                              <a:lumOff val="15000"/>
+                            </a:schemeClr>
+                          </a:solidFill>
+                        </a:rPr>
+                        <a:t>hap_entertainment</a:t>
+                      </a:r>
+                    </a:p>
+                  </a:txBody>
+                  <a:tcPr marL="137933" marR="82760" marT="82760" marB="82760" anchor="ctr">
+                    <a:lnL w="38100" cap="flat" cmpd="sng" algn="ctr">
+                      <a:solidFill>
+                        <a:srgbClr val="FFFFFF"/>
+                      </a:solidFill>
+                      <a:prstDash val="solid"/>
+                    </a:lnL>
+                    <a:lnR w="38100" cap="flat" cmpd="sng" algn="ctr">
+                      <a:solidFill>
+                        <a:srgbClr val="FFFFFF"/>
+                      </a:solidFill>
+                      <a:prstDash val="solid"/>
+                    </a:lnR>
+                    <a:lnT w="38100" cap="flat" cmpd="sng" algn="ctr">
+                      <a:solidFill>
+                        <a:srgbClr val="FFFFFF"/>
+                      </a:solidFill>
+                      <a:prstDash val="solid"/>
+                    </a:lnT>
+                    <a:lnB w="38100" cap="flat" cmpd="sng" algn="ctr">
+                      <a:solidFill>
+                        <a:srgbClr val="FFFFFF"/>
+                      </a:solidFill>
+                      <a:prstDash val="solid"/>
+                    </a:lnB>
+                    <a:solidFill>
+                      <a:srgbClr val="878E8B">
+                        <a:alpha val="30196"/>
+                      </a:srgbClr>
+                    </a:solidFill>
+                  </a:tcPr>
+                </a:tc>
+                <a:tc>
+                  <a:txBody>
+                    <a:bodyPr/>
+                    <a:lstStyle/>
+                    <a:p>
+                      <a:r>
+                        <a:rPr lang="en-US" sz="1600" dirty="0">
+                          <a:solidFill>
+                            <a:schemeClr val="tx1">
+                              <a:lumMod val="85000"/>
+                              <a:lumOff val="15000"/>
+                            </a:schemeClr>
+                          </a:solidFill>
+                        </a:rPr>
+                        <a:t>0.552367</a:t>
+                      </a:r>
+                    </a:p>
+                  </a:txBody>
+                  <a:tcPr marL="137933" marR="82760" marT="82760" marB="82760" anchor="ctr">
+                    <a:lnL w="38100" cap="flat" cmpd="sng" algn="ctr">
+                      <a:solidFill>
+                        <a:srgbClr val="FFFFFF"/>
+                      </a:solidFill>
+                      <a:prstDash val="solid"/>
+                    </a:lnL>
+                    <a:lnR w="38100" cap="flat" cmpd="sng" algn="ctr">
+                      <a:solidFill>
+                        <a:srgbClr val="FFFFFF"/>
+                      </a:solidFill>
+                      <a:prstDash val="solid"/>
+                    </a:lnR>
+                    <a:lnT w="38100" cap="flat" cmpd="sng" algn="ctr">
+                      <a:solidFill>
+                        <a:srgbClr val="FFFFFF"/>
+                      </a:solidFill>
+                      <a:prstDash val="solid"/>
+                    </a:lnT>
+                    <a:lnB w="38100" cap="flat" cmpd="sng" algn="ctr">
+                      <a:solidFill>
+                        <a:srgbClr val="FFFFFF"/>
+                      </a:solidFill>
+                      <a:prstDash val="solid"/>
+                    </a:lnB>
+                    <a:solidFill>
+                      <a:srgbClr val="878E8B">
+                        <a:alpha val="30196"/>
+                      </a:srgbClr>
+                    </a:solidFill>
+                  </a:tcPr>
+                </a:tc>
+                <a:tc>
+                  <a:txBody>
+                    <a:bodyPr/>
+                    <a:lstStyle/>
+                    <a:p>
+                      <a:r>
+                        <a:rPr lang="en-US" sz="1600">
+                          <a:solidFill>
+                            <a:schemeClr val="tx1">
+                              <a:lumMod val="85000"/>
+                              <a:lumOff val="15000"/>
+                            </a:schemeClr>
+                          </a:solidFill>
+                        </a:rPr>
+                        <a:t>1.120893e-09</a:t>
+                      </a:r>
+                    </a:p>
+                  </a:txBody>
+                  <a:tcPr marL="137933" marR="82760" marT="82760" marB="82760" anchor="ctr">
+                    <a:lnL w="38100" cap="flat" cmpd="sng" algn="ctr">
+                      <a:solidFill>
+                        <a:srgbClr val="FFFFFF"/>
+                      </a:solidFill>
+                      <a:prstDash val="solid"/>
+                    </a:lnL>
+                    <a:lnR w="12700" cmpd="sng">
+                      <a:noFill/>
+                      <a:prstDash val="solid"/>
+                    </a:lnR>
+                    <a:lnT w="38100" cap="flat" cmpd="sng" algn="ctr">
+                      <a:solidFill>
+                        <a:srgbClr val="FFFFFF"/>
+                      </a:solidFill>
+                      <a:prstDash val="solid"/>
+                    </a:lnT>
+                    <a:lnB w="38100" cap="flat" cmpd="sng" algn="ctr">
+                      <a:solidFill>
+                        <a:srgbClr val="FFFFFF"/>
+                      </a:solidFill>
+                      <a:prstDash val="solid"/>
+                    </a:lnB>
+                    <a:solidFill>
+                      <a:srgbClr val="878E8B">
+                        <a:alpha val="30196"/>
+                      </a:srgbClr>
+                    </a:solidFill>
+                  </a:tcPr>
+                </a:tc>
+                <a:extLst>
+                  <a:ext uri="{0D108BD9-81ED-4DB2-BD59-A6C34878D82A}">
+                    <a16:rowId xmlns:a16="http://schemas.microsoft.com/office/drawing/2014/main" val="493224295"/>
+                  </a:ext>
+                </a:extLst>
+              </a:tr>
+              <a:tr h="334719">
+                <a:tc>
+                  <a:txBody>
+                    <a:bodyPr/>
+                    <a:lstStyle/>
+                    <a:p>
+                      <a:r>
+                        <a:rPr lang="en-US" sz="1600">
+                          <a:solidFill>
+                            <a:schemeClr val="tx1">
+                              <a:lumMod val="85000"/>
+                              <a:lumOff val="15000"/>
+                            </a:schemeClr>
+                          </a:solidFill>
+                        </a:rPr>
+                        <a:t>community_environment</a:t>
+                      </a:r>
+                    </a:p>
+                  </a:txBody>
+                  <a:tcPr marL="137933" marR="82760" marT="82760" marB="82760" anchor="ctr">
+                    <a:lnL w="38100" cap="flat" cmpd="sng" algn="ctr">
+                      <a:solidFill>
+                        <a:srgbClr val="FFFFFF"/>
+                      </a:solidFill>
+                      <a:prstDash val="solid"/>
+                    </a:lnL>
+                    <a:lnR w="38100" cap="flat" cmpd="sng" algn="ctr">
+                      <a:solidFill>
+                        <a:srgbClr val="FFFFFF"/>
+                      </a:solidFill>
+                      <a:prstDash val="solid"/>
+                    </a:lnR>
+                    <a:lnT w="38100" cap="flat" cmpd="sng" algn="ctr">
+                      <a:solidFill>
+                        <a:srgbClr val="FFFFFF"/>
+                      </a:solidFill>
+                      <a:prstDash val="solid"/>
+                      <a:round/>
+                      <a:headEnd type="none" w="med" len="med"/>
+                      <a:tailEnd type="none" w="med" len="med"/>
+                    </a:lnT>
+                    <a:lnB w="38100" cap="flat" cmpd="sng" algn="ctr">
+                      <a:solidFill>
+                        <a:srgbClr val="FFFFFF"/>
+                      </a:solidFill>
+                      <a:prstDash val="solid"/>
+                      <a:round/>
+                      <a:headEnd type="none" w="med" len="med"/>
+                      <a:tailEnd type="none" w="med" len="med"/>
+                    </a:lnB>
+                    <a:solidFill>
+                      <a:srgbClr val="878E8B">
+                        <a:alpha val="14902"/>
+                      </a:srgbClr>
+                    </a:solidFill>
+                  </a:tcPr>
+                </a:tc>
+                <a:tc>
+                  <a:txBody>
+                    <a:bodyPr/>
+                    <a:lstStyle/>
+                    <a:p>
+                      <a:r>
+                        <a:rPr lang="en-US" sz="1600">
+                          <a:solidFill>
+                            <a:schemeClr val="tx1">
+                              <a:lumMod val="85000"/>
+                              <a:lumOff val="15000"/>
+                            </a:schemeClr>
+                          </a:solidFill>
+                        </a:rPr>
+                        <a:t>health_rank</a:t>
+                      </a:r>
+                    </a:p>
+                  </a:txBody>
+                  <a:tcPr marL="137933" marR="82760" marT="82760" marB="82760" anchor="ctr">
+                    <a:lnL w="38100" cap="flat" cmpd="sng" algn="ctr">
+                      <a:solidFill>
+                        <a:srgbClr val="FFFFFF"/>
+                      </a:solidFill>
+                      <a:prstDash val="solid"/>
+                    </a:lnL>
+                    <a:lnR w="38100" cap="flat" cmpd="sng" algn="ctr">
+                      <a:solidFill>
+                        <a:srgbClr val="FFFFFF"/>
+                      </a:solidFill>
+                      <a:prstDash val="solid"/>
+                    </a:lnR>
+                    <a:lnT w="38100" cap="flat" cmpd="sng" algn="ctr">
+                      <a:solidFill>
+                        <a:srgbClr val="FFFFFF"/>
+                      </a:solidFill>
+                      <a:prstDash val="solid"/>
+                    </a:lnT>
+                    <a:lnB w="38100" cap="flat" cmpd="sng" algn="ctr">
+                      <a:solidFill>
+                        <a:srgbClr val="FFFFFF"/>
+                      </a:solidFill>
+                      <a:prstDash val="solid"/>
+                    </a:lnB>
+                    <a:solidFill>
+                      <a:srgbClr val="878E8B">
+                        <a:alpha val="14902"/>
+                      </a:srgbClr>
+                    </a:solidFill>
+                  </a:tcPr>
+                </a:tc>
+                <a:tc>
+                  <a:txBody>
+                    <a:bodyPr/>
+                    <a:lstStyle/>
+                    <a:p>
+                      <a:r>
+                        <a:rPr lang="en-US" sz="1600" dirty="0">
+                          <a:solidFill>
+                            <a:schemeClr val="tx1">
+                              <a:lumMod val="85000"/>
+                              <a:lumOff val="15000"/>
+                            </a:schemeClr>
+                          </a:solidFill>
+                        </a:rPr>
+                        <a:t>0.507184</a:t>
+                      </a:r>
+                    </a:p>
+                  </a:txBody>
+                  <a:tcPr marL="137933" marR="82760" marT="82760" marB="82760" anchor="ctr">
+                    <a:lnL w="38100" cap="flat" cmpd="sng" algn="ctr">
+                      <a:solidFill>
+                        <a:srgbClr val="FFFFFF"/>
+                      </a:solidFill>
+                      <a:prstDash val="solid"/>
+                    </a:lnL>
+                    <a:lnR w="38100" cap="flat" cmpd="sng" algn="ctr">
+                      <a:solidFill>
+                        <a:srgbClr val="FFFFFF"/>
+                      </a:solidFill>
+                      <a:prstDash val="solid"/>
+                    </a:lnR>
+                    <a:lnT w="38100" cap="flat" cmpd="sng" algn="ctr">
+                      <a:solidFill>
+                        <a:srgbClr val="FFFFFF"/>
+                      </a:solidFill>
+                      <a:prstDash val="solid"/>
+                    </a:lnT>
+                    <a:lnB w="38100" cap="flat" cmpd="sng" algn="ctr">
+                      <a:solidFill>
+                        <a:srgbClr val="FFFFFF"/>
+                      </a:solidFill>
+                      <a:prstDash val="solid"/>
+                    </a:lnB>
+                    <a:solidFill>
+                      <a:srgbClr val="878E8B">
+                        <a:alpha val="14902"/>
+                      </a:srgbClr>
+                    </a:solidFill>
+                  </a:tcPr>
+                </a:tc>
+                <a:tc>
+                  <a:txBody>
+                    <a:bodyPr/>
+                    <a:lstStyle/>
+                    <a:p>
+                      <a:r>
+                        <a:rPr lang="en-US" sz="1600" dirty="0">
+                          <a:solidFill>
+                            <a:schemeClr val="tx1">
+                              <a:lumMod val="85000"/>
+                              <a:lumOff val="15000"/>
+                            </a:schemeClr>
+                          </a:solidFill>
+                        </a:rPr>
+                        <a:t>1.913020e-07</a:t>
+                      </a:r>
+                    </a:p>
+                  </a:txBody>
+                  <a:tcPr marL="137933" marR="82760" marT="82760" marB="82760" anchor="ctr">
+                    <a:lnL w="38100" cap="flat" cmpd="sng" algn="ctr">
+                      <a:solidFill>
+                        <a:srgbClr val="FFFFFF"/>
+                      </a:solidFill>
+                      <a:prstDash val="solid"/>
+                    </a:lnL>
+                    <a:lnR w="38100" cap="flat" cmpd="sng" algn="ctr">
+                      <a:noFill/>
+                      <a:prstDash val="solid"/>
+                    </a:lnR>
+                    <a:lnT w="38100" cap="flat" cmpd="sng" algn="ctr">
+                      <a:solidFill>
+                        <a:srgbClr val="FFFFFF"/>
+                      </a:solidFill>
+                      <a:prstDash val="solid"/>
+                    </a:lnT>
+                    <a:lnB w="38100" cap="flat" cmpd="sng" algn="ctr">
+                      <a:solidFill>
+                        <a:srgbClr val="FFFFFF"/>
+                      </a:solidFill>
+                      <a:prstDash val="solid"/>
+                    </a:lnB>
+                    <a:solidFill>
+                      <a:srgbClr val="878E8B">
+                        <a:alpha val="14902"/>
+                      </a:srgbClr>
+                    </a:solidFill>
+                  </a:tcPr>
+                </a:tc>
+                <a:extLst>
+                  <a:ext uri="{0D108BD9-81ED-4DB2-BD59-A6C34878D82A}">
+                    <a16:rowId xmlns:a16="http://schemas.microsoft.com/office/drawing/2014/main" val="1982876548"/>
+                  </a:ext>
+                </a:extLst>
+              </a:tr>
+              <a:tr h="334719">
+                <a:tc>
+                  <a:txBody>
+                    <a:bodyPr/>
+                    <a:lstStyle/>
+                    <a:p>
+                      <a:r>
+                        <a:rPr lang="en-US" sz="1600">
+                          <a:solidFill>
+                            <a:schemeClr val="tx1">
+                              <a:lumMod val="85000"/>
+                              <a:lumOff val="15000"/>
+                            </a:schemeClr>
+                          </a:solidFill>
+                        </a:rPr>
+                        <a:t>health_rank</a:t>
+                      </a:r>
+                    </a:p>
+                  </a:txBody>
+                  <a:tcPr marL="137933" marR="82760" marT="82760" marB="82760" anchor="ctr">
+                    <a:lnL w="38100" cap="flat" cmpd="sng" algn="ctr">
+                      <a:solidFill>
+                        <a:srgbClr val="FFFFFF"/>
+                      </a:solidFill>
+                      <a:prstDash val="solid"/>
+                    </a:lnL>
+                    <a:lnR w="38100" cap="flat" cmpd="sng" algn="ctr">
+                      <a:solidFill>
+                        <a:srgbClr val="FFFFFF"/>
+                      </a:solidFill>
+                      <a:prstDash val="solid"/>
+                    </a:lnR>
+                    <a:lnT w="38100" cap="flat" cmpd="sng" algn="ctr">
+                      <a:solidFill>
+                        <a:srgbClr val="FFFFFF"/>
+                      </a:solidFill>
+                      <a:prstDash val="solid"/>
+                      <a:round/>
+                      <a:headEnd type="none" w="med" len="med"/>
+                      <a:tailEnd type="none" w="med" len="med"/>
+                    </a:lnT>
+                    <a:lnB w="12700" cmpd="sng">
+                      <a:noFill/>
+                      <a:prstDash val="solid"/>
+                    </a:lnB>
+                    <a:solidFill>
+                      <a:srgbClr val="878E8B">
+                        <a:alpha val="30196"/>
+                      </a:srgbClr>
+                    </a:solidFill>
+                  </a:tcPr>
+                </a:tc>
+                <a:tc>
+                  <a:txBody>
+                    <a:bodyPr/>
+                    <a:lstStyle/>
+                    <a:p>
+                      <a:r>
+                        <a:rPr lang="en-US" sz="1600">
+                          <a:solidFill>
+                            <a:schemeClr val="tx1">
+                              <a:lumMod val="85000"/>
+                              <a:lumOff val="15000"/>
+                            </a:schemeClr>
+                          </a:solidFill>
+                        </a:rPr>
+                        <a:t>community_environment</a:t>
+                      </a:r>
+                    </a:p>
+                  </a:txBody>
+                  <a:tcPr marL="137933" marR="82760" marT="82760" marB="82760" anchor="ctr">
+                    <a:lnL w="38100" cap="flat" cmpd="sng" algn="ctr">
+                      <a:solidFill>
+                        <a:srgbClr val="FFFFFF"/>
+                      </a:solidFill>
+                      <a:prstDash val="solid"/>
+                    </a:lnL>
+                    <a:lnR w="38100" cap="flat" cmpd="sng" algn="ctr">
+                      <a:solidFill>
+                        <a:srgbClr val="FFFFFF"/>
+                      </a:solidFill>
+                      <a:prstDash val="solid"/>
+                    </a:lnR>
+                    <a:lnT w="38100" cap="flat" cmpd="sng" algn="ctr">
+                      <a:solidFill>
+                        <a:srgbClr val="FFFFFF"/>
+                      </a:solidFill>
+                      <a:prstDash val="solid"/>
+                    </a:lnT>
+                    <a:lnB w="12700" cmpd="sng">
+                      <a:noFill/>
+                      <a:prstDash val="solid"/>
+                    </a:lnB>
+                    <a:solidFill>
+                      <a:srgbClr val="878E8B">
+                        <a:alpha val="30196"/>
+                      </a:srgbClr>
+                    </a:solidFill>
+                  </a:tcPr>
+                </a:tc>
+                <a:tc>
+                  <a:txBody>
+                    <a:bodyPr/>
+                    <a:lstStyle/>
+                    <a:p>
+                      <a:r>
+                        <a:rPr lang="en-US" sz="1600">
+                          <a:solidFill>
+                            <a:schemeClr val="tx1">
+                              <a:lumMod val="85000"/>
+                              <a:lumOff val="15000"/>
+                            </a:schemeClr>
+                          </a:solidFill>
+                        </a:rPr>
+                        <a:t>0.478692</a:t>
+                      </a:r>
+                    </a:p>
+                  </a:txBody>
+                  <a:tcPr marL="137933" marR="82760" marT="82760" marB="82760" anchor="ctr">
+                    <a:lnL w="38100" cap="flat" cmpd="sng" algn="ctr">
+                      <a:solidFill>
+                        <a:srgbClr val="FFFFFF"/>
+                      </a:solidFill>
+                      <a:prstDash val="solid"/>
+                    </a:lnL>
+                    <a:lnR w="38100" cap="flat" cmpd="sng" algn="ctr">
+                      <a:solidFill>
+                        <a:srgbClr val="FFFFFF"/>
+                      </a:solidFill>
+                      <a:prstDash val="solid"/>
+                    </a:lnR>
+                    <a:lnT w="38100" cap="flat" cmpd="sng" algn="ctr">
+                      <a:solidFill>
+                        <a:srgbClr val="FFFFFF"/>
+                      </a:solidFill>
+                      <a:prstDash val="solid"/>
+                    </a:lnT>
+                    <a:lnB w="12700" cmpd="sng">
+                      <a:noFill/>
+                      <a:prstDash val="solid"/>
+                    </a:lnB>
+                    <a:solidFill>
+                      <a:srgbClr val="878E8B">
+                        <a:alpha val="30196"/>
+                      </a:srgbClr>
+                    </a:solidFill>
+                  </a:tcPr>
+                </a:tc>
+                <a:tc>
+                  <a:txBody>
+                    <a:bodyPr/>
+                    <a:lstStyle/>
+                    <a:p>
+                      <a:r>
+                        <a:rPr lang="en-US" sz="1600" dirty="0">
+                          <a:solidFill>
+                            <a:schemeClr val="tx1">
+                              <a:lumMod val="85000"/>
+                              <a:lumOff val="15000"/>
+                            </a:schemeClr>
+                          </a:solidFill>
+                        </a:rPr>
+                        <a:t>1.913020e-07</a:t>
+                      </a:r>
+                    </a:p>
+                  </a:txBody>
+                  <a:tcPr marL="137933" marR="82760" marT="82760" marB="82760" anchor="ctr">
+                    <a:lnL w="38100" cap="flat" cmpd="sng" algn="ctr">
+                      <a:solidFill>
+                        <a:srgbClr val="FFFFFF"/>
+                      </a:solidFill>
+                      <a:prstDash val="solid"/>
+                    </a:lnL>
+                    <a:lnR w="12700" cmpd="sng">
+                      <a:noFill/>
+                      <a:prstDash val="solid"/>
+                    </a:lnR>
+                    <a:lnT w="38100" cap="flat" cmpd="sng" algn="ctr">
+                      <a:solidFill>
+                        <a:srgbClr val="FFFFFF"/>
+                      </a:solidFill>
+                      <a:prstDash val="solid"/>
+                    </a:lnT>
+                    <a:lnB w="12700" cmpd="sng">
+                      <a:noFill/>
+                      <a:prstDash val="solid"/>
+                    </a:lnB>
+                    <a:solidFill>
+                      <a:srgbClr val="878E8B">
+                        <a:alpha val="30196"/>
+                      </a:srgbClr>
+                    </a:solidFill>
+                  </a:tcPr>
+                </a:tc>
+                <a:extLst>
+                  <a:ext uri="{0D108BD9-81ED-4DB2-BD59-A6C34878D82A}">
+                    <a16:rowId xmlns:a16="http://schemas.microsoft.com/office/drawing/2014/main" val="2278330794"/>
+                  </a:ext>
+                </a:extLst>
+              </a:tr>
+            </a:tbl>
+          </a:graphicData>
+        </a:graphic>
+      </p:graphicFrame>
     </p:spTree>
     <p:extLst>
       <p:ext uri="{BB962C8B-B14F-4D97-AF65-F5344CB8AC3E}">

--- a/Presentation.pptx
+++ b/Presentation.pptx
@@ -122,7 +122,7 @@
 <file path=ppt/revisionInfo.xml><?xml version="1.0" encoding="utf-8"?>
 <p1510:revInfo xmlns:a="http://schemas.openxmlformats.org/drawingml/2006/main" xmlns:r="http://schemas.openxmlformats.org/officeDocument/2006/relationships" xmlns:p1510="http://schemas.microsoft.com/office/powerpoint/2015/10/main">
   <p1510:revLst>
-    <p1510:client id="{903FC241-FDA8-4AA6-8FF0-2A4D8A56C5A0}" v="2" dt="2019-11-27T04:02:37.968"/>
+    <p1510:client id="{903FC241-FDA8-4AA6-8FF0-2A4D8A56C5A0}" v="36" dt="2019-11-27T04:22:38.579"/>
   </p1510:revLst>
 </p1510:revInfo>
 </file>
@@ -132,30 +132,118 @@
   <pc:docChgLst>
     <pc:chgData name="Ron Javor" userId="e840de2940c497cb" providerId="LiveId" clId="{903FC241-FDA8-4AA6-8FF0-2A4D8A56C5A0}"/>
     <pc:docChg chg="undo custSel mod modSld">
-      <pc:chgData name="Ron Javor" userId="e840de2940c497cb" providerId="LiveId" clId="{903FC241-FDA8-4AA6-8FF0-2A4D8A56C5A0}" dt="2019-11-27T04:06:46.168" v="102" actId="20577"/>
+      <pc:chgData name="Ron Javor" userId="e840de2940c497cb" providerId="LiveId" clId="{903FC241-FDA8-4AA6-8FF0-2A4D8A56C5A0}" dt="2019-11-27T04:23:47.161" v="242" actId="113"/>
       <pc:docMkLst>
         <pc:docMk/>
       </pc:docMkLst>
-      <pc:sldChg chg="modSp mod setBg">
-        <pc:chgData name="Ron Javor" userId="e840de2940c497cb" providerId="LiveId" clId="{903FC241-FDA8-4AA6-8FF0-2A4D8A56C5A0}" dt="2019-11-27T04:06:46.168" v="102" actId="20577"/>
+      <pc:sldChg chg="addSp delSp modSp mod setBg">
+        <pc:chgData name="Ron Javor" userId="e840de2940c497cb" providerId="LiveId" clId="{903FC241-FDA8-4AA6-8FF0-2A4D8A56C5A0}" dt="2019-11-27T04:23:47.161" v="242" actId="113"/>
         <pc:sldMkLst>
           <pc:docMk/>
           <pc:sldMk cId="176846830" sldId="262"/>
         </pc:sldMkLst>
-        <pc:spChg chg="mod">
-          <ac:chgData name="Ron Javor" userId="e840de2940c497cb" providerId="LiveId" clId="{903FC241-FDA8-4AA6-8FF0-2A4D8A56C5A0}" dt="2019-11-27T04:06:46.168" v="102" actId="20577"/>
+        <pc:spChg chg="add del mod">
+          <ac:chgData name="Ron Javor" userId="e840de2940c497cb" providerId="LiveId" clId="{903FC241-FDA8-4AA6-8FF0-2A4D8A56C5A0}" dt="2019-11-27T04:23:35.677" v="212" actId="478"/>
           <ac:spMkLst>
             <pc:docMk/>
             <pc:sldMk cId="176846830" sldId="262"/>
             <ac:spMk id="2" creationId="{6A330886-AC2D-492F-8FDC-19969F48FBF0}"/>
           </ac:spMkLst>
         </pc:spChg>
-        <pc:graphicFrameChg chg="add mod modGraphic">
-          <ac:chgData name="Ron Javor" userId="e840de2940c497cb" providerId="LiveId" clId="{903FC241-FDA8-4AA6-8FF0-2A4D8A56C5A0}" dt="2019-11-27T04:04:02.957" v="47" actId="1076"/>
+        <pc:spChg chg="add del mod">
+          <ac:chgData name="Ron Javor" userId="e840de2940c497cb" providerId="LiveId" clId="{903FC241-FDA8-4AA6-8FF0-2A4D8A56C5A0}" dt="2019-11-27T04:11:51.578" v="125" actId="478"/>
+          <ac:spMkLst>
+            <pc:docMk/>
+            <pc:sldMk cId="176846830" sldId="262"/>
+            <ac:spMk id="6" creationId="{EC4FE02C-6F00-45ED-A471-CC6900CDCB10}"/>
+          </ac:spMkLst>
+        </pc:spChg>
+        <pc:spChg chg="add del">
+          <ac:chgData name="Ron Javor" userId="e840de2940c497cb" providerId="LiveId" clId="{903FC241-FDA8-4AA6-8FF0-2A4D8A56C5A0}" dt="2019-11-27T04:11:52.054" v="126" actId="26606"/>
+          <ac:spMkLst>
+            <pc:docMk/>
+            <pc:sldMk cId="176846830" sldId="262"/>
+            <ac:spMk id="9" creationId="{6753252F-4873-4F63-801D-CC719279A7D5}"/>
+          </ac:spMkLst>
+        </pc:spChg>
+        <pc:spChg chg="add del">
+          <ac:chgData name="Ron Javor" userId="e840de2940c497cb" providerId="LiveId" clId="{903FC241-FDA8-4AA6-8FF0-2A4D8A56C5A0}" dt="2019-11-27T04:11:52.054" v="126" actId="26606"/>
+          <ac:spMkLst>
+            <pc:docMk/>
+            <pc:sldMk cId="176846830" sldId="262"/>
+            <ac:spMk id="11" creationId="{047C8CCB-F95D-4249-92DD-651249D3535A}"/>
+          </ac:spMkLst>
+        </pc:spChg>
+        <pc:spChg chg="add del">
+          <ac:chgData name="Ron Javor" userId="e840de2940c497cb" providerId="LiveId" clId="{903FC241-FDA8-4AA6-8FF0-2A4D8A56C5A0}" dt="2019-11-27T04:13:59.365" v="141" actId="26606"/>
+          <ac:spMkLst>
+            <pc:docMk/>
+            <pc:sldMk cId="176846830" sldId="262"/>
+            <ac:spMk id="12" creationId="{6753252F-4873-4F63-801D-CC719279A7D5}"/>
+          </ac:spMkLst>
+        </pc:spChg>
+        <pc:spChg chg="add">
+          <ac:chgData name="Ron Javor" userId="e840de2940c497cb" providerId="LiveId" clId="{903FC241-FDA8-4AA6-8FF0-2A4D8A56C5A0}" dt="2019-11-27T04:14:59.684" v="154" actId="26606"/>
+          <ac:spMkLst>
+            <pc:docMk/>
+            <pc:sldMk cId="176846830" sldId="262"/>
+            <ac:spMk id="13" creationId="{6753252F-4873-4F63-801D-CC719279A7D5}"/>
+          </ac:spMkLst>
+        </pc:spChg>
+        <pc:spChg chg="add del">
+          <ac:chgData name="Ron Javor" userId="e840de2940c497cb" providerId="LiveId" clId="{903FC241-FDA8-4AA6-8FF0-2A4D8A56C5A0}" dt="2019-11-27T04:13:59.365" v="141" actId="26606"/>
+          <ac:spMkLst>
+            <pc:docMk/>
+            <pc:sldMk cId="176846830" sldId="262"/>
+            <ac:spMk id="14" creationId="{047C8CCB-F95D-4249-92DD-651249D3535A}"/>
+          </ac:spMkLst>
+        </pc:spChg>
+        <pc:spChg chg="add">
+          <ac:chgData name="Ron Javor" userId="e840de2940c497cb" providerId="LiveId" clId="{903FC241-FDA8-4AA6-8FF0-2A4D8A56C5A0}" dt="2019-11-27T04:14:59.684" v="154" actId="26606"/>
+          <ac:spMkLst>
+            <pc:docMk/>
+            <pc:sldMk cId="176846830" sldId="262"/>
+            <ac:spMk id="15" creationId="{047C8CCB-F95D-4249-92DD-651249D3535A}"/>
+          </ac:spMkLst>
+        </pc:spChg>
+        <pc:spChg chg="add mod">
+          <ac:chgData name="Ron Javor" userId="e840de2940c497cb" providerId="LiveId" clId="{903FC241-FDA8-4AA6-8FF0-2A4D8A56C5A0}" dt="2019-11-27T04:23:47.161" v="242" actId="113"/>
+          <ac:spMkLst>
+            <pc:docMk/>
+            <pc:sldMk cId="176846830" sldId="262"/>
+            <ac:spMk id="16" creationId="{30BAC76E-79FF-4FED-8D91-46A67BE11374}"/>
+          </ac:spMkLst>
+        </pc:spChg>
+        <pc:graphicFrameChg chg="add del mod modGraphic">
+          <ac:chgData name="Ron Javor" userId="e840de2940c497cb" providerId="LiveId" clId="{903FC241-FDA8-4AA6-8FF0-2A4D8A56C5A0}" dt="2019-11-27T04:14:54.332" v="152" actId="478"/>
           <ac:graphicFrameMkLst>
             <pc:docMk/>
             <pc:sldMk cId="176846830" sldId="262"/>
             <ac:graphicFrameMk id="3" creationId="{06429AEB-4429-4D9D-AB1C-5C57EAC53342}"/>
+          </ac:graphicFrameMkLst>
+        </pc:graphicFrameChg>
+        <pc:graphicFrameChg chg="add del mod">
+          <ac:chgData name="Ron Javor" userId="e840de2940c497cb" providerId="LiveId" clId="{903FC241-FDA8-4AA6-8FF0-2A4D8A56C5A0}" dt="2019-11-27T04:14:16.257" v="149" actId="478"/>
+          <ac:graphicFrameMkLst>
+            <pc:docMk/>
+            <pc:sldMk cId="176846830" sldId="262"/>
+            <ac:graphicFrameMk id="4" creationId="{A73C4A37-FB03-4B2D-B83C-BC7E42836970}"/>
+          </ac:graphicFrameMkLst>
+        </pc:graphicFrameChg>
+        <pc:graphicFrameChg chg="add del mod modGraphic">
+          <ac:chgData name="Ron Javor" userId="e840de2940c497cb" providerId="LiveId" clId="{903FC241-FDA8-4AA6-8FF0-2A4D8A56C5A0}" dt="2019-11-27T04:14:12.426" v="148" actId="478"/>
+          <ac:graphicFrameMkLst>
+            <pc:docMk/>
+            <pc:sldMk cId="176846830" sldId="262"/>
+            <ac:graphicFrameMk id="7" creationId="{8D4338EB-09E0-4F4E-BB16-7C0A3C148612}"/>
+          </ac:graphicFrameMkLst>
+        </pc:graphicFrameChg>
+        <pc:graphicFrameChg chg="add mod modGraphic">
+          <ac:chgData name="Ron Javor" userId="e840de2940c497cb" providerId="LiveId" clId="{903FC241-FDA8-4AA6-8FF0-2A4D8A56C5A0}" dt="2019-11-27T04:23:20.898" v="209" actId="1076"/>
+          <ac:graphicFrameMkLst>
+            <pc:docMk/>
+            <pc:sldMk cId="176846830" sldId="262"/>
+            <ac:graphicFrameMk id="8" creationId="{4411F0DA-7E0F-44E5-AB37-F0928D895C81}"/>
           </ac:graphicFrameMkLst>
         </pc:graphicFrameChg>
       </pc:sldChg>
@@ -4054,52 +4142,136 @@
       </p:grpSpPr>
       <p:sp>
         <p:nvSpPr>
-          <p:cNvPr id="2" name="Title 1">
-            <a:extLst>
-              <a:ext uri="{FF2B5EF4-FFF2-40B4-BE49-F238E27FC236}">
-                <a16:creationId xmlns:a16="http://schemas.microsoft.com/office/drawing/2014/main" id="{6A330886-AC2D-492F-8FDC-19969F48FBF0}"/>
-              </a:ext>
-            </a:extLst>
-          </p:cNvPr>
-          <p:cNvSpPr>
-            <a:spLocks noGrp="1"/>
-          </p:cNvSpPr>
-          <p:nvPr>
-            <p:ph type="title"/>
+          <p:cNvPr id="13" name="Rectangle 12">
+            <a:extLst>
+              <a:ext uri="{FF2B5EF4-FFF2-40B4-BE49-F238E27FC236}">
+                <a16:creationId xmlns:a16="http://schemas.microsoft.com/office/drawing/2014/main" id="{6753252F-4873-4F63-801D-CC719279A7D5}"/>
+              </a:ext>
+              <a:ext uri="{C183D7F6-B498-43B3-948B-1728B52AA6E4}">
+                <adec:decorative xmlns:adec="http://schemas.microsoft.com/office/drawing/2017/decorative" val="1"/>
+              </a:ext>
+            </a:extLst>
+          </p:cNvPr>
+          <p:cNvSpPr>
+            <a:spLocks noGrp="1" noRot="1" noChangeAspect="1" noMove="1" noResize="1" noEditPoints="1" noAdjustHandles="1" noChangeArrowheads="1" noChangeShapeType="1" noTextEdit="1"/>
+          </p:cNvSpPr>
+          <p:nvPr>
+            <p:extLst>
+              <p:ext uri="{386F3935-93C4-4BCD-93E2-E3B085C9AB24}">
+                <p16:designElem xmlns:p16="http://schemas.microsoft.com/office/powerpoint/2015/main" val="1"/>
+              </p:ext>
+            </p:extLst>
           </p:nvPr>
         </p:nvSpPr>
         <p:spPr>
           <a:xfrm>
-            <a:off x="514156" y="88838"/>
-            <a:ext cx="11214018" cy="918328"/>
+            <a:off x="0" y="0"/>
+            <a:ext cx="12192000" cy="6858000"/>
           </a:xfrm>
+          <a:prstGeom prst="rect">
+            <a:avLst/>
+          </a:prstGeom>
+          <a:solidFill>
+            <a:srgbClr val="FFFFFF"/>
+          </a:solidFill>
+          <a:ln>
+            <a:noFill/>
+          </a:ln>
         </p:spPr>
-        <p:txBody>
-          <a:bodyPr vert="horz" lIns="91440" tIns="45720" rIns="91440" bIns="45720" rtlCol="0" anchor="ctr">
-            <a:normAutofit/>
-          </a:bodyPr>
-          <a:lstStyle/>
-          <a:p>
-            <a:r>
-              <a:rPr lang="en-US" sz="3600" b="1" kern="1200" dirty="0">
-                <a:solidFill>
-                  <a:schemeClr val="tx1"/>
-                </a:solidFill>
-                <a:latin typeface="+mj-lt"/>
-                <a:ea typeface="+mj-ea"/>
-                <a:cs typeface="+mj-cs"/>
-              </a:rPr>
-              <a:t>Linear Regression (Top-12) – Health, Happiness and Income</a:t>
-            </a:r>
+        <p:style>
+          <a:lnRef idx="2">
+            <a:schemeClr val="accent1">
+              <a:shade val="50000"/>
+            </a:schemeClr>
+          </a:lnRef>
+          <a:fillRef idx="1">
+            <a:schemeClr val="accent1"/>
+          </a:fillRef>
+          <a:effectRef idx="0">
+            <a:schemeClr val="accent1"/>
+          </a:effectRef>
+          <a:fontRef idx="minor">
+            <a:schemeClr val="lt1"/>
+          </a:fontRef>
+        </p:style>
+        <p:txBody>
+          <a:bodyPr rtlCol="0" anchor="ctr"/>
+          <a:lstStyle/>
+          <a:p>
+            <a:pPr algn="ctr"/>
+            <a:endParaRPr lang="en-US"/>
+          </a:p>
+        </p:txBody>
+      </p:sp>
+      <p:sp>
+        <p:nvSpPr>
+          <p:cNvPr id="15" name="Rectangle 14">
+            <a:extLst>
+              <a:ext uri="{FF2B5EF4-FFF2-40B4-BE49-F238E27FC236}">
+                <a16:creationId xmlns:a16="http://schemas.microsoft.com/office/drawing/2014/main" id="{047C8CCB-F95D-4249-92DD-651249D3535A}"/>
+              </a:ext>
+              <a:ext uri="{C183D7F6-B498-43B3-948B-1728B52AA6E4}">
+                <adec:decorative xmlns:adec="http://schemas.microsoft.com/office/drawing/2017/decorative" val="1"/>
+              </a:ext>
+            </a:extLst>
+          </p:cNvPr>
+          <p:cNvSpPr>
+            <a:spLocks noGrp="1" noRot="1" noChangeAspect="1" noMove="1" noResize="1" noEditPoints="1" noAdjustHandles="1" noChangeArrowheads="1" noChangeShapeType="1" noTextEdit="1"/>
+          </p:cNvSpPr>
+          <p:nvPr>
+            <p:extLst>
+              <p:ext uri="{386F3935-93C4-4BCD-93E2-E3B085C9AB24}">
+                <p16:designElem xmlns:p16="http://schemas.microsoft.com/office/powerpoint/2015/main" val="1"/>
+              </p:ext>
+            </p:extLst>
+          </p:nvPr>
+        </p:nvSpPr>
+        <p:spPr>
+          <a:xfrm>
+            <a:off x="0" y="0"/>
+            <a:ext cx="2013557" cy="6858000"/>
+          </a:xfrm>
+          <a:prstGeom prst="rect">
+            <a:avLst/>
+          </a:prstGeom>
+          <a:solidFill>
+            <a:srgbClr val="7F7F7F"/>
+          </a:solidFill>
+          <a:ln>
+            <a:noFill/>
+          </a:ln>
+        </p:spPr>
+        <p:style>
+          <a:lnRef idx="2">
+            <a:schemeClr val="accent1">
+              <a:shade val="50000"/>
+            </a:schemeClr>
+          </a:lnRef>
+          <a:fillRef idx="1">
+            <a:schemeClr val="accent1"/>
+          </a:fillRef>
+          <a:effectRef idx="0">
+            <a:schemeClr val="accent1"/>
+          </a:effectRef>
+          <a:fontRef idx="minor">
+            <a:schemeClr val="lt1"/>
+          </a:fontRef>
+        </p:style>
+        <p:txBody>
+          <a:bodyPr rtlCol="0" anchor="ctr"/>
+          <a:lstStyle/>
+          <a:p>
+            <a:pPr algn="ctr"/>
+            <a:endParaRPr lang="en-US"/>
           </a:p>
         </p:txBody>
       </p:sp>
       <p:graphicFrame>
         <p:nvGraphicFramePr>
-          <p:cNvPr id="3" name="Table 2">
-            <a:extLst>
-              <a:ext uri="{FF2B5EF4-FFF2-40B4-BE49-F238E27FC236}">
-                <a16:creationId xmlns:a16="http://schemas.microsoft.com/office/drawing/2014/main" id="{06429AEB-4429-4D9D-AB1C-5C57EAC53342}"/>
+          <p:cNvPr id="8" name="Table 7">
+            <a:extLst>
+              <a:ext uri="{FF2B5EF4-FFF2-40B4-BE49-F238E27FC236}">
+                <a16:creationId xmlns:a16="http://schemas.microsoft.com/office/drawing/2014/main" id="{4411F0DA-7E0F-44E5-AB37-F0928D895C81}"/>
               </a:ext>
             </a:extLst>
           </p:cNvPr>
@@ -4109,99 +4281,129 @@
           <p:nvPr>
             <p:extLst>
               <p:ext uri="{D42A27DB-BD31-4B8C-83A1-F6EECF244321}">
-                <p14:modId xmlns:p14="http://schemas.microsoft.com/office/powerpoint/2010/main" val="3519503191"/>
+                <p14:modId xmlns:p14="http://schemas.microsoft.com/office/powerpoint/2010/main" val="786885989"/>
               </p:ext>
             </p:extLst>
           </p:nvPr>
         </p:nvGraphicFramePr>
         <p:xfrm>
-          <a:off x="1505446" y="1215618"/>
-          <a:ext cx="8533019" cy="5443600"/>
+          <a:off x="2990242" y="2070978"/>
+          <a:ext cx="8417987" cy="4243214"/>
         </p:xfrm>
         <a:graphic>
           <a:graphicData uri="http://schemas.openxmlformats.org/drawingml/2006/table">
             <a:tbl>
               <a:tblPr firstRow="1" bandRow="1">
-                <a:noFill/>
+                <a:tableStyleId>{3B4B98B0-60AC-42C2-AFA5-B58CD77FA1E5}</a:tableStyleId>
               </a:tblPr>
               <a:tblGrid>
-                <a:gridCol w="2530113">
+                <a:gridCol w="2730249">
                   <a:extLst>
                     <a:ext uri="{9D8B030D-6E8A-4147-A177-3AD203B41FA5}">
-                      <a16:colId xmlns:a16="http://schemas.microsoft.com/office/drawing/2014/main" val="2188532543"/>
+                      <a16:colId xmlns:a16="http://schemas.microsoft.com/office/drawing/2014/main" val="600785518"/>
                     </a:ext>
                   </a:extLst>
                 </a:gridCol>
-                <a:gridCol w="2753032">
+                <a:gridCol w="2463951">
                   <a:extLst>
                     <a:ext uri="{9D8B030D-6E8A-4147-A177-3AD203B41FA5}">
-                      <a16:colId xmlns:a16="http://schemas.microsoft.com/office/drawing/2014/main" val="4135660647"/>
+                      <a16:colId xmlns:a16="http://schemas.microsoft.com/office/drawing/2014/main" val="2364808135"/>
                     </a:ext>
                   </a:extLst>
                 </a:gridCol>
-                <a:gridCol w="1624937">
+                <a:gridCol w="1526092">
                   <a:extLst>
                     <a:ext uri="{9D8B030D-6E8A-4147-A177-3AD203B41FA5}">
-                      <a16:colId xmlns:a16="http://schemas.microsoft.com/office/drawing/2014/main" val="3818810793"/>
+                      <a16:colId xmlns:a16="http://schemas.microsoft.com/office/drawing/2014/main" val="494387186"/>
                     </a:ext>
                   </a:extLst>
                 </a:gridCol>
-                <a:gridCol w="1624937">
+                <a:gridCol w="1697695">
                   <a:extLst>
                     <a:ext uri="{9D8B030D-6E8A-4147-A177-3AD203B41FA5}">
-                      <a16:colId xmlns:a16="http://schemas.microsoft.com/office/drawing/2014/main" val="3384654084"/>
+                      <a16:colId xmlns:a16="http://schemas.microsoft.com/office/drawing/2014/main" val="1251155295"/>
                     </a:ext>
                   </a:extLst>
                 </a:gridCol>
               </a:tblGrid>
-              <a:tr h="334719">
+              <a:tr h="302515">
+                <a:tc>
+                  <a:txBody>
+                    <a:bodyPr/>
+                    <a:lstStyle/>
+                    <a:p>
+                      <a:pPr algn="ctr"/>
+                      <a:r>
+                        <a:rPr lang="en-US" sz="2000" dirty="0"/>
+                        <a:t>measure1</a:t>
+                      </a:r>
+                    </a:p>
+                  </a:txBody>
+                  <a:tcPr marL="66241" marR="66241" marT="33121" marB="33121" anchor="ctr"/>
+                </a:tc>
+                <a:tc>
+                  <a:txBody>
+                    <a:bodyPr/>
+                    <a:lstStyle/>
+                    <a:p>
+                      <a:pPr algn="ctr"/>
+                      <a:r>
+                        <a:rPr lang="en-US" sz="2000" dirty="0"/>
+                        <a:t>measure2</a:t>
+                      </a:r>
+                    </a:p>
+                  </a:txBody>
+                  <a:tcPr marL="66241" marR="66241" marT="33121" marB="33121" anchor="ctr"/>
+                </a:tc>
+                <a:tc>
+                  <a:txBody>
+                    <a:bodyPr/>
+                    <a:lstStyle/>
+                    <a:p>
+                      <a:pPr algn="ctr"/>
+                      <a:r>
+                        <a:rPr lang="en-US" sz="2000" dirty="0"/>
+                        <a:t>slope</a:t>
+                      </a:r>
+                    </a:p>
+                  </a:txBody>
+                  <a:tcPr marL="66241" marR="66241" marT="33121" marB="33121" anchor="ctr"/>
+                </a:tc>
+                <a:tc>
+                  <a:txBody>
+                    <a:bodyPr/>
+                    <a:lstStyle/>
+                    <a:p>
+                      <a:pPr algn="ctr"/>
+                      <a:r>
+                        <a:rPr lang="en-US" sz="2000" dirty="0" err="1"/>
+                        <a:t>pvalue</a:t>
+                      </a:r>
+                      <a:endParaRPr lang="en-US" sz="2000" dirty="0"/>
+                    </a:p>
+                  </a:txBody>
+                  <a:tcPr marL="66241" marR="66241" marT="33121" marB="33121" anchor="ctr"/>
+                </a:tc>
+                <a:extLst>
+                  <a:ext uri="{0D108BD9-81ED-4DB2-BD59-A6C34878D82A}">
+                    <a16:rowId xmlns:a16="http://schemas.microsoft.com/office/drawing/2014/main" val="4157070803"/>
+                  </a:ext>
+                </a:extLst>
+              </a:tr>
+              <a:tr h="302515">
                 <a:tc>
                   <a:txBody>
                     <a:bodyPr/>
                     <a:lstStyle/>
                     <a:p>
                       <a:r>
-                        <a:rPr lang="en-US" sz="2400" b="1" dirty="0">
-                          <a:solidFill>
-                            <a:srgbClr val="FFFFFF"/>
-                          </a:solidFill>
-                        </a:rPr>
-                        <a:t>Measure1</a:t>
+                        <a:rPr lang="en-US" sz="1600" dirty="0" err="1"/>
+                        <a:t>hap_entertainment</a:t>
                       </a:r>
+                      <a:endParaRPr lang="en-US" sz="1600" dirty="0"/>
                     </a:p>
                   </a:txBody>
-                  <a:tcPr marL="137933" marR="82760" marT="82760" marB="82760" anchor="ctr">
-                    <a:lnL w="38100" cap="flat" cmpd="sng" algn="ctr">
-                      <a:solidFill>
-                        <a:srgbClr val="FFFFFF"/>
-                      </a:solidFill>
-                      <a:prstDash val="solid"/>
-                    </a:lnL>
-                    <a:lnR w="38100" cap="flat" cmpd="sng" algn="ctr">
-                      <a:solidFill>
-                        <a:srgbClr val="FFFFFF"/>
-                      </a:solidFill>
-                      <a:prstDash val="solid"/>
-                    </a:lnR>
-                    <a:lnT w="38100" cap="flat" cmpd="sng" algn="ctr">
-                      <a:noFill/>
-                      <a:prstDash val="solid"/>
-                    </a:lnT>
-                    <a:lnB w="38100" cap="flat" cmpd="sng" algn="ctr">
-                      <a:solidFill>
-                        <a:srgbClr val="FFFFFF"/>
-                      </a:solidFill>
-                      <a:prstDash val="solid"/>
-                      <a:round/>
-                      <a:headEnd type="none" w="med" len="med"/>
-                      <a:tailEnd type="none" w="med" len="med"/>
-                    </a:lnB>
-                    <a:solidFill>
-                      <a:srgbClr val="636B68">
-                        <a:alpha val="69804"/>
-                      </a:srgbClr>
-                    </a:solidFill>
-                  </a:tcPr>
+                  <a:tcPr marL="66241" marR="66241" marT="33121" marB="33121" anchor="ctr"/>
                 </a:tc>
                 <a:tc>
                   <a:txBody>
@@ -4209,44 +4411,13 @@
                     <a:lstStyle/>
                     <a:p>
                       <a:r>
-                        <a:rPr lang="en-US" sz="2400" b="1" dirty="0">
-                          <a:solidFill>
-                            <a:srgbClr val="FFFFFF"/>
-                          </a:solidFill>
-                        </a:rPr>
-                        <a:t>Measure2</a:t>
+                        <a:rPr lang="en-US" sz="1600" dirty="0" err="1"/>
+                        <a:t>health_rank</a:t>
                       </a:r>
+                      <a:endParaRPr lang="en-US" sz="1600" dirty="0"/>
                     </a:p>
                   </a:txBody>
-                  <a:tcPr marL="137933" marR="82760" marT="82760" marB="82760" anchor="ctr">
-                    <a:lnL w="38100" cap="flat" cmpd="sng" algn="ctr">
-                      <a:solidFill>
-                        <a:srgbClr val="FFFFFF"/>
-                      </a:solidFill>
-                      <a:prstDash val="solid"/>
-                    </a:lnL>
-                    <a:lnR w="38100" cap="flat" cmpd="sng" algn="ctr">
-                      <a:solidFill>
-                        <a:srgbClr val="FFFFFF"/>
-                      </a:solidFill>
-                      <a:prstDash val="solid"/>
-                    </a:lnR>
-                    <a:lnT w="38100" cap="flat" cmpd="sng" algn="ctr">
-                      <a:noFill/>
-                      <a:prstDash val="solid"/>
-                    </a:lnT>
-                    <a:lnB w="38100" cap="flat" cmpd="sng" algn="ctr">
-                      <a:solidFill>
-                        <a:srgbClr val="FFFFFF"/>
-                      </a:solidFill>
-                      <a:prstDash val="solid"/>
-                    </a:lnB>
-                    <a:solidFill>
-                      <a:srgbClr val="636B68">
-                        <a:alpha val="69804"/>
-                      </a:srgbClr>
-                    </a:solidFill>
-                  </a:tcPr>
+                  <a:tcPr marL="66241" marR="66241" marT="33121" marB="33121" anchor="ctr"/>
                 </a:tc>
                 <a:tc>
                   <a:txBody>
@@ -4254,44 +4425,12 @@
                     <a:lstStyle/>
                     <a:p>
                       <a:r>
-                        <a:rPr lang="en-US" sz="2400" b="1" dirty="0">
-                          <a:solidFill>
-                            <a:srgbClr val="FFFFFF"/>
-                          </a:solidFill>
-                        </a:rPr>
-                        <a:t>slope</a:t>
+                        <a:rPr lang="en-US" sz="1600"/>
+                        <a:t>0.692889</a:t>
                       </a:r>
                     </a:p>
                   </a:txBody>
-                  <a:tcPr marL="137933" marR="82760" marT="82760" marB="82760" anchor="ctr">
-                    <a:lnL w="38100" cap="flat" cmpd="sng" algn="ctr">
-                      <a:solidFill>
-                        <a:srgbClr val="FFFFFF"/>
-                      </a:solidFill>
-                      <a:prstDash val="solid"/>
-                    </a:lnL>
-                    <a:lnR w="38100" cap="flat" cmpd="sng" algn="ctr">
-                      <a:solidFill>
-                        <a:srgbClr val="FFFFFF"/>
-                      </a:solidFill>
-                      <a:prstDash val="solid"/>
-                    </a:lnR>
-                    <a:lnT w="38100" cap="flat" cmpd="sng" algn="ctr">
-                      <a:noFill/>
-                      <a:prstDash val="solid"/>
-                    </a:lnT>
-                    <a:lnB w="38100" cap="flat" cmpd="sng" algn="ctr">
-                      <a:solidFill>
-                        <a:srgbClr val="FFFFFF"/>
-                      </a:solidFill>
-                      <a:prstDash val="solid"/>
-                    </a:lnB>
-                    <a:solidFill>
-                      <a:srgbClr val="636B68">
-                        <a:alpha val="69804"/>
-                      </a:srgbClr>
-                    </a:solidFill>
-                  </a:tcPr>
+                  <a:tcPr marL="66241" marR="66241" marT="33121" marB="33121" anchor="ctr"/>
                 </a:tc>
                 <a:tc>
                   <a:txBody>
@@ -4299,105 +4438,33 @@
                     <a:lstStyle/>
                     <a:p>
                       <a:r>
-                        <a:rPr lang="en-US" sz="2400" b="1" dirty="0">
-                          <a:solidFill>
-                            <a:srgbClr val="FFFFFF"/>
-                          </a:solidFill>
-                        </a:rPr>
-                        <a:t>p-value</a:t>
+                        <a:rPr lang="en-US" sz="1600"/>
+                        <a:t>6.754246e-15</a:t>
                       </a:r>
                     </a:p>
                   </a:txBody>
-                  <a:tcPr marL="137933" marR="82760" marT="82760" marB="82760" anchor="ctr">
-                    <a:lnL w="38100" cap="flat" cmpd="sng" algn="ctr">
-                      <a:solidFill>
-                        <a:srgbClr val="FFFFFF"/>
-                      </a:solidFill>
-                      <a:prstDash val="solid"/>
-                    </a:lnL>
-                    <a:lnR w="38100" cap="flat" cmpd="sng" algn="ctr">
-                      <a:noFill/>
-                      <a:prstDash val="solid"/>
-                    </a:lnR>
-                    <a:lnT w="38100" cap="flat" cmpd="sng" algn="ctr">
-                      <a:noFill/>
-                      <a:prstDash val="solid"/>
-                    </a:lnT>
-                    <a:lnB w="38100" cap="flat" cmpd="sng" algn="ctr">
-                      <a:solidFill>
-                        <a:srgbClr val="FFFFFF"/>
-                      </a:solidFill>
-                      <a:prstDash val="solid"/>
-                    </a:lnB>
-                    <a:solidFill>
-                      <a:srgbClr val="636B68">
-                        <a:alpha val="69804"/>
-                      </a:srgbClr>
-                    </a:solidFill>
-                  </a:tcPr>
+                  <a:tcPr marL="66241" marR="66241" marT="33121" marB="33121" anchor="ctr"/>
                 </a:tc>
                 <a:extLst>
                   <a:ext uri="{0D108BD9-81ED-4DB2-BD59-A6C34878D82A}">
-                    <a16:rowId xmlns:a16="http://schemas.microsoft.com/office/drawing/2014/main" val="2177020853"/>
+                    <a16:rowId xmlns:a16="http://schemas.microsoft.com/office/drawing/2014/main" val="725379916"/>
                   </a:ext>
                 </a:extLst>
               </a:tr>
-              <a:tr h="334719">
+              <a:tr h="302515">
                 <a:tc>
                   <a:txBody>
                     <a:bodyPr/>
                     <a:lstStyle/>
                     <a:p>
                       <a:r>
-                        <a:rPr lang="en-US" sz="1600" dirty="0">
-                          <a:solidFill>
-                            <a:schemeClr val="tx1">
-                              <a:lumMod val="85000"/>
-                              <a:lumOff val="15000"/>
-                            </a:schemeClr>
-                          </a:solidFill>
-                        </a:rPr>
-                        <a:t>parks</a:t>
+                        <a:rPr lang="en-US" sz="1600" dirty="0" err="1"/>
+                        <a:t>greenspace_rank</a:t>
                       </a:r>
+                      <a:endParaRPr lang="en-US" sz="1600" dirty="0"/>
                     </a:p>
                   </a:txBody>
-                  <a:tcPr marL="137933" marR="82760" marT="82760" marB="82760" anchor="ctr">
-                    <a:lnL w="38100" cap="flat" cmpd="sng" algn="ctr">
-                      <a:solidFill>
-                        <a:srgbClr val="FFFFFF"/>
-                      </a:solidFill>
-                      <a:prstDash val="solid"/>
-                    </a:lnL>
-                    <a:lnR w="38100" cap="flat" cmpd="sng" algn="ctr">
-                      <a:solidFill>
-                        <a:srgbClr val="FFFFFF"/>
-                      </a:solidFill>
-                      <a:prstDash val="solid"/>
-                    </a:lnR>
-                    <a:lnT w="38100" cap="flat" cmpd="sng" algn="ctr">
-                      <a:solidFill>
-                        <a:srgbClr val="FFFFFF"/>
-                      </a:solidFill>
-                      <a:prstDash val="solid"/>
-                      <a:round/>
-                      <a:headEnd type="none" w="med" len="med"/>
-                      <a:tailEnd type="none" w="med" len="med"/>
-                    </a:lnT>
-                    <a:lnB w="38100" cap="flat" cmpd="sng" algn="ctr">
-                      <a:solidFill>
-                        <a:srgbClr val="FFFFFF"/>
-                      </a:solidFill>
-                      <a:prstDash val="solid"/>
-                      <a:round/>
-                      <a:headEnd type="none" w="med" len="med"/>
-                      <a:tailEnd type="none" w="med" len="med"/>
-                    </a:lnB>
-                    <a:solidFill>
-                      <a:srgbClr val="878E8B">
-                        <a:alpha val="14902"/>
-                      </a:srgbClr>
-                    </a:solidFill>
-                  </a:tcPr>
+                  <a:tcPr marL="66241" marR="66241" marT="33121" marB="33121" anchor="ctr"/>
                 </a:tc>
                 <a:tc>
                   <a:txBody>
@@ -4405,57 +4472,13 @@
                     <a:lstStyle/>
                     <a:p>
                       <a:r>
-                        <a:rPr lang="en-US" sz="1600" dirty="0" err="1">
-                          <a:solidFill>
-                            <a:schemeClr val="tx1">
-                              <a:lumMod val="85000"/>
-                              <a:lumOff val="15000"/>
-                            </a:schemeClr>
-                          </a:solidFill>
-                        </a:rPr>
-                        <a:t>greenspace_rank</a:t>
+                        <a:rPr lang="en-US" sz="1600" dirty="0" err="1"/>
+                        <a:t>health_rank</a:t>
                       </a:r>
-                      <a:endParaRPr lang="en-US" sz="1600" dirty="0">
-                        <a:solidFill>
-                          <a:schemeClr val="tx1">
-                            <a:lumMod val="85000"/>
-                            <a:lumOff val="15000"/>
-                          </a:schemeClr>
-                        </a:solidFill>
-                      </a:endParaRPr>
+                      <a:endParaRPr lang="en-US" sz="1600" dirty="0"/>
                     </a:p>
                   </a:txBody>
-                  <a:tcPr marL="137933" marR="82760" marT="82760" marB="82760" anchor="ctr">
-                    <a:lnL w="38100" cap="flat" cmpd="sng" algn="ctr">
-                      <a:solidFill>
-                        <a:srgbClr val="FFFFFF"/>
-                      </a:solidFill>
-                      <a:prstDash val="solid"/>
-                    </a:lnL>
-                    <a:lnR w="38100" cap="flat" cmpd="sng" algn="ctr">
-                      <a:solidFill>
-                        <a:srgbClr val="FFFFFF"/>
-                      </a:solidFill>
-                      <a:prstDash val="solid"/>
-                    </a:lnR>
-                    <a:lnT w="38100" cap="flat" cmpd="sng" algn="ctr">
-                      <a:solidFill>
-                        <a:srgbClr val="FFFFFF"/>
-                      </a:solidFill>
-                      <a:prstDash val="solid"/>
-                    </a:lnT>
-                    <a:lnB w="38100" cap="flat" cmpd="sng" algn="ctr">
-                      <a:solidFill>
-                        <a:srgbClr val="FFFFFF"/>
-                      </a:solidFill>
-                      <a:prstDash val="solid"/>
-                    </a:lnB>
-                    <a:solidFill>
-                      <a:srgbClr val="878E8B">
-                        <a:alpha val="14902"/>
-                      </a:srgbClr>
-                    </a:solidFill>
-                  </a:tcPr>
+                  <a:tcPr marL="66241" marR="66241" marT="33121" marB="33121" anchor="ctr"/>
                 </a:tc>
                 <a:tc>
                   <a:txBody>
@@ -4463,49 +4486,12 @@
                     <a:lstStyle/>
                     <a:p>
                       <a:r>
-                        <a:rPr lang="en-US" sz="1600">
-                          <a:solidFill>
-                            <a:schemeClr val="tx1">
-                              <a:lumMod val="85000"/>
-                              <a:lumOff val="15000"/>
-                            </a:schemeClr>
-                          </a:solidFill>
-                        </a:rPr>
-                        <a:t>0.700493</a:t>
+                        <a:rPr lang="en-US" sz="1600"/>
+                        <a:t>0.574157</a:t>
                       </a:r>
                     </a:p>
                   </a:txBody>
-                  <a:tcPr marL="137933" marR="82760" marT="82760" marB="82760" anchor="ctr">
-                    <a:lnL w="38100" cap="flat" cmpd="sng" algn="ctr">
-                      <a:solidFill>
-                        <a:srgbClr val="FFFFFF"/>
-                      </a:solidFill>
-                      <a:prstDash val="solid"/>
-                    </a:lnL>
-                    <a:lnR w="38100" cap="flat" cmpd="sng" algn="ctr">
-                      <a:solidFill>
-                        <a:srgbClr val="FFFFFF"/>
-                      </a:solidFill>
-                      <a:prstDash val="solid"/>
-                    </a:lnR>
-                    <a:lnT w="38100" cap="flat" cmpd="sng" algn="ctr">
-                      <a:solidFill>
-                        <a:srgbClr val="FFFFFF"/>
-                      </a:solidFill>
-                      <a:prstDash val="solid"/>
-                    </a:lnT>
-                    <a:lnB w="38100" cap="flat" cmpd="sng" algn="ctr">
-                      <a:solidFill>
-                        <a:srgbClr val="FFFFFF"/>
-                      </a:solidFill>
-                      <a:prstDash val="solid"/>
-                    </a:lnB>
-                    <a:solidFill>
-                      <a:srgbClr val="878E8B">
-                        <a:alpha val="14902"/>
-                      </a:srgbClr>
-                    </a:solidFill>
-                  </a:tcPr>
+                  <a:tcPr marL="66241" marR="66241" marT="33121" marB="33121" anchor="ctr"/>
                 </a:tc>
                 <a:tc>
                   <a:txBody>
@@ -4513,118 +4499,32 @@
                     <a:lstStyle/>
                     <a:p>
                       <a:r>
-                        <a:rPr lang="en-US" sz="1600">
-                          <a:solidFill>
-                            <a:schemeClr val="tx1">
-                              <a:lumMod val="85000"/>
-                              <a:lumOff val="15000"/>
-                            </a:schemeClr>
-                          </a:solidFill>
-                        </a:rPr>
-                        <a:t>1.501518e-15</a:t>
+                        <a:rPr lang="en-US" sz="1600"/>
+                        <a:t>8.273011e-10</a:t>
                       </a:r>
                     </a:p>
                   </a:txBody>
-                  <a:tcPr marL="137933" marR="82760" marT="82760" marB="82760" anchor="ctr">
-                    <a:lnL w="38100" cap="flat" cmpd="sng" algn="ctr">
-                      <a:solidFill>
-                        <a:srgbClr val="FFFFFF"/>
-                      </a:solidFill>
-                      <a:prstDash val="solid"/>
-                    </a:lnL>
-                    <a:lnR w="38100" cap="flat" cmpd="sng" algn="ctr">
-                      <a:noFill/>
-                      <a:prstDash val="solid"/>
-                    </a:lnR>
-                    <a:lnT w="38100" cap="flat" cmpd="sng" algn="ctr">
-                      <a:solidFill>
-                        <a:srgbClr val="FFFFFF"/>
-                      </a:solidFill>
-                      <a:prstDash val="solid"/>
-                    </a:lnT>
-                    <a:lnB w="38100" cap="flat" cmpd="sng" algn="ctr">
-                      <a:solidFill>
-                        <a:srgbClr val="FFFFFF"/>
-                      </a:solidFill>
-                      <a:prstDash val="solid"/>
-                    </a:lnB>
-                    <a:solidFill>
-                      <a:srgbClr val="878E8B">
-                        <a:alpha val="14902"/>
-                      </a:srgbClr>
-                    </a:solidFill>
-                  </a:tcPr>
+                  <a:tcPr marL="66241" marR="66241" marT="33121" marB="33121" anchor="ctr"/>
                 </a:tc>
                 <a:extLst>
                   <a:ext uri="{0D108BD9-81ED-4DB2-BD59-A6C34878D82A}">
-                    <a16:rowId xmlns:a16="http://schemas.microsoft.com/office/drawing/2014/main" val="732028017"/>
+                    <a16:rowId xmlns:a16="http://schemas.microsoft.com/office/drawing/2014/main" val="3871459704"/>
                   </a:ext>
                 </a:extLst>
               </a:tr>
-              <a:tr h="334719">
+              <a:tr h="302515">
                 <a:tc>
                   <a:txBody>
                     <a:bodyPr/>
                     <a:lstStyle/>
                     <a:p>
                       <a:r>
-                        <a:rPr lang="en-US" sz="1600" dirty="0" err="1">
-                          <a:solidFill>
-                            <a:schemeClr val="tx1">
-                              <a:lumMod val="85000"/>
-                              <a:lumOff val="15000"/>
-                            </a:schemeClr>
-                          </a:solidFill>
-                        </a:rPr>
+                        <a:rPr lang="en-US" sz="1600"/>
                         <a:t>hap_entertainment</a:t>
                       </a:r>
-                      <a:endParaRPr lang="en-US" sz="1600" dirty="0">
-                        <a:solidFill>
-                          <a:schemeClr val="tx1">
-                            <a:lumMod val="85000"/>
-                            <a:lumOff val="15000"/>
-                          </a:schemeClr>
-                        </a:solidFill>
-                      </a:endParaRPr>
                     </a:p>
                   </a:txBody>
-                  <a:tcPr marL="137933" marR="82760" marT="82760" marB="82760" anchor="ctr">
-                    <a:lnL w="38100" cap="flat" cmpd="sng" algn="ctr">
-                      <a:solidFill>
-                        <a:srgbClr val="FFFFFF"/>
-                      </a:solidFill>
-                      <a:prstDash val="solid"/>
-                    </a:lnL>
-                    <a:lnR w="38100" cap="flat" cmpd="sng" algn="ctr">
-                      <a:solidFill>
-                        <a:srgbClr val="FFFFFF"/>
-                      </a:solidFill>
-                      <a:prstDash val="solid"/>
-                    </a:lnR>
-                    <a:lnT w="38100" cap="flat" cmpd="sng" algn="ctr">
-                      <a:solidFill>
-                        <a:srgbClr val="FFFFFF"/>
-                      </a:solidFill>
-                      <a:prstDash val="solid"/>
-                      <a:round/>
-                      <a:headEnd type="none" w="med" len="med"/>
-                      <a:tailEnd type="none" w="med" len="med"/>
-                    </a:lnT>
-                    <a:lnB w="38100" cap="flat" cmpd="sng" algn="ctr">
-                      <a:solidFill>
-                        <a:srgbClr val="FFFFFF"/>
-                      </a:solidFill>
-                      <a:prstDash val="solid"/>
-                      <a:round/>
-                      <a:headEnd type="none" w="med" len="med"/>
-                      <a:tailEnd type="none" w="med" len="med"/>
-                    </a:lnB>
-                    <a:solidFill>
-                      <a:srgbClr val="878E8B">
-                        <a:alpha val="30196"/>
-                      </a:srgbClr>
-                    </a:solidFill>
-                  </a:tcPr>
+                  <a:tcPr marL="66241" marR="66241" marT="33121" marB="33121" anchor="ctr"/>
                 </a:tc>
                 <a:tc>
                   <a:txBody>
@@ -4632,57 +4532,13 @@
                     <a:lstStyle/>
                     <a:p>
                       <a:r>
-                        <a:rPr lang="en-US" sz="1600" dirty="0" err="1">
-                          <a:solidFill>
-                            <a:schemeClr val="tx1">
-                              <a:lumMod val="85000"/>
-                              <a:lumOff val="15000"/>
-                            </a:schemeClr>
-                          </a:solidFill>
-                        </a:rPr>
-                        <a:t>health_rank</a:t>
+                        <a:rPr lang="en-US" sz="1600" dirty="0" err="1"/>
+                        <a:t>income_employment</a:t>
                       </a:r>
-                      <a:endParaRPr lang="en-US" sz="1600" dirty="0">
-                        <a:solidFill>
-                          <a:schemeClr val="tx1">
-                            <a:lumMod val="85000"/>
-                            <a:lumOff val="15000"/>
-                          </a:schemeClr>
-                        </a:solidFill>
-                      </a:endParaRPr>
+                      <a:endParaRPr lang="en-US" sz="1600" dirty="0"/>
                     </a:p>
                   </a:txBody>
-                  <a:tcPr marL="137933" marR="82760" marT="82760" marB="82760" anchor="ctr">
-                    <a:lnL w="38100" cap="flat" cmpd="sng" algn="ctr">
-                      <a:solidFill>
-                        <a:srgbClr val="FFFFFF"/>
-                      </a:solidFill>
-                      <a:prstDash val="solid"/>
-                    </a:lnL>
-                    <a:lnR w="38100" cap="flat" cmpd="sng" algn="ctr">
-                      <a:solidFill>
-                        <a:srgbClr val="FFFFFF"/>
-                      </a:solidFill>
-                      <a:prstDash val="solid"/>
-                    </a:lnR>
-                    <a:lnT w="38100" cap="flat" cmpd="sng" algn="ctr">
-                      <a:solidFill>
-                        <a:srgbClr val="FFFFFF"/>
-                      </a:solidFill>
-                      <a:prstDash val="solid"/>
-                    </a:lnT>
-                    <a:lnB w="38100" cap="flat" cmpd="sng" algn="ctr">
-                      <a:solidFill>
-                        <a:srgbClr val="FFFFFF"/>
-                      </a:solidFill>
-                      <a:prstDash val="solid"/>
-                    </a:lnB>
-                    <a:solidFill>
-                      <a:srgbClr val="878E8B">
-                        <a:alpha val="30196"/>
-                      </a:srgbClr>
-                    </a:solidFill>
-                  </a:tcPr>
+                  <a:tcPr marL="66241" marR="66241" marT="33121" marB="33121" anchor="ctr"/>
                 </a:tc>
                 <a:tc>
                   <a:txBody>
@@ -4690,49 +4546,12 @@
                     <a:lstStyle/>
                     <a:p>
                       <a:r>
-                        <a:rPr lang="en-US" sz="1600">
-                          <a:solidFill>
-                            <a:schemeClr val="tx1">
-                              <a:lumMod val="85000"/>
-                              <a:lumOff val="15000"/>
-                            </a:schemeClr>
-                          </a:solidFill>
-                        </a:rPr>
-                        <a:t>0.692889</a:t>
+                        <a:rPr lang="en-US" sz="1600"/>
+                        <a:t>0.572916</a:t>
                       </a:r>
                     </a:p>
                   </a:txBody>
-                  <a:tcPr marL="137933" marR="82760" marT="82760" marB="82760" anchor="ctr">
-                    <a:lnL w="38100" cap="flat" cmpd="sng" algn="ctr">
-                      <a:solidFill>
-                        <a:srgbClr val="FFFFFF"/>
-                      </a:solidFill>
-                      <a:prstDash val="solid"/>
-                    </a:lnL>
-                    <a:lnR w="38100" cap="flat" cmpd="sng" algn="ctr">
-                      <a:solidFill>
-                        <a:srgbClr val="FFFFFF"/>
-                      </a:solidFill>
-                      <a:prstDash val="solid"/>
-                    </a:lnR>
-                    <a:lnT w="38100" cap="flat" cmpd="sng" algn="ctr">
-                      <a:solidFill>
-                        <a:srgbClr val="FFFFFF"/>
-                      </a:solidFill>
-                      <a:prstDash val="solid"/>
-                    </a:lnT>
-                    <a:lnB w="38100" cap="flat" cmpd="sng" algn="ctr">
-                      <a:solidFill>
-                        <a:srgbClr val="FFFFFF"/>
-                      </a:solidFill>
-                      <a:prstDash val="solid"/>
-                    </a:lnB>
-                    <a:solidFill>
-                      <a:srgbClr val="878E8B">
-                        <a:alpha val="30196"/>
-                      </a:srgbClr>
-                    </a:solidFill>
-                  </a:tcPr>
+                  <a:tcPr marL="66241" marR="66241" marT="33121" marB="33121" anchor="ctr"/>
                 </a:tc>
                 <a:tc>
                   <a:txBody>
@@ -4740,110 +4559,32 @@
                     <a:lstStyle/>
                     <a:p>
                       <a:r>
-                        <a:rPr lang="en-US" sz="1600">
-                          <a:solidFill>
-                            <a:schemeClr val="tx1">
-                              <a:lumMod val="85000"/>
-                              <a:lumOff val="15000"/>
-                            </a:schemeClr>
-                          </a:solidFill>
-                        </a:rPr>
-                        <a:t>6.754246e-15</a:t>
+                        <a:rPr lang="en-US" sz="1600"/>
+                        <a:t>1.120893e-09</a:t>
                       </a:r>
                     </a:p>
                   </a:txBody>
-                  <a:tcPr marL="137933" marR="82760" marT="82760" marB="82760" anchor="ctr">
-                    <a:lnL w="38100" cap="flat" cmpd="sng" algn="ctr">
-                      <a:solidFill>
-                        <a:srgbClr val="FFFFFF"/>
-                      </a:solidFill>
-                      <a:prstDash val="solid"/>
-                    </a:lnL>
-                    <a:lnR w="12700" cmpd="sng">
-                      <a:noFill/>
-                      <a:prstDash val="solid"/>
-                    </a:lnR>
-                    <a:lnT w="38100" cap="flat" cmpd="sng" algn="ctr">
-                      <a:solidFill>
-                        <a:srgbClr val="FFFFFF"/>
-                      </a:solidFill>
-                      <a:prstDash val="solid"/>
-                    </a:lnT>
-                    <a:lnB w="38100" cap="flat" cmpd="sng" algn="ctr">
-                      <a:solidFill>
-                        <a:srgbClr val="FFFFFF"/>
-                      </a:solidFill>
-                      <a:prstDash val="solid"/>
-                    </a:lnB>
-                    <a:solidFill>
-                      <a:srgbClr val="878E8B">
-                        <a:alpha val="30196"/>
-                      </a:srgbClr>
-                    </a:solidFill>
-                  </a:tcPr>
+                  <a:tcPr marL="66241" marR="66241" marT="33121" marB="33121" anchor="ctr"/>
                 </a:tc>
                 <a:extLst>
                   <a:ext uri="{0D108BD9-81ED-4DB2-BD59-A6C34878D82A}">
-                    <a16:rowId xmlns:a16="http://schemas.microsoft.com/office/drawing/2014/main" val="1786122550"/>
+                    <a16:rowId xmlns:a16="http://schemas.microsoft.com/office/drawing/2014/main" val="1698056419"/>
                   </a:ext>
                 </a:extLst>
               </a:tr>
-              <a:tr h="334719">
+              <a:tr h="302515">
                 <a:tc>
                   <a:txBody>
                     <a:bodyPr/>
                     <a:lstStyle/>
                     <a:p>
                       <a:r>
-                        <a:rPr lang="en-US" sz="1600">
-                          <a:solidFill>
-                            <a:schemeClr val="tx1">
-                              <a:lumMod val="85000"/>
-                              <a:lumOff val="15000"/>
-                            </a:schemeClr>
-                          </a:solidFill>
-                        </a:rPr>
-                        <a:t>greenspace_rank</a:t>
+                        <a:rPr lang="en-US" sz="1600"/>
+                        <a:t>health_rank</a:t>
                       </a:r>
                     </a:p>
                   </a:txBody>
-                  <a:tcPr marL="137933" marR="82760" marT="82760" marB="82760" anchor="ctr">
-                    <a:lnL w="38100" cap="flat" cmpd="sng" algn="ctr">
-                      <a:solidFill>
-                        <a:srgbClr val="FFFFFF"/>
-                      </a:solidFill>
-                      <a:prstDash val="solid"/>
-                    </a:lnL>
-                    <a:lnR w="38100" cap="flat" cmpd="sng" algn="ctr">
-                      <a:solidFill>
-                        <a:srgbClr val="FFFFFF"/>
-                      </a:solidFill>
-                      <a:prstDash val="solid"/>
-                    </a:lnR>
-                    <a:lnT w="38100" cap="flat" cmpd="sng" algn="ctr">
-                      <a:solidFill>
-                        <a:srgbClr val="FFFFFF"/>
-                      </a:solidFill>
-                      <a:prstDash val="solid"/>
-                      <a:round/>
-                      <a:headEnd type="none" w="med" len="med"/>
-                      <a:tailEnd type="none" w="med" len="med"/>
-                    </a:lnT>
-                    <a:lnB w="38100" cap="flat" cmpd="sng" algn="ctr">
-                      <a:solidFill>
-                        <a:srgbClr val="FFFFFF"/>
-                      </a:solidFill>
-                      <a:prstDash val="solid"/>
-                      <a:round/>
-                      <a:headEnd type="none" w="med" len="med"/>
-                      <a:tailEnd type="none" w="med" len="med"/>
-                    </a:lnB>
-                    <a:solidFill>
-                      <a:srgbClr val="878E8B">
-                        <a:alpha val="14902"/>
-                      </a:srgbClr>
-                    </a:solidFill>
-                  </a:tcPr>
+                  <a:tcPr marL="66241" marR="66241" marT="33121" marB="33121" anchor="ctr"/>
                 </a:tc>
                 <a:tc>
                   <a:txBody>
@@ -4851,49 +4592,13 @@
                     <a:lstStyle/>
                     <a:p>
                       <a:r>
-                        <a:rPr lang="en-US" sz="1600" dirty="0">
-                          <a:solidFill>
-                            <a:schemeClr val="tx1">
-                              <a:lumMod val="85000"/>
-                              <a:lumOff val="15000"/>
-                            </a:schemeClr>
-                          </a:solidFill>
-                        </a:rPr>
-                        <a:t>parks</a:t>
+                        <a:rPr lang="en-US" sz="1600" dirty="0" err="1"/>
+                        <a:t>income_employment</a:t>
                       </a:r>
+                      <a:endParaRPr lang="en-US" sz="1600" dirty="0"/>
                     </a:p>
                   </a:txBody>
-                  <a:tcPr marL="137933" marR="82760" marT="82760" marB="82760" anchor="ctr">
-                    <a:lnL w="38100" cap="flat" cmpd="sng" algn="ctr">
-                      <a:solidFill>
-                        <a:srgbClr val="FFFFFF"/>
-                      </a:solidFill>
-                      <a:prstDash val="solid"/>
-                    </a:lnL>
-                    <a:lnR w="38100" cap="flat" cmpd="sng" algn="ctr">
-                      <a:solidFill>
-                        <a:srgbClr val="FFFFFF"/>
-                      </a:solidFill>
-                      <a:prstDash val="solid"/>
-                    </a:lnR>
-                    <a:lnT w="38100" cap="flat" cmpd="sng" algn="ctr">
-                      <a:solidFill>
-                        <a:srgbClr val="FFFFFF"/>
-                      </a:solidFill>
-                      <a:prstDash val="solid"/>
-                    </a:lnT>
-                    <a:lnB w="38100" cap="flat" cmpd="sng" algn="ctr">
-                      <a:solidFill>
-                        <a:srgbClr val="FFFFFF"/>
-                      </a:solidFill>
-                      <a:prstDash val="solid"/>
-                    </a:lnB>
-                    <a:solidFill>
-                      <a:srgbClr val="878E8B">
-                        <a:alpha val="14902"/>
-                      </a:srgbClr>
-                    </a:solidFill>
-                  </a:tcPr>
+                  <a:tcPr marL="66241" marR="66241" marT="33121" marB="33121" anchor="ctr"/>
                 </a:tc>
                 <a:tc>
                   <a:txBody>
@@ -4901,49 +4606,12 @@
                     <a:lstStyle/>
                     <a:p>
                       <a:r>
-                        <a:rPr lang="en-US" sz="1600">
-                          <a:solidFill>
-                            <a:schemeClr val="tx1">
-                              <a:lumMod val="85000"/>
-                              <a:lumOff val="15000"/>
-                            </a:schemeClr>
-                          </a:solidFill>
-                        </a:rPr>
-                        <a:t>0.684114</a:t>
+                        <a:rPr lang="en-US" sz="1600"/>
+                        <a:t>0.571850</a:t>
                       </a:r>
                     </a:p>
                   </a:txBody>
-                  <a:tcPr marL="137933" marR="82760" marT="82760" marB="82760" anchor="ctr">
-                    <a:lnL w="38100" cap="flat" cmpd="sng" algn="ctr">
-                      <a:solidFill>
-                        <a:srgbClr val="FFFFFF"/>
-                      </a:solidFill>
-                      <a:prstDash val="solid"/>
-                    </a:lnL>
-                    <a:lnR w="38100" cap="flat" cmpd="sng" algn="ctr">
-                      <a:solidFill>
-                        <a:srgbClr val="FFFFFF"/>
-                      </a:solidFill>
-                      <a:prstDash val="solid"/>
-                    </a:lnR>
-                    <a:lnT w="38100" cap="flat" cmpd="sng" algn="ctr">
-                      <a:solidFill>
-                        <a:srgbClr val="FFFFFF"/>
-                      </a:solidFill>
-                      <a:prstDash val="solid"/>
-                    </a:lnT>
-                    <a:lnB w="38100" cap="flat" cmpd="sng" algn="ctr">
-                      <a:solidFill>
-                        <a:srgbClr val="FFFFFF"/>
-                      </a:solidFill>
-                      <a:prstDash val="solid"/>
-                    </a:lnB>
-                    <a:solidFill>
-                      <a:srgbClr val="878E8B">
-                        <a:alpha val="14902"/>
-                      </a:srgbClr>
-                    </a:solidFill>
-                  </a:tcPr>
+                  <a:tcPr marL="66241" marR="66241" marT="33121" marB="33121" anchor="ctr"/>
                 </a:tc>
                 <a:tc>
                   <a:txBody>
@@ -4951,110 +4619,32 @@
                     <a:lstStyle/>
                     <a:p>
                       <a:r>
-                        <a:rPr lang="en-US" sz="1600">
-                          <a:solidFill>
-                            <a:schemeClr val="tx1">
-                              <a:lumMod val="85000"/>
-                              <a:lumOff val="15000"/>
-                            </a:schemeClr>
-                          </a:solidFill>
-                        </a:rPr>
-                        <a:t>1.501518e-15</a:t>
+                        <a:rPr lang="en-US" sz="1600"/>
+                        <a:t>5.228215e-10</a:t>
                       </a:r>
                     </a:p>
                   </a:txBody>
-                  <a:tcPr marL="137933" marR="82760" marT="82760" marB="82760" anchor="ctr">
-                    <a:lnL w="38100" cap="flat" cmpd="sng" algn="ctr">
-                      <a:solidFill>
-                        <a:srgbClr val="FFFFFF"/>
-                      </a:solidFill>
-                      <a:prstDash val="solid"/>
-                    </a:lnL>
-                    <a:lnR w="38100" cap="flat" cmpd="sng" algn="ctr">
-                      <a:noFill/>
-                      <a:prstDash val="solid"/>
-                    </a:lnR>
-                    <a:lnT w="38100" cap="flat" cmpd="sng" algn="ctr">
-                      <a:solidFill>
-                        <a:srgbClr val="FFFFFF"/>
-                      </a:solidFill>
-                      <a:prstDash val="solid"/>
-                    </a:lnT>
-                    <a:lnB w="38100" cap="flat" cmpd="sng" algn="ctr">
-                      <a:solidFill>
-                        <a:srgbClr val="FFFFFF"/>
-                      </a:solidFill>
-                      <a:prstDash val="solid"/>
-                    </a:lnB>
-                    <a:solidFill>
-                      <a:srgbClr val="878E8B">
-                        <a:alpha val="14902"/>
-                      </a:srgbClr>
-                    </a:solidFill>
-                  </a:tcPr>
+                  <a:tcPr marL="66241" marR="66241" marT="33121" marB="33121" anchor="ctr"/>
                 </a:tc>
                 <a:extLst>
                   <a:ext uri="{0D108BD9-81ED-4DB2-BD59-A6C34878D82A}">
-                    <a16:rowId xmlns:a16="http://schemas.microsoft.com/office/drawing/2014/main" val="1403559940"/>
+                    <a16:rowId xmlns:a16="http://schemas.microsoft.com/office/drawing/2014/main" val="2527781437"/>
                   </a:ext>
                 </a:extLst>
               </a:tr>
-              <a:tr h="334719">
+              <a:tr h="302515">
                 <a:tc>
                   <a:txBody>
                     <a:bodyPr/>
                     <a:lstStyle/>
                     <a:p>
                       <a:r>
-                        <a:rPr lang="en-US" sz="1600">
-                          <a:solidFill>
-                            <a:schemeClr val="tx1">
-                              <a:lumMod val="85000"/>
-                              <a:lumOff val="15000"/>
-                            </a:schemeClr>
-                          </a:solidFill>
-                        </a:rPr>
-                        <a:t>health_rank</a:t>
+                        <a:rPr lang="en-US" sz="1600"/>
+                        <a:t>community_environment</a:t>
                       </a:r>
                     </a:p>
                   </a:txBody>
-                  <a:tcPr marL="137933" marR="82760" marT="82760" marB="82760" anchor="ctr">
-                    <a:lnL w="38100" cap="flat" cmpd="sng" algn="ctr">
-                      <a:solidFill>
-                        <a:srgbClr val="FFFFFF"/>
-                      </a:solidFill>
-                      <a:prstDash val="solid"/>
-                    </a:lnL>
-                    <a:lnR w="38100" cap="flat" cmpd="sng" algn="ctr">
-                      <a:solidFill>
-                        <a:srgbClr val="FFFFFF"/>
-                      </a:solidFill>
-                      <a:prstDash val="solid"/>
-                    </a:lnR>
-                    <a:lnT w="38100" cap="flat" cmpd="sng" algn="ctr">
-                      <a:solidFill>
-                        <a:srgbClr val="FFFFFF"/>
-                      </a:solidFill>
-                      <a:prstDash val="solid"/>
-                      <a:round/>
-                      <a:headEnd type="none" w="med" len="med"/>
-                      <a:tailEnd type="none" w="med" len="med"/>
-                    </a:lnT>
-                    <a:lnB w="38100" cap="flat" cmpd="sng" algn="ctr">
-                      <a:solidFill>
-                        <a:srgbClr val="FFFFFF"/>
-                      </a:solidFill>
-                      <a:prstDash val="solid"/>
-                      <a:round/>
-                      <a:headEnd type="none" w="med" len="med"/>
-                      <a:tailEnd type="none" w="med" len="med"/>
-                    </a:lnB>
-                    <a:solidFill>
-                      <a:srgbClr val="878E8B">
-                        <a:alpha val="30196"/>
-                      </a:srgbClr>
-                    </a:solidFill>
-                  </a:tcPr>
+                  <a:tcPr marL="66241" marR="66241" marT="33121" marB="33121" anchor="ctr"/>
                 </a:tc>
                 <a:tc>
                   <a:txBody>
@@ -5062,57 +4652,13 @@
                     <a:lstStyle/>
                     <a:p>
                       <a:r>
-                        <a:rPr lang="en-US" sz="1600" dirty="0" err="1">
-                          <a:solidFill>
-                            <a:schemeClr val="tx1">
-                              <a:lumMod val="85000"/>
-                              <a:lumOff val="15000"/>
-                            </a:schemeClr>
-                          </a:solidFill>
-                        </a:rPr>
-                        <a:t>hap_entertainment</a:t>
+                        <a:rPr lang="en-US" sz="1600" dirty="0" err="1"/>
+                        <a:t>health_rank</a:t>
                       </a:r>
-                      <a:endParaRPr lang="en-US" sz="1600" dirty="0">
-                        <a:solidFill>
-                          <a:schemeClr val="tx1">
-                            <a:lumMod val="85000"/>
-                            <a:lumOff val="15000"/>
-                          </a:schemeClr>
-                        </a:solidFill>
-                      </a:endParaRPr>
+                      <a:endParaRPr lang="en-US" sz="1600" dirty="0"/>
                     </a:p>
                   </a:txBody>
-                  <a:tcPr marL="137933" marR="82760" marT="82760" marB="82760" anchor="ctr">
-                    <a:lnL w="38100" cap="flat" cmpd="sng" algn="ctr">
-                      <a:solidFill>
-                        <a:srgbClr val="FFFFFF"/>
-                      </a:solidFill>
-                      <a:prstDash val="solid"/>
-                    </a:lnL>
-                    <a:lnR w="38100" cap="flat" cmpd="sng" algn="ctr">
-                      <a:solidFill>
-                        <a:srgbClr val="FFFFFF"/>
-                      </a:solidFill>
-                      <a:prstDash val="solid"/>
-                    </a:lnR>
-                    <a:lnT w="38100" cap="flat" cmpd="sng" algn="ctr">
-                      <a:solidFill>
-                        <a:srgbClr val="FFFFFF"/>
-                      </a:solidFill>
-                      <a:prstDash val="solid"/>
-                    </a:lnT>
-                    <a:lnB w="38100" cap="flat" cmpd="sng" algn="ctr">
-                      <a:solidFill>
-                        <a:srgbClr val="FFFFFF"/>
-                      </a:solidFill>
-                      <a:prstDash val="solid"/>
-                    </a:lnB>
-                    <a:solidFill>
-                      <a:srgbClr val="878E8B">
-                        <a:alpha val="30196"/>
-                      </a:srgbClr>
-                    </a:solidFill>
-                  </a:tcPr>
+                  <a:tcPr marL="66241" marR="66241" marT="33121" marB="33121" anchor="ctr"/>
                 </a:tc>
                 <a:tc>
                   <a:txBody>
@@ -5120,49 +4666,12 @@
                     <a:lstStyle/>
                     <a:p>
                       <a:r>
-                        <a:rPr lang="en-US" sz="1600">
-                          <a:solidFill>
-                            <a:schemeClr val="tx1">
-                              <a:lumMod val="85000"/>
-                              <a:lumOff val="15000"/>
-                            </a:schemeClr>
-                          </a:solidFill>
-                        </a:rPr>
-                        <a:t>0.668457</a:t>
+                        <a:rPr lang="en-US" sz="1600"/>
+                        <a:t>0.507184</a:t>
                       </a:r>
                     </a:p>
                   </a:txBody>
-                  <a:tcPr marL="137933" marR="82760" marT="82760" marB="82760" anchor="ctr">
-                    <a:lnL w="38100" cap="flat" cmpd="sng" algn="ctr">
-                      <a:solidFill>
-                        <a:srgbClr val="FFFFFF"/>
-                      </a:solidFill>
-                      <a:prstDash val="solid"/>
-                    </a:lnL>
-                    <a:lnR w="38100" cap="flat" cmpd="sng" algn="ctr">
-                      <a:solidFill>
-                        <a:srgbClr val="FFFFFF"/>
-                      </a:solidFill>
-                      <a:prstDash val="solid"/>
-                    </a:lnR>
-                    <a:lnT w="38100" cap="flat" cmpd="sng" algn="ctr">
-                      <a:solidFill>
-                        <a:srgbClr val="FFFFFF"/>
-                      </a:solidFill>
-                      <a:prstDash val="solid"/>
-                    </a:lnT>
-                    <a:lnB w="38100" cap="flat" cmpd="sng" algn="ctr">
-                      <a:solidFill>
-                        <a:srgbClr val="FFFFFF"/>
-                      </a:solidFill>
-                      <a:prstDash val="solid"/>
-                    </a:lnB>
-                    <a:solidFill>
-                      <a:srgbClr val="878E8B">
-                        <a:alpha val="30196"/>
-                      </a:srgbClr>
-                    </a:solidFill>
-                  </a:tcPr>
+                  <a:tcPr marL="66241" marR="66241" marT="33121" marB="33121" anchor="ctr"/>
                 </a:tc>
                 <a:tc>
                   <a:txBody>
@@ -5170,110 +4679,32 @@
                     <a:lstStyle/>
                     <a:p>
                       <a:r>
-                        <a:rPr lang="en-US" sz="1600">
-                          <a:solidFill>
-                            <a:schemeClr val="tx1">
-                              <a:lumMod val="85000"/>
-                              <a:lumOff val="15000"/>
-                            </a:schemeClr>
-                          </a:solidFill>
-                        </a:rPr>
-                        <a:t>6.754246e-15</a:t>
+                        <a:rPr lang="en-US" sz="1600" dirty="0"/>
+                        <a:t>1.913020e-07</a:t>
                       </a:r>
                     </a:p>
                   </a:txBody>
-                  <a:tcPr marL="137933" marR="82760" marT="82760" marB="82760" anchor="ctr">
-                    <a:lnL w="38100" cap="flat" cmpd="sng" algn="ctr">
-                      <a:solidFill>
-                        <a:srgbClr val="FFFFFF"/>
-                      </a:solidFill>
-                      <a:prstDash val="solid"/>
-                    </a:lnL>
-                    <a:lnR w="12700" cmpd="sng">
-                      <a:noFill/>
-                      <a:prstDash val="solid"/>
-                    </a:lnR>
-                    <a:lnT w="38100" cap="flat" cmpd="sng" algn="ctr">
-                      <a:solidFill>
-                        <a:srgbClr val="FFFFFF"/>
-                      </a:solidFill>
-                      <a:prstDash val="solid"/>
-                    </a:lnT>
-                    <a:lnB w="38100" cap="flat" cmpd="sng" algn="ctr">
-                      <a:solidFill>
-                        <a:srgbClr val="FFFFFF"/>
-                      </a:solidFill>
-                      <a:prstDash val="solid"/>
-                    </a:lnB>
-                    <a:solidFill>
-                      <a:srgbClr val="878E8B">
-                        <a:alpha val="30196"/>
-                      </a:srgbClr>
-                    </a:solidFill>
-                  </a:tcPr>
+                  <a:tcPr marL="66241" marR="66241" marT="33121" marB="33121" anchor="ctr"/>
                 </a:tc>
                 <a:extLst>
                   <a:ext uri="{0D108BD9-81ED-4DB2-BD59-A6C34878D82A}">
-                    <a16:rowId xmlns:a16="http://schemas.microsoft.com/office/drawing/2014/main" val="3732989622"/>
+                    <a16:rowId xmlns:a16="http://schemas.microsoft.com/office/drawing/2014/main" val="1506633848"/>
                   </a:ext>
                 </a:extLst>
               </a:tr>
-              <a:tr h="334719">
+              <a:tr h="302515">
                 <a:tc>
                   <a:txBody>
                     <a:bodyPr/>
                     <a:lstStyle/>
                     <a:p>
                       <a:r>
-                        <a:rPr lang="en-US" sz="1600">
-                          <a:solidFill>
-                            <a:schemeClr val="tx1">
-                              <a:lumMod val="85000"/>
-                              <a:lumOff val="15000"/>
-                            </a:schemeClr>
-                          </a:solidFill>
-                        </a:rPr>
-                        <a:t>greenspace_rank</a:t>
+                        <a:rPr lang="en-US" sz="1600"/>
+                        <a:t>community_environment</a:t>
                       </a:r>
                     </a:p>
                   </a:txBody>
-                  <a:tcPr marL="137933" marR="82760" marT="82760" marB="82760" anchor="ctr">
-                    <a:lnL w="38100" cap="flat" cmpd="sng" algn="ctr">
-                      <a:solidFill>
-                        <a:srgbClr val="FFFFFF"/>
-                      </a:solidFill>
-                      <a:prstDash val="solid"/>
-                    </a:lnL>
-                    <a:lnR w="38100" cap="flat" cmpd="sng" algn="ctr">
-                      <a:solidFill>
-                        <a:srgbClr val="FFFFFF"/>
-                      </a:solidFill>
-                      <a:prstDash val="solid"/>
-                    </a:lnR>
-                    <a:lnT w="38100" cap="flat" cmpd="sng" algn="ctr">
-                      <a:solidFill>
-                        <a:srgbClr val="FFFFFF"/>
-                      </a:solidFill>
-                      <a:prstDash val="solid"/>
-                      <a:round/>
-                      <a:headEnd type="none" w="med" len="med"/>
-                      <a:tailEnd type="none" w="med" len="med"/>
-                    </a:lnT>
-                    <a:lnB w="38100" cap="flat" cmpd="sng" algn="ctr">
-                      <a:solidFill>
-                        <a:srgbClr val="FFFFFF"/>
-                      </a:solidFill>
-                      <a:prstDash val="solid"/>
-                      <a:round/>
-                      <a:headEnd type="none" w="med" len="med"/>
-                      <a:tailEnd type="none" w="med" len="med"/>
-                    </a:lnB>
-                    <a:solidFill>
-                      <a:srgbClr val="878E8B">
-                        <a:alpha val="14902"/>
-                      </a:srgbClr>
-                    </a:solidFill>
-                  </a:tcPr>
+                  <a:tcPr marL="66241" marR="66241" marT="33121" marB="33121" anchor="ctr"/>
                 </a:tc>
                 <a:tc>
                   <a:txBody>
@@ -5281,57 +4712,12 @@
                     <a:lstStyle/>
                     <a:p>
                       <a:r>
-                        <a:rPr lang="en-US" sz="1600" dirty="0" err="1">
-                          <a:solidFill>
-                            <a:schemeClr val="tx1">
-                              <a:lumMod val="85000"/>
-                              <a:lumOff val="15000"/>
-                            </a:schemeClr>
-                          </a:solidFill>
-                        </a:rPr>
-                        <a:t>health_rank</a:t>
+                        <a:rPr lang="en-US" sz="1600"/>
+                        <a:t>hap_entertainment</a:t>
                       </a:r>
-                      <a:endParaRPr lang="en-US" sz="1600" dirty="0">
-                        <a:solidFill>
-                          <a:schemeClr val="tx1">
-                            <a:lumMod val="85000"/>
-                            <a:lumOff val="15000"/>
-                          </a:schemeClr>
-                        </a:solidFill>
-                      </a:endParaRPr>
                     </a:p>
                   </a:txBody>
-                  <a:tcPr marL="137933" marR="82760" marT="82760" marB="82760" anchor="ctr">
-                    <a:lnL w="38100" cap="flat" cmpd="sng" algn="ctr">
-                      <a:solidFill>
-                        <a:srgbClr val="FFFFFF"/>
-                      </a:solidFill>
-                      <a:prstDash val="solid"/>
-                    </a:lnL>
-                    <a:lnR w="38100" cap="flat" cmpd="sng" algn="ctr">
-                      <a:solidFill>
-                        <a:srgbClr val="FFFFFF"/>
-                      </a:solidFill>
-                      <a:prstDash val="solid"/>
-                    </a:lnR>
-                    <a:lnT w="38100" cap="flat" cmpd="sng" algn="ctr">
-                      <a:solidFill>
-                        <a:srgbClr val="FFFFFF"/>
-                      </a:solidFill>
-                      <a:prstDash val="solid"/>
-                    </a:lnT>
-                    <a:lnB w="38100" cap="flat" cmpd="sng" algn="ctr">
-                      <a:solidFill>
-                        <a:srgbClr val="FFFFFF"/>
-                      </a:solidFill>
-                      <a:prstDash val="solid"/>
-                    </a:lnB>
-                    <a:solidFill>
-                      <a:srgbClr val="878E8B">
-                        <a:alpha val="14902"/>
-                      </a:srgbClr>
-                    </a:solidFill>
-                  </a:tcPr>
+                  <a:tcPr marL="66241" marR="66241" marT="33121" marB="33121" anchor="ctr"/>
                 </a:tc>
                 <a:tc>
                   <a:txBody>
@@ -5339,49 +4725,12 @@
                     <a:lstStyle/>
                     <a:p>
                       <a:r>
-                        <a:rPr lang="en-US" sz="1600">
-                          <a:solidFill>
-                            <a:schemeClr val="tx1">
-                              <a:lumMod val="85000"/>
-                              <a:lumOff val="15000"/>
-                            </a:schemeClr>
-                          </a:solidFill>
-                        </a:rPr>
-                        <a:t>0.574157</a:t>
+                        <a:rPr lang="en-US" sz="1600"/>
+                        <a:t>0.394299</a:t>
                       </a:r>
                     </a:p>
                   </a:txBody>
-                  <a:tcPr marL="137933" marR="82760" marT="82760" marB="82760" anchor="ctr">
-                    <a:lnL w="38100" cap="flat" cmpd="sng" algn="ctr">
-                      <a:solidFill>
-                        <a:srgbClr val="FFFFFF"/>
-                      </a:solidFill>
-                      <a:prstDash val="solid"/>
-                    </a:lnL>
-                    <a:lnR w="38100" cap="flat" cmpd="sng" algn="ctr">
-                      <a:solidFill>
-                        <a:srgbClr val="FFFFFF"/>
-                      </a:solidFill>
-                      <a:prstDash val="solid"/>
-                    </a:lnR>
-                    <a:lnT w="38100" cap="flat" cmpd="sng" algn="ctr">
-                      <a:solidFill>
-                        <a:srgbClr val="FFFFFF"/>
-                      </a:solidFill>
-                      <a:prstDash val="solid"/>
-                    </a:lnT>
-                    <a:lnB w="38100" cap="flat" cmpd="sng" algn="ctr">
-                      <a:solidFill>
-                        <a:srgbClr val="FFFFFF"/>
-                      </a:solidFill>
-                      <a:prstDash val="solid"/>
-                    </a:lnB>
-                    <a:solidFill>
-                      <a:srgbClr val="878E8B">
-                        <a:alpha val="14902"/>
-                      </a:srgbClr>
-                    </a:solidFill>
-                  </a:tcPr>
+                  <a:tcPr marL="66241" marR="66241" marT="33121" marB="33121" anchor="ctr"/>
                 </a:tc>
                 <a:tc>
                   <a:txBody>
@@ -5389,110 +4738,32 @@
                     <a:lstStyle/>
                     <a:p>
                       <a:r>
-                        <a:rPr lang="en-US" sz="1600">
-                          <a:solidFill>
-                            <a:schemeClr val="tx1">
-                              <a:lumMod val="85000"/>
-                              <a:lumOff val="15000"/>
-                            </a:schemeClr>
-                          </a:solidFill>
-                        </a:rPr>
-                        <a:t>8.273011e-10</a:t>
+                        <a:rPr lang="en-US" sz="1600"/>
+                        <a:t>6.045790e-05</a:t>
                       </a:r>
                     </a:p>
                   </a:txBody>
-                  <a:tcPr marL="137933" marR="82760" marT="82760" marB="82760" anchor="ctr">
-                    <a:lnL w="38100" cap="flat" cmpd="sng" algn="ctr">
-                      <a:solidFill>
-                        <a:srgbClr val="FFFFFF"/>
-                      </a:solidFill>
-                      <a:prstDash val="solid"/>
-                    </a:lnL>
-                    <a:lnR w="38100" cap="flat" cmpd="sng" algn="ctr">
-                      <a:noFill/>
-                      <a:prstDash val="solid"/>
-                    </a:lnR>
-                    <a:lnT w="38100" cap="flat" cmpd="sng" algn="ctr">
-                      <a:solidFill>
-                        <a:srgbClr val="FFFFFF"/>
-                      </a:solidFill>
-                      <a:prstDash val="solid"/>
-                    </a:lnT>
-                    <a:lnB w="38100" cap="flat" cmpd="sng" algn="ctr">
-                      <a:solidFill>
-                        <a:srgbClr val="FFFFFF"/>
-                      </a:solidFill>
-                      <a:prstDash val="solid"/>
-                    </a:lnB>
-                    <a:solidFill>
-                      <a:srgbClr val="878E8B">
-                        <a:alpha val="14902"/>
-                      </a:srgbClr>
-                    </a:solidFill>
-                  </a:tcPr>
+                  <a:tcPr marL="66241" marR="66241" marT="33121" marB="33121" anchor="ctr"/>
                 </a:tc>
                 <a:extLst>
                   <a:ext uri="{0D108BD9-81ED-4DB2-BD59-A6C34878D82A}">
-                    <a16:rowId xmlns:a16="http://schemas.microsoft.com/office/drawing/2014/main" val="2310936665"/>
+                    <a16:rowId xmlns:a16="http://schemas.microsoft.com/office/drawing/2014/main" val="1689925678"/>
                   </a:ext>
                 </a:extLst>
               </a:tr>
-              <a:tr h="334719">
+              <a:tr h="302515">
                 <a:tc>
                   <a:txBody>
                     <a:bodyPr/>
                     <a:lstStyle/>
                     <a:p>
                       <a:r>
-                        <a:rPr lang="en-US" sz="1600">
-                          <a:solidFill>
-                            <a:schemeClr val="tx1">
-                              <a:lumMod val="85000"/>
-                              <a:lumOff val="15000"/>
-                            </a:schemeClr>
-                          </a:solidFill>
-                        </a:rPr>
-                        <a:t>hap_entertainment</a:t>
+                        <a:rPr lang="en-US" sz="1600" dirty="0"/>
+                        <a:t>costs</a:t>
                       </a:r>
                     </a:p>
                   </a:txBody>
-                  <a:tcPr marL="137933" marR="82760" marT="82760" marB="82760" anchor="ctr">
-                    <a:lnL w="38100" cap="flat" cmpd="sng" algn="ctr">
-                      <a:solidFill>
-                        <a:srgbClr val="FFFFFF"/>
-                      </a:solidFill>
-                      <a:prstDash val="solid"/>
-                    </a:lnL>
-                    <a:lnR w="38100" cap="flat" cmpd="sng" algn="ctr">
-                      <a:solidFill>
-                        <a:srgbClr val="FFFFFF"/>
-                      </a:solidFill>
-                      <a:prstDash val="solid"/>
-                    </a:lnR>
-                    <a:lnT w="38100" cap="flat" cmpd="sng" algn="ctr">
-                      <a:solidFill>
-                        <a:srgbClr val="FFFFFF"/>
-                      </a:solidFill>
-                      <a:prstDash val="solid"/>
-                      <a:round/>
-                      <a:headEnd type="none" w="med" len="med"/>
-                      <a:tailEnd type="none" w="med" len="med"/>
-                    </a:lnT>
-                    <a:lnB w="38100" cap="flat" cmpd="sng" algn="ctr">
-                      <a:solidFill>
-                        <a:srgbClr val="FFFFFF"/>
-                      </a:solidFill>
-                      <a:prstDash val="solid"/>
-                      <a:round/>
-                      <a:headEnd type="none" w="med" len="med"/>
-                      <a:tailEnd type="none" w="med" len="med"/>
-                    </a:lnB>
-                    <a:solidFill>
-                      <a:srgbClr val="878E8B">
-                        <a:alpha val="30196"/>
-                      </a:srgbClr>
-                    </a:solidFill>
-                  </a:tcPr>
+                  <a:tcPr anchor="ctr"/>
                 </a:tc>
                 <a:tc>
                   <a:txBody>
@@ -5500,57 +4771,12 @@
                     <a:lstStyle/>
                     <a:p>
                       <a:r>
-                        <a:rPr lang="en-US" sz="1600" dirty="0" err="1">
-                          <a:solidFill>
-                            <a:schemeClr val="tx1">
-                              <a:lumMod val="85000"/>
-                              <a:lumOff val="15000"/>
-                            </a:schemeClr>
-                          </a:solidFill>
-                        </a:rPr>
-                        <a:t>income_employment</a:t>
+                        <a:rPr lang="en-US" sz="1600"/>
+                        <a:t>hap_entertainment</a:t>
                       </a:r>
-                      <a:endParaRPr lang="en-US" sz="1600" dirty="0">
-                        <a:solidFill>
-                          <a:schemeClr val="tx1">
-                            <a:lumMod val="85000"/>
-                            <a:lumOff val="15000"/>
-                          </a:schemeClr>
-                        </a:solidFill>
-                      </a:endParaRPr>
                     </a:p>
                   </a:txBody>
-                  <a:tcPr marL="137933" marR="82760" marT="82760" marB="82760" anchor="ctr">
-                    <a:lnL w="38100" cap="flat" cmpd="sng" algn="ctr">
-                      <a:solidFill>
-                        <a:srgbClr val="FFFFFF"/>
-                      </a:solidFill>
-                      <a:prstDash val="solid"/>
-                    </a:lnL>
-                    <a:lnR w="38100" cap="flat" cmpd="sng" algn="ctr">
-                      <a:solidFill>
-                        <a:srgbClr val="FFFFFF"/>
-                      </a:solidFill>
-                      <a:prstDash val="solid"/>
-                    </a:lnR>
-                    <a:lnT w="38100" cap="flat" cmpd="sng" algn="ctr">
-                      <a:solidFill>
-                        <a:srgbClr val="FFFFFF"/>
-                      </a:solidFill>
-                      <a:prstDash val="solid"/>
-                    </a:lnT>
-                    <a:lnB w="38100" cap="flat" cmpd="sng" algn="ctr">
-                      <a:solidFill>
-                        <a:srgbClr val="FFFFFF"/>
-                      </a:solidFill>
-                      <a:prstDash val="solid"/>
-                    </a:lnB>
-                    <a:solidFill>
-                      <a:srgbClr val="878E8B">
-                        <a:alpha val="30196"/>
-                      </a:srgbClr>
-                    </a:solidFill>
-                  </a:tcPr>
+                  <a:tcPr anchor="ctr"/>
                 </a:tc>
                 <a:tc>
                   <a:txBody>
@@ -5558,49 +4784,12 @@
                     <a:lstStyle/>
                     <a:p>
                       <a:r>
-                        <a:rPr lang="en-US" sz="1600" dirty="0">
-                          <a:solidFill>
-                            <a:schemeClr val="tx1">
-                              <a:lumMod val="85000"/>
-                              <a:lumOff val="15000"/>
-                            </a:schemeClr>
-                          </a:solidFill>
-                        </a:rPr>
-                        <a:t>0.572916</a:t>
+                        <a:rPr lang="en-US" sz="1600" dirty="0"/>
+                        <a:t>-0.392757</a:t>
                       </a:r>
                     </a:p>
                   </a:txBody>
-                  <a:tcPr marL="137933" marR="82760" marT="82760" marB="82760" anchor="ctr">
-                    <a:lnL w="38100" cap="flat" cmpd="sng" algn="ctr">
-                      <a:solidFill>
-                        <a:srgbClr val="FFFFFF"/>
-                      </a:solidFill>
-                      <a:prstDash val="solid"/>
-                    </a:lnL>
-                    <a:lnR w="38100" cap="flat" cmpd="sng" algn="ctr">
-                      <a:solidFill>
-                        <a:srgbClr val="FFFFFF"/>
-                      </a:solidFill>
-                      <a:prstDash val="solid"/>
-                    </a:lnR>
-                    <a:lnT w="38100" cap="flat" cmpd="sng" algn="ctr">
-                      <a:solidFill>
-                        <a:srgbClr val="FFFFFF"/>
-                      </a:solidFill>
-                      <a:prstDash val="solid"/>
-                    </a:lnT>
-                    <a:lnB w="38100" cap="flat" cmpd="sng" algn="ctr">
-                      <a:solidFill>
-                        <a:srgbClr val="FFFFFF"/>
-                      </a:solidFill>
-                      <a:prstDash val="solid"/>
-                    </a:lnB>
-                    <a:solidFill>
-                      <a:srgbClr val="878E8B">
-                        <a:alpha val="30196"/>
-                      </a:srgbClr>
-                    </a:solidFill>
-                  </a:tcPr>
+                  <a:tcPr anchor="ctr"/>
                 </a:tc>
                 <a:tc>
                   <a:txBody>
@@ -5608,110 +4797,33 @@
                     <a:lstStyle/>
                     <a:p>
                       <a:r>
-                        <a:rPr lang="en-US" sz="1600">
-                          <a:solidFill>
-                            <a:schemeClr val="tx1">
-                              <a:lumMod val="85000"/>
-                              <a:lumOff val="15000"/>
-                            </a:schemeClr>
-                          </a:solidFill>
-                        </a:rPr>
-                        <a:t>1.120893e-09</a:t>
+                        <a:rPr lang="en-US" sz="1600" dirty="0"/>
+                        <a:t>6.066075e-05</a:t>
                       </a:r>
                     </a:p>
                   </a:txBody>
-                  <a:tcPr marL="137933" marR="82760" marT="82760" marB="82760" anchor="ctr">
-                    <a:lnL w="38100" cap="flat" cmpd="sng" algn="ctr">
-                      <a:solidFill>
-                        <a:srgbClr val="FFFFFF"/>
-                      </a:solidFill>
-                      <a:prstDash val="solid"/>
-                    </a:lnL>
-                    <a:lnR w="12700" cmpd="sng">
-                      <a:noFill/>
-                      <a:prstDash val="solid"/>
-                    </a:lnR>
-                    <a:lnT w="38100" cap="flat" cmpd="sng" algn="ctr">
-                      <a:solidFill>
-                        <a:srgbClr val="FFFFFF"/>
-                      </a:solidFill>
-                      <a:prstDash val="solid"/>
-                    </a:lnT>
-                    <a:lnB w="38100" cap="flat" cmpd="sng" algn="ctr">
-                      <a:solidFill>
-                        <a:srgbClr val="FFFFFF"/>
-                      </a:solidFill>
-                      <a:prstDash val="solid"/>
-                    </a:lnB>
-                    <a:solidFill>
-                      <a:srgbClr val="878E8B">
-                        <a:alpha val="30196"/>
-                      </a:srgbClr>
-                    </a:solidFill>
-                  </a:tcPr>
+                  <a:tcPr anchor="ctr"/>
                 </a:tc>
                 <a:extLst>
                   <a:ext uri="{0D108BD9-81ED-4DB2-BD59-A6C34878D82A}">
-                    <a16:rowId xmlns:a16="http://schemas.microsoft.com/office/drawing/2014/main" val="1603092949"/>
+                    <a16:rowId xmlns:a16="http://schemas.microsoft.com/office/drawing/2014/main" val="1890675545"/>
                   </a:ext>
                 </a:extLst>
               </a:tr>
-              <a:tr h="334719">
+              <a:tr h="302515">
                 <a:tc>
                   <a:txBody>
                     <a:bodyPr/>
                     <a:lstStyle/>
                     <a:p>
                       <a:r>
-                        <a:rPr lang="en-US" sz="1600">
-                          <a:solidFill>
-                            <a:schemeClr val="tx1">
-                              <a:lumMod val="85000"/>
-                              <a:lumOff val="15000"/>
-                            </a:schemeClr>
-                          </a:solidFill>
-                        </a:rPr>
-                        <a:t>health_rank</a:t>
+                        <a:rPr lang="en-US" sz="1600" dirty="0" err="1"/>
+                        <a:t>hap_entertainment</a:t>
                       </a:r>
+                      <a:endParaRPr lang="en-US" sz="1600" dirty="0"/>
                     </a:p>
                   </a:txBody>
-                  <a:tcPr marL="137933" marR="82760" marT="82760" marB="82760" anchor="ctr">
-                    <a:lnL w="38100" cap="flat" cmpd="sng" algn="ctr">
-                      <a:solidFill>
-                        <a:srgbClr val="FFFFFF"/>
-                      </a:solidFill>
-                      <a:prstDash val="solid"/>
-                    </a:lnL>
-                    <a:lnR w="38100" cap="flat" cmpd="sng" algn="ctr">
-                      <a:solidFill>
-                        <a:srgbClr val="FFFFFF"/>
-                      </a:solidFill>
-                      <a:prstDash val="solid"/>
-                    </a:lnR>
-                    <a:lnT w="38100" cap="flat" cmpd="sng" algn="ctr">
-                      <a:solidFill>
-                        <a:srgbClr val="FFFFFF"/>
-                      </a:solidFill>
-                      <a:prstDash val="solid"/>
-                      <a:round/>
-                      <a:headEnd type="none" w="med" len="med"/>
-                      <a:tailEnd type="none" w="med" len="med"/>
-                    </a:lnT>
-                    <a:lnB w="38100" cap="flat" cmpd="sng" algn="ctr">
-                      <a:solidFill>
-                        <a:srgbClr val="FFFFFF"/>
-                      </a:solidFill>
-                      <a:prstDash val="solid"/>
-                      <a:round/>
-                      <a:headEnd type="none" w="med" len="med"/>
-                      <a:tailEnd type="none" w="med" len="med"/>
-                    </a:lnB>
-                    <a:solidFill>
-                      <a:srgbClr val="878E8B">
-                        <a:alpha val="14902"/>
-                      </a:srgbClr>
-                    </a:solidFill>
-                  </a:tcPr>
+                  <a:tcPr anchor="ctr"/>
                 </a:tc>
                 <a:tc>
                   <a:txBody>
@@ -5719,49 +4831,13 @@
                     <a:lstStyle/>
                     <a:p>
                       <a:r>
-                        <a:rPr lang="en-US" sz="1600">
-                          <a:solidFill>
-                            <a:schemeClr val="tx1">
-                              <a:lumMod val="85000"/>
-                              <a:lumOff val="15000"/>
-                            </a:schemeClr>
-                          </a:solidFill>
-                        </a:rPr>
-                        <a:t>income_employment</a:t>
+                        <a:rPr lang="en-US" sz="1600" dirty="0" err="1"/>
+                        <a:t>greenspace_rank</a:t>
                       </a:r>
+                      <a:endParaRPr lang="en-US" sz="1600" dirty="0"/>
                     </a:p>
                   </a:txBody>
-                  <a:tcPr marL="137933" marR="82760" marT="82760" marB="82760" anchor="ctr">
-                    <a:lnL w="38100" cap="flat" cmpd="sng" algn="ctr">
-                      <a:solidFill>
-                        <a:srgbClr val="FFFFFF"/>
-                      </a:solidFill>
-                      <a:prstDash val="solid"/>
-                    </a:lnL>
-                    <a:lnR w="38100" cap="flat" cmpd="sng" algn="ctr">
-                      <a:solidFill>
-                        <a:srgbClr val="FFFFFF"/>
-                      </a:solidFill>
-                      <a:prstDash val="solid"/>
-                    </a:lnR>
-                    <a:lnT w="38100" cap="flat" cmpd="sng" algn="ctr">
-                      <a:solidFill>
-                        <a:srgbClr val="FFFFFF"/>
-                      </a:solidFill>
-                      <a:prstDash val="solid"/>
-                    </a:lnT>
-                    <a:lnB w="38100" cap="flat" cmpd="sng" algn="ctr">
-                      <a:solidFill>
-                        <a:srgbClr val="FFFFFF"/>
-                      </a:solidFill>
-                      <a:prstDash val="solid"/>
-                    </a:lnB>
-                    <a:solidFill>
-                      <a:srgbClr val="878E8B">
-                        <a:alpha val="14902"/>
-                      </a:srgbClr>
-                    </a:solidFill>
-                  </a:tcPr>
+                  <a:tcPr anchor="ctr"/>
                 </a:tc>
                 <a:tc>
                   <a:txBody>
@@ -5769,49 +4845,12 @@
                     <a:lstStyle/>
                     <a:p>
                       <a:r>
-                        <a:rPr lang="en-US" sz="1600" dirty="0">
-                          <a:solidFill>
-                            <a:schemeClr val="tx1">
-                              <a:lumMod val="85000"/>
-                              <a:lumOff val="15000"/>
-                            </a:schemeClr>
-                          </a:solidFill>
-                        </a:rPr>
-                        <a:t>0.571850</a:t>
+                        <a:rPr lang="en-US" sz="1600" dirty="0"/>
+                        <a:t>0.376317</a:t>
                       </a:r>
                     </a:p>
                   </a:txBody>
-                  <a:tcPr marL="137933" marR="82760" marT="82760" marB="82760" anchor="ctr">
-                    <a:lnL w="38100" cap="flat" cmpd="sng" algn="ctr">
-                      <a:solidFill>
-                        <a:srgbClr val="FFFFFF"/>
-                      </a:solidFill>
-                      <a:prstDash val="solid"/>
-                    </a:lnL>
-                    <a:lnR w="38100" cap="flat" cmpd="sng" algn="ctr">
-                      <a:solidFill>
-                        <a:srgbClr val="FFFFFF"/>
-                      </a:solidFill>
-                      <a:prstDash val="solid"/>
-                    </a:lnR>
-                    <a:lnT w="38100" cap="flat" cmpd="sng" algn="ctr">
-                      <a:solidFill>
-                        <a:srgbClr val="FFFFFF"/>
-                      </a:solidFill>
-                      <a:prstDash val="solid"/>
-                    </a:lnT>
-                    <a:lnB w="38100" cap="flat" cmpd="sng" algn="ctr">
-                      <a:solidFill>
-                        <a:srgbClr val="FFFFFF"/>
-                      </a:solidFill>
-                      <a:prstDash val="solid"/>
-                    </a:lnB>
-                    <a:solidFill>
-                      <a:srgbClr val="878E8B">
-                        <a:alpha val="14902"/>
-                      </a:srgbClr>
-                    </a:solidFill>
-                  </a:tcPr>
+                  <a:tcPr anchor="ctr"/>
                 </a:tc>
                 <a:tc>
                   <a:txBody>
@@ -5819,110 +4858,32 @@
                     <a:lstStyle/>
                     <a:p>
                       <a:r>
-                        <a:rPr lang="en-US" sz="1600">
-                          <a:solidFill>
-                            <a:schemeClr val="tx1">
-                              <a:lumMod val="85000"/>
-                              <a:lumOff val="15000"/>
-                            </a:schemeClr>
-                          </a:solidFill>
-                        </a:rPr>
-                        <a:t>5.228215e-10</a:t>
+                        <a:rPr lang="en-US" sz="1600" dirty="0"/>
+                        <a:t>1.220398e-04</a:t>
                       </a:r>
                     </a:p>
                   </a:txBody>
-                  <a:tcPr marL="137933" marR="82760" marT="82760" marB="82760" anchor="ctr">
-                    <a:lnL w="38100" cap="flat" cmpd="sng" algn="ctr">
-                      <a:solidFill>
-                        <a:srgbClr val="FFFFFF"/>
-                      </a:solidFill>
-                      <a:prstDash val="solid"/>
-                    </a:lnL>
-                    <a:lnR w="38100" cap="flat" cmpd="sng" algn="ctr">
-                      <a:noFill/>
-                      <a:prstDash val="solid"/>
-                    </a:lnR>
-                    <a:lnT w="38100" cap="flat" cmpd="sng" algn="ctr">
-                      <a:solidFill>
-                        <a:srgbClr val="FFFFFF"/>
-                      </a:solidFill>
-                      <a:prstDash val="solid"/>
-                    </a:lnT>
-                    <a:lnB w="38100" cap="flat" cmpd="sng" algn="ctr">
-                      <a:solidFill>
-                        <a:srgbClr val="FFFFFF"/>
-                      </a:solidFill>
-                      <a:prstDash val="solid"/>
-                    </a:lnB>
-                    <a:solidFill>
-                      <a:srgbClr val="878E8B">
-                        <a:alpha val="14902"/>
-                      </a:srgbClr>
-                    </a:solidFill>
-                  </a:tcPr>
+                  <a:tcPr anchor="ctr"/>
                 </a:tc>
                 <a:extLst>
                   <a:ext uri="{0D108BD9-81ED-4DB2-BD59-A6C34878D82A}">
-                    <a16:rowId xmlns:a16="http://schemas.microsoft.com/office/drawing/2014/main" val="222812720"/>
+                    <a16:rowId xmlns:a16="http://schemas.microsoft.com/office/drawing/2014/main" val="2339438398"/>
                   </a:ext>
                 </a:extLst>
               </a:tr>
-              <a:tr h="334719">
+              <a:tr h="302515">
                 <a:tc>
                   <a:txBody>
                     <a:bodyPr/>
                     <a:lstStyle/>
                     <a:p>
                       <a:r>
-                        <a:rPr lang="en-US" sz="1600">
-                          <a:solidFill>
-                            <a:schemeClr val="tx1">
-                              <a:lumMod val="85000"/>
-                              <a:lumOff val="15000"/>
-                            </a:schemeClr>
-                          </a:solidFill>
-                        </a:rPr>
-                        <a:t>income_employment</a:t>
+                        <a:rPr lang="en-US" sz="1600"/>
+                        <a:t>community_environment</a:t>
                       </a:r>
                     </a:p>
                   </a:txBody>
-                  <a:tcPr marL="137933" marR="82760" marT="82760" marB="82760" anchor="ctr">
-                    <a:lnL w="38100" cap="flat" cmpd="sng" algn="ctr">
-                      <a:solidFill>
-                        <a:srgbClr val="FFFFFF"/>
-                      </a:solidFill>
-                      <a:prstDash val="solid"/>
-                    </a:lnL>
-                    <a:lnR w="38100" cap="flat" cmpd="sng" algn="ctr">
-                      <a:solidFill>
-                        <a:srgbClr val="FFFFFF"/>
-                      </a:solidFill>
-                      <a:prstDash val="solid"/>
-                    </a:lnR>
-                    <a:lnT w="38100" cap="flat" cmpd="sng" algn="ctr">
-                      <a:solidFill>
-                        <a:srgbClr val="FFFFFF"/>
-                      </a:solidFill>
-                      <a:prstDash val="solid"/>
-                      <a:round/>
-                      <a:headEnd type="none" w="med" len="med"/>
-                      <a:tailEnd type="none" w="med" len="med"/>
-                    </a:lnT>
-                    <a:lnB w="38100" cap="flat" cmpd="sng" algn="ctr">
-                      <a:solidFill>
-                        <a:srgbClr val="FFFFFF"/>
-                      </a:solidFill>
-                      <a:prstDash val="solid"/>
-                      <a:round/>
-                      <a:headEnd type="none" w="med" len="med"/>
-                      <a:tailEnd type="none" w="med" len="med"/>
-                    </a:lnB>
-                    <a:solidFill>
-                      <a:srgbClr val="878E8B">
-                        <a:alpha val="30196"/>
-                      </a:srgbClr>
-                    </a:solidFill>
-                  </a:tcPr>
+                  <a:tcPr anchor="ctr"/>
                 </a:tc>
                 <a:tc>
                   <a:txBody>
@@ -5930,49 +4891,12 @@
                     <a:lstStyle/>
                     <a:p>
                       <a:r>
-                        <a:rPr lang="en-US" sz="1600">
-                          <a:solidFill>
-                            <a:schemeClr val="tx1">
-                              <a:lumMod val="85000"/>
-                              <a:lumOff val="15000"/>
-                            </a:schemeClr>
-                          </a:solidFill>
-                        </a:rPr>
-                        <a:t>health_rank</a:t>
+                        <a:rPr lang="en-US" sz="1600"/>
+                        <a:t>income_employment</a:t>
                       </a:r>
                     </a:p>
                   </a:txBody>
-                  <a:tcPr marL="137933" marR="82760" marT="82760" marB="82760" anchor="ctr">
-                    <a:lnL w="38100" cap="flat" cmpd="sng" algn="ctr">
-                      <a:solidFill>
-                        <a:srgbClr val="FFFFFF"/>
-                      </a:solidFill>
-                      <a:prstDash val="solid"/>
-                    </a:lnL>
-                    <a:lnR w="38100" cap="flat" cmpd="sng" algn="ctr">
-                      <a:solidFill>
-                        <a:srgbClr val="FFFFFF"/>
-                      </a:solidFill>
-                      <a:prstDash val="solid"/>
-                    </a:lnR>
-                    <a:lnT w="38100" cap="flat" cmpd="sng" algn="ctr">
-                      <a:solidFill>
-                        <a:srgbClr val="FFFFFF"/>
-                      </a:solidFill>
-                      <a:prstDash val="solid"/>
-                    </a:lnT>
-                    <a:lnB w="38100" cap="flat" cmpd="sng" algn="ctr">
-                      <a:solidFill>
-                        <a:srgbClr val="FFFFFF"/>
-                      </a:solidFill>
-                      <a:prstDash val="solid"/>
-                    </a:lnB>
-                    <a:solidFill>
-                      <a:srgbClr val="878E8B">
-                        <a:alpha val="30196"/>
-                      </a:srgbClr>
-                    </a:solidFill>
-                  </a:tcPr>
+                  <a:tcPr anchor="ctr"/>
                 </a:tc>
                 <a:tc>
                   <a:txBody>
@@ -5980,49 +4904,12 @@
                     <a:lstStyle/>
                     <a:p>
                       <a:r>
-                        <a:rPr lang="en-US" sz="1600" dirty="0">
-                          <a:solidFill>
-                            <a:schemeClr val="tx1">
-                              <a:lumMod val="85000"/>
-                              <a:lumOff val="15000"/>
-                            </a:schemeClr>
-                          </a:solidFill>
-                        </a:rPr>
-                        <a:t>0.571492</a:t>
+                        <a:rPr lang="en-US" sz="1600"/>
+                        <a:t>0.364828</a:t>
                       </a:r>
                     </a:p>
                   </a:txBody>
-                  <a:tcPr marL="137933" marR="82760" marT="82760" marB="82760" anchor="ctr">
-                    <a:lnL w="38100" cap="flat" cmpd="sng" algn="ctr">
-                      <a:solidFill>
-                        <a:srgbClr val="FFFFFF"/>
-                      </a:solidFill>
-                      <a:prstDash val="solid"/>
-                    </a:lnL>
-                    <a:lnR w="38100" cap="flat" cmpd="sng" algn="ctr">
-                      <a:solidFill>
-                        <a:srgbClr val="FFFFFF"/>
-                      </a:solidFill>
-                      <a:prstDash val="solid"/>
-                    </a:lnR>
-                    <a:lnT w="38100" cap="flat" cmpd="sng" algn="ctr">
-                      <a:solidFill>
-                        <a:srgbClr val="FFFFFF"/>
-                      </a:solidFill>
-                      <a:prstDash val="solid"/>
-                    </a:lnT>
-                    <a:lnB w="38100" cap="flat" cmpd="sng" algn="ctr">
-                      <a:solidFill>
-                        <a:srgbClr val="FFFFFF"/>
-                      </a:solidFill>
-                      <a:prstDash val="solid"/>
-                    </a:lnB>
-                    <a:solidFill>
-                      <a:srgbClr val="878E8B">
-                        <a:alpha val="30196"/>
-                      </a:srgbClr>
-                    </a:solidFill>
-                  </a:tcPr>
+                  <a:tcPr anchor="ctr"/>
                 </a:tc>
                 <a:tc>
                   <a:txBody>
@@ -6030,110 +4917,33 @@
                     <a:lstStyle/>
                     <a:p>
                       <a:r>
-                        <a:rPr lang="en-US" sz="1600">
-                          <a:solidFill>
-                            <a:schemeClr val="tx1">
-                              <a:lumMod val="85000"/>
-                              <a:lumOff val="15000"/>
-                            </a:schemeClr>
-                          </a:solidFill>
-                        </a:rPr>
-                        <a:t>5.228215e-10</a:t>
+                        <a:rPr lang="en-US" sz="1600" dirty="0"/>
+                        <a:t>2.983343e-04</a:t>
                       </a:r>
                     </a:p>
                   </a:txBody>
-                  <a:tcPr marL="137933" marR="82760" marT="82760" marB="82760" anchor="ctr">
-                    <a:lnL w="38100" cap="flat" cmpd="sng" algn="ctr">
-                      <a:solidFill>
-                        <a:srgbClr val="FFFFFF"/>
-                      </a:solidFill>
-                      <a:prstDash val="solid"/>
-                    </a:lnL>
-                    <a:lnR w="12700" cmpd="sng">
-                      <a:noFill/>
-                      <a:prstDash val="solid"/>
-                    </a:lnR>
-                    <a:lnT w="38100" cap="flat" cmpd="sng" algn="ctr">
-                      <a:solidFill>
-                        <a:srgbClr val="FFFFFF"/>
-                      </a:solidFill>
-                      <a:prstDash val="solid"/>
-                    </a:lnT>
-                    <a:lnB w="38100" cap="flat" cmpd="sng" algn="ctr">
-                      <a:solidFill>
-                        <a:srgbClr val="FFFFFF"/>
-                      </a:solidFill>
-                      <a:prstDash val="solid"/>
-                    </a:lnB>
-                    <a:solidFill>
-                      <a:srgbClr val="878E8B">
-                        <a:alpha val="30196"/>
-                      </a:srgbClr>
-                    </a:solidFill>
-                  </a:tcPr>
+                  <a:tcPr anchor="ctr"/>
                 </a:tc>
                 <a:extLst>
                   <a:ext uri="{0D108BD9-81ED-4DB2-BD59-A6C34878D82A}">
-                    <a16:rowId xmlns:a16="http://schemas.microsoft.com/office/drawing/2014/main" val="3175387071"/>
+                    <a16:rowId xmlns:a16="http://schemas.microsoft.com/office/drawing/2014/main" val="877938336"/>
                   </a:ext>
                 </a:extLst>
               </a:tr>
-              <a:tr h="334719">
+              <a:tr h="302515">
                 <a:tc>
                   <a:txBody>
                     <a:bodyPr/>
                     <a:lstStyle/>
                     <a:p>
                       <a:r>
-                        <a:rPr lang="en-US" sz="1600">
-                          <a:solidFill>
-                            <a:schemeClr val="tx1">
-                              <a:lumMod val="85000"/>
-                              <a:lumOff val="15000"/>
-                            </a:schemeClr>
-                          </a:solidFill>
-                        </a:rPr>
-                        <a:t>health_rank</a:t>
+                        <a:rPr lang="en-US" sz="1600" dirty="0" err="1"/>
+                        <a:t>greenspace_rank</a:t>
                       </a:r>
+                      <a:endParaRPr lang="en-US" sz="1600" dirty="0"/>
                     </a:p>
                   </a:txBody>
-                  <a:tcPr marL="137933" marR="82760" marT="82760" marB="82760" anchor="ctr">
-                    <a:lnL w="38100" cap="flat" cmpd="sng" algn="ctr">
-                      <a:solidFill>
-                        <a:srgbClr val="FFFFFF"/>
-                      </a:solidFill>
-                      <a:prstDash val="solid"/>
-                    </a:lnL>
-                    <a:lnR w="38100" cap="flat" cmpd="sng" algn="ctr">
-                      <a:solidFill>
-                        <a:srgbClr val="FFFFFF"/>
-                      </a:solidFill>
-                      <a:prstDash val="solid"/>
-                    </a:lnR>
-                    <a:lnT w="38100" cap="flat" cmpd="sng" algn="ctr">
-                      <a:solidFill>
-                        <a:srgbClr val="FFFFFF"/>
-                      </a:solidFill>
-                      <a:prstDash val="solid"/>
-                      <a:round/>
-                      <a:headEnd type="none" w="med" len="med"/>
-                      <a:tailEnd type="none" w="med" len="med"/>
-                    </a:lnT>
-                    <a:lnB w="38100" cap="flat" cmpd="sng" algn="ctr">
-                      <a:solidFill>
-                        <a:srgbClr val="FFFFFF"/>
-                      </a:solidFill>
-                      <a:prstDash val="solid"/>
-                      <a:round/>
-                      <a:headEnd type="none" w="med" len="med"/>
-                      <a:tailEnd type="none" w="med" len="med"/>
-                    </a:lnB>
-                    <a:solidFill>
-                      <a:srgbClr val="878E8B">
-                        <a:alpha val="14902"/>
-                      </a:srgbClr>
-                    </a:solidFill>
-                  </a:tcPr>
+                  <a:tcPr anchor="ctr"/>
                 </a:tc>
                 <a:tc>
                   <a:txBody>
@@ -6141,49 +4951,12 @@
                     <a:lstStyle/>
                     <a:p>
                       <a:r>
-                        <a:rPr lang="en-US" sz="1600">
-                          <a:solidFill>
-                            <a:schemeClr val="tx1">
-                              <a:lumMod val="85000"/>
-                              <a:lumOff val="15000"/>
-                            </a:schemeClr>
-                          </a:solidFill>
-                        </a:rPr>
-                        <a:t>greenspace_rank</a:t>
+                        <a:rPr lang="en-US" sz="1600"/>
+                        <a:t>income_employment</a:t>
                       </a:r>
                     </a:p>
                   </a:txBody>
-                  <a:tcPr marL="137933" marR="82760" marT="82760" marB="82760" anchor="ctr">
-                    <a:lnL w="38100" cap="flat" cmpd="sng" algn="ctr">
-                      <a:solidFill>
-                        <a:srgbClr val="FFFFFF"/>
-                      </a:solidFill>
-                      <a:prstDash val="solid"/>
-                    </a:lnL>
-                    <a:lnR w="38100" cap="flat" cmpd="sng" algn="ctr">
-                      <a:solidFill>
-                        <a:srgbClr val="FFFFFF"/>
-                      </a:solidFill>
-                      <a:prstDash val="solid"/>
-                    </a:lnR>
-                    <a:lnT w="38100" cap="flat" cmpd="sng" algn="ctr">
-                      <a:solidFill>
-                        <a:srgbClr val="FFFFFF"/>
-                      </a:solidFill>
-                      <a:prstDash val="solid"/>
-                    </a:lnT>
-                    <a:lnB w="38100" cap="flat" cmpd="sng" algn="ctr">
-                      <a:solidFill>
-                        <a:srgbClr val="FFFFFF"/>
-                      </a:solidFill>
-                      <a:prstDash val="solid"/>
-                    </a:lnB>
-                    <a:solidFill>
-                      <a:srgbClr val="878E8B">
-                        <a:alpha val="14902"/>
-                      </a:srgbClr>
-                    </a:solidFill>
-                  </a:tcPr>
+                  <a:tcPr anchor="ctr"/>
                 </a:tc>
                 <a:tc>
                   <a:txBody>
@@ -6191,49 +4964,12 @@
                     <a:lstStyle/>
                     <a:p>
                       <a:r>
-                        <a:rPr lang="en-US" sz="1600" dirty="0">
-                          <a:solidFill>
-                            <a:schemeClr val="tx1">
-                              <a:lumMod val="85000"/>
-                              <a:lumOff val="15000"/>
-                            </a:schemeClr>
-                          </a:solidFill>
-                        </a:rPr>
-                        <a:t>0.558382</a:t>
+                        <a:rPr lang="en-US" sz="1600"/>
+                        <a:t>0.338554</a:t>
                       </a:r>
                     </a:p>
                   </a:txBody>
-                  <a:tcPr marL="137933" marR="82760" marT="82760" marB="82760" anchor="ctr">
-                    <a:lnL w="38100" cap="flat" cmpd="sng" algn="ctr">
-                      <a:solidFill>
-                        <a:srgbClr val="FFFFFF"/>
-                      </a:solidFill>
-                      <a:prstDash val="solid"/>
-                    </a:lnL>
-                    <a:lnR w="38100" cap="flat" cmpd="sng" algn="ctr">
-                      <a:solidFill>
-                        <a:srgbClr val="FFFFFF"/>
-                      </a:solidFill>
-                      <a:prstDash val="solid"/>
-                    </a:lnR>
-                    <a:lnT w="38100" cap="flat" cmpd="sng" algn="ctr">
-                      <a:solidFill>
-                        <a:srgbClr val="FFFFFF"/>
-                      </a:solidFill>
-                      <a:prstDash val="solid"/>
-                    </a:lnT>
-                    <a:lnB w="38100" cap="flat" cmpd="sng" algn="ctr">
-                      <a:solidFill>
-                        <a:srgbClr val="FFFFFF"/>
-                      </a:solidFill>
-                      <a:prstDash val="solid"/>
-                    </a:lnB>
-                    <a:solidFill>
-                      <a:srgbClr val="878E8B">
-                        <a:alpha val="14902"/>
-                      </a:srgbClr>
-                    </a:solidFill>
-                  </a:tcPr>
+                  <a:tcPr anchor="ctr"/>
                 </a:tc>
                 <a:tc>
                   <a:txBody>
@@ -6241,110 +4977,32 @@
                     <a:lstStyle/>
                     <a:p>
                       <a:r>
-                        <a:rPr lang="en-US" sz="1600">
-                          <a:solidFill>
-                            <a:schemeClr val="tx1">
-                              <a:lumMod val="85000"/>
-                              <a:lumOff val="15000"/>
-                            </a:schemeClr>
-                          </a:solidFill>
-                        </a:rPr>
-                        <a:t>8.273011e-10</a:t>
+                        <a:rPr lang="en-US" sz="1600" dirty="0"/>
+                        <a:t>6.899035e-04</a:t>
                       </a:r>
                     </a:p>
                   </a:txBody>
-                  <a:tcPr marL="137933" marR="82760" marT="82760" marB="82760" anchor="ctr">
-                    <a:lnL w="38100" cap="flat" cmpd="sng" algn="ctr">
-                      <a:solidFill>
-                        <a:srgbClr val="FFFFFF"/>
-                      </a:solidFill>
-                      <a:prstDash val="solid"/>
-                    </a:lnL>
-                    <a:lnR w="38100" cap="flat" cmpd="sng" algn="ctr">
-                      <a:noFill/>
-                      <a:prstDash val="solid"/>
-                    </a:lnR>
-                    <a:lnT w="38100" cap="flat" cmpd="sng" algn="ctr">
-                      <a:solidFill>
-                        <a:srgbClr val="FFFFFF"/>
-                      </a:solidFill>
-                      <a:prstDash val="solid"/>
-                    </a:lnT>
-                    <a:lnB w="38100" cap="flat" cmpd="sng" algn="ctr">
-                      <a:solidFill>
-                        <a:srgbClr val="FFFFFF"/>
-                      </a:solidFill>
-                      <a:prstDash val="solid"/>
-                    </a:lnB>
-                    <a:solidFill>
-                      <a:srgbClr val="878E8B">
-                        <a:alpha val="14902"/>
-                      </a:srgbClr>
-                    </a:solidFill>
-                  </a:tcPr>
+                  <a:tcPr anchor="ctr"/>
                 </a:tc>
                 <a:extLst>
                   <a:ext uri="{0D108BD9-81ED-4DB2-BD59-A6C34878D82A}">
-                    <a16:rowId xmlns:a16="http://schemas.microsoft.com/office/drawing/2014/main" val="1012187045"/>
+                    <a16:rowId xmlns:a16="http://schemas.microsoft.com/office/drawing/2014/main" val="4257945233"/>
                   </a:ext>
                 </a:extLst>
               </a:tr>
-              <a:tr h="334719">
+              <a:tr h="302515">
                 <a:tc>
                   <a:txBody>
                     <a:bodyPr/>
                     <a:lstStyle/>
                     <a:p>
                       <a:r>
-                        <a:rPr lang="en-US" sz="1600">
-                          <a:solidFill>
-                            <a:schemeClr val="tx1">
-                              <a:lumMod val="85000"/>
-                              <a:lumOff val="15000"/>
-                            </a:schemeClr>
-                          </a:solidFill>
-                        </a:rPr>
-                        <a:t>income_employment</a:t>
+                        <a:rPr lang="en-US" sz="1600"/>
+                        <a:t>costs</a:t>
                       </a:r>
                     </a:p>
                   </a:txBody>
-                  <a:tcPr marL="137933" marR="82760" marT="82760" marB="82760" anchor="ctr">
-                    <a:lnL w="38100" cap="flat" cmpd="sng" algn="ctr">
-                      <a:solidFill>
-                        <a:srgbClr val="FFFFFF"/>
-                      </a:solidFill>
-                      <a:prstDash val="solid"/>
-                    </a:lnL>
-                    <a:lnR w="38100" cap="flat" cmpd="sng" algn="ctr">
-                      <a:solidFill>
-                        <a:srgbClr val="FFFFFF"/>
-                      </a:solidFill>
-                      <a:prstDash val="solid"/>
-                    </a:lnR>
-                    <a:lnT w="38100" cap="flat" cmpd="sng" algn="ctr">
-                      <a:solidFill>
-                        <a:srgbClr val="FFFFFF"/>
-                      </a:solidFill>
-                      <a:prstDash val="solid"/>
-                      <a:round/>
-                      <a:headEnd type="none" w="med" len="med"/>
-                      <a:tailEnd type="none" w="med" len="med"/>
-                    </a:lnT>
-                    <a:lnB w="38100" cap="flat" cmpd="sng" algn="ctr">
-                      <a:solidFill>
-                        <a:srgbClr val="FFFFFF"/>
-                      </a:solidFill>
-                      <a:prstDash val="solid"/>
-                      <a:round/>
-                      <a:headEnd type="none" w="med" len="med"/>
-                      <a:tailEnd type="none" w="med" len="med"/>
-                    </a:lnB>
-                    <a:solidFill>
-                      <a:srgbClr val="878E8B">
-                        <a:alpha val="30196"/>
-                      </a:srgbClr>
-                    </a:solidFill>
-                  </a:tcPr>
+                  <a:tcPr anchor="ctr"/>
                 </a:tc>
                 <a:tc>
                   <a:txBody>
@@ -6352,49 +5010,12 @@
                     <a:lstStyle/>
                     <a:p>
                       <a:r>
-                        <a:rPr lang="en-US" sz="1600">
-                          <a:solidFill>
-                            <a:schemeClr val="tx1">
-                              <a:lumMod val="85000"/>
-                              <a:lumOff val="15000"/>
-                            </a:schemeClr>
-                          </a:solidFill>
-                        </a:rPr>
-                        <a:t>hap_entertainment</a:t>
+                        <a:rPr lang="en-US" sz="1600"/>
+                        <a:t>greenspace_rank</a:t>
                       </a:r>
                     </a:p>
                   </a:txBody>
-                  <a:tcPr marL="137933" marR="82760" marT="82760" marB="82760" anchor="ctr">
-                    <a:lnL w="38100" cap="flat" cmpd="sng" algn="ctr">
-                      <a:solidFill>
-                        <a:srgbClr val="FFFFFF"/>
-                      </a:solidFill>
-                      <a:prstDash val="solid"/>
-                    </a:lnL>
-                    <a:lnR w="38100" cap="flat" cmpd="sng" algn="ctr">
-                      <a:solidFill>
-                        <a:srgbClr val="FFFFFF"/>
-                      </a:solidFill>
-                      <a:prstDash val="solid"/>
-                    </a:lnR>
-                    <a:lnT w="38100" cap="flat" cmpd="sng" algn="ctr">
-                      <a:solidFill>
-                        <a:srgbClr val="FFFFFF"/>
-                      </a:solidFill>
-                      <a:prstDash val="solid"/>
-                    </a:lnT>
-                    <a:lnB w="38100" cap="flat" cmpd="sng" algn="ctr">
-                      <a:solidFill>
-                        <a:srgbClr val="FFFFFF"/>
-                      </a:solidFill>
-                      <a:prstDash val="solid"/>
-                    </a:lnB>
-                    <a:solidFill>
-                      <a:srgbClr val="878E8B">
-                        <a:alpha val="30196"/>
-                      </a:srgbClr>
-                    </a:solidFill>
-                  </a:tcPr>
+                  <a:tcPr anchor="ctr"/>
                 </a:tc>
                 <a:tc>
                   <a:txBody>
@@ -6402,49 +5023,12 @@
                     <a:lstStyle/>
                     <a:p>
                       <a:r>
-                        <a:rPr lang="en-US" sz="1600" dirty="0">
-                          <a:solidFill>
-                            <a:schemeClr val="tx1">
-                              <a:lumMod val="85000"/>
-                              <a:lumOff val="15000"/>
-                            </a:schemeClr>
-                          </a:solidFill>
-                        </a:rPr>
-                        <a:t>0.552367</a:t>
+                        <a:rPr lang="en-US" sz="1600"/>
+                        <a:t>-0.251905</a:t>
                       </a:r>
                     </a:p>
                   </a:txBody>
-                  <a:tcPr marL="137933" marR="82760" marT="82760" marB="82760" anchor="ctr">
-                    <a:lnL w="38100" cap="flat" cmpd="sng" algn="ctr">
-                      <a:solidFill>
-                        <a:srgbClr val="FFFFFF"/>
-                      </a:solidFill>
-                      <a:prstDash val="solid"/>
-                    </a:lnL>
-                    <a:lnR w="38100" cap="flat" cmpd="sng" algn="ctr">
-                      <a:solidFill>
-                        <a:srgbClr val="FFFFFF"/>
-                      </a:solidFill>
-                      <a:prstDash val="solid"/>
-                    </a:lnR>
-                    <a:lnT w="38100" cap="flat" cmpd="sng" algn="ctr">
-                      <a:solidFill>
-                        <a:srgbClr val="FFFFFF"/>
-                      </a:solidFill>
-                      <a:prstDash val="solid"/>
-                    </a:lnT>
-                    <a:lnB w="38100" cap="flat" cmpd="sng" algn="ctr">
-                      <a:solidFill>
-                        <a:srgbClr val="FFFFFF"/>
-                      </a:solidFill>
-                      <a:prstDash val="solid"/>
-                    </a:lnB>
-                    <a:solidFill>
-                      <a:srgbClr val="878E8B">
-                        <a:alpha val="30196"/>
-                      </a:srgbClr>
-                    </a:solidFill>
-                  </a:tcPr>
+                  <a:tcPr anchor="ctr"/>
                 </a:tc>
                 <a:tc>
                   <a:txBody>
@@ -6452,110 +5036,33 @@
                     <a:lstStyle/>
                     <a:p>
                       <a:r>
-                        <a:rPr lang="en-US" sz="1600">
-                          <a:solidFill>
-                            <a:schemeClr val="tx1">
-                              <a:lumMod val="85000"/>
-                              <a:lumOff val="15000"/>
-                            </a:schemeClr>
-                          </a:solidFill>
-                        </a:rPr>
-                        <a:t>1.120893e-09</a:t>
+                        <a:rPr lang="en-US" sz="1600" dirty="0"/>
+                        <a:t>1.245095e-02</a:t>
                       </a:r>
                     </a:p>
                   </a:txBody>
-                  <a:tcPr marL="137933" marR="82760" marT="82760" marB="82760" anchor="ctr">
-                    <a:lnL w="38100" cap="flat" cmpd="sng" algn="ctr">
-                      <a:solidFill>
-                        <a:srgbClr val="FFFFFF"/>
-                      </a:solidFill>
-                      <a:prstDash val="solid"/>
-                    </a:lnL>
-                    <a:lnR w="12700" cmpd="sng">
-                      <a:noFill/>
-                      <a:prstDash val="solid"/>
-                    </a:lnR>
-                    <a:lnT w="38100" cap="flat" cmpd="sng" algn="ctr">
-                      <a:solidFill>
-                        <a:srgbClr val="FFFFFF"/>
-                      </a:solidFill>
-                      <a:prstDash val="solid"/>
-                    </a:lnT>
-                    <a:lnB w="38100" cap="flat" cmpd="sng" algn="ctr">
-                      <a:solidFill>
-                        <a:srgbClr val="FFFFFF"/>
-                      </a:solidFill>
-                      <a:prstDash val="solid"/>
-                    </a:lnB>
-                    <a:solidFill>
-                      <a:srgbClr val="878E8B">
-                        <a:alpha val="30196"/>
-                      </a:srgbClr>
-                    </a:solidFill>
-                  </a:tcPr>
+                  <a:tcPr anchor="ctr"/>
                 </a:tc>
                 <a:extLst>
                   <a:ext uri="{0D108BD9-81ED-4DB2-BD59-A6C34878D82A}">
-                    <a16:rowId xmlns:a16="http://schemas.microsoft.com/office/drawing/2014/main" val="493224295"/>
+                    <a16:rowId xmlns:a16="http://schemas.microsoft.com/office/drawing/2014/main" val="2759249056"/>
                   </a:ext>
                 </a:extLst>
               </a:tr>
-              <a:tr h="334719">
+              <a:tr h="302515">
                 <a:tc>
                   <a:txBody>
                     <a:bodyPr/>
                     <a:lstStyle/>
                     <a:p>
                       <a:r>
-                        <a:rPr lang="en-US" sz="1600">
-                          <a:solidFill>
-                            <a:schemeClr val="tx1">
-                              <a:lumMod val="85000"/>
-                              <a:lumOff val="15000"/>
-                            </a:schemeClr>
-                          </a:solidFill>
-                        </a:rPr>
+                        <a:rPr lang="en-US" sz="1600" dirty="0" err="1"/>
                         <a:t>community_environment</a:t>
                       </a:r>
+                      <a:endParaRPr lang="en-US" sz="1600" dirty="0"/>
                     </a:p>
                   </a:txBody>
-                  <a:tcPr marL="137933" marR="82760" marT="82760" marB="82760" anchor="ctr">
-                    <a:lnL w="38100" cap="flat" cmpd="sng" algn="ctr">
-                      <a:solidFill>
-                        <a:srgbClr val="FFFFFF"/>
-                      </a:solidFill>
-                      <a:prstDash val="solid"/>
-                    </a:lnL>
-                    <a:lnR w="38100" cap="flat" cmpd="sng" algn="ctr">
-                      <a:solidFill>
-                        <a:srgbClr val="FFFFFF"/>
-                      </a:solidFill>
-                      <a:prstDash val="solid"/>
-                    </a:lnR>
-                    <a:lnT w="38100" cap="flat" cmpd="sng" algn="ctr">
-                      <a:solidFill>
-                        <a:srgbClr val="FFFFFF"/>
-                      </a:solidFill>
-                      <a:prstDash val="solid"/>
-                      <a:round/>
-                      <a:headEnd type="none" w="med" len="med"/>
-                      <a:tailEnd type="none" w="med" len="med"/>
-                    </a:lnT>
-                    <a:lnB w="38100" cap="flat" cmpd="sng" algn="ctr">
-                      <a:solidFill>
-                        <a:srgbClr val="FFFFFF"/>
-                      </a:solidFill>
-                      <a:prstDash val="solid"/>
-                      <a:round/>
-                      <a:headEnd type="none" w="med" len="med"/>
-                      <a:tailEnd type="none" w="med" len="med"/>
-                    </a:lnB>
-                    <a:solidFill>
-                      <a:srgbClr val="878E8B">
-                        <a:alpha val="14902"/>
-                      </a:srgbClr>
-                    </a:solidFill>
-                  </a:tcPr>
+                  <a:tcPr anchor="ctr"/>
                 </a:tc>
                 <a:tc>
                   <a:txBody>
@@ -6563,49 +5070,12 @@
                     <a:lstStyle/>
                     <a:p>
                       <a:r>
-                        <a:rPr lang="en-US" sz="1600">
-                          <a:solidFill>
-                            <a:schemeClr val="tx1">
-                              <a:lumMod val="85000"/>
-                              <a:lumOff val="15000"/>
-                            </a:schemeClr>
-                          </a:solidFill>
-                        </a:rPr>
-                        <a:t>health_rank</a:t>
+                        <a:rPr lang="en-US" sz="1600" dirty="0"/>
+                        <a:t>weather</a:t>
                       </a:r>
                     </a:p>
                   </a:txBody>
-                  <a:tcPr marL="137933" marR="82760" marT="82760" marB="82760" anchor="ctr">
-                    <a:lnL w="38100" cap="flat" cmpd="sng" algn="ctr">
-                      <a:solidFill>
-                        <a:srgbClr val="FFFFFF"/>
-                      </a:solidFill>
-                      <a:prstDash val="solid"/>
-                    </a:lnL>
-                    <a:lnR w="38100" cap="flat" cmpd="sng" algn="ctr">
-                      <a:solidFill>
-                        <a:srgbClr val="FFFFFF"/>
-                      </a:solidFill>
-                      <a:prstDash val="solid"/>
-                    </a:lnR>
-                    <a:lnT w="38100" cap="flat" cmpd="sng" algn="ctr">
-                      <a:solidFill>
-                        <a:srgbClr val="FFFFFF"/>
-                      </a:solidFill>
-                      <a:prstDash val="solid"/>
-                    </a:lnT>
-                    <a:lnB w="38100" cap="flat" cmpd="sng" algn="ctr">
-                      <a:solidFill>
-                        <a:srgbClr val="FFFFFF"/>
-                      </a:solidFill>
-                      <a:prstDash val="solid"/>
-                    </a:lnB>
-                    <a:solidFill>
-                      <a:srgbClr val="878E8B">
-                        <a:alpha val="14902"/>
-                      </a:srgbClr>
-                    </a:solidFill>
-                  </a:tcPr>
+                  <a:tcPr anchor="ctr"/>
                 </a:tc>
                 <a:tc>
                   <a:txBody>
@@ -6613,49 +5083,12 @@
                     <a:lstStyle/>
                     <a:p>
                       <a:r>
-                        <a:rPr lang="en-US" sz="1600" dirty="0">
-                          <a:solidFill>
-                            <a:schemeClr val="tx1">
-                              <a:lumMod val="85000"/>
-                              <a:lumOff val="15000"/>
-                            </a:schemeClr>
-                          </a:solidFill>
-                        </a:rPr>
-                        <a:t>0.507184</a:t>
+                        <a:rPr lang="en-US" sz="1600"/>
+                        <a:t>0.215444</a:t>
                       </a:r>
                     </a:p>
                   </a:txBody>
-                  <a:tcPr marL="137933" marR="82760" marT="82760" marB="82760" anchor="ctr">
-                    <a:lnL w="38100" cap="flat" cmpd="sng" algn="ctr">
-                      <a:solidFill>
-                        <a:srgbClr val="FFFFFF"/>
-                      </a:solidFill>
-                      <a:prstDash val="solid"/>
-                    </a:lnL>
-                    <a:lnR w="38100" cap="flat" cmpd="sng" algn="ctr">
-                      <a:solidFill>
-                        <a:srgbClr val="FFFFFF"/>
-                      </a:solidFill>
-                      <a:prstDash val="solid"/>
-                    </a:lnR>
-                    <a:lnT w="38100" cap="flat" cmpd="sng" algn="ctr">
-                      <a:solidFill>
-                        <a:srgbClr val="FFFFFF"/>
-                      </a:solidFill>
-                      <a:prstDash val="solid"/>
-                    </a:lnT>
-                    <a:lnB w="38100" cap="flat" cmpd="sng" algn="ctr">
-                      <a:solidFill>
-                        <a:srgbClr val="FFFFFF"/>
-                      </a:solidFill>
-                      <a:prstDash val="solid"/>
-                    </a:lnB>
-                    <a:solidFill>
-                      <a:srgbClr val="878E8B">
-                        <a:alpha val="14902"/>
-                      </a:srgbClr>
-                    </a:solidFill>
-                  </a:tcPr>
+                  <a:tcPr anchor="ctr"/>
                 </a:tc>
                 <a:tc>
                   <a:txBody>
@@ -6663,251 +5096,16 @@
                     <a:lstStyle/>
                     <a:p>
                       <a:r>
-                        <a:rPr lang="en-US" sz="1600" dirty="0">
-                          <a:solidFill>
-                            <a:schemeClr val="tx1">
-                              <a:lumMod val="85000"/>
-                              <a:lumOff val="15000"/>
-                            </a:schemeClr>
-                          </a:solidFill>
-                        </a:rPr>
-                        <a:t>1.913020e-07</a:t>
+                        <a:rPr lang="en-US" sz="1600" dirty="0"/>
+                        <a:t>3.203444e-02</a:t>
                       </a:r>
                     </a:p>
                   </a:txBody>
-                  <a:tcPr marL="137933" marR="82760" marT="82760" marB="82760" anchor="ctr">
-                    <a:lnL w="38100" cap="flat" cmpd="sng" algn="ctr">
-                      <a:solidFill>
-                        <a:srgbClr val="FFFFFF"/>
-                      </a:solidFill>
-                      <a:prstDash val="solid"/>
-                    </a:lnL>
-                    <a:lnR w="38100" cap="flat" cmpd="sng" algn="ctr">
-                      <a:noFill/>
-                      <a:prstDash val="solid"/>
-                    </a:lnR>
-                    <a:lnT w="38100" cap="flat" cmpd="sng" algn="ctr">
-                      <a:solidFill>
-                        <a:srgbClr val="FFFFFF"/>
-                      </a:solidFill>
-                      <a:prstDash val="solid"/>
-                    </a:lnT>
-                    <a:lnB w="38100" cap="flat" cmpd="sng" algn="ctr">
-                      <a:solidFill>
-                        <a:srgbClr val="FFFFFF"/>
-                      </a:solidFill>
-                      <a:prstDash val="solid"/>
-                    </a:lnB>
-                    <a:solidFill>
-                      <a:srgbClr val="878E8B">
-                        <a:alpha val="14902"/>
-                      </a:srgbClr>
-                    </a:solidFill>
-                  </a:tcPr>
+                  <a:tcPr anchor="ctr"/>
                 </a:tc>
                 <a:extLst>
                   <a:ext uri="{0D108BD9-81ED-4DB2-BD59-A6C34878D82A}">
-                    <a16:rowId xmlns:a16="http://schemas.microsoft.com/office/drawing/2014/main" val="1982876548"/>
-                  </a:ext>
-                </a:extLst>
-              </a:tr>
-              <a:tr h="334719">
-                <a:tc>
-                  <a:txBody>
-                    <a:bodyPr/>
-                    <a:lstStyle/>
-                    <a:p>
-                      <a:r>
-                        <a:rPr lang="en-US" sz="1600">
-                          <a:solidFill>
-                            <a:schemeClr val="tx1">
-                              <a:lumMod val="85000"/>
-                              <a:lumOff val="15000"/>
-                            </a:schemeClr>
-                          </a:solidFill>
-                        </a:rPr>
-                        <a:t>health_rank</a:t>
-                      </a:r>
-                    </a:p>
-                  </a:txBody>
-                  <a:tcPr marL="137933" marR="82760" marT="82760" marB="82760" anchor="ctr">
-                    <a:lnL w="38100" cap="flat" cmpd="sng" algn="ctr">
-                      <a:solidFill>
-                        <a:srgbClr val="FFFFFF"/>
-                      </a:solidFill>
-                      <a:prstDash val="solid"/>
-                    </a:lnL>
-                    <a:lnR w="38100" cap="flat" cmpd="sng" algn="ctr">
-                      <a:solidFill>
-                        <a:srgbClr val="FFFFFF"/>
-                      </a:solidFill>
-                      <a:prstDash val="solid"/>
-                    </a:lnR>
-                    <a:lnT w="38100" cap="flat" cmpd="sng" algn="ctr">
-                      <a:solidFill>
-                        <a:srgbClr val="FFFFFF"/>
-                      </a:solidFill>
-                      <a:prstDash val="solid"/>
-                      <a:round/>
-                      <a:headEnd type="none" w="med" len="med"/>
-                      <a:tailEnd type="none" w="med" len="med"/>
-                    </a:lnT>
-                    <a:lnB w="12700" cmpd="sng">
-                      <a:noFill/>
-                      <a:prstDash val="solid"/>
-                    </a:lnB>
-                    <a:solidFill>
-                      <a:srgbClr val="878E8B">
-                        <a:alpha val="30196"/>
-                      </a:srgbClr>
-                    </a:solidFill>
-                  </a:tcPr>
-                </a:tc>
-                <a:tc>
-                  <a:txBody>
-                    <a:bodyPr/>
-                    <a:lstStyle/>
-                    <a:p>
-                      <a:r>
-                        <a:rPr lang="en-US" sz="1600">
-                          <a:solidFill>
-                            <a:schemeClr val="tx1">
-                              <a:lumMod val="85000"/>
-                              <a:lumOff val="15000"/>
-                            </a:schemeClr>
-                          </a:solidFill>
-                        </a:rPr>
-                        <a:t>community_environment</a:t>
-                      </a:r>
-                    </a:p>
-                  </a:txBody>
-                  <a:tcPr marL="137933" marR="82760" marT="82760" marB="82760" anchor="ctr">
-                    <a:lnL w="38100" cap="flat" cmpd="sng" algn="ctr">
-                      <a:solidFill>
-                        <a:srgbClr val="FFFFFF"/>
-                      </a:solidFill>
-                      <a:prstDash val="solid"/>
-                    </a:lnL>
-                    <a:lnR w="38100" cap="flat" cmpd="sng" algn="ctr">
-                      <a:solidFill>
-                        <a:srgbClr val="FFFFFF"/>
-                      </a:solidFill>
-                      <a:prstDash val="solid"/>
-                    </a:lnR>
-                    <a:lnT w="38100" cap="flat" cmpd="sng" algn="ctr">
-                      <a:solidFill>
-                        <a:srgbClr val="FFFFFF"/>
-                      </a:solidFill>
-                      <a:prstDash val="solid"/>
-                    </a:lnT>
-                    <a:lnB w="12700" cmpd="sng">
-                      <a:noFill/>
-                      <a:prstDash val="solid"/>
-                    </a:lnB>
-                    <a:solidFill>
-                      <a:srgbClr val="878E8B">
-                        <a:alpha val="30196"/>
-                      </a:srgbClr>
-                    </a:solidFill>
-                  </a:tcPr>
-                </a:tc>
-                <a:tc>
-                  <a:txBody>
-                    <a:bodyPr/>
-                    <a:lstStyle/>
-                    <a:p>
-                      <a:r>
-                        <a:rPr lang="en-US" sz="1600">
-                          <a:solidFill>
-                            <a:schemeClr val="tx1">
-                              <a:lumMod val="85000"/>
-                              <a:lumOff val="15000"/>
-                            </a:schemeClr>
-                          </a:solidFill>
-                        </a:rPr>
-                        <a:t>0.478692</a:t>
-                      </a:r>
-                    </a:p>
-                  </a:txBody>
-                  <a:tcPr marL="137933" marR="82760" marT="82760" marB="82760" anchor="ctr">
-                    <a:lnL w="38100" cap="flat" cmpd="sng" algn="ctr">
-                      <a:solidFill>
-                        <a:srgbClr val="FFFFFF"/>
-                      </a:solidFill>
-                      <a:prstDash val="solid"/>
-                    </a:lnL>
-                    <a:lnR w="38100" cap="flat" cmpd="sng" algn="ctr">
-                      <a:solidFill>
-                        <a:srgbClr val="FFFFFF"/>
-                      </a:solidFill>
-                      <a:prstDash val="solid"/>
-                    </a:lnR>
-                    <a:lnT w="38100" cap="flat" cmpd="sng" algn="ctr">
-                      <a:solidFill>
-                        <a:srgbClr val="FFFFFF"/>
-                      </a:solidFill>
-                      <a:prstDash val="solid"/>
-                    </a:lnT>
-                    <a:lnB w="12700" cmpd="sng">
-                      <a:noFill/>
-                      <a:prstDash val="solid"/>
-                    </a:lnB>
-                    <a:solidFill>
-                      <a:srgbClr val="878E8B">
-                        <a:alpha val="30196"/>
-                      </a:srgbClr>
-                    </a:solidFill>
-                  </a:tcPr>
-                </a:tc>
-                <a:tc>
-                  <a:txBody>
-                    <a:bodyPr/>
-                    <a:lstStyle/>
-                    <a:p>
-                      <a:r>
-                        <a:rPr lang="en-US" sz="1600" dirty="0">
-                          <a:solidFill>
-                            <a:schemeClr val="tx1">
-                              <a:lumMod val="85000"/>
-                              <a:lumOff val="15000"/>
-                            </a:schemeClr>
-                          </a:solidFill>
-                        </a:rPr>
-                        <a:t>1.913020e-07</a:t>
-                      </a:r>
-                    </a:p>
-                  </a:txBody>
-                  <a:tcPr marL="137933" marR="82760" marT="82760" marB="82760" anchor="ctr">
-                    <a:lnL w="38100" cap="flat" cmpd="sng" algn="ctr">
-                      <a:solidFill>
-                        <a:srgbClr val="FFFFFF"/>
-                      </a:solidFill>
-                      <a:prstDash val="solid"/>
-                    </a:lnL>
-                    <a:lnR w="12700" cmpd="sng">
-                      <a:noFill/>
-                      <a:prstDash val="solid"/>
-                    </a:lnR>
-                    <a:lnT w="38100" cap="flat" cmpd="sng" algn="ctr">
-                      <a:solidFill>
-                        <a:srgbClr val="FFFFFF"/>
-                      </a:solidFill>
-                      <a:prstDash val="solid"/>
-                    </a:lnT>
-                    <a:lnB w="12700" cmpd="sng">
-                      <a:noFill/>
-                      <a:prstDash val="solid"/>
-                    </a:lnB>
-                    <a:solidFill>
-                      <a:srgbClr val="878E8B">
-                        <a:alpha val="30196"/>
-                      </a:srgbClr>
-                    </a:solidFill>
-                  </a:tcPr>
-                </a:tc>
-                <a:extLst>
-                  <a:ext uri="{0D108BD9-81ED-4DB2-BD59-A6C34878D82A}">
-                    <a16:rowId xmlns:a16="http://schemas.microsoft.com/office/drawing/2014/main" val="2278330794"/>
+                    <a16:rowId xmlns:a16="http://schemas.microsoft.com/office/drawing/2014/main" val="1832740008"/>
                   </a:ext>
                 </a:extLst>
               </a:tr>
@@ -6915,6 +5113,39 @@
           </a:graphicData>
         </a:graphic>
       </p:graphicFrame>
+      <p:sp>
+        <p:nvSpPr>
+          <p:cNvPr id="16" name="Title 15">
+            <a:extLst>
+              <a:ext uri="{FF2B5EF4-FFF2-40B4-BE49-F238E27FC236}">
+                <a16:creationId xmlns:a16="http://schemas.microsoft.com/office/drawing/2014/main" id="{30BAC76E-79FF-4FED-8D91-46A67BE11374}"/>
+              </a:ext>
+            </a:extLst>
+          </p:cNvPr>
+          <p:cNvSpPr>
+            <a:spLocks noGrp="1"/>
+          </p:cNvSpPr>
+          <p:nvPr>
+            <p:ph type="title"/>
+          </p:nvPr>
+        </p:nvSpPr>
+        <p:spPr>
+          <a:xfrm>
+            <a:off x="2090056" y="0"/>
+            <a:ext cx="9234714" cy="1325563"/>
+          </a:xfrm>
+        </p:spPr>
+        <p:txBody>
+          <a:bodyPr/>
+          <a:lstStyle/>
+          <a:p>
+            <a:r>
+              <a:rPr lang="en-US" b="1" dirty="0"/>
+              <a:t>Linear Regression – Top 12</a:t>
+            </a:r>
+          </a:p>
+        </p:txBody>
+      </p:sp>
     </p:spTree>
     <p:extLst>
       <p:ext uri="{BB962C8B-B14F-4D97-AF65-F5344CB8AC3E}">

--- a/Presentation.pptx
+++ b/Presentation.pptx
@@ -11,8 +11,9 @@
     <p:sldId id="259" r:id="rId5"/>
     <p:sldId id="263" r:id="rId6"/>
     <p:sldId id="260" r:id="rId7"/>
-    <p:sldId id="262" r:id="rId8"/>
-    <p:sldId id="261" r:id="rId9"/>
+    <p:sldId id="264" r:id="rId8"/>
+    <p:sldId id="262" r:id="rId9"/>
+    <p:sldId id="261" r:id="rId10"/>
   </p:sldIdLst>
   <p:sldSz cx="12192000" cy="6858000"/>
   <p:notesSz cx="6858000" cy="9144000"/>
@@ -122,7 +123,7 @@
 <file path=ppt/revisionInfo.xml><?xml version="1.0" encoding="utf-8"?>
 <p1510:revInfo xmlns:a="http://schemas.openxmlformats.org/drawingml/2006/main" xmlns:r="http://schemas.openxmlformats.org/officeDocument/2006/relationships" xmlns:p1510="http://schemas.microsoft.com/office/powerpoint/2015/10/main">
   <p1510:revLst>
-    <p1510:client id="{903FC241-FDA8-4AA6-8FF0-2A4D8A56C5A0}" v="36" dt="2019-11-27T04:22:38.579"/>
+    <p1510:client id="{903FC241-FDA8-4AA6-8FF0-2A4D8A56C5A0}" v="38" dt="2019-11-27T04:27:51.900"/>
   </p1510:revLst>
 </p1510:revInfo>
 </file>
@@ -131,13 +132,28 @@
 <pc:chgInfo xmlns:a="http://schemas.openxmlformats.org/drawingml/2006/main" xmlns:r="http://schemas.openxmlformats.org/officeDocument/2006/relationships" xmlns:ac="http://schemas.microsoft.com/office/drawing/2013/main/command" xmlns:pc="http://schemas.microsoft.com/office/powerpoint/2013/main/command">
   <pc:docChgLst>
     <pc:chgData name="Ron Javor" userId="e840de2940c497cb" providerId="LiveId" clId="{903FC241-FDA8-4AA6-8FF0-2A4D8A56C5A0}"/>
-    <pc:docChg chg="undo custSel mod modSld">
-      <pc:chgData name="Ron Javor" userId="e840de2940c497cb" providerId="LiveId" clId="{903FC241-FDA8-4AA6-8FF0-2A4D8A56C5A0}" dt="2019-11-27T04:23:47.161" v="242" actId="113"/>
+    <pc:docChg chg="undo custSel mod addSld modSld">
+      <pc:chgData name="Ron Javor" userId="e840de2940c497cb" providerId="LiveId" clId="{903FC241-FDA8-4AA6-8FF0-2A4D8A56C5A0}" dt="2019-11-27T04:28:10.676" v="456" actId="14100"/>
       <pc:docMkLst>
         <pc:docMk/>
       </pc:docMkLst>
+      <pc:sldChg chg="modSp">
+        <pc:chgData name="Ron Javor" userId="e840de2940c497cb" providerId="LiveId" clId="{903FC241-FDA8-4AA6-8FF0-2A4D8A56C5A0}" dt="2019-11-27T04:27:21.950" v="448" actId="20577"/>
+        <pc:sldMkLst>
+          <pc:docMk/>
+          <pc:sldMk cId="512310489" sldId="261"/>
+        </pc:sldMkLst>
+        <pc:spChg chg="mod">
+          <ac:chgData name="Ron Javor" userId="e840de2940c497cb" providerId="LiveId" clId="{903FC241-FDA8-4AA6-8FF0-2A4D8A56C5A0}" dt="2019-11-27T04:27:21.950" v="448" actId="20577"/>
+          <ac:spMkLst>
+            <pc:docMk/>
+            <pc:sldMk cId="512310489" sldId="261"/>
+            <ac:spMk id="3" creationId="{0DFFD546-CF9A-49AC-B18E-A77BB9BB6D93}"/>
+          </ac:spMkLst>
+        </pc:spChg>
+      </pc:sldChg>
       <pc:sldChg chg="addSp delSp modSp mod setBg">
-        <pc:chgData name="Ron Javor" userId="e840de2940c497cb" providerId="LiveId" clId="{903FC241-FDA8-4AA6-8FF0-2A4D8A56C5A0}" dt="2019-11-27T04:23:47.161" v="242" actId="113"/>
+        <pc:chgData name="Ron Javor" userId="e840de2940c497cb" providerId="LiveId" clId="{903FC241-FDA8-4AA6-8FF0-2A4D8A56C5A0}" dt="2019-11-27T04:26:06.812" v="257" actId="5793"/>
         <pc:sldMkLst>
           <pc:docMk/>
           <pc:sldMk cId="176846830" sldId="262"/>
@@ -207,7 +223,7 @@
           </ac:spMkLst>
         </pc:spChg>
         <pc:spChg chg="add mod">
-          <ac:chgData name="Ron Javor" userId="e840de2940c497cb" providerId="LiveId" clId="{903FC241-FDA8-4AA6-8FF0-2A4D8A56C5A0}" dt="2019-11-27T04:23:47.161" v="242" actId="113"/>
+          <ac:chgData name="Ron Javor" userId="e840de2940c497cb" providerId="LiveId" clId="{903FC241-FDA8-4AA6-8FF0-2A4D8A56C5A0}" dt="2019-11-27T04:25:42.284" v="247" actId="1076"/>
           <ac:spMkLst>
             <pc:docMk/>
             <pc:sldMk cId="176846830" sldId="262"/>
@@ -239,11 +255,50 @@
           </ac:graphicFrameMkLst>
         </pc:graphicFrameChg>
         <pc:graphicFrameChg chg="add mod modGraphic">
-          <ac:chgData name="Ron Javor" userId="e840de2940c497cb" providerId="LiveId" clId="{903FC241-FDA8-4AA6-8FF0-2A4D8A56C5A0}" dt="2019-11-27T04:23:20.898" v="209" actId="1076"/>
+          <ac:chgData name="Ron Javor" userId="e840de2940c497cb" providerId="LiveId" clId="{903FC241-FDA8-4AA6-8FF0-2A4D8A56C5A0}" dt="2019-11-27T04:26:06.812" v="257" actId="5793"/>
           <ac:graphicFrameMkLst>
             <pc:docMk/>
             <pc:sldMk cId="176846830" sldId="262"/>
             <ac:graphicFrameMk id="8" creationId="{4411F0DA-7E0F-44E5-AB37-F0928D895C81}"/>
+          </ac:graphicFrameMkLst>
+        </pc:graphicFrameChg>
+      </pc:sldChg>
+      <pc:sldChg chg="addSp delSp modSp add">
+        <pc:chgData name="Ron Javor" userId="e840de2940c497cb" providerId="LiveId" clId="{903FC241-FDA8-4AA6-8FF0-2A4D8A56C5A0}" dt="2019-11-27T04:28:10.676" v="456" actId="14100"/>
+        <pc:sldMkLst>
+          <pc:docMk/>
+          <pc:sldMk cId="2818518573" sldId="264"/>
+        </pc:sldMkLst>
+        <pc:spChg chg="del">
+          <ac:chgData name="Ron Javor" userId="e840de2940c497cb" providerId="LiveId" clId="{903FC241-FDA8-4AA6-8FF0-2A4D8A56C5A0}" dt="2019-11-27T04:27:55.131" v="451" actId="478"/>
+          <ac:spMkLst>
+            <pc:docMk/>
+            <pc:sldMk cId="2818518573" sldId="264"/>
+            <ac:spMk id="2" creationId="{6A330886-AC2D-492F-8FDC-19969F48FBF0}"/>
+          </ac:spMkLst>
+        </pc:spChg>
+        <pc:spChg chg="add mod">
+          <ac:chgData name="Ron Javor" userId="e840de2940c497cb" providerId="LiveId" clId="{903FC241-FDA8-4AA6-8FF0-2A4D8A56C5A0}" dt="2019-11-27T04:28:10.676" v="456" actId="14100"/>
+          <ac:spMkLst>
+            <pc:docMk/>
+            <pc:sldMk cId="2818518573" sldId="264"/>
+            <ac:spMk id="4" creationId="{CBB924AF-08EA-4336-8BBF-6F06290AE833}"/>
+          </ac:spMkLst>
+        </pc:spChg>
+        <pc:spChg chg="add del mod">
+          <ac:chgData name="Ron Javor" userId="e840de2940c497cb" providerId="LiveId" clId="{903FC241-FDA8-4AA6-8FF0-2A4D8A56C5A0}" dt="2019-11-27T04:27:58.687" v="452" actId="478"/>
+          <ac:spMkLst>
+            <pc:docMk/>
+            <pc:sldMk cId="2818518573" sldId="264"/>
+            <ac:spMk id="6" creationId="{D418290D-14B5-47F4-8ECF-2D0D3AF4517D}"/>
+          </ac:spMkLst>
+        </pc:spChg>
+        <pc:graphicFrameChg chg="add mod modGraphic">
+          <ac:chgData name="Ron Javor" userId="e840de2940c497cb" providerId="LiveId" clId="{903FC241-FDA8-4AA6-8FF0-2A4D8A56C5A0}" dt="2019-11-27T04:28:06.874" v="455" actId="14100"/>
+          <ac:graphicFrameMkLst>
+            <pc:docMk/>
+            <pc:sldMk cId="2818518573" sldId="264"/>
+            <ac:graphicFrameMk id="3" creationId="{786D8522-0898-40DB-ACF4-6FBDDDB7D7FE}"/>
           </ac:graphicFrameMkLst>
         </pc:graphicFrameChg>
       </pc:sldChg>
@@ -4118,6 +4173,937 @@
 <file path=ppt/slides/slide7.xml><?xml version="1.0" encoding="utf-8"?>
 <p:sld xmlns:a="http://schemas.openxmlformats.org/drawingml/2006/main" xmlns:r="http://schemas.openxmlformats.org/officeDocument/2006/relationships" xmlns:p="http://schemas.openxmlformats.org/presentationml/2006/main">
   <p:cSld>
+    <p:spTree>
+      <p:nvGrpSpPr>
+        <p:cNvPr id="1" name=""/>
+        <p:cNvGrpSpPr/>
+        <p:nvPr/>
+      </p:nvGrpSpPr>
+      <p:grpSpPr>
+        <a:xfrm>
+          <a:off x="0" y="0"/>
+          <a:ext cx="0" cy="0"/>
+          <a:chOff x="0" y="0"/>
+          <a:chExt cx="0" cy="0"/>
+        </a:xfrm>
+      </p:grpSpPr>
+      <p:graphicFrame>
+        <p:nvGraphicFramePr>
+          <p:cNvPr id="3" name="Table 2">
+            <a:extLst>
+              <a:ext uri="{FF2B5EF4-FFF2-40B4-BE49-F238E27FC236}">
+                <a16:creationId xmlns:a16="http://schemas.microsoft.com/office/drawing/2014/main" id="{786D8522-0898-40DB-ACF4-6FBDDDB7D7FE}"/>
+              </a:ext>
+            </a:extLst>
+          </p:cNvPr>
+          <p:cNvGraphicFramePr>
+            <a:graphicFrameLocks noGrp="1"/>
+          </p:cNvGraphicFramePr>
+          <p:nvPr>
+            <p:extLst>
+              <p:ext uri="{D42A27DB-BD31-4B8C-83A1-F6EECF244321}">
+                <p14:modId xmlns:p14="http://schemas.microsoft.com/office/powerpoint/2010/main" val="1081738638"/>
+              </p:ext>
+            </p:extLst>
+          </p:nvPr>
+        </p:nvGraphicFramePr>
+        <p:xfrm>
+          <a:off x="966366" y="1047268"/>
+          <a:ext cx="9701633" cy="5539058"/>
+        </p:xfrm>
+        <a:graphic>
+          <a:graphicData uri="http://schemas.openxmlformats.org/drawingml/2006/table">
+            <a:tbl>
+              <a:tblPr firstRow="1" bandRow="1">
+                <a:tableStyleId>{3B4B98B0-60AC-42C2-AFA5-B58CD77FA1E5}</a:tableStyleId>
+              </a:tblPr>
+              <a:tblGrid>
+                <a:gridCol w="3146581">
+                  <a:extLst>
+                    <a:ext uri="{9D8B030D-6E8A-4147-A177-3AD203B41FA5}">
+                      <a16:colId xmlns:a16="http://schemas.microsoft.com/office/drawing/2014/main" val="600785518"/>
+                    </a:ext>
+                  </a:extLst>
+                </a:gridCol>
+                <a:gridCol w="2839675">
+                  <a:extLst>
+                    <a:ext uri="{9D8B030D-6E8A-4147-A177-3AD203B41FA5}">
+                      <a16:colId xmlns:a16="http://schemas.microsoft.com/office/drawing/2014/main" val="2364808135"/>
+                    </a:ext>
+                  </a:extLst>
+                </a:gridCol>
+                <a:gridCol w="1758803">
+                  <a:extLst>
+                    <a:ext uri="{9D8B030D-6E8A-4147-A177-3AD203B41FA5}">
+                      <a16:colId xmlns:a16="http://schemas.microsoft.com/office/drawing/2014/main" val="494387186"/>
+                    </a:ext>
+                  </a:extLst>
+                </a:gridCol>
+                <a:gridCol w="1956574">
+                  <a:extLst>
+                    <a:ext uri="{9D8B030D-6E8A-4147-A177-3AD203B41FA5}">
+                      <a16:colId xmlns:a16="http://schemas.microsoft.com/office/drawing/2014/main" val="1251155295"/>
+                    </a:ext>
+                  </a:extLst>
+                </a:gridCol>
+              </a:tblGrid>
+              <a:tr h="503444">
+                <a:tc>
+                  <a:txBody>
+                    <a:bodyPr/>
+                    <a:lstStyle/>
+                    <a:p>
+                      <a:pPr algn="ctr"/>
+                      <a:r>
+                        <a:rPr lang="en-US" sz="2800" dirty="0"/>
+                        <a:t>Measure1</a:t>
+                      </a:r>
+                    </a:p>
+                  </a:txBody>
+                  <a:tcPr marL="66241" marR="66241" marT="33121" marB="33121" anchor="ctr"/>
+                </a:tc>
+                <a:tc>
+                  <a:txBody>
+                    <a:bodyPr/>
+                    <a:lstStyle/>
+                    <a:p>
+                      <a:pPr algn="ctr"/>
+                      <a:r>
+                        <a:rPr lang="en-US" sz="2800" dirty="0"/>
+                        <a:t>Measure2</a:t>
+                      </a:r>
+                    </a:p>
+                  </a:txBody>
+                  <a:tcPr marL="66241" marR="66241" marT="33121" marB="33121" anchor="ctr"/>
+                </a:tc>
+                <a:tc>
+                  <a:txBody>
+                    <a:bodyPr/>
+                    <a:lstStyle/>
+                    <a:p>
+                      <a:pPr algn="ctr"/>
+                      <a:r>
+                        <a:rPr lang="en-US" sz="2800" dirty="0"/>
+                        <a:t>Slope</a:t>
+                      </a:r>
+                    </a:p>
+                  </a:txBody>
+                  <a:tcPr marL="66241" marR="66241" marT="33121" marB="33121" anchor="ctr"/>
+                </a:tc>
+                <a:tc>
+                  <a:txBody>
+                    <a:bodyPr/>
+                    <a:lstStyle/>
+                    <a:p>
+                      <a:pPr algn="ctr"/>
+                      <a:r>
+                        <a:rPr lang="en-US" sz="2800" dirty="0"/>
+                        <a:t>P-value</a:t>
+                      </a:r>
+                    </a:p>
+                  </a:txBody>
+                  <a:tcPr marL="66241" marR="66241" marT="33121" marB="33121" anchor="ctr"/>
+                </a:tc>
+                <a:extLst>
+                  <a:ext uri="{0D108BD9-81ED-4DB2-BD59-A6C34878D82A}">
+                    <a16:rowId xmlns:a16="http://schemas.microsoft.com/office/drawing/2014/main" val="4157070803"/>
+                  </a:ext>
+                </a:extLst>
+              </a:tr>
+              <a:tr h="403250">
+                <a:tc>
+                  <a:txBody>
+                    <a:bodyPr/>
+                    <a:lstStyle/>
+                    <a:p>
+                      <a:r>
+                        <a:rPr lang="en-US" sz="2000" dirty="0" err="1"/>
+                        <a:t>hap_entertainment</a:t>
+                      </a:r>
+                      <a:endParaRPr lang="en-US" sz="2000" dirty="0"/>
+                    </a:p>
+                  </a:txBody>
+                  <a:tcPr marL="66241" marR="66241" marT="33121" marB="33121" anchor="ctr"/>
+                </a:tc>
+                <a:tc>
+                  <a:txBody>
+                    <a:bodyPr/>
+                    <a:lstStyle/>
+                    <a:p>
+                      <a:r>
+                        <a:rPr lang="en-US" sz="2000" dirty="0" err="1"/>
+                        <a:t>health_rank</a:t>
+                      </a:r>
+                      <a:endParaRPr lang="en-US" sz="2000" dirty="0"/>
+                    </a:p>
+                  </a:txBody>
+                  <a:tcPr marL="66241" marR="66241" marT="33121" marB="33121" anchor="ctr"/>
+                </a:tc>
+                <a:tc>
+                  <a:txBody>
+                    <a:bodyPr/>
+                    <a:lstStyle/>
+                    <a:p>
+                      <a:r>
+                        <a:rPr lang="en-US" sz="2000"/>
+                        <a:t>0.692889</a:t>
+                      </a:r>
+                    </a:p>
+                  </a:txBody>
+                  <a:tcPr marL="66241" marR="66241" marT="33121" marB="33121" anchor="ctr"/>
+                </a:tc>
+                <a:tc>
+                  <a:txBody>
+                    <a:bodyPr/>
+                    <a:lstStyle/>
+                    <a:p>
+                      <a:r>
+                        <a:rPr lang="en-US" sz="2000"/>
+                        <a:t>6.754246e-15</a:t>
+                      </a:r>
+                    </a:p>
+                  </a:txBody>
+                  <a:tcPr marL="66241" marR="66241" marT="33121" marB="33121" anchor="ctr"/>
+                </a:tc>
+                <a:extLst>
+                  <a:ext uri="{0D108BD9-81ED-4DB2-BD59-A6C34878D82A}">
+                    <a16:rowId xmlns:a16="http://schemas.microsoft.com/office/drawing/2014/main" val="725379916"/>
+                  </a:ext>
+                </a:extLst>
+              </a:tr>
+              <a:tr h="403250">
+                <a:tc>
+                  <a:txBody>
+                    <a:bodyPr/>
+                    <a:lstStyle/>
+                    <a:p>
+                      <a:r>
+                        <a:rPr lang="en-US" sz="2000" dirty="0" err="1"/>
+                        <a:t>greenspace_rank</a:t>
+                      </a:r>
+                      <a:endParaRPr lang="en-US" sz="2000" dirty="0"/>
+                    </a:p>
+                  </a:txBody>
+                  <a:tcPr marL="66241" marR="66241" marT="33121" marB="33121" anchor="ctr"/>
+                </a:tc>
+                <a:tc>
+                  <a:txBody>
+                    <a:bodyPr/>
+                    <a:lstStyle/>
+                    <a:p>
+                      <a:r>
+                        <a:rPr lang="en-US" sz="2000" dirty="0" err="1"/>
+                        <a:t>health_rank</a:t>
+                      </a:r>
+                      <a:endParaRPr lang="en-US" sz="2000" dirty="0"/>
+                    </a:p>
+                  </a:txBody>
+                  <a:tcPr marL="66241" marR="66241" marT="33121" marB="33121" anchor="ctr"/>
+                </a:tc>
+                <a:tc>
+                  <a:txBody>
+                    <a:bodyPr/>
+                    <a:lstStyle/>
+                    <a:p>
+                      <a:r>
+                        <a:rPr lang="en-US" sz="2000"/>
+                        <a:t>0.574157</a:t>
+                      </a:r>
+                    </a:p>
+                  </a:txBody>
+                  <a:tcPr marL="66241" marR="66241" marT="33121" marB="33121" anchor="ctr"/>
+                </a:tc>
+                <a:tc>
+                  <a:txBody>
+                    <a:bodyPr/>
+                    <a:lstStyle/>
+                    <a:p>
+                      <a:r>
+                        <a:rPr lang="en-US" sz="2000"/>
+                        <a:t>8.273011e-10</a:t>
+                      </a:r>
+                    </a:p>
+                  </a:txBody>
+                  <a:tcPr marL="66241" marR="66241" marT="33121" marB="33121" anchor="ctr"/>
+                </a:tc>
+                <a:extLst>
+                  <a:ext uri="{0D108BD9-81ED-4DB2-BD59-A6C34878D82A}">
+                    <a16:rowId xmlns:a16="http://schemas.microsoft.com/office/drawing/2014/main" val="3871459704"/>
+                  </a:ext>
+                </a:extLst>
+              </a:tr>
+              <a:tr h="403250">
+                <a:tc>
+                  <a:txBody>
+                    <a:bodyPr/>
+                    <a:lstStyle/>
+                    <a:p>
+                      <a:r>
+                        <a:rPr lang="en-US" sz="2000"/>
+                        <a:t>hap_entertainment</a:t>
+                      </a:r>
+                    </a:p>
+                  </a:txBody>
+                  <a:tcPr marL="66241" marR="66241" marT="33121" marB="33121" anchor="ctr"/>
+                </a:tc>
+                <a:tc>
+                  <a:txBody>
+                    <a:bodyPr/>
+                    <a:lstStyle/>
+                    <a:p>
+                      <a:r>
+                        <a:rPr lang="en-US" sz="2000" dirty="0" err="1"/>
+                        <a:t>income_employment</a:t>
+                      </a:r>
+                      <a:endParaRPr lang="en-US" sz="2000" dirty="0"/>
+                    </a:p>
+                  </a:txBody>
+                  <a:tcPr marL="66241" marR="66241" marT="33121" marB="33121" anchor="ctr"/>
+                </a:tc>
+                <a:tc>
+                  <a:txBody>
+                    <a:bodyPr/>
+                    <a:lstStyle/>
+                    <a:p>
+                      <a:r>
+                        <a:rPr lang="en-US" sz="2000"/>
+                        <a:t>0.572916</a:t>
+                      </a:r>
+                    </a:p>
+                  </a:txBody>
+                  <a:tcPr marL="66241" marR="66241" marT="33121" marB="33121" anchor="ctr"/>
+                </a:tc>
+                <a:tc>
+                  <a:txBody>
+                    <a:bodyPr/>
+                    <a:lstStyle/>
+                    <a:p>
+                      <a:r>
+                        <a:rPr lang="en-US" sz="2000"/>
+                        <a:t>1.120893e-09</a:t>
+                      </a:r>
+                    </a:p>
+                  </a:txBody>
+                  <a:tcPr marL="66241" marR="66241" marT="33121" marB="33121" anchor="ctr"/>
+                </a:tc>
+                <a:extLst>
+                  <a:ext uri="{0D108BD9-81ED-4DB2-BD59-A6C34878D82A}">
+                    <a16:rowId xmlns:a16="http://schemas.microsoft.com/office/drawing/2014/main" val="1698056419"/>
+                  </a:ext>
+                </a:extLst>
+              </a:tr>
+              <a:tr h="403250">
+                <a:tc>
+                  <a:txBody>
+                    <a:bodyPr/>
+                    <a:lstStyle/>
+                    <a:p>
+                      <a:r>
+                        <a:rPr lang="en-US" sz="2000"/>
+                        <a:t>health_rank</a:t>
+                      </a:r>
+                    </a:p>
+                  </a:txBody>
+                  <a:tcPr marL="66241" marR="66241" marT="33121" marB="33121" anchor="ctr"/>
+                </a:tc>
+                <a:tc>
+                  <a:txBody>
+                    <a:bodyPr/>
+                    <a:lstStyle/>
+                    <a:p>
+                      <a:r>
+                        <a:rPr lang="en-US" sz="2000" dirty="0" err="1"/>
+                        <a:t>income_employment</a:t>
+                      </a:r>
+                      <a:endParaRPr lang="en-US" sz="2000" dirty="0"/>
+                    </a:p>
+                  </a:txBody>
+                  <a:tcPr marL="66241" marR="66241" marT="33121" marB="33121" anchor="ctr"/>
+                </a:tc>
+                <a:tc>
+                  <a:txBody>
+                    <a:bodyPr/>
+                    <a:lstStyle/>
+                    <a:p>
+                      <a:r>
+                        <a:rPr lang="en-US" sz="2000"/>
+                        <a:t>0.571850</a:t>
+                      </a:r>
+                    </a:p>
+                  </a:txBody>
+                  <a:tcPr marL="66241" marR="66241" marT="33121" marB="33121" anchor="ctr"/>
+                </a:tc>
+                <a:tc>
+                  <a:txBody>
+                    <a:bodyPr/>
+                    <a:lstStyle/>
+                    <a:p>
+                      <a:r>
+                        <a:rPr lang="en-US" sz="2000"/>
+                        <a:t>5.228215e-10</a:t>
+                      </a:r>
+                    </a:p>
+                  </a:txBody>
+                  <a:tcPr marL="66241" marR="66241" marT="33121" marB="33121" anchor="ctr"/>
+                </a:tc>
+                <a:extLst>
+                  <a:ext uri="{0D108BD9-81ED-4DB2-BD59-A6C34878D82A}">
+                    <a16:rowId xmlns:a16="http://schemas.microsoft.com/office/drawing/2014/main" val="2527781437"/>
+                  </a:ext>
+                </a:extLst>
+              </a:tr>
+              <a:tr h="403250">
+                <a:tc>
+                  <a:txBody>
+                    <a:bodyPr/>
+                    <a:lstStyle/>
+                    <a:p>
+                      <a:r>
+                        <a:rPr lang="en-US" sz="2000"/>
+                        <a:t>community_environment</a:t>
+                      </a:r>
+                    </a:p>
+                  </a:txBody>
+                  <a:tcPr marL="66241" marR="66241" marT="33121" marB="33121" anchor="ctr"/>
+                </a:tc>
+                <a:tc>
+                  <a:txBody>
+                    <a:bodyPr/>
+                    <a:lstStyle/>
+                    <a:p>
+                      <a:r>
+                        <a:rPr lang="en-US" sz="2000" dirty="0" err="1"/>
+                        <a:t>health_rank</a:t>
+                      </a:r>
+                      <a:endParaRPr lang="en-US" sz="2000" dirty="0"/>
+                    </a:p>
+                  </a:txBody>
+                  <a:tcPr marL="66241" marR="66241" marT="33121" marB="33121" anchor="ctr"/>
+                </a:tc>
+                <a:tc>
+                  <a:txBody>
+                    <a:bodyPr/>
+                    <a:lstStyle/>
+                    <a:p>
+                      <a:r>
+                        <a:rPr lang="en-US" sz="2000"/>
+                        <a:t>0.507184</a:t>
+                      </a:r>
+                    </a:p>
+                  </a:txBody>
+                  <a:tcPr marL="66241" marR="66241" marT="33121" marB="33121" anchor="ctr"/>
+                </a:tc>
+                <a:tc>
+                  <a:txBody>
+                    <a:bodyPr/>
+                    <a:lstStyle/>
+                    <a:p>
+                      <a:r>
+                        <a:rPr lang="en-US" sz="2000" dirty="0"/>
+                        <a:t>1.913020e-07</a:t>
+                      </a:r>
+                    </a:p>
+                  </a:txBody>
+                  <a:tcPr marL="66241" marR="66241" marT="33121" marB="33121" anchor="ctr"/>
+                </a:tc>
+                <a:extLst>
+                  <a:ext uri="{0D108BD9-81ED-4DB2-BD59-A6C34878D82A}">
+                    <a16:rowId xmlns:a16="http://schemas.microsoft.com/office/drawing/2014/main" val="1506633848"/>
+                  </a:ext>
+                </a:extLst>
+              </a:tr>
+              <a:tr h="403250">
+                <a:tc>
+                  <a:txBody>
+                    <a:bodyPr/>
+                    <a:lstStyle/>
+                    <a:p>
+                      <a:r>
+                        <a:rPr lang="en-US" sz="2000"/>
+                        <a:t>community_environment</a:t>
+                      </a:r>
+                    </a:p>
+                  </a:txBody>
+                  <a:tcPr marL="66241" marR="66241" marT="33121" marB="33121" anchor="ctr"/>
+                </a:tc>
+                <a:tc>
+                  <a:txBody>
+                    <a:bodyPr/>
+                    <a:lstStyle/>
+                    <a:p>
+                      <a:r>
+                        <a:rPr lang="en-US" sz="2000" dirty="0" err="1"/>
+                        <a:t>hap_entertainment</a:t>
+                      </a:r>
+                      <a:endParaRPr lang="en-US" sz="2000" dirty="0"/>
+                    </a:p>
+                  </a:txBody>
+                  <a:tcPr marL="66241" marR="66241" marT="33121" marB="33121" anchor="ctr"/>
+                </a:tc>
+                <a:tc>
+                  <a:txBody>
+                    <a:bodyPr/>
+                    <a:lstStyle/>
+                    <a:p>
+                      <a:r>
+                        <a:rPr lang="en-US" sz="2000"/>
+                        <a:t>0.394299</a:t>
+                      </a:r>
+                    </a:p>
+                  </a:txBody>
+                  <a:tcPr marL="66241" marR="66241" marT="33121" marB="33121" anchor="ctr"/>
+                </a:tc>
+                <a:tc>
+                  <a:txBody>
+                    <a:bodyPr/>
+                    <a:lstStyle/>
+                    <a:p>
+                      <a:r>
+                        <a:rPr lang="en-US" sz="2000"/>
+                        <a:t>6.045790e-05</a:t>
+                      </a:r>
+                    </a:p>
+                  </a:txBody>
+                  <a:tcPr marL="66241" marR="66241" marT="33121" marB="33121" anchor="ctr"/>
+                </a:tc>
+                <a:extLst>
+                  <a:ext uri="{0D108BD9-81ED-4DB2-BD59-A6C34878D82A}">
+                    <a16:rowId xmlns:a16="http://schemas.microsoft.com/office/drawing/2014/main" val="1689925678"/>
+                  </a:ext>
+                </a:extLst>
+              </a:tr>
+              <a:tr h="436019">
+                <a:tc>
+                  <a:txBody>
+                    <a:bodyPr/>
+                    <a:lstStyle/>
+                    <a:p>
+                      <a:r>
+                        <a:rPr lang="en-US" sz="2000" dirty="0"/>
+                        <a:t>costs</a:t>
+                      </a:r>
+                    </a:p>
+                  </a:txBody>
+                  <a:tcPr anchor="ctr"/>
+                </a:tc>
+                <a:tc>
+                  <a:txBody>
+                    <a:bodyPr/>
+                    <a:lstStyle/>
+                    <a:p>
+                      <a:r>
+                        <a:rPr lang="en-US" sz="2000"/>
+                        <a:t>hap_entertainment</a:t>
+                      </a:r>
+                    </a:p>
+                  </a:txBody>
+                  <a:tcPr anchor="ctr"/>
+                </a:tc>
+                <a:tc>
+                  <a:txBody>
+                    <a:bodyPr/>
+                    <a:lstStyle/>
+                    <a:p>
+                      <a:r>
+                        <a:rPr lang="en-US" sz="2000" dirty="0"/>
+                        <a:t>-0.392757</a:t>
+                      </a:r>
+                    </a:p>
+                  </a:txBody>
+                  <a:tcPr anchor="ctr"/>
+                </a:tc>
+                <a:tc>
+                  <a:txBody>
+                    <a:bodyPr/>
+                    <a:lstStyle/>
+                    <a:p>
+                      <a:r>
+                        <a:rPr lang="en-US" sz="2000" dirty="0"/>
+                        <a:t>6.066075e-05</a:t>
+                      </a:r>
+                    </a:p>
+                  </a:txBody>
+                  <a:tcPr anchor="ctr"/>
+                </a:tc>
+                <a:extLst>
+                  <a:ext uri="{0D108BD9-81ED-4DB2-BD59-A6C34878D82A}">
+                    <a16:rowId xmlns:a16="http://schemas.microsoft.com/office/drawing/2014/main" val="1890675545"/>
+                  </a:ext>
+                </a:extLst>
+              </a:tr>
+              <a:tr h="436019">
+                <a:tc>
+                  <a:txBody>
+                    <a:bodyPr/>
+                    <a:lstStyle/>
+                    <a:p>
+                      <a:r>
+                        <a:rPr lang="en-US" sz="2000" dirty="0" err="1"/>
+                        <a:t>hap_entertainment</a:t>
+                      </a:r>
+                      <a:endParaRPr lang="en-US" sz="2000" dirty="0"/>
+                    </a:p>
+                  </a:txBody>
+                  <a:tcPr anchor="ctr"/>
+                </a:tc>
+                <a:tc>
+                  <a:txBody>
+                    <a:bodyPr/>
+                    <a:lstStyle/>
+                    <a:p>
+                      <a:r>
+                        <a:rPr lang="en-US" sz="2000" dirty="0" err="1"/>
+                        <a:t>greenspace_rank</a:t>
+                      </a:r>
+                      <a:endParaRPr lang="en-US" sz="2000" dirty="0"/>
+                    </a:p>
+                  </a:txBody>
+                  <a:tcPr anchor="ctr"/>
+                </a:tc>
+                <a:tc>
+                  <a:txBody>
+                    <a:bodyPr/>
+                    <a:lstStyle/>
+                    <a:p>
+                      <a:r>
+                        <a:rPr lang="en-US" sz="2000" dirty="0"/>
+                        <a:t>0.376317</a:t>
+                      </a:r>
+                    </a:p>
+                  </a:txBody>
+                  <a:tcPr anchor="ctr"/>
+                </a:tc>
+                <a:tc>
+                  <a:txBody>
+                    <a:bodyPr/>
+                    <a:lstStyle/>
+                    <a:p>
+                      <a:r>
+                        <a:rPr lang="en-US" sz="2000" dirty="0"/>
+                        <a:t>1.220398e-04</a:t>
+                      </a:r>
+                    </a:p>
+                  </a:txBody>
+                  <a:tcPr anchor="ctr"/>
+                </a:tc>
+                <a:extLst>
+                  <a:ext uri="{0D108BD9-81ED-4DB2-BD59-A6C34878D82A}">
+                    <a16:rowId xmlns:a16="http://schemas.microsoft.com/office/drawing/2014/main" val="2339438398"/>
+                  </a:ext>
+                </a:extLst>
+              </a:tr>
+              <a:tr h="436019">
+                <a:tc>
+                  <a:txBody>
+                    <a:bodyPr/>
+                    <a:lstStyle/>
+                    <a:p>
+                      <a:r>
+                        <a:rPr lang="en-US" sz="2000"/>
+                        <a:t>community_environment</a:t>
+                      </a:r>
+                    </a:p>
+                  </a:txBody>
+                  <a:tcPr anchor="ctr"/>
+                </a:tc>
+                <a:tc>
+                  <a:txBody>
+                    <a:bodyPr/>
+                    <a:lstStyle/>
+                    <a:p>
+                      <a:r>
+                        <a:rPr lang="en-US" sz="2000"/>
+                        <a:t>income_employment</a:t>
+                      </a:r>
+                    </a:p>
+                  </a:txBody>
+                  <a:tcPr anchor="ctr"/>
+                </a:tc>
+                <a:tc>
+                  <a:txBody>
+                    <a:bodyPr/>
+                    <a:lstStyle/>
+                    <a:p>
+                      <a:r>
+                        <a:rPr lang="en-US" sz="2000"/>
+                        <a:t>0.364828</a:t>
+                      </a:r>
+                    </a:p>
+                  </a:txBody>
+                  <a:tcPr anchor="ctr"/>
+                </a:tc>
+                <a:tc>
+                  <a:txBody>
+                    <a:bodyPr/>
+                    <a:lstStyle/>
+                    <a:p>
+                      <a:r>
+                        <a:rPr lang="en-US" sz="2000" dirty="0"/>
+                        <a:t>2.983343e-04</a:t>
+                      </a:r>
+                    </a:p>
+                  </a:txBody>
+                  <a:tcPr anchor="ctr"/>
+                </a:tc>
+                <a:extLst>
+                  <a:ext uri="{0D108BD9-81ED-4DB2-BD59-A6C34878D82A}">
+                    <a16:rowId xmlns:a16="http://schemas.microsoft.com/office/drawing/2014/main" val="877938336"/>
+                  </a:ext>
+                </a:extLst>
+              </a:tr>
+              <a:tr h="436019">
+                <a:tc>
+                  <a:txBody>
+                    <a:bodyPr/>
+                    <a:lstStyle/>
+                    <a:p>
+                      <a:r>
+                        <a:rPr lang="en-US" sz="2000" dirty="0" err="1"/>
+                        <a:t>greenspace_rank</a:t>
+                      </a:r>
+                      <a:endParaRPr lang="en-US" sz="2000" dirty="0"/>
+                    </a:p>
+                  </a:txBody>
+                  <a:tcPr anchor="ctr"/>
+                </a:tc>
+                <a:tc>
+                  <a:txBody>
+                    <a:bodyPr/>
+                    <a:lstStyle/>
+                    <a:p>
+                      <a:r>
+                        <a:rPr lang="en-US" sz="2000"/>
+                        <a:t>income_employment</a:t>
+                      </a:r>
+                    </a:p>
+                  </a:txBody>
+                  <a:tcPr anchor="ctr"/>
+                </a:tc>
+                <a:tc>
+                  <a:txBody>
+                    <a:bodyPr/>
+                    <a:lstStyle/>
+                    <a:p>
+                      <a:r>
+                        <a:rPr lang="en-US" sz="2000"/>
+                        <a:t>0.338554</a:t>
+                      </a:r>
+                    </a:p>
+                  </a:txBody>
+                  <a:tcPr anchor="ctr"/>
+                </a:tc>
+                <a:tc>
+                  <a:txBody>
+                    <a:bodyPr/>
+                    <a:lstStyle/>
+                    <a:p>
+                      <a:r>
+                        <a:rPr lang="en-US" sz="2000" dirty="0"/>
+                        <a:t>6.899035e-04</a:t>
+                      </a:r>
+                    </a:p>
+                  </a:txBody>
+                  <a:tcPr anchor="ctr"/>
+                </a:tc>
+                <a:extLst>
+                  <a:ext uri="{0D108BD9-81ED-4DB2-BD59-A6C34878D82A}">
+                    <a16:rowId xmlns:a16="http://schemas.microsoft.com/office/drawing/2014/main" val="4257945233"/>
+                  </a:ext>
+                </a:extLst>
+              </a:tr>
+              <a:tr h="436019">
+                <a:tc>
+                  <a:txBody>
+                    <a:bodyPr/>
+                    <a:lstStyle/>
+                    <a:p>
+                      <a:r>
+                        <a:rPr lang="en-US" sz="2000"/>
+                        <a:t>costs</a:t>
+                      </a:r>
+                    </a:p>
+                  </a:txBody>
+                  <a:tcPr anchor="ctr"/>
+                </a:tc>
+                <a:tc>
+                  <a:txBody>
+                    <a:bodyPr/>
+                    <a:lstStyle/>
+                    <a:p>
+                      <a:r>
+                        <a:rPr lang="en-US" sz="2000"/>
+                        <a:t>greenspace_rank</a:t>
+                      </a:r>
+                    </a:p>
+                  </a:txBody>
+                  <a:tcPr anchor="ctr"/>
+                </a:tc>
+                <a:tc>
+                  <a:txBody>
+                    <a:bodyPr/>
+                    <a:lstStyle/>
+                    <a:p>
+                      <a:r>
+                        <a:rPr lang="en-US" sz="2000"/>
+                        <a:t>-0.251905</a:t>
+                      </a:r>
+                    </a:p>
+                  </a:txBody>
+                  <a:tcPr anchor="ctr"/>
+                </a:tc>
+                <a:tc>
+                  <a:txBody>
+                    <a:bodyPr/>
+                    <a:lstStyle/>
+                    <a:p>
+                      <a:r>
+                        <a:rPr lang="en-US" sz="2000" dirty="0"/>
+                        <a:t>1.245095e-02</a:t>
+                      </a:r>
+                    </a:p>
+                  </a:txBody>
+                  <a:tcPr anchor="ctr"/>
+                </a:tc>
+                <a:extLst>
+                  <a:ext uri="{0D108BD9-81ED-4DB2-BD59-A6C34878D82A}">
+                    <a16:rowId xmlns:a16="http://schemas.microsoft.com/office/drawing/2014/main" val="2759249056"/>
+                  </a:ext>
+                </a:extLst>
+              </a:tr>
+              <a:tr h="436019">
+                <a:tc>
+                  <a:txBody>
+                    <a:bodyPr/>
+                    <a:lstStyle/>
+                    <a:p>
+                      <a:r>
+                        <a:rPr lang="en-US" sz="2000" dirty="0" err="1"/>
+                        <a:t>community_environment</a:t>
+                      </a:r>
+                      <a:endParaRPr lang="en-US" sz="2000" dirty="0"/>
+                    </a:p>
+                  </a:txBody>
+                  <a:tcPr anchor="ctr"/>
+                </a:tc>
+                <a:tc>
+                  <a:txBody>
+                    <a:bodyPr/>
+                    <a:lstStyle/>
+                    <a:p>
+                      <a:r>
+                        <a:rPr lang="en-US" sz="2000" dirty="0"/>
+                        <a:t>weather</a:t>
+                      </a:r>
+                    </a:p>
+                  </a:txBody>
+                  <a:tcPr anchor="ctr"/>
+                </a:tc>
+                <a:tc>
+                  <a:txBody>
+                    <a:bodyPr/>
+                    <a:lstStyle/>
+                    <a:p>
+                      <a:r>
+                        <a:rPr lang="en-US" sz="2000"/>
+                        <a:t>0.215444</a:t>
+                      </a:r>
+                    </a:p>
+                  </a:txBody>
+                  <a:tcPr anchor="ctr"/>
+                </a:tc>
+                <a:tc>
+                  <a:txBody>
+                    <a:bodyPr/>
+                    <a:lstStyle/>
+                    <a:p>
+                      <a:r>
+                        <a:rPr lang="en-US" sz="2000" dirty="0"/>
+                        <a:t>3.203444e-02</a:t>
+                      </a:r>
+                    </a:p>
+                  </a:txBody>
+                  <a:tcPr anchor="ctr"/>
+                </a:tc>
+                <a:extLst>
+                  <a:ext uri="{0D108BD9-81ED-4DB2-BD59-A6C34878D82A}">
+                    <a16:rowId xmlns:a16="http://schemas.microsoft.com/office/drawing/2014/main" val="1832740008"/>
+                  </a:ext>
+                </a:extLst>
+              </a:tr>
+            </a:tbl>
+          </a:graphicData>
+        </a:graphic>
+      </p:graphicFrame>
+      <p:sp>
+        <p:nvSpPr>
+          <p:cNvPr id="4" name="Title 15">
+            <a:extLst>
+              <a:ext uri="{FF2B5EF4-FFF2-40B4-BE49-F238E27FC236}">
+                <a16:creationId xmlns:a16="http://schemas.microsoft.com/office/drawing/2014/main" id="{CBB924AF-08EA-4336-8BBF-6F06290AE833}"/>
+              </a:ext>
+            </a:extLst>
+          </p:cNvPr>
+          <p:cNvSpPr txBox="1">
+            <a:spLocks/>
+          </p:cNvSpPr>
+          <p:nvPr/>
+        </p:nvSpPr>
+        <p:spPr>
+          <a:xfrm>
+            <a:off x="433615" y="1"/>
+            <a:ext cx="9234714" cy="1047268"/>
+          </a:xfrm>
+          <a:prstGeom prst="rect">
+            <a:avLst/>
+          </a:prstGeom>
+        </p:spPr>
+        <p:txBody>
+          <a:bodyPr vert="horz" lIns="91440" tIns="45720" rIns="91440" bIns="45720" rtlCol="0" anchor="ctr">
+            <a:normAutofit/>
+          </a:bodyPr>
+          <a:lstStyle>
+            <a:lvl1pPr algn="l" defTabSz="914400" rtl="0" eaLnBrk="1" latinLnBrk="0" hangingPunct="1">
+              <a:lnSpc>
+                <a:spcPct val="90000"/>
+              </a:lnSpc>
+              <a:spcBef>
+                <a:spcPct val="0"/>
+              </a:spcBef>
+              <a:buNone/>
+              <a:defRPr sz="4400" kern="1200">
+                <a:solidFill>
+                  <a:schemeClr val="tx1"/>
+                </a:solidFill>
+                <a:latin typeface="+mj-lt"/>
+                <a:ea typeface="+mj-ea"/>
+                <a:cs typeface="+mj-cs"/>
+              </a:defRPr>
+            </a:lvl1pPr>
+          </a:lstStyle>
+          <a:p>
+            <a:r>
+              <a:rPr lang="en-US" b="1" dirty="0"/>
+              <a:t>Linear Regression – Top 12</a:t>
+            </a:r>
+          </a:p>
+        </p:txBody>
+      </p:sp>
+    </p:spTree>
+    <p:extLst>
+      <p:ext uri="{BB962C8B-B14F-4D97-AF65-F5344CB8AC3E}">
+        <p14:creationId xmlns:p14="http://schemas.microsoft.com/office/powerpoint/2010/main" val="2818518573"/>
+      </p:ext>
+    </p:extLst>
+  </p:cSld>
+  <p:clrMapOvr>
+    <a:masterClrMapping/>
+  </p:clrMapOvr>
+</p:sld>
+</file>
+
+<file path=ppt/slides/slide8.xml><?xml version="1.0" encoding="utf-8"?>
+<p:sld xmlns:a="http://schemas.openxmlformats.org/drawingml/2006/main" xmlns:r="http://schemas.openxmlformats.org/officeDocument/2006/relationships" xmlns:p="http://schemas.openxmlformats.org/presentationml/2006/main">
+  <p:cSld>
     <p:bg>
       <p:bgPr>
         <a:solidFill>
@@ -4281,14 +5267,14 @@
           <p:nvPr>
             <p:extLst>
               <p:ext uri="{D42A27DB-BD31-4B8C-83A1-F6EECF244321}">
-                <p14:modId xmlns:p14="http://schemas.microsoft.com/office/powerpoint/2010/main" val="786885989"/>
+                <p14:modId xmlns:p14="http://schemas.microsoft.com/office/powerpoint/2010/main" val="3506459437"/>
               </p:ext>
             </p:extLst>
           </p:nvPr>
         </p:nvGraphicFramePr>
         <p:xfrm>
-          <a:off x="2990242" y="2070978"/>
-          <a:ext cx="8417987" cy="4243214"/>
+          <a:off x="2371096" y="1312311"/>
+          <a:ext cx="9387289" cy="5423732"/>
         </p:xfrm>
         <a:graphic>
           <a:graphicData uri="http://schemas.openxmlformats.org/drawingml/2006/table">
@@ -4297,28 +5283,28 @@
                 <a:tableStyleId>{3B4B98B0-60AC-42C2-AFA5-B58CD77FA1E5}</a:tableStyleId>
               </a:tblPr>
               <a:tblGrid>
-                <a:gridCol w="2730249">
+                <a:gridCol w="3044628">
                   <a:extLst>
                     <a:ext uri="{9D8B030D-6E8A-4147-A177-3AD203B41FA5}">
                       <a16:colId xmlns:a16="http://schemas.microsoft.com/office/drawing/2014/main" val="600785518"/>
                     </a:ext>
                   </a:extLst>
                 </a:gridCol>
-                <a:gridCol w="2463951">
+                <a:gridCol w="2747666">
                   <a:extLst>
                     <a:ext uri="{9D8B030D-6E8A-4147-A177-3AD203B41FA5}">
                       <a16:colId xmlns:a16="http://schemas.microsoft.com/office/drawing/2014/main" val="2364808135"/>
                     </a:ext>
                   </a:extLst>
                 </a:gridCol>
-                <a:gridCol w="1526092">
+                <a:gridCol w="1701816">
                   <a:extLst>
                     <a:ext uri="{9D8B030D-6E8A-4147-A177-3AD203B41FA5}">
                       <a16:colId xmlns:a16="http://schemas.microsoft.com/office/drawing/2014/main" val="494387186"/>
                     </a:ext>
                   </a:extLst>
                 </a:gridCol>
-                <a:gridCol w="1697695">
+                <a:gridCol w="1893179">
                   <a:extLst>
                     <a:ext uri="{9D8B030D-6E8A-4147-A177-3AD203B41FA5}">
                       <a16:colId xmlns:a16="http://schemas.microsoft.com/office/drawing/2014/main" val="1251155295"/>
@@ -4326,7 +5312,7 @@
                   </a:extLst>
                 </a:gridCol>
               </a:tblGrid>
-              <a:tr h="302515">
+              <a:tr h="472480">
                 <a:tc>
                   <a:txBody>
                     <a:bodyPr/>
@@ -4334,8 +5320,8 @@
                     <a:p>
                       <a:pPr algn="ctr"/>
                       <a:r>
-                        <a:rPr lang="en-US" sz="2000" dirty="0"/>
-                        <a:t>measure1</a:t>
+                        <a:rPr lang="en-US" sz="2800" dirty="0"/>
+                        <a:t>Measure1</a:t>
                       </a:r>
                     </a:p>
                   </a:txBody>
@@ -4348,8 +5334,8 @@
                     <a:p>
                       <a:pPr algn="ctr"/>
                       <a:r>
-                        <a:rPr lang="en-US" sz="2000" dirty="0"/>
-                        <a:t>measure2</a:t>
+                        <a:rPr lang="en-US" sz="2800" dirty="0"/>
+                        <a:t>Measure2</a:t>
                       </a:r>
                     </a:p>
                   </a:txBody>
@@ -4362,8 +5348,8 @@
                     <a:p>
                       <a:pPr algn="ctr"/>
                       <a:r>
-                        <a:rPr lang="en-US" sz="2000" dirty="0"/>
-                        <a:t>slope</a:t>
+                        <a:rPr lang="en-US" sz="2800" dirty="0"/>
+                        <a:t>Slope</a:t>
                       </a:r>
                     </a:p>
                   </a:txBody>
@@ -4376,10 +5362,9 @@
                     <a:p>
                       <a:pPr algn="ctr"/>
                       <a:r>
-                        <a:rPr lang="en-US" sz="2000" dirty="0" err="1"/>
-                        <a:t>pvalue</a:t>
-                      </a:r>
-                      <a:endParaRPr lang="en-US" sz="2000" dirty="0"/>
+                        <a:rPr lang="en-US" sz="2800" dirty="0"/>
+                        <a:t>P-value</a:t>
+                      </a:r>
                     </a:p>
                   </a:txBody>
                   <a:tcPr marL="66241" marR="66241" marT="33121" marB="33121" anchor="ctr"/>
@@ -4390,17 +5375,17 @@
                   </a:ext>
                 </a:extLst>
               </a:tr>
-              <a:tr h="302515">
-                <a:tc>
-                  <a:txBody>
-                    <a:bodyPr/>
-                    <a:lstStyle/>
-                    <a:p>
-                      <a:r>
-                        <a:rPr lang="en-US" sz="1600" dirty="0" err="1"/>
+              <a:tr h="394854">
+                <a:tc>
+                  <a:txBody>
+                    <a:bodyPr/>
+                    <a:lstStyle/>
+                    <a:p>
+                      <a:r>
+                        <a:rPr lang="en-US" sz="2000" dirty="0" err="1"/>
                         <a:t>hap_entertainment</a:t>
                       </a:r>
-                      <a:endParaRPr lang="en-US" sz="1600" dirty="0"/>
+                      <a:endParaRPr lang="en-US" sz="2000" dirty="0"/>
                     </a:p>
                   </a:txBody>
                   <a:tcPr marL="66241" marR="66241" marT="33121" marB="33121" anchor="ctr"/>
@@ -4411,10 +5396,10 @@
                     <a:lstStyle/>
                     <a:p>
                       <a:r>
-                        <a:rPr lang="en-US" sz="1600" dirty="0" err="1"/>
+                        <a:rPr lang="en-US" sz="2000" dirty="0" err="1"/>
                         <a:t>health_rank</a:t>
                       </a:r>
-                      <a:endParaRPr lang="en-US" sz="1600" dirty="0"/>
+                      <a:endParaRPr lang="en-US" sz="2000" dirty="0"/>
                     </a:p>
                   </a:txBody>
                   <a:tcPr marL="66241" marR="66241" marT="33121" marB="33121" anchor="ctr"/>
@@ -4425,7 +5410,7 @@
                     <a:lstStyle/>
                     <a:p>
                       <a:r>
-                        <a:rPr lang="en-US" sz="1600"/>
+                        <a:rPr lang="en-US" sz="2000"/>
                         <a:t>0.692889</a:t>
                       </a:r>
                     </a:p>
@@ -4438,7 +5423,7 @@
                     <a:lstStyle/>
                     <a:p>
                       <a:r>
-                        <a:rPr lang="en-US" sz="1600"/>
+                        <a:rPr lang="en-US" sz="2000"/>
                         <a:t>6.754246e-15</a:t>
                       </a:r>
                     </a:p>
@@ -4451,17 +5436,17 @@
                   </a:ext>
                 </a:extLst>
               </a:tr>
-              <a:tr h="302515">
-                <a:tc>
-                  <a:txBody>
-                    <a:bodyPr/>
-                    <a:lstStyle/>
-                    <a:p>
-                      <a:r>
-                        <a:rPr lang="en-US" sz="1600" dirty="0" err="1"/>
+              <a:tr h="394854">
+                <a:tc>
+                  <a:txBody>
+                    <a:bodyPr/>
+                    <a:lstStyle/>
+                    <a:p>
+                      <a:r>
+                        <a:rPr lang="en-US" sz="2000" dirty="0" err="1"/>
                         <a:t>greenspace_rank</a:t>
                       </a:r>
-                      <a:endParaRPr lang="en-US" sz="1600" dirty="0"/>
+                      <a:endParaRPr lang="en-US" sz="2000" dirty="0"/>
                     </a:p>
                   </a:txBody>
                   <a:tcPr marL="66241" marR="66241" marT="33121" marB="33121" anchor="ctr"/>
@@ -4472,10 +5457,10 @@
                     <a:lstStyle/>
                     <a:p>
                       <a:r>
-                        <a:rPr lang="en-US" sz="1600" dirty="0" err="1"/>
+                        <a:rPr lang="en-US" sz="2000" dirty="0" err="1"/>
                         <a:t>health_rank</a:t>
                       </a:r>
-                      <a:endParaRPr lang="en-US" sz="1600" dirty="0"/>
+                      <a:endParaRPr lang="en-US" sz="2000" dirty="0"/>
                     </a:p>
                   </a:txBody>
                   <a:tcPr marL="66241" marR="66241" marT="33121" marB="33121" anchor="ctr"/>
@@ -4486,7 +5471,7 @@
                     <a:lstStyle/>
                     <a:p>
                       <a:r>
-                        <a:rPr lang="en-US" sz="1600"/>
+                        <a:rPr lang="en-US" sz="2000"/>
                         <a:t>0.574157</a:t>
                       </a:r>
                     </a:p>
@@ -4499,7 +5484,7 @@
                     <a:lstStyle/>
                     <a:p>
                       <a:r>
-                        <a:rPr lang="en-US" sz="1600"/>
+                        <a:rPr lang="en-US" sz="2000"/>
                         <a:t>8.273011e-10</a:t>
                       </a:r>
                     </a:p>
@@ -4512,14 +5497,14 @@
                   </a:ext>
                 </a:extLst>
               </a:tr>
-              <a:tr h="302515">
-                <a:tc>
-                  <a:txBody>
-                    <a:bodyPr/>
-                    <a:lstStyle/>
-                    <a:p>
-                      <a:r>
-                        <a:rPr lang="en-US" sz="1600"/>
+              <a:tr h="394854">
+                <a:tc>
+                  <a:txBody>
+                    <a:bodyPr/>
+                    <a:lstStyle/>
+                    <a:p>
+                      <a:r>
+                        <a:rPr lang="en-US" sz="2000"/>
                         <a:t>hap_entertainment</a:t>
                       </a:r>
                     </a:p>
@@ -4532,10 +5517,10 @@
                     <a:lstStyle/>
                     <a:p>
                       <a:r>
-                        <a:rPr lang="en-US" sz="1600" dirty="0" err="1"/>
+                        <a:rPr lang="en-US" sz="2000" dirty="0" err="1"/>
                         <a:t>income_employment</a:t>
                       </a:r>
-                      <a:endParaRPr lang="en-US" sz="1600" dirty="0"/>
+                      <a:endParaRPr lang="en-US" sz="2000" dirty="0"/>
                     </a:p>
                   </a:txBody>
                   <a:tcPr marL="66241" marR="66241" marT="33121" marB="33121" anchor="ctr"/>
@@ -4546,7 +5531,7 @@
                     <a:lstStyle/>
                     <a:p>
                       <a:r>
-                        <a:rPr lang="en-US" sz="1600"/>
+                        <a:rPr lang="en-US" sz="2000"/>
                         <a:t>0.572916</a:t>
                       </a:r>
                     </a:p>
@@ -4559,7 +5544,7 @@
                     <a:lstStyle/>
                     <a:p>
                       <a:r>
-                        <a:rPr lang="en-US" sz="1600"/>
+                        <a:rPr lang="en-US" sz="2000"/>
                         <a:t>1.120893e-09</a:t>
                       </a:r>
                     </a:p>
@@ -4572,14 +5557,14 @@
                   </a:ext>
                 </a:extLst>
               </a:tr>
-              <a:tr h="302515">
-                <a:tc>
-                  <a:txBody>
-                    <a:bodyPr/>
-                    <a:lstStyle/>
-                    <a:p>
-                      <a:r>
-                        <a:rPr lang="en-US" sz="1600"/>
+              <a:tr h="394854">
+                <a:tc>
+                  <a:txBody>
+                    <a:bodyPr/>
+                    <a:lstStyle/>
+                    <a:p>
+                      <a:r>
+                        <a:rPr lang="en-US" sz="2000"/>
                         <a:t>health_rank</a:t>
                       </a:r>
                     </a:p>
@@ -4592,10 +5577,10 @@
                     <a:lstStyle/>
                     <a:p>
                       <a:r>
-                        <a:rPr lang="en-US" sz="1600" dirty="0" err="1"/>
+                        <a:rPr lang="en-US" sz="2000" dirty="0" err="1"/>
                         <a:t>income_employment</a:t>
                       </a:r>
-                      <a:endParaRPr lang="en-US" sz="1600" dirty="0"/>
+                      <a:endParaRPr lang="en-US" sz="2000" dirty="0"/>
                     </a:p>
                   </a:txBody>
                   <a:tcPr marL="66241" marR="66241" marT="33121" marB="33121" anchor="ctr"/>
@@ -4606,7 +5591,7 @@
                     <a:lstStyle/>
                     <a:p>
                       <a:r>
-                        <a:rPr lang="en-US" sz="1600"/>
+                        <a:rPr lang="en-US" sz="2000"/>
                         <a:t>0.571850</a:t>
                       </a:r>
                     </a:p>
@@ -4619,7 +5604,7 @@
                     <a:lstStyle/>
                     <a:p>
                       <a:r>
-                        <a:rPr lang="en-US" sz="1600"/>
+                        <a:rPr lang="en-US" sz="2000"/>
                         <a:t>5.228215e-10</a:t>
                       </a:r>
                     </a:p>
@@ -4632,14 +5617,14 @@
                   </a:ext>
                 </a:extLst>
               </a:tr>
-              <a:tr h="302515">
-                <a:tc>
-                  <a:txBody>
-                    <a:bodyPr/>
-                    <a:lstStyle/>
-                    <a:p>
-                      <a:r>
-                        <a:rPr lang="en-US" sz="1600"/>
+              <a:tr h="394854">
+                <a:tc>
+                  <a:txBody>
+                    <a:bodyPr/>
+                    <a:lstStyle/>
+                    <a:p>
+                      <a:r>
+                        <a:rPr lang="en-US" sz="2000"/>
                         <a:t>community_environment</a:t>
                       </a:r>
                     </a:p>
@@ -4652,10 +5637,10 @@
                     <a:lstStyle/>
                     <a:p>
                       <a:r>
-                        <a:rPr lang="en-US" sz="1600" dirty="0" err="1"/>
+                        <a:rPr lang="en-US" sz="2000" dirty="0" err="1"/>
                         <a:t>health_rank</a:t>
                       </a:r>
-                      <a:endParaRPr lang="en-US" sz="1600" dirty="0"/>
+                      <a:endParaRPr lang="en-US" sz="2000" dirty="0"/>
                     </a:p>
                   </a:txBody>
                   <a:tcPr marL="66241" marR="66241" marT="33121" marB="33121" anchor="ctr"/>
@@ -4666,7 +5651,7 @@
                     <a:lstStyle/>
                     <a:p>
                       <a:r>
-                        <a:rPr lang="en-US" sz="1600"/>
+                        <a:rPr lang="en-US" sz="2000"/>
                         <a:t>0.507184</a:t>
                       </a:r>
                     </a:p>
@@ -4679,7 +5664,7 @@
                     <a:lstStyle/>
                     <a:p>
                       <a:r>
-                        <a:rPr lang="en-US" sz="1600" dirty="0"/>
+                        <a:rPr lang="en-US" sz="2000" dirty="0"/>
                         <a:t>1.913020e-07</a:t>
                       </a:r>
                     </a:p>
@@ -4692,14 +5677,14 @@
                   </a:ext>
                 </a:extLst>
               </a:tr>
-              <a:tr h="302515">
-                <a:tc>
-                  <a:txBody>
-                    <a:bodyPr/>
-                    <a:lstStyle/>
-                    <a:p>
-                      <a:r>
-                        <a:rPr lang="en-US" sz="1600"/>
+              <a:tr h="394854">
+                <a:tc>
+                  <a:txBody>
+                    <a:bodyPr/>
+                    <a:lstStyle/>
+                    <a:p>
+                      <a:r>
+                        <a:rPr lang="en-US" sz="2000"/>
                         <a:t>community_environment</a:t>
                       </a:r>
                     </a:p>
@@ -4712,9 +5697,10 @@
                     <a:lstStyle/>
                     <a:p>
                       <a:r>
-                        <a:rPr lang="en-US" sz="1600"/>
+                        <a:rPr lang="en-US" sz="2000" dirty="0" err="1"/>
                         <a:t>hap_entertainment</a:t>
                       </a:r>
+                      <a:endParaRPr lang="en-US" sz="2000" dirty="0"/>
                     </a:p>
                   </a:txBody>
                   <a:tcPr marL="66241" marR="66241" marT="33121" marB="33121" anchor="ctr"/>
@@ -4725,7 +5711,7 @@
                     <a:lstStyle/>
                     <a:p>
                       <a:r>
-                        <a:rPr lang="en-US" sz="1600"/>
+                        <a:rPr lang="en-US" sz="2000"/>
                         <a:t>0.394299</a:t>
                       </a:r>
                     </a:p>
@@ -4738,7 +5724,7 @@
                     <a:lstStyle/>
                     <a:p>
                       <a:r>
-                        <a:rPr lang="en-US" sz="1600"/>
+                        <a:rPr lang="en-US" sz="2000"/>
                         <a:t>6.045790e-05</a:t>
                       </a:r>
                     </a:p>
@@ -4751,14 +5737,14 @@
                   </a:ext>
                 </a:extLst>
               </a:tr>
-              <a:tr h="302515">
-                <a:tc>
-                  <a:txBody>
-                    <a:bodyPr/>
-                    <a:lstStyle/>
-                    <a:p>
-                      <a:r>
-                        <a:rPr lang="en-US" sz="1600" dirty="0"/>
+              <a:tr h="426941">
+                <a:tc>
+                  <a:txBody>
+                    <a:bodyPr/>
+                    <a:lstStyle/>
+                    <a:p>
+                      <a:r>
+                        <a:rPr lang="en-US" sz="2000" dirty="0"/>
                         <a:t>costs</a:t>
                       </a:r>
                     </a:p>
@@ -4771,7 +5757,7 @@
                     <a:lstStyle/>
                     <a:p>
                       <a:r>
-                        <a:rPr lang="en-US" sz="1600"/>
+                        <a:rPr lang="en-US" sz="2000"/>
                         <a:t>hap_entertainment</a:t>
                       </a:r>
                     </a:p>
@@ -4784,7 +5770,7 @@
                     <a:lstStyle/>
                     <a:p>
                       <a:r>
-                        <a:rPr lang="en-US" sz="1600" dirty="0"/>
+                        <a:rPr lang="en-US" sz="2000" dirty="0"/>
                         <a:t>-0.392757</a:t>
                       </a:r>
                     </a:p>
@@ -4797,7 +5783,7 @@
                     <a:lstStyle/>
                     <a:p>
                       <a:r>
-                        <a:rPr lang="en-US" sz="1600" dirty="0"/>
+                        <a:rPr lang="en-US" sz="2000" dirty="0"/>
                         <a:t>6.066075e-05</a:t>
                       </a:r>
                     </a:p>
@@ -4810,17 +5796,17 @@
                   </a:ext>
                 </a:extLst>
               </a:tr>
-              <a:tr h="302515">
-                <a:tc>
-                  <a:txBody>
-                    <a:bodyPr/>
-                    <a:lstStyle/>
-                    <a:p>
-                      <a:r>
-                        <a:rPr lang="en-US" sz="1600" dirty="0" err="1"/>
+              <a:tr h="426941">
+                <a:tc>
+                  <a:txBody>
+                    <a:bodyPr/>
+                    <a:lstStyle/>
+                    <a:p>
+                      <a:r>
+                        <a:rPr lang="en-US" sz="2000" dirty="0" err="1"/>
                         <a:t>hap_entertainment</a:t>
                       </a:r>
-                      <a:endParaRPr lang="en-US" sz="1600" dirty="0"/>
+                      <a:endParaRPr lang="en-US" sz="2000" dirty="0"/>
                     </a:p>
                   </a:txBody>
                   <a:tcPr anchor="ctr"/>
@@ -4831,10 +5817,10 @@
                     <a:lstStyle/>
                     <a:p>
                       <a:r>
-                        <a:rPr lang="en-US" sz="1600" dirty="0" err="1"/>
+                        <a:rPr lang="en-US" sz="2000" dirty="0" err="1"/>
                         <a:t>greenspace_rank</a:t>
                       </a:r>
-                      <a:endParaRPr lang="en-US" sz="1600" dirty="0"/>
+                      <a:endParaRPr lang="en-US" sz="2000" dirty="0"/>
                     </a:p>
                   </a:txBody>
                   <a:tcPr anchor="ctr"/>
@@ -4845,7 +5831,7 @@
                     <a:lstStyle/>
                     <a:p>
                       <a:r>
-                        <a:rPr lang="en-US" sz="1600" dirty="0"/>
+                        <a:rPr lang="en-US" sz="2000" dirty="0"/>
                         <a:t>0.376317</a:t>
                       </a:r>
                     </a:p>
@@ -4858,7 +5844,7 @@
                     <a:lstStyle/>
                     <a:p>
                       <a:r>
-                        <a:rPr lang="en-US" sz="1600" dirty="0"/>
+                        <a:rPr lang="en-US" sz="2000" dirty="0"/>
                         <a:t>1.220398e-04</a:t>
                       </a:r>
                     </a:p>
@@ -4871,14 +5857,14 @@
                   </a:ext>
                 </a:extLst>
               </a:tr>
-              <a:tr h="302515">
-                <a:tc>
-                  <a:txBody>
-                    <a:bodyPr/>
-                    <a:lstStyle/>
-                    <a:p>
-                      <a:r>
-                        <a:rPr lang="en-US" sz="1600"/>
+              <a:tr h="426941">
+                <a:tc>
+                  <a:txBody>
+                    <a:bodyPr/>
+                    <a:lstStyle/>
+                    <a:p>
+                      <a:r>
+                        <a:rPr lang="en-US" sz="2000"/>
                         <a:t>community_environment</a:t>
                       </a:r>
                     </a:p>
@@ -4891,7 +5877,7 @@
                     <a:lstStyle/>
                     <a:p>
                       <a:r>
-                        <a:rPr lang="en-US" sz="1600"/>
+                        <a:rPr lang="en-US" sz="2000"/>
                         <a:t>income_employment</a:t>
                       </a:r>
                     </a:p>
@@ -4904,7 +5890,7 @@
                     <a:lstStyle/>
                     <a:p>
                       <a:r>
-                        <a:rPr lang="en-US" sz="1600"/>
+                        <a:rPr lang="en-US" sz="2000"/>
                         <a:t>0.364828</a:t>
                       </a:r>
                     </a:p>
@@ -4917,7 +5903,7 @@
                     <a:lstStyle/>
                     <a:p>
                       <a:r>
-                        <a:rPr lang="en-US" sz="1600" dirty="0"/>
+                        <a:rPr lang="en-US" sz="2000" dirty="0"/>
                         <a:t>2.983343e-04</a:t>
                       </a:r>
                     </a:p>
@@ -4930,17 +5916,17 @@
                   </a:ext>
                 </a:extLst>
               </a:tr>
-              <a:tr h="302515">
-                <a:tc>
-                  <a:txBody>
-                    <a:bodyPr/>
-                    <a:lstStyle/>
-                    <a:p>
-                      <a:r>
-                        <a:rPr lang="en-US" sz="1600" dirty="0" err="1"/>
+              <a:tr h="426941">
+                <a:tc>
+                  <a:txBody>
+                    <a:bodyPr/>
+                    <a:lstStyle/>
+                    <a:p>
+                      <a:r>
+                        <a:rPr lang="en-US" sz="2000" dirty="0" err="1"/>
                         <a:t>greenspace_rank</a:t>
                       </a:r>
-                      <a:endParaRPr lang="en-US" sz="1600" dirty="0"/>
+                      <a:endParaRPr lang="en-US" sz="2000" dirty="0"/>
                     </a:p>
                   </a:txBody>
                   <a:tcPr anchor="ctr"/>
@@ -4951,7 +5937,7 @@
                     <a:lstStyle/>
                     <a:p>
                       <a:r>
-                        <a:rPr lang="en-US" sz="1600"/>
+                        <a:rPr lang="en-US" sz="2000"/>
                         <a:t>income_employment</a:t>
                       </a:r>
                     </a:p>
@@ -4964,7 +5950,7 @@
                     <a:lstStyle/>
                     <a:p>
                       <a:r>
-                        <a:rPr lang="en-US" sz="1600"/>
+                        <a:rPr lang="en-US" sz="2000"/>
                         <a:t>0.338554</a:t>
                       </a:r>
                     </a:p>
@@ -4977,7 +5963,7 @@
                     <a:lstStyle/>
                     <a:p>
                       <a:r>
-                        <a:rPr lang="en-US" sz="1600" dirty="0"/>
+                        <a:rPr lang="en-US" sz="2000" dirty="0"/>
                         <a:t>6.899035e-04</a:t>
                       </a:r>
                     </a:p>
@@ -4990,14 +5976,14 @@
                   </a:ext>
                 </a:extLst>
               </a:tr>
-              <a:tr h="302515">
-                <a:tc>
-                  <a:txBody>
-                    <a:bodyPr/>
-                    <a:lstStyle/>
-                    <a:p>
-                      <a:r>
-                        <a:rPr lang="en-US" sz="1600"/>
+              <a:tr h="426941">
+                <a:tc>
+                  <a:txBody>
+                    <a:bodyPr/>
+                    <a:lstStyle/>
+                    <a:p>
+                      <a:r>
+                        <a:rPr lang="en-US" sz="2000"/>
                         <a:t>costs</a:t>
                       </a:r>
                     </a:p>
@@ -5010,7 +5996,7 @@
                     <a:lstStyle/>
                     <a:p>
                       <a:r>
-                        <a:rPr lang="en-US" sz="1600"/>
+                        <a:rPr lang="en-US" sz="2000"/>
                         <a:t>greenspace_rank</a:t>
                       </a:r>
                     </a:p>
@@ -5023,7 +6009,7 @@
                     <a:lstStyle/>
                     <a:p>
                       <a:r>
-                        <a:rPr lang="en-US" sz="1600"/>
+                        <a:rPr lang="en-US" sz="2000"/>
                         <a:t>-0.251905</a:t>
                       </a:r>
                     </a:p>
@@ -5036,7 +6022,7 @@
                     <a:lstStyle/>
                     <a:p>
                       <a:r>
-                        <a:rPr lang="en-US" sz="1600" dirty="0"/>
+                        <a:rPr lang="en-US" sz="2000" dirty="0"/>
                         <a:t>1.245095e-02</a:t>
                       </a:r>
                     </a:p>
@@ -5049,17 +6035,17 @@
                   </a:ext>
                 </a:extLst>
               </a:tr>
-              <a:tr h="302515">
-                <a:tc>
-                  <a:txBody>
-                    <a:bodyPr/>
-                    <a:lstStyle/>
-                    <a:p>
-                      <a:r>
-                        <a:rPr lang="en-US" sz="1600" dirty="0" err="1"/>
+              <a:tr h="426941">
+                <a:tc>
+                  <a:txBody>
+                    <a:bodyPr/>
+                    <a:lstStyle/>
+                    <a:p>
+                      <a:r>
+                        <a:rPr lang="en-US" sz="2000" dirty="0" err="1"/>
                         <a:t>community_environment</a:t>
                       </a:r>
-                      <a:endParaRPr lang="en-US" sz="1600" dirty="0"/>
+                      <a:endParaRPr lang="en-US" sz="2000" dirty="0"/>
                     </a:p>
                   </a:txBody>
                   <a:tcPr anchor="ctr"/>
@@ -5070,7 +6056,7 @@
                     <a:lstStyle/>
                     <a:p>
                       <a:r>
-                        <a:rPr lang="en-US" sz="1600" dirty="0"/>
+                        <a:rPr lang="en-US" sz="2000" dirty="0"/>
                         <a:t>weather</a:t>
                       </a:r>
                     </a:p>
@@ -5083,7 +6069,7 @@
                     <a:lstStyle/>
                     <a:p>
                       <a:r>
-                        <a:rPr lang="en-US" sz="1600"/>
+                        <a:rPr lang="en-US" sz="2000"/>
                         <a:t>0.215444</a:t>
                       </a:r>
                     </a:p>
@@ -5096,7 +6082,7 @@
                     <a:lstStyle/>
                     <a:p>
                       <a:r>
-                        <a:rPr lang="en-US" sz="1600" dirty="0"/>
+                        <a:rPr lang="en-US" sz="2000" dirty="0"/>
                         <a:t>3.203444e-02</a:t>
                       </a:r>
                     </a:p>
@@ -5131,7 +6117,7 @@
         </p:nvSpPr>
         <p:spPr>
           <a:xfrm>
-            <a:off x="2090056" y="0"/>
+            <a:off x="2090056" y="-13252"/>
             <a:ext cx="9234714" cy="1325563"/>
           </a:xfrm>
         </p:spPr>
@@ -5159,7 +6145,7 @@
 </p:sld>
 </file>
 
-<file path=ppt/slides/slide8.xml><?xml version="1.0" encoding="utf-8"?>
+<file path=ppt/slides/slide9.xml><?xml version="1.0" encoding="utf-8"?>
 <p:sld xmlns:a="http://schemas.openxmlformats.org/drawingml/2006/main" xmlns:r="http://schemas.openxmlformats.org/officeDocument/2006/relationships" xmlns:p="http://schemas.openxmlformats.org/presentationml/2006/main">
   <p:cSld>
     <p:spTree>
@@ -5238,13 +6224,19 @@
           <a:p>
             <a:r>
               <a:rPr lang="en-US" dirty="0"/>
-              <a:t>Many low-cost cities score poorly in many other measures. </a:t>
+              <a:t>Happiness, Health, Income and Environment / Greenspaces Linearly Correlate</a:t>
             </a:r>
           </a:p>
           <a:p>
             <a:r>
               <a:rPr lang="en-US" dirty="0"/>
-              <a:t>To a degree - You get what you pay for </a:t>
+              <a:t>Weather did not strongly correlate to any parameter</a:t>
+            </a:r>
+          </a:p>
+          <a:p>
+            <a:r>
+              <a:rPr lang="en-US" dirty="0"/>
+              <a:t>Costs only lightly correlated </a:t>
             </a:r>
           </a:p>
           <a:p>

--- a/Presentation.pptx
+++ b/Presentation.pptx
@@ -454,7 +454,7 @@
           <a:p>
             <a:fld id="{04DEBD7C-2D96-488E-8FDB-946778781366}" type="datetimeFigureOut">
               <a:rPr lang="en-US" smtClean="0"/>
-              <a:t>11/26/2019</a:t>
+              <a:t>12/2/2019</a:t>
             </a:fld>
             <a:endParaRPr lang="en-US"/>
           </a:p>
@@ -652,7 +652,7 @@
           <a:p>
             <a:fld id="{04DEBD7C-2D96-488E-8FDB-946778781366}" type="datetimeFigureOut">
               <a:rPr lang="en-US" smtClean="0"/>
-              <a:t>11/26/2019</a:t>
+              <a:t>12/2/2019</a:t>
             </a:fld>
             <a:endParaRPr lang="en-US"/>
           </a:p>
@@ -860,7 +860,7 @@
           <a:p>
             <a:fld id="{04DEBD7C-2D96-488E-8FDB-946778781366}" type="datetimeFigureOut">
               <a:rPr lang="en-US" smtClean="0"/>
-              <a:t>11/26/2019</a:t>
+              <a:t>12/2/2019</a:t>
             </a:fld>
             <a:endParaRPr lang="en-US"/>
           </a:p>
@@ -1058,7 +1058,7 @@
           <a:p>
             <a:fld id="{04DEBD7C-2D96-488E-8FDB-946778781366}" type="datetimeFigureOut">
               <a:rPr lang="en-US" smtClean="0"/>
-              <a:t>11/26/2019</a:t>
+              <a:t>12/2/2019</a:t>
             </a:fld>
             <a:endParaRPr lang="en-US"/>
           </a:p>
@@ -1333,7 +1333,7 @@
           <a:p>
             <a:fld id="{04DEBD7C-2D96-488E-8FDB-946778781366}" type="datetimeFigureOut">
               <a:rPr lang="en-US" smtClean="0"/>
-              <a:t>11/26/2019</a:t>
+              <a:t>12/2/2019</a:t>
             </a:fld>
             <a:endParaRPr lang="en-US"/>
           </a:p>
@@ -1598,7 +1598,7 @@
           <a:p>
             <a:fld id="{04DEBD7C-2D96-488E-8FDB-946778781366}" type="datetimeFigureOut">
               <a:rPr lang="en-US" smtClean="0"/>
-              <a:t>11/26/2019</a:t>
+              <a:t>12/2/2019</a:t>
             </a:fld>
             <a:endParaRPr lang="en-US"/>
           </a:p>
@@ -2010,7 +2010,7 @@
           <a:p>
             <a:fld id="{04DEBD7C-2D96-488E-8FDB-946778781366}" type="datetimeFigureOut">
               <a:rPr lang="en-US" smtClean="0"/>
-              <a:t>11/26/2019</a:t>
+              <a:t>12/2/2019</a:t>
             </a:fld>
             <a:endParaRPr lang="en-US"/>
           </a:p>
@@ -2151,7 +2151,7 @@
           <a:p>
             <a:fld id="{04DEBD7C-2D96-488E-8FDB-946778781366}" type="datetimeFigureOut">
               <a:rPr lang="en-US" smtClean="0"/>
-              <a:t>11/26/2019</a:t>
+              <a:t>12/2/2019</a:t>
             </a:fld>
             <a:endParaRPr lang="en-US"/>
           </a:p>
@@ -2264,7 +2264,7 @@
           <a:p>
             <a:fld id="{04DEBD7C-2D96-488E-8FDB-946778781366}" type="datetimeFigureOut">
               <a:rPr lang="en-US" smtClean="0"/>
-              <a:t>11/26/2019</a:t>
+              <a:t>12/2/2019</a:t>
             </a:fld>
             <a:endParaRPr lang="en-US"/>
           </a:p>
@@ -2575,7 +2575,7 @@
           <a:p>
             <a:fld id="{04DEBD7C-2D96-488E-8FDB-946778781366}" type="datetimeFigureOut">
               <a:rPr lang="en-US" smtClean="0"/>
-              <a:t>11/26/2019</a:t>
+              <a:t>12/2/2019</a:t>
             </a:fld>
             <a:endParaRPr lang="en-US"/>
           </a:p>
@@ -2863,7 +2863,7 @@
           <a:p>
             <a:fld id="{04DEBD7C-2D96-488E-8FDB-946778781366}" type="datetimeFigureOut">
               <a:rPr lang="en-US" smtClean="0"/>
-              <a:t>11/26/2019</a:t>
+              <a:t>12/2/2019</a:t>
             </a:fld>
             <a:endParaRPr lang="en-US"/>
           </a:p>
@@ -3104,7 +3104,7 @@
           <a:p>
             <a:fld id="{04DEBD7C-2D96-488E-8FDB-946778781366}" type="datetimeFigureOut">
               <a:rPr lang="en-US" smtClean="0"/>
-              <a:t>11/26/2019</a:t>
+              <a:t>12/2/2019</a:t>
             </a:fld>
             <a:endParaRPr lang="en-US"/>
           </a:p>
@@ -3581,15 +3581,15 @@
           <a:p>
             <a:r>
               <a:rPr lang="en-US" dirty="0"/>
-              <a:t>Tyler Adams | Edgardo </a:t>
-            </a:r>
-            <a:r>
-              <a:rPr lang="en-US" dirty="0" err="1"/>
-              <a:t>Bugcay</a:t>
+              <a:t>Tyler Adams | </a:t>
+            </a:r>
+            <a:r>
+              <a:rPr lang="en-US"/>
+              <a:t>Edgardo Bungay </a:t>
             </a:r>
             <a:r>
               <a:rPr lang="en-US" dirty="0"/>
-              <a:t> | Jamie </a:t>
+              <a:t>| Jamie </a:t>
             </a:r>
             <a:r>
               <a:rPr lang="en-US" dirty="0" err="1"/>

--- a/Presentation.pptx
+++ b/Presentation.pptx
@@ -12,8 +12,7 @@
     <p:sldId id="263" r:id="rId6"/>
     <p:sldId id="260" r:id="rId7"/>
     <p:sldId id="264" r:id="rId8"/>
-    <p:sldId id="262" r:id="rId9"/>
-    <p:sldId id="261" r:id="rId10"/>
+    <p:sldId id="261" r:id="rId9"/>
   </p:sldIdLst>
   <p:sldSz cx="12192000" cy="6858000"/>
   <p:notesSz cx="6858000" cy="9144000"/>
@@ -132,19 +131,34 @@
 <pc:chgInfo xmlns:a="http://schemas.openxmlformats.org/drawingml/2006/main" xmlns:r="http://schemas.openxmlformats.org/officeDocument/2006/relationships" xmlns:ac="http://schemas.microsoft.com/office/drawing/2013/main/command" xmlns:pc="http://schemas.microsoft.com/office/powerpoint/2013/main/command">
   <pc:docChgLst>
     <pc:chgData name="Ron Javor" userId="e840de2940c497cb" providerId="LiveId" clId="{903FC241-FDA8-4AA6-8FF0-2A4D8A56C5A0}"/>
-    <pc:docChg chg="undo custSel mod addSld modSld">
-      <pc:chgData name="Ron Javor" userId="e840de2940c497cb" providerId="LiveId" clId="{903FC241-FDA8-4AA6-8FF0-2A4D8A56C5A0}" dt="2019-11-27T04:28:10.676" v="456" actId="14100"/>
+    <pc:docChg chg="undo custSel mod addSld delSld modSld">
+      <pc:chgData name="Ron Javor" userId="e840de2940c497cb" providerId="LiveId" clId="{903FC241-FDA8-4AA6-8FF0-2A4D8A56C5A0}" dt="2019-11-27T05:20:31.532" v="565" actId="14100"/>
       <pc:docMkLst>
         <pc:docMk/>
       </pc:docMkLst>
       <pc:sldChg chg="modSp">
-        <pc:chgData name="Ron Javor" userId="e840de2940c497cb" providerId="LiveId" clId="{903FC241-FDA8-4AA6-8FF0-2A4D8A56C5A0}" dt="2019-11-27T04:27:21.950" v="448" actId="20577"/>
+        <pc:chgData name="Ron Javor" userId="e840de2940c497cb" providerId="LiveId" clId="{903FC241-FDA8-4AA6-8FF0-2A4D8A56C5A0}" dt="2019-11-27T05:20:31.532" v="565" actId="14100"/>
+        <pc:sldMkLst>
+          <pc:docMk/>
+          <pc:sldMk cId="162922300" sldId="258"/>
+        </pc:sldMkLst>
+        <pc:spChg chg="mod">
+          <ac:chgData name="Ron Javor" userId="e840de2940c497cb" providerId="LiveId" clId="{903FC241-FDA8-4AA6-8FF0-2A4D8A56C5A0}" dt="2019-11-27T05:20:31.532" v="565" actId="14100"/>
+          <ac:spMkLst>
+            <pc:docMk/>
+            <pc:sldMk cId="162922300" sldId="258"/>
+            <ac:spMk id="3" creationId="{0DFFD546-CF9A-49AC-B18E-A77BB9BB6D93}"/>
+          </ac:spMkLst>
+        </pc:spChg>
+      </pc:sldChg>
+      <pc:sldChg chg="modSp">
+        <pc:chgData name="Ron Javor" userId="e840de2940c497cb" providerId="LiveId" clId="{903FC241-FDA8-4AA6-8FF0-2A4D8A56C5A0}" dt="2019-11-27T05:11:29.210" v="532" actId="27636"/>
         <pc:sldMkLst>
           <pc:docMk/>
           <pc:sldMk cId="512310489" sldId="261"/>
         </pc:sldMkLst>
         <pc:spChg chg="mod">
-          <ac:chgData name="Ron Javor" userId="e840de2940c497cb" providerId="LiveId" clId="{903FC241-FDA8-4AA6-8FF0-2A4D8A56C5A0}" dt="2019-11-27T04:27:21.950" v="448" actId="20577"/>
+          <ac:chgData name="Ron Javor" userId="e840de2940c497cb" providerId="LiveId" clId="{903FC241-FDA8-4AA6-8FF0-2A4D8A56C5A0}" dt="2019-11-27T05:11:29.210" v="532" actId="27636"/>
           <ac:spMkLst>
             <pc:docMk/>
             <pc:sldMk cId="512310489" sldId="261"/>
@@ -152,8 +166,8 @@
           </ac:spMkLst>
         </pc:spChg>
       </pc:sldChg>
-      <pc:sldChg chg="addSp delSp modSp mod setBg">
-        <pc:chgData name="Ron Javor" userId="e840de2940c497cb" providerId="LiveId" clId="{903FC241-FDA8-4AA6-8FF0-2A4D8A56C5A0}" dt="2019-11-27T04:26:06.812" v="257" actId="5793"/>
+      <pc:sldChg chg="addSp delSp modSp del mod setBg">
+        <pc:chgData name="Ron Javor" userId="e840de2940c497cb" providerId="LiveId" clId="{903FC241-FDA8-4AA6-8FF0-2A4D8A56C5A0}" dt="2019-11-27T05:10:50.861" v="457" actId="2696"/>
         <pc:sldMkLst>
           <pc:docMk/>
           <pc:sldMk cId="176846830" sldId="262"/>
@@ -3799,7 +3813,7 @@
         <p:spPr>
           <a:xfrm>
             <a:off x="440635" y="1338470"/>
-            <a:ext cx="10515600" cy="5194852"/>
+            <a:ext cx="11310730" cy="5194852"/>
           </a:xfrm>
         </p:spPr>
         <p:txBody>
@@ -3828,7 +3842,7 @@
           <a:p>
             <a:r>
               <a:rPr lang="en-US" dirty="0"/>
-              <a:t>We examined relative rankings from </a:t>
+              <a:t>We examined relative rankings and correlations with data from </a:t>
             </a:r>
             <a:r>
               <a:rPr lang="en-US" dirty="0" err="1"/>
@@ -4812,9 +4826,10 @@
                     <a:lstStyle/>
                     <a:p>
                       <a:r>
-                        <a:rPr lang="en-US" sz="2000"/>
+                        <a:rPr lang="en-US" sz="2000" dirty="0" err="1"/>
                         <a:t>income_employment</a:t>
                       </a:r>
+                      <a:endParaRPr lang="en-US" sz="2000" dirty="0"/>
                     </a:p>
                   </a:txBody>
                   <a:tcPr anchor="ctr"/>
@@ -5104,14 +5119,6 @@
 <file path=ppt/slides/slide8.xml><?xml version="1.0" encoding="utf-8"?>
 <p:sld xmlns:a="http://schemas.openxmlformats.org/drawingml/2006/main" xmlns:r="http://schemas.openxmlformats.org/officeDocument/2006/relationships" xmlns:p="http://schemas.openxmlformats.org/presentationml/2006/main">
   <p:cSld>
-    <p:bg>
-      <p:bgPr>
-        <a:solidFill>
-          <a:schemeClr val="bg1"/>
-        </a:solidFill>
-        <a:effectLst/>
-      </p:bgPr>
-    </p:bg>
     <p:spTree>
       <p:nvGrpSpPr>
         <p:cNvPr id="1" name=""/>
@@ -5128,1092 +5135,58 @@
       </p:grpSpPr>
       <p:sp>
         <p:nvSpPr>
-          <p:cNvPr id="13" name="Rectangle 12">
-            <a:extLst>
-              <a:ext uri="{FF2B5EF4-FFF2-40B4-BE49-F238E27FC236}">
-                <a16:creationId xmlns:a16="http://schemas.microsoft.com/office/drawing/2014/main" id="{6753252F-4873-4F63-801D-CC719279A7D5}"/>
-              </a:ext>
-              <a:ext uri="{C183D7F6-B498-43B3-948B-1728B52AA6E4}">
-                <adec:decorative xmlns:adec="http://schemas.microsoft.com/office/drawing/2017/decorative" val="1"/>
-              </a:ext>
-            </a:extLst>
-          </p:cNvPr>
-          <p:cNvSpPr>
-            <a:spLocks noGrp="1" noRot="1" noChangeAspect="1" noMove="1" noResize="1" noEditPoints="1" noAdjustHandles="1" noChangeArrowheads="1" noChangeShapeType="1" noTextEdit="1"/>
-          </p:cNvSpPr>
-          <p:nvPr>
-            <p:extLst>
-              <p:ext uri="{386F3935-93C4-4BCD-93E2-E3B085C9AB24}">
-                <p16:designElem xmlns:p16="http://schemas.microsoft.com/office/powerpoint/2015/main" val="1"/>
-              </p:ext>
-            </p:extLst>
+          <p:cNvPr id="2" name="Title 1">
+            <a:extLst>
+              <a:ext uri="{FF2B5EF4-FFF2-40B4-BE49-F238E27FC236}">
+                <a16:creationId xmlns:a16="http://schemas.microsoft.com/office/drawing/2014/main" id="{6A330886-AC2D-492F-8FDC-19969F48FBF0}"/>
+              </a:ext>
+            </a:extLst>
+          </p:cNvPr>
+          <p:cNvSpPr>
+            <a:spLocks noGrp="1"/>
+          </p:cNvSpPr>
+          <p:nvPr>
+            <p:ph type="title"/>
+          </p:nvPr>
+        </p:nvSpPr>
+        <p:spPr/>
+        <p:txBody>
+          <a:bodyPr/>
+          <a:lstStyle/>
+          <a:p>
+            <a:r>
+              <a:rPr lang="en-US" b="1" dirty="0"/>
+              <a:t>Summary</a:t>
+            </a:r>
+          </a:p>
+        </p:txBody>
+      </p:sp>
+      <p:sp>
+        <p:nvSpPr>
+          <p:cNvPr id="3" name="Content Placeholder 2">
+            <a:extLst>
+              <a:ext uri="{FF2B5EF4-FFF2-40B4-BE49-F238E27FC236}">
+                <a16:creationId xmlns:a16="http://schemas.microsoft.com/office/drawing/2014/main" id="{0DFFD546-CF9A-49AC-B18E-A77BB9BB6D93}"/>
+              </a:ext>
+            </a:extLst>
+          </p:cNvPr>
+          <p:cNvSpPr>
+            <a:spLocks noGrp="1"/>
+          </p:cNvSpPr>
+          <p:nvPr>
+            <p:ph idx="1"/>
           </p:nvPr>
         </p:nvSpPr>
         <p:spPr>
           <a:xfrm>
-            <a:off x="0" y="0"/>
-            <a:ext cx="12192000" cy="6858000"/>
-          </a:xfrm>
-          <a:prstGeom prst="rect">
-            <a:avLst/>
-          </a:prstGeom>
-          <a:solidFill>
-            <a:srgbClr val="FFFFFF"/>
-          </a:solidFill>
-          <a:ln>
-            <a:noFill/>
-          </a:ln>
-        </p:spPr>
-        <p:style>
-          <a:lnRef idx="2">
-            <a:schemeClr val="accent1">
-              <a:shade val="50000"/>
-            </a:schemeClr>
-          </a:lnRef>
-          <a:fillRef idx="1">
-            <a:schemeClr val="accent1"/>
-          </a:fillRef>
-          <a:effectRef idx="0">
-            <a:schemeClr val="accent1"/>
-          </a:effectRef>
-          <a:fontRef idx="minor">
-            <a:schemeClr val="lt1"/>
-          </a:fontRef>
-        </p:style>
-        <p:txBody>
-          <a:bodyPr rtlCol="0" anchor="ctr"/>
-          <a:lstStyle/>
-          <a:p>
-            <a:pPr algn="ctr"/>
-            <a:endParaRPr lang="en-US"/>
-          </a:p>
-        </p:txBody>
-      </p:sp>
-      <p:sp>
-        <p:nvSpPr>
-          <p:cNvPr id="15" name="Rectangle 14">
-            <a:extLst>
-              <a:ext uri="{FF2B5EF4-FFF2-40B4-BE49-F238E27FC236}">
-                <a16:creationId xmlns:a16="http://schemas.microsoft.com/office/drawing/2014/main" id="{047C8CCB-F95D-4249-92DD-651249D3535A}"/>
-              </a:ext>
-              <a:ext uri="{C183D7F6-B498-43B3-948B-1728B52AA6E4}">
-                <adec:decorative xmlns:adec="http://schemas.microsoft.com/office/drawing/2017/decorative" val="1"/>
-              </a:ext>
-            </a:extLst>
-          </p:cNvPr>
-          <p:cNvSpPr>
-            <a:spLocks noGrp="1" noRot="1" noChangeAspect="1" noMove="1" noResize="1" noEditPoints="1" noAdjustHandles="1" noChangeArrowheads="1" noChangeShapeType="1" noTextEdit="1"/>
-          </p:cNvSpPr>
-          <p:nvPr>
-            <p:extLst>
-              <p:ext uri="{386F3935-93C4-4BCD-93E2-E3B085C9AB24}">
-                <p16:designElem xmlns:p16="http://schemas.microsoft.com/office/powerpoint/2015/main" val="1"/>
-              </p:ext>
-            </p:extLst>
-          </p:nvPr>
-        </p:nvSpPr>
-        <p:spPr>
-          <a:xfrm>
-            <a:off x="0" y="0"/>
-            <a:ext cx="2013557" cy="6858000"/>
-          </a:xfrm>
-          <a:prstGeom prst="rect">
-            <a:avLst/>
-          </a:prstGeom>
-          <a:solidFill>
-            <a:srgbClr val="7F7F7F"/>
-          </a:solidFill>
-          <a:ln>
-            <a:noFill/>
-          </a:ln>
-        </p:spPr>
-        <p:style>
-          <a:lnRef idx="2">
-            <a:schemeClr val="accent1">
-              <a:shade val="50000"/>
-            </a:schemeClr>
-          </a:lnRef>
-          <a:fillRef idx="1">
-            <a:schemeClr val="accent1"/>
-          </a:fillRef>
-          <a:effectRef idx="0">
-            <a:schemeClr val="accent1"/>
-          </a:effectRef>
-          <a:fontRef idx="minor">
-            <a:schemeClr val="lt1"/>
-          </a:fontRef>
-        </p:style>
-        <p:txBody>
-          <a:bodyPr rtlCol="0" anchor="ctr"/>
-          <a:lstStyle/>
-          <a:p>
-            <a:pPr algn="ctr"/>
-            <a:endParaRPr lang="en-US"/>
-          </a:p>
-        </p:txBody>
-      </p:sp>
-      <p:graphicFrame>
-        <p:nvGraphicFramePr>
-          <p:cNvPr id="8" name="Table 7">
-            <a:extLst>
-              <a:ext uri="{FF2B5EF4-FFF2-40B4-BE49-F238E27FC236}">
-                <a16:creationId xmlns:a16="http://schemas.microsoft.com/office/drawing/2014/main" id="{4411F0DA-7E0F-44E5-AB37-F0928D895C81}"/>
-              </a:ext>
-            </a:extLst>
-          </p:cNvPr>
-          <p:cNvGraphicFramePr>
-            <a:graphicFrameLocks noGrp="1"/>
-          </p:cNvGraphicFramePr>
-          <p:nvPr>
-            <p:extLst>
-              <p:ext uri="{D42A27DB-BD31-4B8C-83A1-F6EECF244321}">
-                <p14:modId xmlns:p14="http://schemas.microsoft.com/office/powerpoint/2010/main" val="3506459437"/>
-              </p:ext>
-            </p:extLst>
-          </p:nvPr>
-        </p:nvGraphicFramePr>
-        <p:xfrm>
-          <a:off x="2371096" y="1312311"/>
-          <a:ext cx="9387289" cy="5423732"/>
-        </p:xfrm>
-        <a:graphic>
-          <a:graphicData uri="http://schemas.openxmlformats.org/drawingml/2006/table">
-            <a:tbl>
-              <a:tblPr firstRow="1" bandRow="1">
-                <a:tableStyleId>{3B4B98B0-60AC-42C2-AFA5-B58CD77FA1E5}</a:tableStyleId>
-              </a:tblPr>
-              <a:tblGrid>
-                <a:gridCol w="3044628">
-                  <a:extLst>
-                    <a:ext uri="{9D8B030D-6E8A-4147-A177-3AD203B41FA5}">
-                      <a16:colId xmlns:a16="http://schemas.microsoft.com/office/drawing/2014/main" val="600785518"/>
-                    </a:ext>
-                  </a:extLst>
-                </a:gridCol>
-                <a:gridCol w="2747666">
-                  <a:extLst>
-                    <a:ext uri="{9D8B030D-6E8A-4147-A177-3AD203B41FA5}">
-                      <a16:colId xmlns:a16="http://schemas.microsoft.com/office/drawing/2014/main" val="2364808135"/>
-                    </a:ext>
-                  </a:extLst>
-                </a:gridCol>
-                <a:gridCol w="1701816">
-                  <a:extLst>
-                    <a:ext uri="{9D8B030D-6E8A-4147-A177-3AD203B41FA5}">
-                      <a16:colId xmlns:a16="http://schemas.microsoft.com/office/drawing/2014/main" val="494387186"/>
-                    </a:ext>
-                  </a:extLst>
-                </a:gridCol>
-                <a:gridCol w="1893179">
-                  <a:extLst>
-                    <a:ext uri="{9D8B030D-6E8A-4147-A177-3AD203B41FA5}">
-                      <a16:colId xmlns:a16="http://schemas.microsoft.com/office/drawing/2014/main" val="1251155295"/>
-                    </a:ext>
-                  </a:extLst>
-                </a:gridCol>
-              </a:tblGrid>
-              <a:tr h="472480">
-                <a:tc>
-                  <a:txBody>
-                    <a:bodyPr/>
-                    <a:lstStyle/>
-                    <a:p>
-                      <a:pPr algn="ctr"/>
-                      <a:r>
-                        <a:rPr lang="en-US" sz="2800" dirty="0"/>
-                        <a:t>Measure1</a:t>
-                      </a:r>
-                    </a:p>
-                  </a:txBody>
-                  <a:tcPr marL="66241" marR="66241" marT="33121" marB="33121" anchor="ctr"/>
-                </a:tc>
-                <a:tc>
-                  <a:txBody>
-                    <a:bodyPr/>
-                    <a:lstStyle/>
-                    <a:p>
-                      <a:pPr algn="ctr"/>
-                      <a:r>
-                        <a:rPr lang="en-US" sz="2800" dirty="0"/>
-                        <a:t>Measure2</a:t>
-                      </a:r>
-                    </a:p>
-                  </a:txBody>
-                  <a:tcPr marL="66241" marR="66241" marT="33121" marB="33121" anchor="ctr"/>
-                </a:tc>
-                <a:tc>
-                  <a:txBody>
-                    <a:bodyPr/>
-                    <a:lstStyle/>
-                    <a:p>
-                      <a:pPr algn="ctr"/>
-                      <a:r>
-                        <a:rPr lang="en-US" sz="2800" dirty="0"/>
-                        <a:t>Slope</a:t>
-                      </a:r>
-                    </a:p>
-                  </a:txBody>
-                  <a:tcPr marL="66241" marR="66241" marT="33121" marB="33121" anchor="ctr"/>
-                </a:tc>
-                <a:tc>
-                  <a:txBody>
-                    <a:bodyPr/>
-                    <a:lstStyle/>
-                    <a:p>
-                      <a:pPr algn="ctr"/>
-                      <a:r>
-                        <a:rPr lang="en-US" sz="2800" dirty="0"/>
-                        <a:t>P-value</a:t>
-                      </a:r>
-                    </a:p>
-                  </a:txBody>
-                  <a:tcPr marL="66241" marR="66241" marT="33121" marB="33121" anchor="ctr"/>
-                </a:tc>
-                <a:extLst>
-                  <a:ext uri="{0D108BD9-81ED-4DB2-BD59-A6C34878D82A}">
-                    <a16:rowId xmlns:a16="http://schemas.microsoft.com/office/drawing/2014/main" val="4157070803"/>
-                  </a:ext>
-                </a:extLst>
-              </a:tr>
-              <a:tr h="394854">
-                <a:tc>
-                  <a:txBody>
-                    <a:bodyPr/>
-                    <a:lstStyle/>
-                    <a:p>
-                      <a:r>
-                        <a:rPr lang="en-US" sz="2000" dirty="0" err="1"/>
-                        <a:t>hap_entertainment</a:t>
-                      </a:r>
-                      <a:endParaRPr lang="en-US" sz="2000" dirty="0"/>
-                    </a:p>
-                  </a:txBody>
-                  <a:tcPr marL="66241" marR="66241" marT="33121" marB="33121" anchor="ctr"/>
-                </a:tc>
-                <a:tc>
-                  <a:txBody>
-                    <a:bodyPr/>
-                    <a:lstStyle/>
-                    <a:p>
-                      <a:r>
-                        <a:rPr lang="en-US" sz="2000" dirty="0" err="1"/>
-                        <a:t>health_rank</a:t>
-                      </a:r>
-                      <a:endParaRPr lang="en-US" sz="2000" dirty="0"/>
-                    </a:p>
-                  </a:txBody>
-                  <a:tcPr marL="66241" marR="66241" marT="33121" marB="33121" anchor="ctr"/>
-                </a:tc>
-                <a:tc>
-                  <a:txBody>
-                    <a:bodyPr/>
-                    <a:lstStyle/>
-                    <a:p>
-                      <a:r>
-                        <a:rPr lang="en-US" sz="2000"/>
-                        <a:t>0.692889</a:t>
-                      </a:r>
-                    </a:p>
-                  </a:txBody>
-                  <a:tcPr marL="66241" marR="66241" marT="33121" marB="33121" anchor="ctr"/>
-                </a:tc>
-                <a:tc>
-                  <a:txBody>
-                    <a:bodyPr/>
-                    <a:lstStyle/>
-                    <a:p>
-                      <a:r>
-                        <a:rPr lang="en-US" sz="2000"/>
-                        <a:t>6.754246e-15</a:t>
-                      </a:r>
-                    </a:p>
-                  </a:txBody>
-                  <a:tcPr marL="66241" marR="66241" marT="33121" marB="33121" anchor="ctr"/>
-                </a:tc>
-                <a:extLst>
-                  <a:ext uri="{0D108BD9-81ED-4DB2-BD59-A6C34878D82A}">
-                    <a16:rowId xmlns:a16="http://schemas.microsoft.com/office/drawing/2014/main" val="725379916"/>
-                  </a:ext>
-                </a:extLst>
-              </a:tr>
-              <a:tr h="394854">
-                <a:tc>
-                  <a:txBody>
-                    <a:bodyPr/>
-                    <a:lstStyle/>
-                    <a:p>
-                      <a:r>
-                        <a:rPr lang="en-US" sz="2000" dirty="0" err="1"/>
-                        <a:t>greenspace_rank</a:t>
-                      </a:r>
-                      <a:endParaRPr lang="en-US" sz="2000" dirty="0"/>
-                    </a:p>
-                  </a:txBody>
-                  <a:tcPr marL="66241" marR="66241" marT="33121" marB="33121" anchor="ctr"/>
-                </a:tc>
-                <a:tc>
-                  <a:txBody>
-                    <a:bodyPr/>
-                    <a:lstStyle/>
-                    <a:p>
-                      <a:r>
-                        <a:rPr lang="en-US" sz="2000" dirty="0" err="1"/>
-                        <a:t>health_rank</a:t>
-                      </a:r>
-                      <a:endParaRPr lang="en-US" sz="2000" dirty="0"/>
-                    </a:p>
-                  </a:txBody>
-                  <a:tcPr marL="66241" marR="66241" marT="33121" marB="33121" anchor="ctr"/>
-                </a:tc>
-                <a:tc>
-                  <a:txBody>
-                    <a:bodyPr/>
-                    <a:lstStyle/>
-                    <a:p>
-                      <a:r>
-                        <a:rPr lang="en-US" sz="2000"/>
-                        <a:t>0.574157</a:t>
-                      </a:r>
-                    </a:p>
-                  </a:txBody>
-                  <a:tcPr marL="66241" marR="66241" marT="33121" marB="33121" anchor="ctr"/>
-                </a:tc>
-                <a:tc>
-                  <a:txBody>
-                    <a:bodyPr/>
-                    <a:lstStyle/>
-                    <a:p>
-                      <a:r>
-                        <a:rPr lang="en-US" sz="2000"/>
-                        <a:t>8.273011e-10</a:t>
-                      </a:r>
-                    </a:p>
-                  </a:txBody>
-                  <a:tcPr marL="66241" marR="66241" marT="33121" marB="33121" anchor="ctr"/>
-                </a:tc>
-                <a:extLst>
-                  <a:ext uri="{0D108BD9-81ED-4DB2-BD59-A6C34878D82A}">
-                    <a16:rowId xmlns:a16="http://schemas.microsoft.com/office/drawing/2014/main" val="3871459704"/>
-                  </a:ext>
-                </a:extLst>
-              </a:tr>
-              <a:tr h="394854">
-                <a:tc>
-                  <a:txBody>
-                    <a:bodyPr/>
-                    <a:lstStyle/>
-                    <a:p>
-                      <a:r>
-                        <a:rPr lang="en-US" sz="2000"/>
-                        <a:t>hap_entertainment</a:t>
-                      </a:r>
-                    </a:p>
-                  </a:txBody>
-                  <a:tcPr marL="66241" marR="66241" marT="33121" marB="33121" anchor="ctr"/>
-                </a:tc>
-                <a:tc>
-                  <a:txBody>
-                    <a:bodyPr/>
-                    <a:lstStyle/>
-                    <a:p>
-                      <a:r>
-                        <a:rPr lang="en-US" sz="2000" dirty="0" err="1"/>
-                        <a:t>income_employment</a:t>
-                      </a:r>
-                      <a:endParaRPr lang="en-US" sz="2000" dirty="0"/>
-                    </a:p>
-                  </a:txBody>
-                  <a:tcPr marL="66241" marR="66241" marT="33121" marB="33121" anchor="ctr"/>
-                </a:tc>
-                <a:tc>
-                  <a:txBody>
-                    <a:bodyPr/>
-                    <a:lstStyle/>
-                    <a:p>
-                      <a:r>
-                        <a:rPr lang="en-US" sz="2000"/>
-                        <a:t>0.572916</a:t>
-                      </a:r>
-                    </a:p>
-                  </a:txBody>
-                  <a:tcPr marL="66241" marR="66241" marT="33121" marB="33121" anchor="ctr"/>
-                </a:tc>
-                <a:tc>
-                  <a:txBody>
-                    <a:bodyPr/>
-                    <a:lstStyle/>
-                    <a:p>
-                      <a:r>
-                        <a:rPr lang="en-US" sz="2000"/>
-                        <a:t>1.120893e-09</a:t>
-                      </a:r>
-                    </a:p>
-                  </a:txBody>
-                  <a:tcPr marL="66241" marR="66241" marT="33121" marB="33121" anchor="ctr"/>
-                </a:tc>
-                <a:extLst>
-                  <a:ext uri="{0D108BD9-81ED-4DB2-BD59-A6C34878D82A}">
-                    <a16:rowId xmlns:a16="http://schemas.microsoft.com/office/drawing/2014/main" val="1698056419"/>
-                  </a:ext>
-                </a:extLst>
-              </a:tr>
-              <a:tr h="394854">
-                <a:tc>
-                  <a:txBody>
-                    <a:bodyPr/>
-                    <a:lstStyle/>
-                    <a:p>
-                      <a:r>
-                        <a:rPr lang="en-US" sz="2000"/>
-                        <a:t>health_rank</a:t>
-                      </a:r>
-                    </a:p>
-                  </a:txBody>
-                  <a:tcPr marL="66241" marR="66241" marT="33121" marB="33121" anchor="ctr"/>
-                </a:tc>
-                <a:tc>
-                  <a:txBody>
-                    <a:bodyPr/>
-                    <a:lstStyle/>
-                    <a:p>
-                      <a:r>
-                        <a:rPr lang="en-US" sz="2000" dirty="0" err="1"/>
-                        <a:t>income_employment</a:t>
-                      </a:r>
-                      <a:endParaRPr lang="en-US" sz="2000" dirty="0"/>
-                    </a:p>
-                  </a:txBody>
-                  <a:tcPr marL="66241" marR="66241" marT="33121" marB="33121" anchor="ctr"/>
-                </a:tc>
-                <a:tc>
-                  <a:txBody>
-                    <a:bodyPr/>
-                    <a:lstStyle/>
-                    <a:p>
-                      <a:r>
-                        <a:rPr lang="en-US" sz="2000"/>
-                        <a:t>0.571850</a:t>
-                      </a:r>
-                    </a:p>
-                  </a:txBody>
-                  <a:tcPr marL="66241" marR="66241" marT="33121" marB="33121" anchor="ctr"/>
-                </a:tc>
-                <a:tc>
-                  <a:txBody>
-                    <a:bodyPr/>
-                    <a:lstStyle/>
-                    <a:p>
-                      <a:r>
-                        <a:rPr lang="en-US" sz="2000"/>
-                        <a:t>5.228215e-10</a:t>
-                      </a:r>
-                    </a:p>
-                  </a:txBody>
-                  <a:tcPr marL="66241" marR="66241" marT="33121" marB="33121" anchor="ctr"/>
-                </a:tc>
-                <a:extLst>
-                  <a:ext uri="{0D108BD9-81ED-4DB2-BD59-A6C34878D82A}">
-                    <a16:rowId xmlns:a16="http://schemas.microsoft.com/office/drawing/2014/main" val="2527781437"/>
-                  </a:ext>
-                </a:extLst>
-              </a:tr>
-              <a:tr h="394854">
-                <a:tc>
-                  <a:txBody>
-                    <a:bodyPr/>
-                    <a:lstStyle/>
-                    <a:p>
-                      <a:r>
-                        <a:rPr lang="en-US" sz="2000"/>
-                        <a:t>community_environment</a:t>
-                      </a:r>
-                    </a:p>
-                  </a:txBody>
-                  <a:tcPr marL="66241" marR="66241" marT="33121" marB="33121" anchor="ctr"/>
-                </a:tc>
-                <a:tc>
-                  <a:txBody>
-                    <a:bodyPr/>
-                    <a:lstStyle/>
-                    <a:p>
-                      <a:r>
-                        <a:rPr lang="en-US" sz="2000" dirty="0" err="1"/>
-                        <a:t>health_rank</a:t>
-                      </a:r>
-                      <a:endParaRPr lang="en-US" sz="2000" dirty="0"/>
-                    </a:p>
-                  </a:txBody>
-                  <a:tcPr marL="66241" marR="66241" marT="33121" marB="33121" anchor="ctr"/>
-                </a:tc>
-                <a:tc>
-                  <a:txBody>
-                    <a:bodyPr/>
-                    <a:lstStyle/>
-                    <a:p>
-                      <a:r>
-                        <a:rPr lang="en-US" sz="2000"/>
-                        <a:t>0.507184</a:t>
-                      </a:r>
-                    </a:p>
-                  </a:txBody>
-                  <a:tcPr marL="66241" marR="66241" marT="33121" marB="33121" anchor="ctr"/>
-                </a:tc>
-                <a:tc>
-                  <a:txBody>
-                    <a:bodyPr/>
-                    <a:lstStyle/>
-                    <a:p>
-                      <a:r>
-                        <a:rPr lang="en-US" sz="2000" dirty="0"/>
-                        <a:t>1.913020e-07</a:t>
-                      </a:r>
-                    </a:p>
-                  </a:txBody>
-                  <a:tcPr marL="66241" marR="66241" marT="33121" marB="33121" anchor="ctr"/>
-                </a:tc>
-                <a:extLst>
-                  <a:ext uri="{0D108BD9-81ED-4DB2-BD59-A6C34878D82A}">
-                    <a16:rowId xmlns:a16="http://schemas.microsoft.com/office/drawing/2014/main" val="1506633848"/>
-                  </a:ext>
-                </a:extLst>
-              </a:tr>
-              <a:tr h="394854">
-                <a:tc>
-                  <a:txBody>
-                    <a:bodyPr/>
-                    <a:lstStyle/>
-                    <a:p>
-                      <a:r>
-                        <a:rPr lang="en-US" sz="2000"/>
-                        <a:t>community_environment</a:t>
-                      </a:r>
-                    </a:p>
-                  </a:txBody>
-                  <a:tcPr marL="66241" marR="66241" marT="33121" marB="33121" anchor="ctr"/>
-                </a:tc>
-                <a:tc>
-                  <a:txBody>
-                    <a:bodyPr/>
-                    <a:lstStyle/>
-                    <a:p>
-                      <a:r>
-                        <a:rPr lang="en-US" sz="2000" dirty="0" err="1"/>
-                        <a:t>hap_entertainment</a:t>
-                      </a:r>
-                      <a:endParaRPr lang="en-US" sz="2000" dirty="0"/>
-                    </a:p>
-                  </a:txBody>
-                  <a:tcPr marL="66241" marR="66241" marT="33121" marB="33121" anchor="ctr"/>
-                </a:tc>
-                <a:tc>
-                  <a:txBody>
-                    <a:bodyPr/>
-                    <a:lstStyle/>
-                    <a:p>
-                      <a:r>
-                        <a:rPr lang="en-US" sz="2000"/>
-                        <a:t>0.394299</a:t>
-                      </a:r>
-                    </a:p>
-                  </a:txBody>
-                  <a:tcPr marL="66241" marR="66241" marT="33121" marB="33121" anchor="ctr"/>
-                </a:tc>
-                <a:tc>
-                  <a:txBody>
-                    <a:bodyPr/>
-                    <a:lstStyle/>
-                    <a:p>
-                      <a:r>
-                        <a:rPr lang="en-US" sz="2000"/>
-                        <a:t>6.045790e-05</a:t>
-                      </a:r>
-                    </a:p>
-                  </a:txBody>
-                  <a:tcPr marL="66241" marR="66241" marT="33121" marB="33121" anchor="ctr"/>
-                </a:tc>
-                <a:extLst>
-                  <a:ext uri="{0D108BD9-81ED-4DB2-BD59-A6C34878D82A}">
-                    <a16:rowId xmlns:a16="http://schemas.microsoft.com/office/drawing/2014/main" val="1689925678"/>
-                  </a:ext>
-                </a:extLst>
-              </a:tr>
-              <a:tr h="426941">
-                <a:tc>
-                  <a:txBody>
-                    <a:bodyPr/>
-                    <a:lstStyle/>
-                    <a:p>
-                      <a:r>
-                        <a:rPr lang="en-US" sz="2000" dirty="0"/>
-                        <a:t>costs</a:t>
-                      </a:r>
-                    </a:p>
-                  </a:txBody>
-                  <a:tcPr anchor="ctr"/>
-                </a:tc>
-                <a:tc>
-                  <a:txBody>
-                    <a:bodyPr/>
-                    <a:lstStyle/>
-                    <a:p>
-                      <a:r>
-                        <a:rPr lang="en-US" sz="2000"/>
-                        <a:t>hap_entertainment</a:t>
-                      </a:r>
-                    </a:p>
-                  </a:txBody>
-                  <a:tcPr anchor="ctr"/>
-                </a:tc>
-                <a:tc>
-                  <a:txBody>
-                    <a:bodyPr/>
-                    <a:lstStyle/>
-                    <a:p>
-                      <a:r>
-                        <a:rPr lang="en-US" sz="2000" dirty="0"/>
-                        <a:t>-0.392757</a:t>
-                      </a:r>
-                    </a:p>
-                  </a:txBody>
-                  <a:tcPr anchor="ctr"/>
-                </a:tc>
-                <a:tc>
-                  <a:txBody>
-                    <a:bodyPr/>
-                    <a:lstStyle/>
-                    <a:p>
-                      <a:r>
-                        <a:rPr lang="en-US" sz="2000" dirty="0"/>
-                        <a:t>6.066075e-05</a:t>
-                      </a:r>
-                    </a:p>
-                  </a:txBody>
-                  <a:tcPr anchor="ctr"/>
-                </a:tc>
-                <a:extLst>
-                  <a:ext uri="{0D108BD9-81ED-4DB2-BD59-A6C34878D82A}">
-                    <a16:rowId xmlns:a16="http://schemas.microsoft.com/office/drawing/2014/main" val="1890675545"/>
-                  </a:ext>
-                </a:extLst>
-              </a:tr>
-              <a:tr h="426941">
-                <a:tc>
-                  <a:txBody>
-                    <a:bodyPr/>
-                    <a:lstStyle/>
-                    <a:p>
-                      <a:r>
-                        <a:rPr lang="en-US" sz="2000" dirty="0" err="1"/>
-                        <a:t>hap_entertainment</a:t>
-                      </a:r>
-                      <a:endParaRPr lang="en-US" sz="2000" dirty="0"/>
-                    </a:p>
-                  </a:txBody>
-                  <a:tcPr anchor="ctr"/>
-                </a:tc>
-                <a:tc>
-                  <a:txBody>
-                    <a:bodyPr/>
-                    <a:lstStyle/>
-                    <a:p>
-                      <a:r>
-                        <a:rPr lang="en-US" sz="2000" dirty="0" err="1"/>
-                        <a:t>greenspace_rank</a:t>
-                      </a:r>
-                      <a:endParaRPr lang="en-US" sz="2000" dirty="0"/>
-                    </a:p>
-                  </a:txBody>
-                  <a:tcPr anchor="ctr"/>
-                </a:tc>
-                <a:tc>
-                  <a:txBody>
-                    <a:bodyPr/>
-                    <a:lstStyle/>
-                    <a:p>
-                      <a:r>
-                        <a:rPr lang="en-US" sz="2000" dirty="0"/>
-                        <a:t>0.376317</a:t>
-                      </a:r>
-                    </a:p>
-                  </a:txBody>
-                  <a:tcPr anchor="ctr"/>
-                </a:tc>
-                <a:tc>
-                  <a:txBody>
-                    <a:bodyPr/>
-                    <a:lstStyle/>
-                    <a:p>
-                      <a:r>
-                        <a:rPr lang="en-US" sz="2000" dirty="0"/>
-                        <a:t>1.220398e-04</a:t>
-                      </a:r>
-                    </a:p>
-                  </a:txBody>
-                  <a:tcPr anchor="ctr"/>
-                </a:tc>
-                <a:extLst>
-                  <a:ext uri="{0D108BD9-81ED-4DB2-BD59-A6C34878D82A}">
-                    <a16:rowId xmlns:a16="http://schemas.microsoft.com/office/drawing/2014/main" val="2339438398"/>
-                  </a:ext>
-                </a:extLst>
-              </a:tr>
-              <a:tr h="426941">
-                <a:tc>
-                  <a:txBody>
-                    <a:bodyPr/>
-                    <a:lstStyle/>
-                    <a:p>
-                      <a:r>
-                        <a:rPr lang="en-US" sz="2000"/>
-                        <a:t>community_environment</a:t>
-                      </a:r>
-                    </a:p>
-                  </a:txBody>
-                  <a:tcPr anchor="ctr"/>
-                </a:tc>
-                <a:tc>
-                  <a:txBody>
-                    <a:bodyPr/>
-                    <a:lstStyle/>
-                    <a:p>
-                      <a:r>
-                        <a:rPr lang="en-US" sz="2000"/>
-                        <a:t>income_employment</a:t>
-                      </a:r>
-                    </a:p>
-                  </a:txBody>
-                  <a:tcPr anchor="ctr"/>
-                </a:tc>
-                <a:tc>
-                  <a:txBody>
-                    <a:bodyPr/>
-                    <a:lstStyle/>
-                    <a:p>
-                      <a:r>
-                        <a:rPr lang="en-US" sz="2000"/>
-                        <a:t>0.364828</a:t>
-                      </a:r>
-                    </a:p>
-                  </a:txBody>
-                  <a:tcPr anchor="ctr"/>
-                </a:tc>
-                <a:tc>
-                  <a:txBody>
-                    <a:bodyPr/>
-                    <a:lstStyle/>
-                    <a:p>
-                      <a:r>
-                        <a:rPr lang="en-US" sz="2000" dirty="0"/>
-                        <a:t>2.983343e-04</a:t>
-                      </a:r>
-                    </a:p>
-                  </a:txBody>
-                  <a:tcPr anchor="ctr"/>
-                </a:tc>
-                <a:extLst>
-                  <a:ext uri="{0D108BD9-81ED-4DB2-BD59-A6C34878D82A}">
-                    <a16:rowId xmlns:a16="http://schemas.microsoft.com/office/drawing/2014/main" val="877938336"/>
-                  </a:ext>
-                </a:extLst>
-              </a:tr>
-              <a:tr h="426941">
-                <a:tc>
-                  <a:txBody>
-                    <a:bodyPr/>
-                    <a:lstStyle/>
-                    <a:p>
-                      <a:r>
-                        <a:rPr lang="en-US" sz="2000" dirty="0" err="1"/>
-                        <a:t>greenspace_rank</a:t>
-                      </a:r>
-                      <a:endParaRPr lang="en-US" sz="2000" dirty="0"/>
-                    </a:p>
-                  </a:txBody>
-                  <a:tcPr anchor="ctr"/>
-                </a:tc>
-                <a:tc>
-                  <a:txBody>
-                    <a:bodyPr/>
-                    <a:lstStyle/>
-                    <a:p>
-                      <a:r>
-                        <a:rPr lang="en-US" sz="2000"/>
-                        <a:t>income_employment</a:t>
-                      </a:r>
-                    </a:p>
-                  </a:txBody>
-                  <a:tcPr anchor="ctr"/>
-                </a:tc>
-                <a:tc>
-                  <a:txBody>
-                    <a:bodyPr/>
-                    <a:lstStyle/>
-                    <a:p>
-                      <a:r>
-                        <a:rPr lang="en-US" sz="2000"/>
-                        <a:t>0.338554</a:t>
-                      </a:r>
-                    </a:p>
-                  </a:txBody>
-                  <a:tcPr anchor="ctr"/>
-                </a:tc>
-                <a:tc>
-                  <a:txBody>
-                    <a:bodyPr/>
-                    <a:lstStyle/>
-                    <a:p>
-                      <a:r>
-                        <a:rPr lang="en-US" sz="2000" dirty="0"/>
-                        <a:t>6.899035e-04</a:t>
-                      </a:r>
-                    </a:p>
-                  </a:txBody>
-                  <a:tcPr anchor="ctr"/>
-                </a:tc>
-                <a:extLst>
-                  <a:ext uri="{0D108BD9-81ED-4DB2-BD59-A6C34878D82A}">
-                    <a16:rowId xmlns:a16="http://schemas.microsoft.com/office/drawing/2014/main" val="4257945233"/>
-                  </a:ext>
-                </a:extLst>
-              </a:tr>
-              <a:tr h="426941">
-                <a:tc>
-                  <a:txBody>
-                    <a:bodyPr/>
-                    <a:lstStyle/>
-                    <a:p>
-                      <a:r>
-                        <a:rPr lang="en-US" sz="2000"/>
-                        <a:t>costs</a:t>
-                      </a:r>
-                    </a:p>
-                  </a:txBody>
-                  <a:tcPr anchor="ctr"/>
-                </a:tc>
-                <a:tc>
-                  <a:txBody>
-                    <a:bodyPr/>
-                    <a:lstStyle/>
-                    <a:p>
-                      <a:r>
-                        <a:rPr lang="en-US" sz="2000"/>
-                        <a:t>greenspace_rank</a:t>
-                      </a:r>
-                    </a:p>
-                  </a:txBody>
-                  <a:tcPr anchor="ctr"/>
-                </a:tc>
-                <a:tc>
-                  <a:txBody>
-                    <a:bodyPr/>
-                    <a:lstStyle/>
-                    <a:p>
-                      <a:r>
-                        <a:rPr lang="en-US" sz="2000"/>
-                        <a:t>-0.251905</a:t>
-                      </a:r>
-                    </a:p>
-                  </a:txBody>
-                  <a:tcPr anchor="ctr"/>
-                </a:tc>
-                <a:tc>
-                  <a:txBody>
-                    <a:bodyPr/>
-                    <a:lstStyle/>
-                    <a:p>
-                      <a:r>
-                        <a:rPr lang="en-US" sz="2000" dirty="0"/>
-                        <a:t>1.245095e-02</a:t>
-                      </a:r>
-                    </a:p>
-                  </a:txBody>
-                  <a:tcPr anchor="ctr"/>
-                </a:tc>
-                <a:extLst>
-                  <a:ext uri="{0D108BD9-81ED-4DB2-BD59-A6C34878D82A}">
-                    <a16:rowId xmlns:a16="http://schemas.microsoft.com/office/drawing/2014/main" val="2759249056"/>
-                  </a:ext>
-                </a:extLst>
-              </a:tr>
-              <a:tr h="426941">
-                <a:tc>
-                  <a:txBody>
-                    <a:bodyPr/>
-                    <a:lstStyle/>
-                    <a:p>
-                      <a:r>
-                        <a:rPr lang="en-US" sz="2000" dirty="0" err="1"/>
-                        <a:t>community_environment</a:t>
-                      </a:r>
-                      <a:endParaRPr lang="en-US" sz="2000" dirty="0"/>
-                    </a:p>
-                  </a:txBody>
-                  <a:tcPr anchor="ctr"/>
-                </a:tc>
-                <a:tc>
-                  <a:txBody>
-                    <a:bodyPr/>
-                    <a:lstStyle/>
-                    <a:p>
-                      <a:r>
-                        <a:rPr lang="en-US" sz="2000" dirty="0"/>
-                        <a:t>weather</a:t>
-                      </a:r>
-                    </a:p>
-                  </a:txBody>
-                  <a:tcPr anchor="ctr"/>
-                </a:tc>
-                <a:tc>
-                  <a:txBody>
-                    <a:bodyPr/>
-                    <a:lstStyle/>
-                    <a:p>
-                      <a:r>
-                        <a:rPr lang="en-US" sz="2000"/>
-                        <a:t>0.215444</a:t>
-                      </a:r>
-                    </a:p>
-                  </a:txBody>
-                  <a:tcPr anchor="ctr"/>
-                </a:tc>
-                <a:tc>
-                  <a:txBody>
-                    <a:bodyPr/>
-                    <a:lstStyle/>
-                    <a:p>
-                      <a:r>
-                        <a:rPr lang="en-US" sz="2000" dirty="0"/>
-                        <a:t>3.203444e-02</a:t>
-                      </a:r>
-                    </a:p>
-                  </a:txBody>
-                  <a:tcPr anchor="ctr"/>
-                </a:tc>
-                <a:extLst>
-                  <a:ext uri="{0D108BD9-81ED-4DB2-BD59-A6C34878D82A}">
-                    <a16:rowId xmlns:a16="http://schemas.microsoft.com/office/drawing/2014/main" val="1832740008"/>
-                  </a:ext>
-                </a:extLst>
-              </a:tr>
-            </a:tbl>
-          </a:graphicData>
-        </a:graphic>
-      </p:graphicFrame>
-      <p:sp>
-        <p:nvSpPr>
-          <p:cNvPr id="16" name="Title 15">
-            <a:extLst>
-              <a:ext uri="{FF2B5EF4-FFF2-40B4-BE49-F238E27FC236}">
-                <a16:creationId xmlns:a16="http://schemas.microsoft.com/office/drawing/2014/main" id="{30BAC76E-79FF-4FED-8D91-46A67BE11374}"/>
-              </a:ext>
-            </a:extLst>
-          </p:cNvPr>
-          <p:cNvSpPr>
-            <a:spLocks noGrp="1"/>
-          </p:cNvSpPr>
-          <p:nvPr>
-            <p:ph type="title"/>
-          </p:nvPr>
-        </p:nvSpPr>
-        <p:spPr>
-          <a:xfrm>
-            <a:off x="2090056" y="-13252"/>
-            <a:ext cx="9234714" cy="1325563"/>
+            <a:off x="410817" y="1576280"/>
+            <a:ext cx="10942983" cy="4351338"/>
           </a:xfrm>
         </p:spPr>
         <p:txBody>
-          <a:bodyPr/>
-          <a:lstStyle/>
-          <a:p>
-            <a:r>
-              <a:rPr lang="en-US" b="1" dirty="0"/>
-              <a:t>Linear Regression – Top 12</a:t>
-            </a:r>
-          </a:p>
-        </p:txBody>
-      </p:sp>
-    </p:spTree>
-    <p:extLst>
-      <p:ext uri="{BB962C8B-B14F-4D97-AF65-F5344CB8AC3E}">
-        <p14:creationId xmlns:p14="http://schemas.microsoft.com/office/powerpoint/2010/main" val="176846830"/>
-      </p:ext>
-    </p:extLst>
-  </p:cSld>
-  <p:clrMapOvr>
-    <a:masterClrMapping/>
-  </p:clrMapOvr>
-</p:sld>
-</file>
-
-<file path=ppt/slides/slide9.xml><?xml version="1.0" encoding="utf-8"?>
-<p:sld xmlns:a="http://schemas.openxmlformats.org/drawingml/2006/main" xmlns:r="http://schemas.openxmlformats.org/officeDocument/2006/relationships" xmlns:p="http://schemas.openxmlformats.org/presentationml/2006/main">
-  <p:cSld>
-    <p:spTree>
-      <p:nvGrpSpPr>
-        <p:cNvPr id="1" name=""/>
-        <p:cNvGrpSpPr/>
-        <p:nvPr/>
-      </p:nvGrpSpPr>
-      <p:grpSpPr>
-        <a:xfrm>
-          <a:off x="0" y="0"/>
-          <a:ext cx="0" cy="0"/>
-          <a:chOff x="0" y="0"/>
-          <a:chExt cx="0" cy="0"/>
-        </a:xfrm>
-      </p:grpSpPr>
-      <p:sp>
-        <p:nvSpPr>
-          <p:cNvPr id="2" name="Title 1">
-            <a:extLst>
-              <a:ext uri="{FF2B5EF4-FFF2-40B4-BE49-F238E27FC236}">
-                <a16:creationId xmlns:a16="http://schemas.microsoft.com/office/drawing/2014/main" id="{6A330886-AC2D-492F-8FDC-19969F48FBF0}"/>
-              </a:ext>
-            </a:extLst>
-          </p:cNvPr>
-          <p:cNvSpPr>
-            <a:spLocks noGrp="1"/>
-          </p:cNvSpPr>
-          <p:nvPr>
-            <p:ph type="title"/>
-          </p:nvPr>
-        </p:nvSpPr>
-        <p:spPr/>
-        <p:txBody>
-          <a:bodyPr/>
-          <a:lstStyle/>
-          <a:p>
-            <a:r>
-              <a:rPr lang="en-US" b="1" dirty="0"/>
-              <a:t>Summary</a:t>
-            </a:r>
-          </a:p>
-        </p:txBody>
-      </p:sp>
-      <p:sp>
-        <p:nvSpPr>
-          <p:cNvPr id="3" name="Content Placeholder 2">
-            <a:extLst>
-              <a:ext uri="{FF2B5EF4-FFF2-40B4-BE49-F238E27FC236}">
-                <a16:creationId xmlns:a16="http://schemas.microsoft.com/office/drawing/2014/main" id="{0DFFD546-CF9A-49AC-B18E-A77BB9BB6D93}"/>
-              </a:ext>
-            </a:extLst>
-          </p:cNvPr>
-          <p:cNvSpPr>
-            <a:spLocks noGrp="1"/>
-          </p:cNvSpPr>
-          <p:nvPr>
-            <p:ph idx="1"/>
-          </p:nvPr>
-        </p:nvSpPr>
-        <p:spPr>
-          <a:xfrm>
-            <a:off x="838200" y="1867828"/>
-            <a:ext cx="10515600" cy="4351338"/>
-          </a:xfrm>
-        </p:spPr>
-        <p:txBody>
-          <a:bodyPr/>
+          <a:bodyPr>
+            <a:normAutofit lnSpcReduction="10000"/>
+          </a:bodyPr>
           <a:lstStyle/>
           <a:p>
             <a:r>
@@ -6222,22 +5195,31 @@
             </a:r>
           </a:p>
           <a:p>
+            <a:endParaRPr lang="en-US" dirty="0"/>
+          </a:p>
+          <a:p>
             <a:r>
               <a:rPr lang="en-US" dirty="0"/>
-              <a:t>Happiness, Health, Income and Environment / Greenspaces Linearly Correlate</a:t>
-            </a:r>
-          </a:p>
-          <a:p>
+              <a:t>Happiness, Health, Income and Environment / Greenspaces show the strongest linear cross-correlation</a:t>
+            </a:r>
+          </a:p>
+          <a:p>
+            <a:pPr lvl="1"/>
             <a:r>
               <a:rPr lang="en-US" dirty="0"/>
-              <a:t>Weather did not strongly correlate to any parameter</a:t>
-            </a:r>
-          </a:p>
-          <a:p>
+              <a:t>Weather did not strongly correlate to any other measure</a:t>
+            </a:r>
+          </a:p>
+          <a:p>
+            <a:pPr lvl="1"/>
             <a:r>
               <a:rPr lang="en-US" dirty="0"/>
               <a:t>Costs only lightly correlated </a:t>
             </a:r>
+          </a:p>
+          <a:p>
+            <a:pPr lvl="1"/>
+            <a:endParaRPr lang="en-US" dirty="0"/>
           </a:p>
           <a:p>
             <a:r>

--- a/Presentation.pptx
+++ b/Presentation.pptx
@@ -468,7 +468,7 @@
           <a:p>
             <a:fld id="{04DEBD7C-2D96-488E-8FDB-946778781366}" type="datetimeFigureOut">
               <a:rPr lang="en-US" smtClean="0"/>
-              <a:t>11/26/2019</a:t>
+              <a:t>12/2/2019</a:t>
             </a:fld>
             <a:endParaRPr lang="en-US"/>
           </a:p>
@@ -666,7 +666,7 @@
           <a:p>
             <a:fld id="{04DEBD7C-2D96-488E-8FDB-946778781366}" type="datetimeFigureOut">
               <a:rPr lang="en-US" smtClean="0"/>
-              <a:t>11/26/2019</a:t>
+              <a:t>12/2/2019</a:t>
             </a:fld>
             <a:endParaRPr lang="en-US"/>
           </a:p>
@@ -874,7 +874,7 @@
           <a:p>
             <a:fld id="{04DEBD7C-2D96-488E-8FDB-946778781366}" type="datetimeFigureOut">
               <a:rPr lang="en-US" smtClean="0"/>
-              <a:t>11/26/2019</a:t>
+              <a:t>12/2/2019</a:t>
             </a:fld>
             <a:endParaRPr lang="en-US"/>
           </a:p>
@@ -1072,7 +1072,7 @@
           <a:p>
             <a:fld id="{04DEBD7C-2D96-488E-8FDB-946778781366}" type="datetimeFigureOut">
               <a:rPr lang="en-US" smtClean="0"/>
-              <a:t>11/26/2019</a:t>
+              <a:t>12/2/2019</a:t>
             </a:fld>
             <a:endParaRPr lang="en-US"/>
           </a:p>
@@ -1347,7 +1347,7 @@
           <a:p>
             <a:fld id="{04DEBD7C-2D96-488E-8FDB-946778781366}" type="datetimeFigureOut">
               <a:rPr lang="en-US" smtClean="0"/>
-              <a:t>11/26/2019</a:t>
+              <a:t>12/2/2019</a:t>
             </a:fld>
             <a:endParaRPr lang="en-US"/>
           </a:p>
@@ -1612,7 +1612,7 @@
           <a:p>
             <a:fld id="{04DEBD7C-2D96-488E-8FDB-946778781366}" type="datetimeFigureOut">
               <a:rPr lang="en-US" smtClean="0"/>
-              <a:t>11/26/2019</a:t>
+              <a:t>12/2/2019</a:t>
             </a:fld>
             <a:endParaRPr lang="en-US"/>
           </a:p>
@@ -2024,7 +2024,7 @@
           <a:p>
             <a:fld id="{04DEBD7C-2D96-488E-8FDB-946778781366}" type="datetimeFigureOut">
               <a:rPr lang="en-US" smtClean="0"/>
-              <a:t>11/26/2019</a:t>
+              <a:t>12/2/2019</a:t>
             </a:fld>
             <a:endParaRPr lang="en-US"/>
           </a:p>
@@ -2165,7 +2165,7 @@
           <a:p>
             <a:fld id="{04DEBD7C-2D96-488E-8FDB-946778781366}" type="datetimeFigureOut">
               <a:rPr lang="en-US" smtClean="0"/>
-              <a:t>11/26/2019</a:t>
+              <a:t>12/2/2019</a:t>
             </a:fld>
             <a:endParaRPr lang="en-US"/>
           </a:p>
@@ -2278,7 +2278,7 @@
           <a:p>
             <a:fld id="{04DEBD7C-2D96-488E-8FDB-946778781366}" type="datetimeFigureOut">
               <a:rPr lang="en-US" smtClean="0"/>
-              <a:t>11/26/2019</a:t>
+              <a:t>12/2/2019</a:t>
             </a:fld>
             <a:endParaRPr lang="en-US"/>
           </a:p>
@@ -2589,7 +2589,7 @@
           <a:p>
             <a:fld id="{04DEBD7C-2D96-488E-8FDB-946778781366}" type="datetimeFigureOut">
               <a:rPr lang="en-US" smtClean="0"/>
-              <a:t>11/26/2019</a:t>
+              <a:t>12/2/2019</a:t>
             </a:fld>
             <a:endParaRPr lang="en-US"/>
           </a:p>
@@ -2877,7 +2877,7 @@
           <a:p>
             <a:fld id="{04DEBD7C-2D96-488E-8FDB-946778781366}" type="datetimeFigureOut">
               <a:rPr lang="en-US" smtClean="0"/>
-              <a:t>11/26/2019</a:t>
+              <a:t>12/2/2019</a:t>
             </a:fld>
             <a:endParaRPr lang="en-US"/>
           </a:p>
@@ -3118,7 +3118,7 @@
           <a:p>
             <a:fld id="{04DEBD7C-2D96-488E-8FDB-946778781366}" type="datetimeFigureOut">
               <a:rPr lang="en-US" smtClean="0"/>
-              <a:t>11/26/2019</a:t>
+              <a:t>12/2/2019</a:t>
             </a:fld>
             <a:endParaRPr lang="en-US"/>
           </a:p>
@@ -3595,15 +3595,15 @@
           <a:p>
             <a:r>
               <a:rPr lang="en-US" dirty="0"/>
-              <a:t>Tyler Adams | Edgardo </a:t>
-            </a:r>
-            <a:r>
-              <a:rPr lang="en-US" dirty="0" err="1"/>
-              <a:t>Bugcay</a:t>
+              <a:t>Tyler Adams | </a:t>
+            </a:r>
+            <a:r>
+              <a:rPr lang="en-US"/>
+              <a:t>Edgardo Bungay </a:t>
             </a:r>
             <a:r>
               <a:rPr lang="en-US" dirty="0"/>
-              <a:t> | Jamie </a:t>
+              <a:t>| Jamie </a:t>
             </a:r>
             <a:r>
               <a:rPr lang="en-US" dirty="0" err="1"/>

--- a/Presentation.pptx
+++ b/Presentation.pptx
@@ -6,13 +6,14 @@
   </p:sldMasterIdLst>
   <p:sldIdLst>
     <p:sldId id="256" r:id="rId2"/>
-    <p:sldId id="257" r:id="rId3"/>
-    <p:sldId id="258" r:id="rId4"/>
-    <p:sldId id="259" r:id="rId5"/>
-    <p:sldId id="263" r:id="rId6"/>
-    <p:sldId id="260" r:id="rId7"/>
-    <p:sldId id="264" r:id="rId8"/>
-    <p:sldId id="261" r:id="rId9"/>
+    <p:sldId id="258" r:id="rId3"/>
+    <p:sldId id="259" r:id="rId4"/>
+    <p:sldId id="263" r:id="rId5"/>
+    <p:sldId id="260" r:id="rId6"/>
+    <p:sldId id="265" r:id="rId7"/>
+    <p:sldId id="266" r:id="rId8"/>
+    <p:sldId id="264" r:id="rId9"/>
+    <p:sldId id="261" r:id="rId10"/>
   </p:sldIdLst>
   <p:sldSz cx="12192000" cy="6858000"/>
   <p:notesSz cx="6858000" cy="9144000"/>
@@ -122,13 +123,506 @@
 <file path=ppt/revisionInfo.xml><?xml version="1.0" encoding="utf-8"?>
 <p1510:revInfo xmlns:a="http://schemas.openxmlformats.org/drawingml/2006/main" xmlns:r="http://schemas.openxmlformats.org/officeDocument/2006/relationships" xmlns:p1510="http://schemas.microsoft.com/office/powerpoint/2015/10/main">
   <p1510:revLst>
-    <p1510:client id="{903FC241-FDA8-4AA6-8FF0-2A4D8A56C5A0}" v="38" dt="2019-11-27T04:27:51.900"/>
+    <p1510:client id="{3E733659-760C-4CD6-9271-F0D6CCAF0F70}" v="315" dt="2019-12-03T23:46:30.934"/>
   </p1510:revLst>
 </p1510:revInfo>
 </file>
 
 <file path=ppt/changesInfos/changesInfo1.xml><?xml version="1.0" encoding="utf-8"?>
 <pc:chgInfo xmlns:a="http://schemas.openxmlformats.org/drawingml/2006/main" xmlns:r="http://schemas.openxmlformats.org/officeDocument/2006/relationships" xmlns:ac="http://schemas.microsoft.com/office/drawing/2013/main/command" xmlns:pc="http://schemas.microsoft.com/office/powerpoint/2013/main/command">
+  <pc:docChgLst>
+    <pc:chgData name="Ron Javor" userId="e840de2940c497cb" providerId="LiveId" clId="{3E733659-760C-4CD6-9271-F0D6CCAF0F70}"/>
+    <pc:docChg chg="undo custSel addSld delSld modSld modMainMaster">
+      <pc:chgData name="Ron Javor" userId="e840de2940c497cb" providerId="LiveId" clId="{3E733659-760C-4CD6-9271-F0D6CCAF0F70}" dt="2019-12-03T23:49:18.542" v="685"/>
+      <pc:docMkLst>
+        <pc:docMk/>
+      </pc:docMkLst>
+      <pc:sldChg chg="modSp">
+        <pc:chgData name="Ron Javor" userId="e840de2940c497cb" providerId="LiveId" clId="{3E733659-760C-4CD6-9271-F0D6CCAF0F70}" dt="2019-12-03T23:29:20.620" v="329" actId="1076"/>
+        <pc:sldMkLst>
+          <pc:docMk/>
+          <pc:sldMk cId="4220736726" sldId="256"/>
+        </pc:sldMkLst>
+        <pc:spChg chg="mod">
+          <ac:chgData name="Ron Javor" userId="e840de2940c497cb" providerId="LiveId" clId="{3E733659-760C-4CD6-9271-F0D6CCAF0F70}" dt="2019-12-03T23:29:20.620" v="329" actId="1076"/>
+          <ac:spMkLst>
+            <pc:docMk/>
+            <pc:sldMk cId="4220736726" sldId="256"/>
+            <ac:spMk id="2" creationId="{F650926D-FD87-44D3-9107-AF46D658B199}"/>
+          </ac:spMkLst>
+        </pc:spChg>
+        <pc:spChg chg="mod">
+          <ac:chgData name="Ron Javor" userId="e840de2940c497cb" providerId="LiveId" clId="{3E733659-760C-4CD6-9271-F0D6CCAF0F70}" dt="2019-12-03T23:29:17.248" v="328" actId="1076"/>
+          <ac:spMkLst>
+            <pc:docMk/>
+            <pc:sldMk cId="4220736726" sldId="256"/>
+            <ac:spMk id="3" creationId="{5ADCC82B-C869-4138-A02B-2981D7B89D08}"/>
+          </ac:spMkLst>
+        </pc:spChg>
+      </pc:sldChg>
+      <pc:sldChg chg="del setBg">
+        <pc:chgData name="Ron Javor" userId="e840de2940c497cb" providerId="LiveId" clId="{3E733659-760C-4CD6-9271-F0D6CCAF0F70}" dt="2019-12-03T23:17:54.219" v="113" actId="2696"/>
+        <pc:sldMkLst>
+          <pc:docMk/>
+          <pc:sldMk cId="432003888" sldId="257"/>
+        </pc:sldMkLst>
+      </pc:sldChg>
+      <pc:sldChg chg="addSp modSp modAnim">
+        <pc:chgData name="Ron Javor" userId="e840de2940c497cb" providerId="LiveId" clId="{3E733659-760C-4CD6-9271-F0D6CCAF0F70}" dt="2019-12-03T23:44:15.128" v="541" actId="14100"/>
+        <pc:sldMkLst>
+          <pc:docMk/>
+          <pc:sldMk cId="162922300" sldId="258"/>
+        </pc:sldMkLst>
+        <pc:spChg chg="mod">
+          <ac:chgData name="Ron Javor" userId="e840de2940c497cb" providerId="LiveId" clId="{3E733659-760C-4CD6-9271-F0D6CCAF0F70}" dt="2019-12-03T23:42:49.306" v="526" actId="1076"/>
+          <ac:spMkLst>
+            <pc:docMk/>
+            <pc:sldMk cId="162922300" sldId="258"/>
+            <ac:spMk id="2" creationId="{6A330886-AC2D-492F-8FDC-19969F48FBF0}"/>
+          </ac:spMkLst>
+        </pc:spChg>
+        <pc:spChg chg="mod">
+          <ac:chgData name="Ron Javor" userId="e840de2940c497cb" providerId="LiveId" clId="{3E733659-760C-4CD6-9271-F0D6CCAF0F70}" dt="2019-12-03T23:30:48.581" v="353"/>
+          <ac:spMkLst>
+            <pc:docMk/>
+            <pc:sldMk cId="162922300" sldId="258"/>
+            <ac:spMk id="3" creationId="{0DFFD546-CF9A-49AC-B18E-A77BB9BB6D93}"/>
+          </ac:spMkLst>
+        </pc:spChg>
+        <pc:spChg chg="add mod">
+          <ac:chgData name="Ron Javor" userId="e840de2940c497cb" providerId="LiveId" clId="{3E733659-760C-4CD6-9271-F0D6CCAF0F70}" dt="2019-12-03T23:31:37.772" v="363" actId="1076"/>
+          <ac:spMkLst>
+            <pc:docMk/>
+            <pc:sldMk cId="162922300" sldId="258"/>
+            <ac:spMk id="4" creationId="{2AE5D2A1-100C-4ACE-966A-26006C022DE1}"/>
+          </ac:spMkLst>
+        </pc:spChg>
+        <pc:spChg chg="add mod">
+          <ac:chgData name="Ron Javor" userId="e840de2940c497cb" providerId="LiveId" clId="{3E733659-760C-4CD6-9271-F0D6CCAF0F70}" dt="2019-12-03T23:31:19.059" v="359" actId="1076"/>
+          <ac:spMkLst>
+            <pc:docMk/>
+            <pc:sldMk cId="162922300" sldId="258"/>
+            <ac:spMk id="5" creationId="{9F5DDF95-C12C-4F97-BC9D-8E020DB07322}"/>
+          </ac:spMkLst>
+        </pc:spChg>
+        <pc:spChg chg="add mod">
+          <ac:chgData name="Ron Javor" userId="e840de2940c497cb" providerId="LiveId" clId="{3E733659-760C-4CD6-9271-F0D6CCAF0F70}" dt="2019-12-03T23:44:15.128" v="541" actId="14100"/>
+          <ac:spMkLst>
+            <pc:docMk/>
+            <pc:sldMk cId="162922300" sldId="258"/>
+            <ac:spMk id="6" creationId="{3CE49587-E5BD-4DA9-AB2E-1216EDF17D89}"/>
+          </ac:spMkLst>
+        </pc:spChg>
+      </pc:sldChg>
+      <pc:sldChg chg="addSp delSp modSp modAnim">
+        <pc:chgData name="Ron Javor" userId="e840de2940c497cb" providerId="LiveId" clId="{3E733659-760C-4CD6-9271-F0D6CCAF0F70}" dt="2019-12-03T23:48:17.390" v="672"/>
+        <pc:sldMkLst>
+          <pc:docMk/>
+          <pc:sldMk cId="848111900" sldId="259"/>
+        </pc:sldMkLst>
+        <pc:spChg chg="mod">
+          <ac:chgData name="Ron Javor" userId="e840de2940c497cb" providerId="LiveId" clId="{3E733659-760C-4CD6-9271-F0D6CCAF0F70}" dt="2019-12-03T23:42:55.044" v="527" actId="114"/>
+          <ac:spMkLst>
+            <pc:docMk/>
+            <pc:sldMk cId="848111900" sldId="259"/>
+            <ac:spMk id="2" creationId="{6A330886-AC2D-492F-8FDC-19969F48FBF0}"/>
+          </ac:spMkLst>
+        </pc:spChg>
+        <pc:spChg chg="del mod">
+          <ac:chgData name="Ron Javor" userId="e840de2940c497cb" providerId="LiveId" clId="{3E733659-760C-4CD6-9271-F0D6CCAF0F70}" dt="2019-12-03T23:27:08.421" v="230" actId="478"/>
+          <ac:spMkLst>
+            <pc:docMk/>
+            <pc:sldMk cId="848111900" sldId="259"/>
+            <ac:spMk id="3" creationId="{0DFFD546-CF9A-49AC-B18E-A77BB9BB6D93}"/>
+          </ac:spMkLst>
+        </pc:spChg>
+        <pc:spChg chg="add mod">
+          <ac:chgData name="Ron Javor" userId="e840de2940c497cb" providerId="LiveId" clId="{3E733659-760C-4CD6-9271-F0D6CCAF0F70}" dt="2019-12-03T23:42:26.313" v="522" actId="14100"/>
+          <ac:spMkLst>
+            <pc:docMk/>
+            <pc:sldMk cId="848111900" sldId="259"/>
+            <ac:spMk id="4" creationId="{A2B0D194-3CEA-49EF-9B14-7ECBEEB41056}"/>
+          </ac:spMkLst>
+        </pc:spChg>
+        <pc:spChg chg="add mod">
+          <ac:chgData name="Ron Javor" userId="e840de2940c497cb" providerId="LiveId" clId="{3E733659-760C-4CD6-9271-F0D6CCAF0F70}" dt="2019-12-03T23:42:21.099" v="520" actId="14100"/>
+          <ac:spMkLst>
+            <pc:docMk/>
+            <pc:sldMk cId="848111900" sldId="259"/>
+            <ac:spMk id="5" creationId="{A6D5369B-6C46-4A7E-B182-AE81ADF931B6}"/>
+          </ac:spMkLst>
+        </pc:spChg>
+        <pc:spChg chg="add mod">
+          <ac:chgData name="Ron Javor" userId="e840de2940c497cb" providerId="LiveId" clId="{3E733659-760C-4CD6-9271-F0D6CCAF0F70}" dt="2019-12-03T23:42:18.587" v="519" actId="14100"/>
+          <ac:spMkLst>
+            <pc:docMk/>
+            <pc:sldMk cId="848111900" sldId="259"/>
+            <ac:spMk id="6" creationId="{89EFDC23-C7BA-4998-AE22-0A5A5EF25BE3}"/>
+          </ac:spMkLst>
+        </pc:spChg>
+        <pc:spChg chg="add mod">
+          <ac:chgData name="Ron Javor" userId="e840de2940c497cb" providerId="LiveId" clId="{3E733659-760C-4CD6-9271-F0D6CCAF0F70}" dt="2019-12-03T23:42:14.230" v="518" actId="14100"/>
+          <ac:spMkLst>
+            <pc:docMk/>
+            <pc:sldMk cId="848111900" sldId="259"/>
+            <ac:spMk id="7" creationId="{22317453-BE8B-43BA-A986-F1B4CDE78426}"/>
+          </ac:spMkLst>
+        </pc:spChg>
+        <pc:spChg chg="add mod">
+          <ac:chgData name="Ron Javor" userId="e840de2940c497cb" providerId="LiveId" clId="{3E733659-760C-4CD6-9271-F0D6CCAF0F70}" dt="2019-12-03T23:42:35.692" v="523" actId="14100"/>
+          <ac:spMkLst>
+            <pc:docMk/>
+            <pc:sldMk cId="848111900" sldId="259"/>
+            <ac:spMk id="8" creationId="{634D13A3-C7A6-4722-9ACC-DDED7903805C}"/>
+          </ac:spMkLst>
+        </pc:spChg>
+        <pc:spChg chg="add mod">
+          <ac:chgData name="Ron Javor" userId="e840de2940c497cb" providerId="LiveId" clId="{3E733659-760C-4CD6-9271-F0D6CCAF0F70}" dt="2019-12-03T23:42:23.422" v="521" actId="14100"/>
+          <ac:spMkLst>
+            <pc:docMk/>
+            <pc:sldMk cId="848111900" sldId="259"/>
+            <ac:spMk id="9" creationId="{077BF89F-1663-415C-ADF7-3971208FACA5}"/>
+          </ac:spMkLst>
+        </pc:spChg>
+        <pc:spChg chg="add del mod">
+          <ac:chgData name="Ron Javor" userId="e840de2940c497cb" providerId="LiveId" clId="{3E733659-760C-4CD6-9271-F0D6CCAF0F70}" dt="2019-12-03T23:27:11.838" v="231" actId="478"/>
+          <ac:spMkLst>
+            <pc:docMk/>
+            <pc:sldMk cId="848111900" sldId="259"/>
+            <ac:spMk id="11" creationId="{707CFCFD-CBCB-4878-B98E-F8507C23BA92}"/>
+          </ac:spMkLst>
+        </pc:spChg>
+        <pc:spChg chg="add mod">
+          <ac:chgData name="Ron Javor" userId="e840de2940c497cb" providerId="LiveId" clId="{3E733659-760C-4CD6-9271-F0D6CCAF0F70}" dt="2019-12-03T23:42:37.814" v="524" actId="14100"/>
+          <ac:spMkLst>
+            <pc:docMk/>
+            <pc:sldMk cId="848111900" sldId="259"/>
+            <ac:spMk id="12" creationId="{12BD6493-21F8-4A02-90AB-846930AD2FC1}"/>
+          </ac:spMkLst>
+        </pc:spChg>
+      </pc:sldChg>
+      <pc:sldChg chg="addSp modSp modAnim">
+        <pc:chgData name="Ron Javor" userId="e840de2940c497cb" providerId="LiveId" clId="{3E733659-760C-4CD6-9271-F0D6CCAF0F70}" dt="2019-12-03T23:48:35.396" v="677" actId="1076"/>
+        <pc:sldMkLst>
+          <pc:docMk/>
+          <pc:sldMk cId="3812949878" sldId="260"/>
+        </pc:sldMkLst>
+        <pc:spChg chg="mod">
+          <ac:chgData name="Ron Javor" userId="e840de2940c497cb" providerId="LiveId" clId="{3E733659-760C-4CD6-9271-F0D6CCAF0F70}" dt="2019-12-03T23:45:50.285" v="608" actId="27636"/>
+          <ac:spMkLst>
+            <pc:docMk/>
+            <pc:sldMk cId="3812949878" sldId="260"/>
+            <ac:spMk id="2" creationId="{6A330886-AC2D-492F-8FDC-19969F48FBF0}"/>
+          </ac:spMkLst>
+        </pc:spChg>
+        <pc:picChg chg="add mod">
+          <ac:chgData name="Ron Javor" userId="e840de2940c497cb" providerId="LiveId" clId="{3E733659-760C-4CD6-9271-F0D6CCAF0F70}" dt="2019-12-03T23:48:35.396" v="677" actId="1076"/>
+          <ac:picMkLst>
+            <pc:docMk/>
+            <pc:sldMk cId="3812949878" sldId="260"/>
+            <ac:picMk id="3" creationId="{E33E3C27-A6F4-4278-97D0-DBFFBC0307E0}"/>
+          </ac:picMkLst>
+        </pc:picChg>
+      </pc:sldChg>
+      <pc:sldChg chg="addSp delSp modSp setBg modAnim">
+        <pc:chgData name="Ron Javor" userId="e840de2940c497cb" providerId="LiveId" clId="{3E733659-760C-4CD6-9271-F0D6CCAF0F70}" dt="2019-12-03T23:49:18.542" v="685"/>
+        <pc:sldMkLst>
+          <pc:docMk/>
+          <pc:sldMk cId="512310489" sldId="261"/>
+        </pc:sldMkLst>
+        <pc:spChg chg="mod">
+          <ac:chgData name="Ron Javor" userId="e840de2940c497cb" providerId="LiveId" clId="{3E733659-760C-4CD6-9271-F0D6CCAF0F70}" dt="2019-12-03T23:43:32.762" v="536" actId="1076"/>
+          <ac:spMkLst>
+            <pc:docMk/>
+            <pc:sldMk cId="512310489" sldId="261"/>
+            <ac:spMk id="2" creationId="{6A330886-AC2D-492F-8FDC-19969F48FBF0}"/>
+          </ac:spMkLst>
+        </pc:spChg>
+        <pc:spChg chg="del mod">
+          <ac:chgData name="Ron Javor" userId="e840de2940c497cb" providerId="LiveId" clId="{3E733659-760C-4CD6-9271-F0D6CCAF0F70}" dt="2019-12-03T23:21:47.237" v="161" actId="478"/>
+          <ac:spMkLst>
+            <pc:docMk/>
+            <pc:sldMk cId="512310489" sldId="261"/>
+            <ac:spMk id="3" creationId="{0DFFD546-CF9A-49AC-B18E-A77BB9BB6D93}"/>
+          </ac:spMkLst>
+        </pc:spChg>
+        <pc:spChg chg="add mod">
+          <ac:chgData name="Ron Javor" userId="e840de2940c497cb" providerId="LiveId" clId="{3E733659-760C-4CD6-9271-F0D6CCAF0F70}" dt="2019-12-03T23:43:38.394" v="538" actId="1076"/>
+          <ac:spMkLst>
+            <pc:docMk/>
+            <pc:sldMk cId="512310489" sldId="261"/>
+            <ac:spMk id="4" creationId="{D3AFDB34-89EC-4683-8CD3-397BA707F870}"/>
+          </ac:spMkLst>
+        </pc:spChg>
+        <pc:spChg chg="add mod">
+          <ac:chgData name="Ron Javor" userId="e840de2940c497cb" providerId="LiveId" clId="{3E733659-760C-4CD6-9271-F0D6CCAF0F70}" dt="2019-12-03T23:43:41.114" v="539" actId="1076"/>
+          <ac:spMkLst>
+            <pc:docMk/>
+            <pc:sldMk cId="512310489" sldId="261"/>
+            <ac:spMk id="5" creationId="{72633B06-3CB4-4B18-9356-349454FA16A6}"/>
+          </ac:spMkLst>
+        </pc:spChg>
+        <pc:spChg chg="add mod">
+          <ac:chgData name="Ron Javor" userId="e840de2940c497cb" providerId="LiveId" clId="{3E733659-760C-4CD6-9271-F0D6CCAF0F70}" dt="2019-12-03T23:43:35.770" v="537" actId="1076"/>
+          <ac:spMkLst>
+            <pc:docMk/>
+            <pc:sldMk cId="512310489" sldId="261"/>
+            <ac:spMk id="6" creationId="{99854727-F163-4AE1-87DB-9356B837CA9A}"/>
+          </ac:spMkLst>
+        </pc:spChg>
+        <pc:spChg chg="add del mod">
+          <ac:chgData name="Ron Javor" userId="e840de2940c497cb" providerId="LiveId" clId="{3E733659-760C-4CD6-9271-F0D6CCAF0F70}" dt="2019-12-03T23:21:49.938" v="162" actId="478"/>
+          <ac:spMkLst>
+            <pc:docMk/>
+            <pc:sldMk cId="512310489" sldId="261"/>
+            <ac:spMk id="8" creationId="{D7563BCC-3719-4610-91FF-5B0DAFC85A38}"/>
+          </ac:spMkLst>
+        </pc:spChg>
+      </pc:sldChg>
+      <pc:sldChg chg="addSp modSp modAnim">
+        <pc:chgData name="Ron Javor" userId="e840de2940c497cb" providerId="LiveId" clId="{3E733659-760C-4CD6-9271-F0D6CCAF0F70}" dt="2019-12-03T23:48:30.427" v="676"/>
+        <pc:sldMkLst>
+          <pc:docMk/>
+          <pc:sldMk cId="1644718739" sldId="263"/>
+        </pc:sldMkLst>
+        <pc:spChg chg="mod">
+          <ac:chgData name="Ron Javor" userId="e840de2940c497cb" providerId="LiveId" clId="{3E733659-760C-4CD6-9271-F0D6CCAF0F70}" dt="2019-12-03T23:45:16.081" v="560" actId="20577"/>
+          <ac:spMkLst>
+            <pc:docMk/>
+            <pc:sldMk cId="1644718739" sldId="263"/>
+            <ac:spMk id="2" creationId="{6A330886-AC2D-492F-8FDC-19969F48FBF0}"/>
+          </ac:spMkLst>
+        </pc:spChg>
+        <pc:picChg chg="add mod">
+          <ac:chgData name="Ron Javor" userId="e840de2940c497cb" providerId="LiveId" clId="{3E733659-760C-4CD6-9271-F0D6CCAF0F70}" dt="2019-12-03T23:46:06.565" v="613" actId="1076"/>
+          <ac:picMkLst>
+            <pc:docMk/>
+            <pc:sldMk cId="1644718739" sldId="263"/>
+            <ac:picMk id="3" creationId="{614DDFA2-FA89-4050-B15A-5B2D64CB1480}"/>
+          </ac:picMkLst>
+        </pc:picChg>
+      </pc:sldChg>
+      <pc:sldChg chg="modSp modAnim">
+        <pc:chgData name="Ron Javor" userId="e840de2940c497cb" providerId="LiveId" clId="{3E733659-760C-4CD6-9271-F0D6CCAF0F70}" dt="2019-12-03T23:47:21.610" v="660"/>
+        <pc:sldMkLst>
+          <pc:docMk/>
+          <pc:sldMk cId="2818518573" sldId="264"/>
+        </pc:sldMkLst>
+        <pc:spChg chg="mod">
+          <ac:chgData name="Ron Javor" userId="e840de2940c497cb" providerId="LiveId" clId="{3E733659-760C-4CD6-9271-F0D6CCAF0F70}" dt="2019-12-03T23:43:24.326" v="534" actId="1076"/>
+          <ac:spMkLst>
+            <pc:docMk/>
+            <pc:sldMk cId="2818518573" sldId="264"/>
+            <ac:spMk id="4" creationId="{CBB924AF-08EA-4336-8BBF-6F06290AE833}"/>
+          </ac:spMkLst>
+        </pc:spChg>
+        <pc:graphicFrameChg chg="modGraphic">
+          <ac:chgData name="Ron Javor" userId="e840de2940c497cb" providerId="LiveId" clId="{3E733659-760C-4CD6-9271-F0D6CCAF0F70}" dt="2019-12-03T23:23:44.046" v="181"/>
+          <ac:graphicFrameMkLst>
+            <pc:docMk/>
+            <pc:sldMk cId="2818518573" sldId="264"/>
+            <ac:graphicFrameMk id="3" creationId="{786D8522-0898-40DB-ACF4-6FBDDDB7D7FE}"/>
+          </ac:graphicFrameMkLst>
+        </pc:graphicFrameChg>
+      </pc:sldChg>
+      <pc:sldChg chg="delSp modSp add">
+        <pc:chgData name="Ron Javor" userId="e840de2940c497cb" providerId="LiveId" clId="{3E733659-760C-4CD6-9271-F0D6CCAF0F70}" dt="2019-12-03T23:46:30.934" v="658" actId="20577"/>
+        <pc:sldMkLst>
+          <pc:docMk/>
+          <pc:sldMk cId="1978296584" sldId="265"/>
+        </pc:sldMkLst>
+        <pc:spChg chg="mod">
+          <ac:chgData name="Ron Javor" userId="e840de2940c497cb" providerId="LiveId" clId="{3E733659-760C-4CD6-9271-F0D6CCAF0F70}" dt="2019-12-03T23:46:30.934" v="658" actId="20577"/>
+          <ac:spMkLst>
+            <pc:docMk/>
+            <pc:sldMk cId="1978296584" sldId="265"/>
+            <ac:spMk id="2" creationId="{6A330886-AC2D-492F-8FDC-19969F48FBF0}"/>
+          </ac:spMkLst>
+        </pc:spChg>
+        <pc:picChg chg="del">
+          <ac:chgData name="Ron Javor" userId="e840de2940c497cb" providerId="LiveId" clId="{3E733659-760C-4CD6-9271-F0D6CCAF0F70}" dt="2019-12-03T23:12:18.294" v="11" actId="478"/>
+          <ac:picMkLst>
+            <pc:docMk/>
+            <pc:sldMk cId="1978296584" sldId="265"/>
+            <ac:picMk id="3" creationId="{E33E3C27-A6F4-4278-97D0-DBFFBC0307E0}"/>
+          </ac:picMkLst>
+        </pc:picChg>
+      </pc:sldChg>
+      <pc:sldChg chg="addSp delSp modSp add del modAnim">
+        <pc:chgData name="Ron Javor" userId="e840de2940c497cb" providerId="LiveId" clId="{3E733659-760C-4CD6-9271-F0D6CCAF0F70}" dt="2019-12-03T23:48:45.405" v="679"/>
+        <pc:sldMkLst>
+          <pc:docMk/>
+          <pc:sldMk cId="406857391" sldId="266"/>
+        </pc:sldMkLst>
+        <pc:spChg chg="mod">
+          <ac:chgData name="Ron Javor" userId="e840de2940c497cb" providerId="LiveId" clId="{3E733659-760C-4CD6-9271-F0D6CCAF0F70}" dt="2019-12-03T23:46:16.756" v="623" actId="20577"/>
+          <ac:spMkLst>
+            <pc:docMk/>
+            <pc:sldMk cId="406857391" sldId="266"/>
+            <ac:spMk id="2" creationId="{6A330886-AC2D-492F-8FDC-19969F48FBF0}"/>
+          </ac:spMkLst>
+        </pc:spChg>
+        <pc:picChg chg="del">
+          <ac:chgData name="Ron Javor" userId="e840de2940c497cb" providerId="LiveId" clId="{3E733659-760C-4CD6-9271-F0D6CCAF0F70}" dt="2019-12-03T23:12:20.562" v="12" actId="478"/>
+          <ac:picMkLst>
+            <pc:docMk/>
+            <pc:sldMk cId="406857391" sldId="266"/>
+            <ac:picMk id="3" creationId="{E33E3C27-A6F4-4278-97D0-DBFFBC0307E0}"/>
+          </ac:picMkLst>
+        </pc:picChg>
+        <pc:picChg chg="add mod">
+          <ac:chgData name="Ron Javor" userId="e840de2940c497cb" providerId="LiveId" clId="{3E733659-760C-4CD6-9271-F0D6CCAF0F70}" dt="2019-12-03T23:13:13.791" v="19" actId="1076"/>
+          <ac:picMkLst>
+            <pc:docMk/>
+            <pc:sldMk cId="406857391" sldId="266"/>
+            <ac:picMk id="4" creationId="{84A3463A-42AE-479A-BCDF-C63E906119E1}"/>
+          </ac:picMkLst>
+        </pc:picChg>
+      </pc:sldChg>
+      <pc:sldMasterChg chg="setBg modSldLayout">
+        <pc:chgData name="Ron Javor" userId="e840de2940c497cb" providerId="LiveId" clId="{3E733659-760C-4CD6-9271-F0D6CCAF0F70}" dt="2019-12-03T23:17:16.667" v="112"/>
+        <pc:sldMasterMkLst>
+          <pc:docMk/>
+          <pc:sldMasterMk cId="2366151577" sldId="2147483648"/>
+        </pc:sldMasterMkLst>
+        <pc:sldLayoutChg chg="setBg">
+          <pc:chgData name="Ron Javor" userId="e840de2940c497cb" providerId="LiveId" clId="{3E733659-760C-4CD6-9271-F0D6CCAF0F70}" dt="2019-12-03T23:17:16.667" v="112"/>
+          <pc:sldLayoutMkLst>
+            <pc:docMk/>
+            <pc:sldMasterMk cId="2366151577" sldId="2147483648"/>
+            <pc:sldLayoutMk cId="4080274178" sldId="2147483649"/>
+          </pc:sldLayoutMkLst>
+        </pc:sldLayoutChg>
+        <pc:sldLayoutChg chg="setBg">
+          <pc:chgData name="Ron Javor" userId="e840de2940c497cb" providerId="LiveId" clId="{3E733659-760C-4CD6-9271-F0D6CCAF0F70}" dt="2019-12-03T23:17:16.667" v="112"/>
+          <pc:sldLayoutMkLst>
+            <pc:docMk/>
+            <pc:sldMasterMk cId="2366151577" sldId="2147483648"/>
+            <pc:sldLayoutMk cId="2429040018" sldId="2147483650"/>
+          </pc:sldLayoutMkLst>
+        </pc:sldLayoutChg>
+        <pc:sldLayoutChg chg="setBg">
+          <pc:chgData name="Ron Javor" userId="e840de2940c497cb" providerId="LiveId" clId="{3E733659-760C-4CD6-9271-F0D6CCAF0F70}" dt="2019-12-03T23:17:16.667" v="112"/>
+          <pc:sldLayoutMkLst>
+            <pc:docMk/>
+            <pc:sldMasterMk cId="2366151577" sldId="2147483648"/>
+            <pc:sldLayoutMk cId="724312679" sldId="2147483651"/>
+          </pc:sldLayoutMkLst>
+        </pc:sldLayoutChg>
+        <pc:sldLayoutChg chg="setBg">
+          <pc:chgData name="Ron Javor" userId="e840de2940c497cb" providerId="LiveId" clId="{3E733659-760C-4CD6-9271-F0D6CCAF0F70}" dt="2019-12-03T23:17:16.667" v="112"/>
+          <pc:sldLayoutMkLst>
+            <pc:docMk/>
+            <pc:sldMasterMk cId="2366151577" sldId="2147483648"/>
+            <pc:sldLayoutMk cId="2084369607" sldId="2147483652"/>
+          </pc:sldLayoutMkLst>
+        </pc:sldLayoutChg>
+        <pc:sldLayoutChg chg="setBg">
+          <pc:chgData name="Ron Javor" userId="e840de2940c497cb" providerId="LiveId" clId="{3E733659-760C-4CD6-9271-F0D6CCAF0F70}" dt="2019-12-03T23:17:16.667" v="112"/>
+          <pc:sldLayoutMkLst>
+            <pc:docMk/>
+            <pc:sldMasterMk cId="2366151577" sldId="2147483648"/>
+            <pc:sldLayoutMk cId="1557211092" sldId="2147483653"/>
+          </pc:sldLayoutMkLst>
+        </pc:sldLayoutChg>
+        <pc:sldLayoutChg chg="setBg">
+          <pc:chgData name="Ron Javor" userId="e840de2940c497cb" providerId="LiveId" clId="{3E733659-760C-4CD6-9271-F0D6CCAF0F70}" dt="2019-12-03T23:17:16.667" v="112"/>
+          <pc:sldLayoutMkLst>
+            <pc:docMk/>
+            <pc:sldMasterMk cId="2366151577" sldId="2147483648"/>
+            <pc:sldLayoutMk cId="4013364372" sldId="2147483654"/>
+          </pc:sldLayoutMkLst>
+        </pc:sldLayoutChg>
+        <pc:sldLayoutChg chg="setBg">
+          <pc:chgData name="Ron Javor" userId="e840de2940c497cb" providerId="LiveId" clId="{3E733659-760C-4CD6-9271-F0D6CCAF0F70}" dt="2019-12-03T23:17:16.667" v="112"/>
+          <pc:sldLayoutMkLst>
+            <pc:docMk/>
+            <pc:sldMasterMk cId="2366151577" sldId="2147483648"/>
+            <pc:sldLayoutMk cId="4019892576" sldId="2147483655"/>
+          </pc:sldLayoutMkLst>
+        </pc:sldLayoutChg>
+        <pc:sldLayoutChg chg="setBg">
+          <pc:chgData name="Ron Javor" userId="e840de2940c497cb" providerId="LiveId" clId="{3E733659-760C-4CD6-9271-F0D6CCAF0F70}" dt="2019-12-03T23:17:16.667" v="112"/>
+          <pc:sldLayoutMkLst>
+            <pc:docMk/>
+            <pc:sldMasterMk cId="2366151577" sldId="2147483648"/>
+            <pc:sldLayoutMk cId="3929435405" sldId="2147483656"/>
+          </pc:sldLayoutMkLst>
+        </pc:sldLayoutChg>
+        <pc:sldLayoutChg chg="setBg">
+          <pc:chgData name="Ron Javor" userId="e840de2940c497cb" providerId="LiveId" clId="{3E733659-760C-4CD6-9271-F0D6CCAF0F70}" dt="2019-12-03T23:17:16.667" v="112"/>
+          <pc:sldLayoutMkLst>
+            <pc:docMk/>
+            <pc:sldMasterMk cId="2366151577" sldId="2147483648"/>
+            <pc:sldLayoutMk cId="3457409834" sldId="2147483657"/>
+          </pc:sldLayoutMkLst>
+        </pc:sldLayoutChg>
+        <pc:sldLayoutChg chg="setBg">
+          <pc:chgData name="Ron Javor" userId="e840de2940c497cb" providerId="LiveId" clId="{3E733659-760C-4CD6-9271-F0D6CCAF0F70}" dt="2019-12-03T23:17:16.667" v="112"/>
+          <pc:sldLayoutMkLst>
+            <pc:docMk/>
+            <pc:sldMasterMk cId="2366151577" sldId="2147483648"/>
+            <pc:sldLayoutMk cId="1880852606" sldId="2147483658"/>
+          </pc:sldLayoutMkLst>
+        </pc:sldLayoutChg>
+        <pc:sldLayoutChg chg="setBg">
+          <pc:chgData name="Ron Javor" userId="e840de2940c497cb" providerId="LiveId" clId="{3E733659-760C-4CD6-9271-F0D6CCAF0F70}" dt="2019-12-03T23:17:16.667" v="112"/>
+          <pc:sldLayoutMkLst>
+            <pc:docMk/>
+            <pc:sldMasterMk cId="2366151577" sldId="2147483648"/>
+            <pc:sldLayoutMk cId="516200908" sldId="2147483659"/>
+          </pc:sldLayoutMkLst>
+        </pc:sldLayoutChg>
+      </pc:sldMasterChg>
+      <pc:sldMasterChg chg="addSp modSp">
+        <pc:chgData name="Ron Javor" userId="e840de2940c497cb" providerId="LiveId" clId="{3E733659-760C-4CD6-9271-F0D6CCAF0F70}" dt="2019-12-03T23:15:44.149" v="24"/>
+        <pc:sldMasterMkLst>
+          <pc:docMk/>
+          <pc:sldMasterMk cId="2123847837" sldId="2147483660"/>
+        </pc:sldMasterMkLst>
+        <pc:spChg chg="add mod">
+          <ac:chgData name="Ron Javor" userId="e840de2940c497cb" providerId="LiveId" clId="{3E733659-760C-4CD6-9271-F0D6CCAF0F70}" dt="2019-12-03T23:15:44.149" v="24"/>
+          <ac:spMkLst>
+            <pc:docMk/>
+            <pc:sldMasterMk cId="2123847837" sldId="2147483660"/>
+            <ac:spMk id="2" creationId="{AFA3A033-A8DB-48D1-A195-C9FBCC32AFB8}"/>
+          </ac:spMkLst>
+        </pc:spChg>
+        <pc:spChg chg="add mod">
+          <ac:chgData name="Ron Javor" userId="e840de2940c497cb" providerId="LiveId" clId="{3E733659-760C-4CD6-9271-F0D6CCAF0F70}" dt="2019-12-03T23:15:44.149" v="24"/>
+          <ac:spMkLst>
+            <pc:docMk/>
+            <pc:sldMasterMk cId="2123847837" sldId="2147483660"/>
+            <ac:spMk id="3" creationId="{8CA8CDD0-3856-46B1-AB1C-0315215313B3}"/>
+          </ac:spMkLst>
+        </pc:spChg>
+        <pc:spChg chg="add mod">
+          <ac:chgData name="Ron Javor" userId="e840de2940c497cb" providerId="LiveId" clId="{3E733659-760C-4CD6-9271-F0D6CCAF0F70}" dt="2019-12-03T23:15:44.149" v="24"/>
+          <ac:spMkLst>
+            <pc:docMk/>
+            <pc:sldMasterMk cId="2123847837" sldId="2147483660"/>
+            <ac:spMk id="4" creationId="{DC04C4DF-C914-4E69-BCBC-1ED934554A7F}"/>
+          </ac:spMkLst>
+        </pc:spChg>
+        <pc:spChg chg="add mod">
+          <ac:chgData name="Ron Javor" userId="e840de2940c497cb" providerId="LiveId" clId="{3E733659-760C-4CD6-9271-F0D6CCAF0F70}" dt="2019-12-03T23:15:44.149" v="24"/>
+          <ac:spMkLst>
+            <pc:docMk/>
+            <pc:sldMasterMk cId="2123847837" sldId="2147483660"/>
+            <ac:spMk id="5" creationId="{E9196F8A-207A-4D46-8720-755627D97BF1}"/>
+          </ac:spMkLst>
+        </pc:spChg>
+        <pc:spChg chg="add mod">
+          <ac:chgData name="Ron Javor" userId="e840de2940c497cb" providerId="LiveId" clId="{3E733659-760C-4CD6-9271-F0D6CCAF0F70}" dt="2019-12-03T23:15:44.149" v="24"/>
+          <ac:spMkLst>
+            <pc:docMk/>
+            <pc:sldMasterMk cId="2123847837" sldId="2147483660"/>
+            <ac:spMk id="6" creationId="{EF320805-266A-4F3F-BCF1-F196F64E9A7F}"/>
+          </ac:spMkLst>
+        </pc:spChg>
+      </pc:sldMasterChg>
+    </pc:docChg>
+  </pc:docChgLst>
   <pc:docChgLst>
     <pc:chgData name="Ron Javor" userId="e840de2940c497cb" providerId="LiveId" clId="{903FC241-FDA8-4AA6-8FF0-2A4D8A56C5A0}"/>
     <pc:docChg chg="undo custSel mod addSld delSld modSld">
@@ -468,7 +962,7 @@
           <a:p>
             <a:fld id="{04DEBD7C-2D96-488E-8FDB-946778781366}" type="datetimeFigureOut">
               <a:rPr lang="en-US" smtClean="0"/>
-              <a:t>12/2/2019</a:t>
+              <a:t>12/3/2019</a:t>
             </a:fld>
             <a:endParaRPr lang="en-US"/>
           </a:p>
@@ -666,7 +1160,7 @@
           <a:p>
             <a:fld id="{04DEBD7C-2D96-488E-8FDB-946778781366}" type="datetimeFigureOut">
               <a:rPr lang="en-US" smtClean="0"/>
-              <a:t>12/2/2019</a:t>
+              <a:t>12/3/2019</a:t>
             </a:fld>
             <a:endParaRPr lang="en-US"/>
           </a:p>
@@ -874,7 +1368,7 @@
           <a:p>
             <a:fld id="{04DEBD7C-2D96-488E-8FDB-946778781366}" type="datetimeFigureOut">
               <a:rPr lang="en-US" smtClean="0"/>
-              <a:t>12/2/2019</a:t>
+              <a:t>12/3/2019</a:t>
             </a:fld>
             <a:endParaRPr lang="en-US"/>
           </a:p>
@@ -1072,7 +1566,7 @@
           <a:p>
             <a:fld id="{04DEBD7C-2D96-488E-8FDB-946778781366}" type="datetimeFigureOut">
               <a:rPr lang="en-US" smtClean="0"/>
-              <a:t>12/2/2019</a:t>
+              <a:t>12/3/2019</a:t>
             </a:fld>
             <a:endParaRPr lang="en-US"/>
           </a:p>
@@ -1347,7 +1841,7 @@
           <a:p>
             <a:fld id="{04DEBD7C-2D96-488E-8FDB-946778781366}" type="datetimeFigureOut">
               <a:rPr lang="en-US" smtClean="0"/>
-              <a:t>12/2/2019</a:t>
+              <a:t>12/3/2019</a:t>
             </a:fld>
             <a:endParaRPr lang="en-US"/>
           </a:p>
@@ -1612,7 +2106,7 @@
           <a:p>
             <a:fld id="{04DEBD7C-2D96-488E-8FDB-946778781366}" type="datetimeFigureOut">
               <a:rPr lang="en-US" smtClean="0"/>
-              <a:t>12/2/2019</a:t>
+              <a:t>12/3/2019</a:t>
             </a:fld>
             <a:endParaRPr lang="en-US"/>
           </a:p>
@@ -2024,7 +2518,7 @@
           <a:p>
             <a:fld id="{04DEBD7C-2D96-488E-8FDB-946778781366}" type="datetimeFigureOut">
               <a:rPr lang="en-US" smtClean="0"/>
-              <a:t>12/2/2019</a:t>
+              <a:t>12/3/2019</a:t>
             </a:fld>
             <a:endParaRPr lang="en-US"/>
           </a:p>
@@ -2165,7 +2659,7 @@
           <a:p>
             <a:fld id="{04DEBD7C-2D96-488E-8FDB-946778781366}" type="datetimeFigureOut">
               <a:rPr lang="en-US" smtClean="0"/>
-              <a:t>12/2/2019</a:t>
+              <a:t>12/3/2019</a:t>
             </a:fld>
             <a:endParaRPr lang="en-US"/>
           </a:p>
@@ -2278,7 +2772,7 @@
           <a:p>
             <a:fld id="{04DEBD7C-2D96-488E-8FDB-946778781366}" type="datetimeFigureOut">
               <a:rPr lang="en-US" smtClean="0"/>
-              <a:t>12/2/2019</a:t>
+              <a:t>12/3/2019</a:t>
             </a:fld>
             <a:endParaRPr lang="en-US"/>
           </a:p>
@@ -2589,7 +3083,7 @@
           <a:p>
             <a:fld id="{04DEBD7C-2D96-488E-8FDB-946778781366}" type="datetimeFigureOut">
               <a:rPr lang="en-US" smtClean="0"/>
-              <a:t>12/2/2019</a:t>
+              <a:t>12/3/2019</a:t>
             </a:fld>
             <a:endParaRPr lang="en-US"/>
           </a:p>
@@ -2877,7 +3371,7 @@
           <a:p>
             <a:fld id="{04DEBD7C-2D96-488E-8FDB-946778781366}" type="datetimeFigureOut">
               <a:rPr lang="en-US" smtClean="0"/>
-              <a:t>12/2/2019</a:t>
+              <a:t>12/3/2019</a:t>
             </a:fld>
             <a:endParaRPr lang="en-US"/>
           </a:p>
@@ -2954,9 +3448,19 @@
 <p:sldMaster xmlns:a="http://schemas.openxmlformats.org/drawingml/2006/main" xmlns:r="http://schemas.openxmlformats.org/officeDocument/2006/relationships" xmlns:p="http://schemas.openxmlformats.org/presentationml/2006/main">
   <p:cSld>
     <p:bg>
-      <p:bgRef idx="1001">
-        <a:schemeClr val="bg1"/>
-      </p:bgRef>
+      <p:bgPr>
+        <a:blipFill dpi="0" rotWithShape="1">
+          <a:blip r:embed="rId13">
+            <a:alphaModFix amt="41000"/>
+            <a:lum/>
+          </a:blip>
+          <a:srcRect/>
+          <a:stretch>
+            <a:fillRect t="-9000" b="-9000"/>
+          </a:stretch>
+        </a:blipFill>
+        <a:effectLst/>
+      </p:bgPr>
     </p:bg>
     <p:spTree>
       <p:nvGrpSpPr>
@@ -3118,7 +3622,7 @@
           <a:p>
             <a:fld id="{04DEBD7C-2D96-488E-8FDB-946778781366}" type="datetimeFigureOut">
               <a:rPr lang="en-US" smtClean="0"/>
-              <a:t>12/2/2019</a:t>
+              <a:t>12/3/2019</a:t>
             </a:fld>
             <a:endParaRPr lang="en-US"/>
           </a:p>
@@ -3551,9 +4055,16 @@
             <p:ph type="ctrTitle"/>
           </p:nvPr>
         </p:nvSpPr>
-        <p:spPr/>
+        <p:spPr>
+          <a:xfrm>
+            <a:off x="1524000" y="306576"/>
+            <a:ext cx="9144000" cy="706437"/>
+          </a:xfrm>
+        </p:spPr>
         <p:txBody>
-          <a:bodyPr/>
+          <a:bodyPr>
+            <a:normAutofit fontScale="90000"/>
+          </a:bodyPr>
           <a:lstStyle/>
           <a:p>
             <a:r>
@@ -3579,7 +4090,12 @@
             <p:ph type="subTitle" idx="1"/>
           </p:nvPr>
         </p:nvSpPr>
-        <p:spPr/>
+        <p:spPr>
+          <a:xfrm>
+            <a:off x="1685365" y="4229567"/>
+            <a:ext cx="9144000" cy="1655762"/>
+          </a:xfrm>
+        </p:spPr>
         <p:txBody>
           <a:bodyPr/>
           <a:lstStyle/>
@@ -3595,15 +4111,7 @@
           <a:p>
             <a:r>
               <a:rPr lang="en-US" dirty="0"/>
-              <a:t>Tyler Adams | </a:t>
-            </a:r>
-            <a:r>
-              <a:rPr lang="en-US"/>
-              <a:t>Edgardo Bungay </a:t>
-            </a:r>
-            <a:r>
-              <a:rPr lang="en-US" dirty="0"/>
-              <a:t>| Jamie </a:t>
+              <a:t>Tyler Adams | Edgardo Bungay | Jamie </a:t>
             </a:r>
             <a:r>
               <a:rPr lang="en-US" dirty="0" err="1"/>
@@ -3662,14 +4170,19 @@
             <p:ph type="title"/>
           </p:nvPr>
         </p:nvSpPr>
-        <p:spPr/>
+        <p:spPr>
+          <a:xfrm>
+            <a:off x="243410" y="0"/>
+            <a:ext cx="10515600" cy="932329"/>
+          </a:xfrm>
+        </p:spPr>
         <p:txBody>
           <a:bodyPr/>
           <a:lstStyle/>
           <a:p>
             <a:r>
               <a:rPr lang="en-US" b="1" dirty="0"/>
-              <a:t>(Internal Use) Outline</a:t>
+              <a:t>The Story</a:t>
             </a:r>
           </a:p>
         </p:txBody>
@@ -3692,41 +4205,287 @@
         </p:nvSpPr>
         <p:spPr>
           <a:xfrm>
-            <a:off x="838200" y="1867828"/>
-            <a:ext cx="10515600" cy="4351338"/>
+            <a:off x="440635" y="1167020"/>
+            <a:ext cx="11310730" cy="5690980"/>
           </a:xfrm>
         </p:spPr>
         <p:txBody>
-          <a:bodyPr/>
+          <a:bodyPr>
+            <a:normAutofit/>
+          </a:bodyPr>
           <a:lstStyle/>
           <a:p>
-            <a:r>
-              <a:rPr lang="en-US" dirty="0"/>
-              <a:t>The Story or Question</a:t>
-            </a:r>
-          </a:p>
-          <a:p>
-            <a:r>
-              <a:rPr lang="en-US" dirty="0"/>
-              <a:t>Data Sources, Methodologies</a:t>
-            </a:r>
-          </a:p>
-          <a:p>
-            <a:r>
-              <a:rPr lang="en-US" dirty="0"/>
-              <a:t>Dashboard static snapshots</a:t>
-            </a:r>
-          </a:p>
-          <a:p>
-            <a:r>
-              <a:rPr lang="en-US" dirty="0"/>
-              <a:t>[no slide] Flask active demo</a:t>
-            </a:r>
-          </a:p>
-          <a:p>
-            <a:r>
-              <a:rPr lang="en-US" dirty="0"/>
-              <a:t>Summary</a:t>
+            <a:pPr marL="0" indent="0">
+              <a:buNone/>
+            </a:pPr>
+            <a:endParaRPr lang="en-US" dirty="0"/>
+          </a:p>
+          <a:p>
+            <a:endParaRPr lang="en-US" dirty="0"/>
+          </a:p>
+        </p:txBody>
+      </p:sp>
+      <p:sp>
+        <p:nvSpPr>
+          <p:cNvPr id="4" name="Rectangle: Rounded Corners 3">
+            <a:extLst>
+              <a:ext uri="{FF2B5EF4-FFF2-40B4-BE49-F238E27FC236}">
+                <a16:creationId xmlns:a16="http://schemas.microsoft.com/office/drawing/2014/main" id="{2AE5D2A1-100C-4ACE-966A-26006C022DE1}"/>
+              </a:ext>
+            </a:extLst>
+          </p:cNvPr>
+          <p:cNvSpPr/>
+          <p:nvPr/>
+        </p:nvSpPr>
+        <p:spPr>
+          <a:xfrm>
+            <a:off x="243410" y="1397057"/>
+            <a:ext cx="10273553" cy="555811"/>
+          </a:xfrm>
+          <a:prstGeom prst="roundRect">
+            <a:avLst/>
+          </a:prstGeom>
+          <a:solidFill>
+            <a:schemeClr val="bg2"/>
+          </a:solidFill>
+        </p:spPr>
+        <p:style>
+          <a:lnRef idx="2">
+            <a:schemeClr val="accent1">
+              <a:shade val="50000"/>
+            </a:schemeClr>
+          </a:lnRef>
+          <a:fillRef idx="1">
+            <a:schemeClr val="accent1"/>
+          </a:fillRef>
+          <a:effectRef idx="0">
+            <a:schemeClr val="accent1"/>
+          </a:effectRef>
+          <a:fontRef idx="minor">
+            <a:schemeClr val="lt1"/>
+          </a:fontRef>
+        </p:style>
+        <p:txBody>
+          <a:bodyPr rtlCol="0" anchor="ctr"/>
+          <a:lstStyle/>
+          <a:p>
+            <a:r>
+              <a:rPr lang="en-US" sz="2000" dirty="0">
+                <a:solidFill>
+                  <a:schemeClr val="tx1"/>
+                </a:solidFill>
+              </a:rPr>
+              <a:t>Which US city is ideal?</a:t>
+            </a:r>
+          </a:p>
+        </p:txBody>
+      </p:sp>
+      <p:sp>
+        <p:nvSpPr>
+          <p:cNvPr id="5" name="Rectangle: Rounded Corners 4">
+            <a:extLst>
+              <a:ext uri="{FF2B5EF4-FFF2-40B4-BE49-F238E27FC236}">
+                <a16:creationId xmlns:a16="http://schemas.microsoft.com/office/drawing/2014/main" id="{9F5DDF95-C12C-4F97-BC9D-8E020DB07322}"/>
+              </a:ext>
+            </a:extLst>
+          </p:cNvPr>
+          <p:cNvSpPr/>
+          <p:nvPr/>
+        </p:nvSpPr>
+        <p:spPr>
+          <a:xfrm>
+            <a:off x="243411" y="2738717"/>
+            <a:ext cx="10273553" cy="555811"/>
+          </a:xfrm>
+          <a:prstGeom prst="roundRect">
+            <a:avLst/>
+          </a:prstGeom>
+          <a:solidFill>
+            <a:schemeClr val="bg2"/>
+          </a:solidFill>
+        </p:spPr>
+        <p:style>
+          <a:lnRef idx="2">
+            <a:schemeClr val="accent1">
+              <a:shade val="50000"/>
+            </a:schemeClr>
+          </a:lnRef>
+          <a:fillRef idx="1">
+            <a:schemeClr val="accent1"/>
+          </a:fillRef>
+          <a:effectRef idx="0">
+            <a:schemeClr val="accent1"/>
+          </a:effectRef>
+          <a:fontRef idx="minor">
+            <a:schemeClr val="lt1"/>
+          </a:fontRef>
+        </p:style>
+        <p:txBody>
+          <a:bodyPr rtlCol="0" anchor="ctr"/>
+          <a:lstStyle/>
+          <a:p>
+            <a:r>
+              <a:rPr lang="en-US" sz="2000" dirty="0">
+                <a:solidFill>
+                  <a:schemeClr val="tx1"/>
+                </a:solidFill>
+              </a:rPr>
+              <a:t>Many factors determine quality of life – personal differences in parameters and priorities </a:t>
+            </a:r>
+          </a:p>
+        </p:txBody>
+      </p:sp>
+      <p:sp>
+        <p:nvSpPr>
+          <p:cNvPr id="6" name="Rectangle: Rounded Corners 5">
+            <a:extLst>
+              <a:ext uri="{FF2B5EF4-FFF2-40B4-BE49-F238E27FC236}">
+                <a16:creationId xmlns:a16="http://schemas.microsoft.com/office/drawing/2014/main" id="{3CE49587-E5BD-4DA9-AB2E-1216EDF17D89}"/>
+              </a:ext>
+            </a:extLst>
+          </p:cNvPr>
+          <p:cNvSpPr/>
+          <p:nvPr/>
+        </p:nvSpPr>
+        <p:spPr>
+          <a:xfrm>
+            <a:off x="243409" y="3841133"/>
+            <a:ext cx="10273553" cy="2480154"/>
+          </a:xfrm>
+          <a:prstGeom prst="roundRect">
+            <a:avLst/>
+          </a:prstGeom>
+          <a:solidFill>
+            <a:schemeClr val="bg2"/>
+          </a:solidFill>
+        </p:spPr>
+        <p:style>
+          <a:lnRef idx="2">
+            <a:schemeClr val="accent1">
+              <a:shade val="50000"/>
+            </a:schemeClr>
+          </a:lnRef>
+          <a:fillRef idx="1">
+            <a:schemeClr val="accent1"/>
+          </a:fillRef>
+          <a:effectRef idx="0">
+            <a:schemeClr val="accent1"/>
+          </a:effectRef>
+          <a:fontRef idx="minor">
+            <a:schemeClr val="lt1"/>
+          </a:fontRef>
+        </p:style>
+        <p:txBody>
+          <a:bodyPr rtlCol="0" anchor="ctr"/>
+          <a:lstStyle/>
+          <a:p>
+            <a:r>
+              <a:rPr lang="en-US" sz="2000" dirty="0">
+                <a:solidFill>
+                  <a:schemeClr val="tx1"/>
+                </a:solidFill>
+              </a:rPr>
+              <a:t>We examined relative rankings and correlations with data from </a:t>
+            </a:r>
+            <a:r>
+              <a:rPr lang="en-US" sz="2000" dirty="0" err="1">
+                <a:solidFill>
+                  <a:schemeClr val="tx1"/>
+                </a:solidFill>
+              </a:rPr>
+              <a:t>Wallethub</a:t>
+            </a:r>
+            <a:r>
+              <a:rPr lang="en-US" sz="2000" dirty="0">
+                <a:solidFill>
+                  <a:schemeClr val="tx1"/>
+                </a:solidFill>
+              </a:rPr>
+              <a:t>:</a:t>
+            </a:r>
+          </a:p>
+          <a:p>
+            <a:pPr marL="342900" indent="-342900">
+              <a:buFont typeface="Arial" panose="020B0604020202020204" pitchFamily="34" charset="0"/>
+              <a:buChar char="•"/>
+            </a:pPr>
+            <a:r>
+              <a:rPr lang="en-US" sz="2000" dirty="0">
+                <a:solidFill>
+                  <a:schemeClr val="tx1"/>
+                </a:solidFill>
+              </a:rPr>
+              <a:t>Cost-of-Living</a:t>
+            </a:r>
+          </a:p>
+          <a:p>
+            <a:pPr marL="342900" indent="-342900">
+              <a:buFont typeface="Arial" panose="020B0604020202020204" pitchFamily="34" charset="0"/>
+              <a:buChar char="•"/>
+            </a:pPr>
+            <a:r>
+              <a:rPr lang="en-US" sz="2000" dirty="0">
+                <a:solidFill>
+                  <a:schemeClr val="tx1"/>
+                </a:solidFill>
+              </a:rPr>
+              <a:t>Weather</a:t>
+            </a:r>
+          </a:p>
+          <a:p>
+            <a:pPr marL="342900" indent="-342900">
+              <a:buFont typeface="Arial" panose="020B0604020202020204" pitchFamily="34" charset="0"/>
+              <a:buChar char="•"/>
+            </a:pPr>
+            <a:r>
+              <a:rPr lang="en-US" sz="2000" dirty="0">
+                <a:solidFill>
+                  <a:schemeClr val="tx1"/>
+                </a:solidFill>
+              </a:rPr>
+              <a:t>Happiness </a:t>
+            </a:r>
+          </a:p>
+          <a:p>
+            <a:pPr marL="342900" indent="-342900">
+              <a:buFont typeface="Arial" panose="020B0604020202020204" pitchFamily="34" charset="0"/>
+              <a:buChar char="•"/>
+            </a:pPr>
+            <a:r>
+              <a:rPr lang="en-US" sz="2000" dirty="0">
+                <a:solidFill>
+                  <a:schemeClr val="tx1"/>
+                </a:solidFill>
+              </a:rPr>
+              <a:t>Health </a:t>
+            </a:r>
+          </a:p>
+          <a:p>
+            <a:pPr marL="342900" indent="-342900">
+              <a:buFont typeface="Arial" panose="020B0604020202020204" pitchFamily="34" charset="0"/>
+              <a:buChar char="•"/>
+            </a:pPr>
+            <a:r>
+              <a:rPr lang="en-US" sz="2000" dirty="0">
+                <a:solidFill>
+                  <a:schemeClr val="tx1"/>
+                </a:solidFill>
+              </a:rPr>
+              <a:t>Parks</a:t>
+            </a:r>
+          </a:p>
+          <a:p>
+            <a:pPr marL="342900" indent="-342900">
+              <a:buFont typeface="Arial" panose="020B0604020202020204" pitchFamily="34" charset="0"/>
+              <a:buChar char="•"/>
+            </a:pPr>
+            <a:r>
+              <a:rPr lang="en-US" sz="2000" dirty="0">
+                <a:solidFill>
+                  <a:schemeClr val="tx1"/>
+                </a:solidFill>
+              </a:rPr>
+              <a:t>Community</a:t>
             </a:r>
           </a:p>
         </p:txBody>
@@ -3734,13 +4493,207 @@
     </p:spTree>
     <p:extLst>
       <p:ext uri="{BB962C8B-B14F-4D97-AF65-F5344CB8AC3E}">
-        <p14:creationId xmlns:p14="http://schemas.microsoft.com/office/powerpoint/2010/main" val="432003888"/>
+        <p14:creationId xmlns:p14="http://schemas.microsoft.com/office/powerpoint/2010/main" val="162922300"/>
       </p:ext>
     </p:extLst>
   </p:cSld>
   <p:clrMapOvr>
     <a:masterClrMapping/>
   </p:clrMapOvr>
+  <p:timing>
+    <p:tnLst>
+      <p:par>
+        <p:cTn id="1" dur="indefinite" restart="never" nodeType="tmRoot">
+          <p:childTnLst>
+            <p:seq concurrent="1" nextAc="seek">
+              <p:cTn id="2" dur="indefinite" nodeType="mainSeq">
+                <p:childTnLst>
+                  <p:par>
+                    <p:cTn id="3" fill="hold">
+                      <p:stCondLst>
+                        <p:cond delay="indefinite"/>
+                      </p:stCondLst>
+                      <p:childTnLst>
+                        <p:par>
+                          <p:cTn id="4" fill="hold">
+                            <p:stCondLst>
+                              <p:cond delay="0"/>
+                            </p:stCondLst>
+                            <p:childTnLst>
+                              <p:par>
+                                <p:cTn id="5" presetID="10" presetClass="entr" presetSubtype="0" fill="hold" grpId="0" nodeType="clickEffect">
+                                  <p:stCondLst>
+                                    <p:cond delay="0"/>
+                                  </p:stCondLst>
+                                  <p:childTnLst>
+                                    <p:set>
+                                      <p:cBhvr>
+                                        <p:cTn id="6" dur="1" fill="hold">
+                                          <p:stCondLst>
+                                            <p:cond delay="0"/>
+                                          </p:stCondLst>
+                                        </p:cTn>
+                                        <p:tgtEl>
+                                          <p:spTgt spid="4"/>
+                                        </p:tgtEl>
+                                        <p:attrNameLst>
+                                          <p:attrName>style.visibility</p:attrName>
+                                        </p:attrNameLst>
+                                      </p:cBhvr>
+                                      <p:to>
+                                        <p:strVal val="visible"/>
+                                      </p:to>
+                                    </p:set>
+                                    <p:animEffect transition="in" filter="fade">
+                                      <p:cBhvr>
+                                        <p:cTn id="7" dur="500"/>
+                                        <p:tgtEl>
+                                          <p:spTgt spid="4"/>
+                                        </p:tgtEl>
+                                      </p:cBhvr>
+                                    </p:animEffect>
+                                  </p:childTnLst>
+                                </p:cTn>
+                              </p:par>
+                            </p:childTnLst>
+                          </p:cTn>
+                        </p:par>
+                      </p:childTnLst>
+                    </p:cTn>
+                  </p:par>
+                  <p:par>
+                    <p:cTn id="8" fill="hold">
+                      <p:stCondLst>
+                        <p:cond delay="indefinite"/>
+                      </p:stCondLst>
+                      <p:childTnLst>
+                        <p:par>
+                          <p:cTn id="9" fill="hold">
+                            <p:stCondLst>
+                              <p:cond delay="0"/>
+                            </p:stCondLst>
+                            <p:childTnLst>
+                              <p:par>
+                                <p:cTn id="10" presetID="14" presetClass="entr" presetSubtype="10" fill="hold" grpId="0" nodeType="clickEffect">
+                                  <p:stCondLst>
+                                    <p:cond delay="0"/>
+                                  </p:stCondLst>
+                                  <p:childTnLst>
+                                    <p:set>
+                                      <p:cBhvr>
+                                        <p:cTn id="11" dur="1" fill="hold">
+                                          <p:stCondLst>
+                                            <p:cond delay="0"/>
+                                          </p:stCondLst>
+                                        </p:cTn>
+                                        <p:tgtEl>
+                                          <p:spTgt spid="5"/>
+                                        </p:tgtEl>
+                                        <p:attrNameLst>
+                                          <p:attrName>style.visibility</p:attrName>
+                                        </p:attrNameLst>
+                                      </p:cBhvr>
+                                      <p:to>
+                                        <p:strVal val="visible"/>
+                                      </p:to>
+                                    </p:set>
+                                    <p:animEffect transition="in" filter="randombar(horizontal)">
+                                      <p:cBhvr>
+                                        <p:cTn id="12" dur="500"/>
+                                        <p:tgtEl>
+                                          <p:spTgt spid="5"/>
+                                        </p:tgtEl>
+                                      </p:cBhvr>
+                                    </p:animEffect>
+                                  </p:childTnLst>
+                                </p:cTn>
+                              </p:par>
+                            </p:childTnLst>
+                          </p:cTn>
+                        </p:par>
+                      </p:childTnLst>
+                    </p:cTn>
+                  </p:par>
+                  <p:par>
+                    <p:cTn id="13" fill="hold">
+                      <p:stCondLst>
+                        <p:cond delay="indefinite"/>
+                      </p:stCondLst>
+                      <p:childTnLst>
+                        <p:par>
+                          <p:cTn id="14" fill="hold">
+                            <p:stCondLst>
+                              <p:cond delay="0"/>
+                            </p:stCondLst>
+                            <p:childTnLst>
+                              <p:par>
+                                <p:cTn id="15" presetID="6" presetClass="entr" presetSubtype="16" fill="hold" grpId="0" nodeType="clickEffect">
+                                  <p:stCondLst>
+                                    <p:cond delay="0"/>
+                                  </p:stCondLst>
+                                  <p:childTnLst>
+                                    <p:set>
+                                      <p:cBhvr>
+                                        <p:cTn id="16" dur="1" fill="hold">
+                                          <p:stCondLst>
+                                            <p:cond delay="0"/>
+                                          </p:stCondLst>
+                                        </p:cTn>
+                                        <p:tgtEl>
+                                          <p:spTgt spid="6"/>
+                                        </p:tgtEl>
+                                        <p:attrNameLst>
+                                          <p:attrName>style.visibility</p:attrName>
+                                        </p:attrNameLst>
+                                      </p:cBhvr>
+                                      <p:to>
+                                        <p:strVal val="visible"/>
+                                      </p:to>
+                                    </p:set>
+                                    <p:animEffect transition="in" filter="circle(in)">
+                                      <p:cBhvr>
+                                        <p:cTn id="17" dur="2000"/>
+                                        <p:tgtEl>
+                                          <p:spTgt spid="6"/>
+                                        </p:tgtEl>
+                                      </p:cBhvr>
+                                    </p:animEffect>
+                                  </p:childTnLst>
+                                </p:cTn>
+                              </p:par>
+                            </p:childTnLst>
+                          </p:cTn>
+                        </p:par>
+                      </p:childTnLst>
+                    </p:cTn>
+                  </p:par>
+                </p:childTnLst>
+              </p:cTn>
+              <p:prevCondLst>
+                <p:cond evt="onPrev" delay="0">
+                  <p:tgtEl>
+                    <p:sldTgt/>
+                  </p:tgtEl>
+                </p:cond>
+              </p:prevCondLst>
+              <p:nextCondLst>
+                <p:cond evt="onNext" delay="0">
+                  <p:tgtEl>
+                    <p:sldTgt/>
+                  </p:tgtEl>
+                </p:cond>
+              </p:nextCondLst>
+            </p:seq>
+          </p:childTnLst>
+        </p:cTn>
+      </p:par>
+    </p:tnLst>
+    <p:bldLst>
+      <p:bldP spid="4" grpId="0" animBg="1"/>
+      <p:bldP spid="5" grpId="0" animBg="1"/>
+      <p:bldP spid="6" grpId="0" animBg="1"/>
+    </p:bldLst>
+  </p:timing>
 </p:sld>
 </file>
 
@@ -3779,8 +4732,8 @@
         </p:nvSpPr>
         <p:spPr>
           <a:xfrm>
-            <a:off x="440635" y="105672"/>
-            <a:ext cx="10515600" cy="1325563"/>
+            <a:off x="191236" y="36971"/>
+            <a:ext cx="10515600" cy="938415"/>
           </a:xfrm>
         </p:spPr>
         <p:txBody>
@@ -3789,110 +4742,410 @@
           <a:p>
             <a:r>
               <a:rPr lang="en-US" b="1" dirty="0"/>
-              <a:t>The Story</a:t>
+              <a:t>Data Sources, Methodologies</a:t>
             </a:r>
           </a:p>
         </p:txBody>
       </p:sp>
       <p:sp>
         <p:nvSpPr>
-          <p:cNvPr id="3" name="Content Placeholder 2">
-            <a:extLst>
-              <a:ext uri="{FF2B5EF4-FFF2-40B4-BE49-F238E27FC236}">
-                <a16:creationId xmlns:a16="http://schemas.microsoft.com/office/drawing/2014/main" id="{0DFFD546-CF9A-49AC-B18E-A77BB9BB6D93}"/>
-              </a:ext>
-            </a:extLst>
-          </p:cNvPr>
-          <p:cNvSpPr>
-            <a:spLocks noGrp="1"/>
-          </p:cNvSpPr>
-          <p:nvPr>
-            <p:ph idx="1"/>
-          </p:nvPr>
+          <p:cNvPr id="4" name="Rectangle: Rounded Corners 3">
+            <a:extLst>
+              <a:ext uri="{FF2B5EF4-FFF2-40B4-BE49-F238E27FC236}">
+                <a16:creationId xmlns:a16="http://schemas.microsoft.com/office/drawing/2014/main" id="{A2B0D194-3CEA-49EF-9B14-7ECBEEB41056}"/>
+              </a:ext>
+            </a:extLst>
+          </p:cNvPr>
+          <p:cNvSpPr/>
+          <p:nvPr/>
         </p:nvSpPr>
         <p:spPr>
           <a:xfrm>
-            <a:off x="440635" y="1338470"/>
-            <a:ext cx="11310730" cy="5194852"/>
+            <a:off x="191236" y="1217298"/>
+            <a:ext cx="10794812" cy="503238"/>
           </a:xfrm>
+          <a:prstGeom prst="roundRect">
+            <a:avLst/>
+          </a:prstGeom>
+          <a:solidFill>
+            <a:schemeClr val="bg2"/>
+          </a:solidFill>
         </p:spPr>
+        <p:style>
+          <a:lnRef idx="2">
+            <a:schemeClr val="accent1">
+              <a:shade val="50000"/>
+            </a:schemeClr>
+          </a:lnRef>
+          <a:fillRef idx="1">
+            <a:schemeClr val="accent1"/>
+          </a:fillRef>
+          <a:effectRef idx="0">
+            <a:schemeClr val="accent1"/>
+          </a:effectRef>
+          <a:fontRef idx="minor">
+            <a:schemeClr val="lt1"/>
+          </a:fontRef>
+        </p:style>
         <p:txBody>
-          <a:bodyPr>
-            <a:normAutofit lnSpcReduction="10000"/>
-          </a:bodyPr>
+          <a:bodyPr rtlCol="0" anchor="ctr"/>
           <a:lstStyle/>
           <a:p>
             <a:r>
-              <a:rPr lang="en-US" dirty="0"/>
-              <a:t>Which US city is ideal?</a:t>
-            </a:r>
-          </a:p>
-          <a:p>
-            <a:endParaRPr lang="en-US" dirty="0"/>
-          </a:p>
-          <a:p>
-            <a:r>
-              <a:rPr lang="en-US" dirty="0"/>
-              <a:t>Many factors determine quality of life – personal differences in parameters and priorities </a:t>
-            </a:r>
-          </a:p>
-          <a:p>
-            <a:endParaRPr lang="en-US" dirty="0"/>
-          </a:p>
-          <a:p>
-            <a:r>
-              <a:rPr lang="en-US" dirty="0"/>
-              <a:t>We examined relative rankings and correlations with data from </a:t>
-            </a:r>
-            <a:r>
-              <a:rPr lang="en-US" dirty="0" err="1"/>
+              <a:rPr lang="en-US" dirty="0" err="1">
+                <a:solidFill>
+                  <a:schemeClr val="tx1"/>
+                </a:solidFill>
+              </a:rPr>
               <a:t>Wallethub</a:t>
             </a:r>
             <a:r>
-              <a:rPr lang="en-US" dirty="0"/>
-              <a:t>:</a:t>
-            </a:r>
-          </a:p>
-          <a:p>
-            <a:pPr lvl="1"/>
-            <a:r>
-              <a:rPr lang="en-US" dirty="0"/>
-              <a:t>Cost-of-Living</a:t>
-            </a:r>
-          </a:p>
-          <a:p>
-            <a:pPr lvl="1"/>
-            <a:r>
-              <a:rPr lang="en-US" dirty="0"/>
-              <a:t>Weather</a:t>
-            </a:r>
-          </a:p>
-          <a:p>
-            <a:pPr lvl="1"/>
-            <a:r>
-              <a:rPr lang="en-US" dirty="0"/>
-              <a:t>Happiness </a:t>
-            </a:r>
-          </a:p>
-          <a:p>
-            <a:pPr lvl="1"/>
-            <a:r>
-              <a:rPr lang="en-US" dirty="0"/>
-              <a:t>Health </a:t>
-            </a:r>
-          </a:p>
-          <a:p>
-            <a:pPr lvl="1"/>
-            <a:r>
-              <a:rPr lang="en-US" dirty="0"/>
-              <a:t>Parks</a:t>
-            </a:r>
-          </a:p>
-          <a:p>
-            <a:pPr lvl="1"/>
-            <a:r>
-              <a:rPr lang="en-US" dirty="0"/>
-              <a:t>Community</a:t>
+              <a:rPr lang="en-US" dirty="0">
+                <a:solidFill>
+                  <a:schemeClr val="tx1"/>
+                </a:solidFill>
+              </a:rPr>
+              <a:t> provides rankings, scorings for a number of measures. Data not natively consolidated</a:t>
+            </a:r>
+          </a:p>
+        </p:txBody>
+      </p:sp>
+      <p:sp>
+        <p:nvSpPr>
+          <p:cNvPr id="5" name="Rectangle: Rounded Corners 4">
+            <a:extLst>
+              <a:ext uri="{FF2B5EF4-FFF2-40B4-BE49-F238E27FC236}">
+                <a16:creationId xmlns:a16="http://schemas.microsoft.com/office/drawing/2014/main" id="{A6D5369B-6C46-4A7E-B182-AE81ADF931B6}"/>
+              </a:ext>
+            </a:extLst>
+          </p:cNvPr>
+          <p:cNvSpPr/>
+          <p:nvPr/>
+        </p:nvSpPr>
+        <p:spPr>
+          <a:xfrm>
+            <a:off x="191236" y="2815270"/>
+            <a:ext cx="10794814" cy="503238"/>
+          </a:xfrm>
+          <a:prstGeom prst="roundRect">
+            <a:avLst/>
+          </a:prstGeom>
+          <a:solidFill>
+            <a:schemeClr val="bg2"/>
+          </a:solidFill>
+        </p:spPr>
+        <p:style>
+          <a:lnRef idx="2">
+            <a:schemeClr val="accent1">
+              <a:shade val="50000"/>
+            </a:schemeClr>
+          </a:lnRef>
+          <a:fillRef idx="1">
+            <a:schemeClr val="accent1"/>
+          </a:fillRef>
+          <a:effectRef idx="0">
+            <a:schemeClr val="accent1"/>
+          </a:effectRef>
+          <a:fontRef idx="minor">
+            <a:schemeClr val="lt1"/>
+          </a:fontRef>
+        </p:style>
+        <p:txBody>
+          <a:bodyPr rtlCol="0" anchor="ctr"/>
+          <a:lstStyle/>
+          <a:p>
+            <a:r>
+              <a:rPr lang="en-US" dirty="0">
+                <a:solidFill>
+                  <a:schemeClr val="tx1"/>
+                </a:solidFill>
+              </a:rPr>
+              <a:t>Data output in both CSV, JSON formats – stored to MongoDB in JSON form</a:t>
+            </a:r>
+          </a:p>
+        </p:txBody>
+      </p:sp>
+      <p:sp>
+        <p:nvSpPr>
+          <p:cNvPr id="6" name="Rectangle: Rounded Corners 5">
+            <a:extLst>
+              <a:ext uri="{FF2B5EF4-FFF2-40B4-BE49-F238E27FC236}">
+                <a16:creationId xmlns:a16="http://schemas.microsoft.com/office/drawing/2014/main" id="{89EFDC23-C7BA-4998-AE22-0A5A5EF25BE3}"/>
+              </a:ext>
+            </a:extLst>
+          </p:cNvPr>
+          <p:cNvSpPr/>
+          <p:nvPr/>
+        </p:nvSpPr>
+        <p:spPr>
+          <a:xfrm>
+            <a:off x="191235" y="3539492"/>
+            <a:ext cx="10794815" cy="502253"/>
+          </a:xfrm>
+          <a:prstGeom prst="roundRect">
+            <a:avLst/>
+          </a:prstGeom>
+          <a:solidFill>
+            <a:schemeClr val="bg2"/>
+          </a:solidFill>
+        </p:spPr>
+        <p:style>
+          <a:lnRef idx="2">
+            <a:schemeClr val="accent1">
+              <a:shade val="50000"/>
+            </a:schemeClr>
+          </a:lnRef>
+          <a:fillRef idx="1">
+            <a:schemeClr val="accent1"/>
+          </a:fillRef>
+          <a:effectRef idx="0">
+            <a:schemeClr val="accent1"/>
+          </a:effectRef>
+          <a:fontRef idx="minor">
+            <a:schemeClr val="lt1"/>
+          </a:fontRef>
+        </p:style>
+        <p:txBody>
+          <a:bodyPr rtlCol="0" anchor="ctr"/>
+          <a:lstStyle/>
+          <a:p>
+            <a:r>
+              <a:rPr lang="en-US" dirty="0">
+                <a:solidFill>
+                  <a:schemeClr val="tx1"/>
+                </a:solidFill>
+              </a:rPr>
+              <a:t>Map visualization with Leaflet –show multiple maps in dashboard format for quick views</a:t>
+            </a:r>
+          </a:p>
+        </p:txBody>
+      </p:sp>
+      <p:sp>
+        <p:nvSpPr>
+          <p:cNvPr id="7" name="Rectangle: Rounded Corners 6">
+            <a:extLst>
+              <a:ext uri="{FF2B5EF4-FFF2-40B4-BE49-F238E27FC236}">
+                <a16:creationId xmlns:a16="http://schemas.microsoft.com/office/drawing/2014/main" id="{22317453-BE8B-43BA-A986-F1B4CDE78426}"/>
+              </a:ext>
+            </a:extLst>
+          </p:cNvPr>
+          <p:cNvSpPr/>
+          <p:nvPr/>
+        </p:nvSpPr>
+        <p:spPr>
+          <a:xfrm>
+            <a:off x="191236" y="4255277"/>
+            <a:ext cx="10794816" cy="846667"/>
+          </a:xfrm>
+          <a:prstGeom prst="roundRect">
+            <a:avLst/>
+          </a:prstGeom>
+          <a:solidFill>
+            <a:schemeClr val="bg2"/>
+          </a:solidFill>
+        </p:spPr>
+        <p:style>
+          <a:lnRef idx="2">
+            <a:schemeClr val="accent1">
+              <a:shade val="50000"/>
+            </a:schemeClr>
+          </a:lnRef>
+          <a:fillRef idx="1">
+            <a:schemeClr val="accent1"/>
+          </a:fillRef>
+          <a:effectRef idx="0">
+            <a:schemeClr val="accent1"/>
+          </a:effectRef>
+          <a:fontRef idx="minor">
+            <a:schemeClr val="lt1"/>
+          </a:fontRef>
+        </p:style>
+        <p:txBody>
+          <a:bodyPr rtlCol="0" anchor="ctr"/>
+          <a:lstStyle/>
+          <a:p>
+            <a:r>
+              <a:rPr lang="en-US" dirty="0">
+                <a:solidFill>
+                  <a:schemeClr val="tx1"/>
+                </a:solidFill>
+              </a:rPr>
+              <a:t>D3 Scatter Plot with variable axis to compare measures – colors determined as a product multiplier of each axis </a:t>
+            </a:r>
+          </a:p>
+          <a:p>
+            <a:r>
+              <a:rPr lang="en-US" dirty="0">
+                <a:solidFill>
+                  <a:schemeClr val="tx1"/>
+                </a:solidFill>
+              </a:rPr>
+              <a:t>Best product multiplier cities rankings are green, near plot origin. Worst are Maroon, far from origin</a:t>
+            </a:r>
+          </a:p>
+        </p:txBody>
+      </p:sp>
+      <p:sp>
+        <p:nvSpPr>
+          <p:cNvPr id="8" name="Rectangle: Rounded Corners 7">
+            <a:extLst>
+              <a:ext uri="{FF2B5EF4-FFF2-40B4-BE49-F238E27FC236}">
+                <a16:creationId xmlns:a16="http://schemas.microsoft.com/office/drawing/2014/main" id="{634D13A3-C7A6-4722-9ACC-DDED7903805C}"/>
+              </a:ext>
+            </a:extLst>
+          </p:cNvPr>
+          <p:cNvSpPr/>
+          <p:nvPr/>
+        </p:nvSpPr>
+        <p:spPr>
+          <a:xfrm>
+            <a:off x="191236" y="5315476"/>
+            <a:ext cx="10794812" cy="502253"/>
+          </a:xfrm>
+          <a:prstGeom prst="roundRect">
+            <a:avLst/>
+          </a:prstGeom>
+          <a:solidFill>
+            <a:schemeClr val="bg2"/>
+          </a:solidFill>
+        </p:spPr>
+        <p:style>
+          <a:lnRef idx="2">
+            <a:schemeClr val="accent1">
+              <a:shade val="50000"/>
+            </a:schemeClr>
+          </a:lnRef>
+          <a:fillRef idx="1">
+            <a:schemeClr val="accent1"/>
+          </a:fillRef>
+          <a:effectRef idx="0">
+            <a:schemeClr val="accent1"/>
+          </a:effectRef>
+          <a:fontRef idx="minor">
+            <a:schemeClr val="lt1"/>
+          </a:fontRef>
+        </p:style>
+        <p:txBody>
+          <a:bodyPr rtlCol="0" anchor="ctr"/>
+          <a:lstStyle/>
+          <a:p>
+            <a:r>
+              <a:rPr lang="en-US" dirty="0">
+                <a:solidFill>
+                  <a:schemeClr val="tx1"/>
+                </a:solidFill>
+              </a:rPr>
+              <a:t>Tabular output of data to provide numerical reference</a:t>
+            </a:r>
+          </a:p>
+        </p:txBody>
+      </p:sp>
+      <p:sp>
+        <p:nvSpPr>
+          <p:cNvPr id="9" name="Rectangle: Rounded Corners 8">
+            <a:extLst>
+              <a:ext uri="{FF2B5EF4-FFF2-40B4-BE49-F238E27FC236}">
+                <a16:creationId xmlns:a16="http://schemas.microsoft.com/office/drawing/2014/main" id="{077BF89F-1663-415C-ADF7-3971208FACA5}"/>
+              </a:ext>
+            </a:extLst>
+          </p:cNvPr>
+          <p:cNvSpPr/>
+          <p:nvPr/>
+        </p:nvSpPr>
+        <p:spPr>
+          <a:xfrm>
+            <a:off x="191235" y="2010780"/>
+            <a:ext cx="10794813" cy="503239"/>
+          </a:xfrm>
+          <a:prstGeom prst="roundRect">
+            <a:avLst/>
+          </a:prstGeom>
+          <a:solidFill>
+            <a:schemeClr val="bg2"/>
+          </a:solidFill>
+        </p:spPr>
+        <p:style>
+          <a:lnRef idx="2">
+            <a:schemeClr val="accent1">
+              <a:shade val="50000"/>
+            </a:schemeClr>
+          </a:lnRef>
+          <a:fillRef idx="1">
+            <a:schemeClr val="accent1"/>
+          </a:fillRef>
+          <a:effectRef idx="0">
+            <a:schemeClr val="accent1"/>
+          </a:effectRef>
+          <a:fontRef idx="minor">
+            <a:schemeClr val="lt1"/>
+          </a:fontRef>
+        </p:style>
+        <p:txBody>
+          <a:bodyPr rtlCol="0" anchor="ctr"/>
+          <a:lstStyle/>
+          <a:p>
+            <a:r>
+              <a:rPr lang="en-US" dirty="0">
+                <a:solidFill>
+                  <a:schemeClr val="tx1"/>
+                </a:solidFill>
+              </a:rPr>
+              <a:t>Data manually scraped then munged and merged in Python – latitude, longitude determined by Geocoding API </a:t>
+            </a:r>
+          </a:p>
+        </p:txBody>
+      </p:sp>
+      <p:sp>
+        <p:nvSpPr>
+          <p:cNvPr id="12" name="Rectangle: Rounded Corners 11">
+            <a:extLst>
+              <a:ext uri="{FF2B5EF4-FFF2-40B4-BE49-F238E27FC236}">
+                <a16:creationId xmlns:a16="http://schemas.microsoft.com/office/drawing/2014/main" id="{12BD6493-21F8-4A02-90AB-846930AD2FC1}"/>
+              </a:ext>
+            </a:extLst>
+          </p:cNvPr>
+          <p:cNvSpPr/>
+          <p:nvPr/>
+        </p:nvSpPr>
+        <p:spPr>
+          <a:xfrm>
+            <a:off x="191236" y="6031261"/>
+            <a:ext cx="10794812" cy="502253"/>
+          </a:xfrm>
+          <a:prstGeom prst="roundRect">
+            <a:avLst/>
+          </a:prstGeom>
+          <a:solidFill>
+            <a:schemeClr val="bg2"/>
+          </a:solidFill>
+        </p:spPr>
+        <p:style>
+          <a:lnRef idx="2">
+            <a:schemeClr val="accent1">
+              <a:shade val="50000"/>
+            </a:schemeClr>
+          </a:lnRef>
+          <a:fillRef idx="1">
+            <a:schemeClr val="accent1"/>
+          </a:fillRef>
+          <a:effectRef idx="0">
+            <a:schemeClr val="accent1"/>
+          </a:effectRef>
+          <a:fontRef idx="minor">
+            <a:schemeClr val="lt1"/>
+          </a:fontRef>
+        </p:style>
+        <p:txBody>
+          <a:bodyPr rtlCol="0" anchor="ctr"/>
+          <a:lstStyle/>
+          <a:p>
+            <a:r>
+              <a:rPr lang="en-US" dirty="0">
+                <a:solidFill>
+                  <a:schemeClr val="tx1"/>
+                </a:solidFill>
+              </a:rPr>
+              <a:t>Flask full-stack app used for display</a:t>
             </a:r>
           </a:p>
         </p:txBody>
@@ -3900,13 +5153,781 @@
     </p:spTree>
     <p:extLst>
       <p:ext uri="{BB962C8B-B14F-4D97-AF65-F5344CB8AC3E}">
-        <p14:creationId xmlns:p14="http://schemas.microsoft.com/office/powerpoint/2010/main" val="162922300"/>
+        <p14:creationId xmlns:p14="http://schemas.microsoft.com/office/powerpoint/2010/main" val="848111900"/>
       </p:ext>
     </p:extLst>
   </p:cSld>
   <p:clrMapOvr>
     <a:masterClrMapping/>
   </p:clrMapOvr>
+  <p:timing>
+    <p:tnLst>
+      <p:par>
+        <p:cTn id="1" dur="indefinite" restart="never" nodeType="tmRoot">
+          <p:childTnLst>
+            <p:seq concurrent="1" nextAc="seek">
+              <p:cTn id="2" dur="indefinite" nodeType="mainSeq">
+                <p:childTnLst>
+                  <p:par>
+                    <p:cTn id="3" fill="hold">
+                      <p:stCondLst>
+                        <p:cond delay="indefinite"/>
+                      </p:stCondLst>
+                      <p:childTnLst>
+                        <p:par>
+                          <p:cTn id="4" fill="hold">
+                            <p:stCondLst>
+                              <p:cond delay="0"/>
+                            </p:stCondLst>
+                            <p:childTnLst>
+                              <p:par>
+                                <p:cTn id="5" presetID="10" presetClass="entr" presetSubtype="0" fill="hold" grpId="0" nodeType="clickEffect">
+                                  <p:stCondLst>
+                                    <p:cond delay="0"/>
+                                  </p:stCondLst>
+                                  <p:childTnLst>
+                                    <p:set>
+                                      <p:cBhvr>
+                                        <p:cTn id="6" dur="1" fill="hold">
+                                          <p:stCondLst>
+                                            <p:cond delay="0"/>
+                                          </p:stCondLst>
+                                        </p:cTn>
+                                        <p:tgtEl>
+                                          <p:spTgt spid="4"/>
+                                        </p:tgtEl>
+                                        <p:attrNameLst>
+                                          <p:attrName>style.visibility</p:attrName>
+                                        </p:attrNameLst>
+                                      </p:cBhvr>
+                                      <p:to>
+                                        <p:strVal val="visible"/>
+                                      </p:to>
+                                    </p:set>
+                                    <p:animEffect transition="in" filter="fade">
+                                      <p:cBhvr>
+                                        <p:cTn id="7" dur="500"/>
+                                        <p:tgtEl>
+                                          <p:spTgt spid="4"/>
+                                        </p:tgtEl>
+                                      </p:cBhvr>
+                                    </p:animEffect>
+                                  </p:childTnLst>
+                                </p:cTn>
+                              </p:par>
+                            </p:childTnLst>
+                          </p:cTn>
+                        </p:par>
+                      </p:childTnLst>
+                    </p:cTn>
+                  </p:par>
+                  <p:par>
+                    <p:cTn id="8" fill="hold">
+                      <p:stCondLst>
+                        <p:cond delay="indefinite"/>
+                      </p:stCondLst>
+                      <p:childTnLst>
+                        <p:par>
+                          <p:cTn id="9" fill="hold">
+                            <p:stCondLst>
+                              <p:cond delay="0"/>
+                            </p:stCondLst>
+                            <p:childTnLst>
+                              <p:par>
+                                <p:cTn id="10" presetID="42" presetClass="entr" presetSubtype="0" fill="hold" grpId="0" nodeType="clickEffect">
+                                  <p:stCondLst>
+                                    <p:cond delay="0"/>
+                                  </p:stCondLst>
+                                  <p:childTnLst>
+                                    <p:set>
+                                      <p:cBhvr>
+                                        <p:cTn id="11" dur="1" fill="hold">
+                                          <p:stCondLst>
+                                            <p:cond delay="0"/>
+                                          </p:stCondLst>
+                                        </p:cTn>
+                                        <p:tgtEl>
+                                          <p:spTgt spid="9"/>
+                                        </p:tgtEl>
+                                        <p:attrNameLst>
+                                          <p:attrName>style.visibility</p:attrName>
+                                        </p:attrNameLst>
+                                      </p:cBhvr>
+                                      <p:to>
+                                        <p:strVal val="visible"/>
+                                      </p:to>
+                                    </p:set>
+                                    <p:animEffect transition="in" filter="fade">
+                                      <p:cBhvr>
+                                        <p:cTn id="12" dur="1000"/>
+                                        <p:tgtEl>
+                                          <p:spTgt spid="9"/>
+                                        </p:tgtEl>
+                                      </p:cBhvr>
+                                    </p:animEffect>
+                                    <p:anim calcmode="lin" valueType="num">
+                                      <p:cBhvr>
+                                        <p:cTn id="13" dur="1000" fill="hold"/>
+                                        <p:tgtEl>
+                                          <p:spTgt spid="9"/>
+                                        </p:tgtEl>
+                                        <p:attrNameLst>
+                                          <p:attrName>ppt_x</p:attrName>
+                                        </p:attrNameLst>
+                                      </p:cBhvr>
+                                      <p:tavLst>
+                                        <p:tav tm="0">
+                                          <p:val>
+                                            <p:strVal val="#ppt_x"/>
+                                          </p:val>
+                                        </p:tav>
+                                        <p:tav tm="100000">
+                                          <p:val>
+                                            <p:strVal val="#ppt_x"/>
+                                          </p:val>
+                                        </p:tav>
+                                      </p:tavLst>
+                                    </p:anim>
+                                    <p:anim calcmode="lin" valueType="num">
+                                      <p:cBhvr>
+                                        <p:cTn id="14" dur="1000" fill="hold"/>
+                                        <p:tgtEl>
+                                          <p:spTgt spid="9"/>
+                                        </p:tgtEl>
+                                        <p:attrNameLst>
+                                          <p:attrName>ppt_y</p:attrName>
+                                        </p:attrNameLst>
+                                      </p:cBhvr>
+                                      <p:tavLst>
+                                        <p:tav tm="0">
+                                          <p:val>
+                                            <p:strVal val="#ppt_y+.1"/>
+                                          </p:val>
+                                        </p:tav>
+                                        <p:tav tm="100000">
+                                          <p:val>
+                                            <p:strVal val="#ppt_y"/>
+                                          </p:val>
+                                        </p:tav>
+                                      </p:tavLst>
+                                    </p:anim>
+                                  </p:childTnLst>
+                                </p:cTn>
+                              </p:par>
+                            </p:childTnLst>
+                          </p:cTn>
+                        </p:par>
+                      </p:childTnLst>
+                    </p:cTn>
+                  </p:par>
+                  <p:par>
+                    <p:cTn id="15" fill="hold">
+                      <p:stCondLst>
+                        <p:cond delay="indefinite"/>
+                      </p:stCondLst>
+                      <p:childTnLst>
+                        <p:par>
+                          <p:cTn id="16" fill="hold">
+                            <p:stCondLst>
+                              <p:cond delay="0"/>
+                            </p:stCondLst>
+                            <p:childTnLst>
+                              <p:par>
+                                <p:cTn id="17" presetID="16" presetClass="entr" presetSubtype="21" fill="hold" grpId="0" nodeType="clickEffect">
+                                  <p:stCondLst>
+                                    <p:cond delay="0"/>
+                                  </p:stCondLst>
+                                  <p:childTnLst>
+                                    <p:set>
+                                      <p:cBhvr>
+                                        <p:cTn id="18" dur="1" fill="hold">
+                                          <p:stCondLst>
+                                            <p:cond delay="0"/>
+                                          </p:stCondLst>
+                                        </p:cTn>
+                                        <p:tgtEl>
+                                          <p:spTgt spid="5"/>
+                                        </p:tgtEl>
+                                        <p:attrNameLst>
+                                          <p:attrName>style.visibility</p:attrName>
+                                        </p:attrNameLst>
+                                      </p:cBhvr>
+                                      <p:to>
+                                        <p:strVal val="visible"/>
+                                      </p:to>
+                                    </p:set>
+                                    <p:animEffect transition="in" filter="barn(inVertical)">
+                                      <p:cBhvr>
+                                        <p:cTn id="19" dur="500"/>
+                                        <p:tgtEl>
+                                          <p:spTgt spid="5"/>
+                                        </p:tgtEl>
+                                      </p:cBhvr>
+                                    </p:animEffect>
+                                  </p:childTnLst>
+                                </p:cTn>
+                              </p:par>
+                            </p:childTnLst>
+                          </p:cTn>
+                        </p:par>
+                      </p:childTnLst>
+                    </p:cTn>
+                  </p:par>
+                  <p:par>
+                    <p:cTn id="20" fill="hold">
+                      <p:stCondLst>
+                        <p:cond delay="indefinite"/>
+                      </p:stCondLst>
+                      <p:childTnLst>
+                        <p:par>
+                          <p:cTn id="21" fill="hold">
+                            <p:stCondLst>
+                              <p:cond delay="0"/>
+                            </p:stCondLst>
+                            <p:childTnLst>
+                              <p:par>
+                                <p:cTn id="22" presetID="6" presetClass="entr" presetSubtype="16" fill="hold" grpId="0" nodeType="clickEffect">
+                                  <p:stCondLst>
+                                    <p:cond delay="0"/>
+                                  </p:stCondLst>
+                                  <p:childTnLst>
+                                    <p:set>
+                                      <p:cBhvr>
+                                        <p:cTn id="23" dur="1" fill="hold">
+                                          <p:stCondLst>
+                                            <p:cond delay="0"/>
+                                          </p:stCondLst>
+                                        </p:cTn>
+                                        <p:tgtEl>
+                                          <p:spTgt spid="6"/>
+                                        </p:tgtEl>
+                                        <p:attrNameLst>
+                                          <p:attrName>style.visibility</p:attrName>
+                                        </p:attrNameLst>
+                                      </p:cBhvr>
+                                      <p:to>
+                                        <p:strVal val="visible"/>
+                                      </p:to>
+                                    </p:set>
+                                    <p:animEffect transition="in" filter="circle(in)">
+                                      <p:cBhvr>
+                                        <p:cTn id="24" dur="2000"/>
+                                        <p:tgtEl>
+                                          <p:spTgt spid="6"/>
+                                        </p:tgtEl>
+                                      </p:cBhvr>
+                                    </p:animEffect>
+                                  </p:childTnLst>
+                                </p:cTn>
+                              </p:par>
+                            </p:childTnLst>
+                          </p:cTn>
+                        </p:par>
+                      </p:childTnLst>
+                    </p:cTn>
+                  </p:par>
+                  <p:par>
+                    <p:cTn id="25" fill="hold">
+                      <p:stCondLst>
+                        <p:cond delay="indefinite"/>
+                      </p:stCondLst>
+                      <p:childTnLst>
+                        <p:par>
+                          <p:cTn id="26" fill="hold">
+                            <p:stCondLst>
+                              <p:cond delay="0"/>
+                            </p:stCondLst>
+                            <p:childTnLst>
+                              <p:par>
+                                <p:cTn id="27" presetID="31" presetClass="entr" presetSubtype="0" fill="hold" grpId="0" nodeType="clickEffect">
+                                  <p:stCondLst>
+                                    <p:cond delay="0"/>
+                                  </p:stCondLst>
+                                  <p:childTnLst>
+                                    <p:set>
+                                      <p:cBhvr>
+                                        <p:cTn id="28" dur="1" fill="hold">
+                                          <p:stCondLst>
+                                            <p:cond delay="0"/>
+                                          </p:stCondLst>
+                                        </p:cTn>
+                                        <p:tgtEl>
+                                          <p:spTgt spid="7"/>
+                                        </p:tgtEl>
+                                        <p:attrNameLst>
+                                          <p:attrName>style.visibility</p:attrName>
+                                        </p:attrNameLst>
+                                      </p:cBhvr>
+                                      <p:to>
+                                        <p:strVal val="visible"/>
+                                      </p:to>
+                                    </p:set>
+                                    <p:anim calcmode="lin" valueType="num">
+                                      <p:cBhvr>
+                                        <p:cTn id="29" dur="1000" fill="hold"/>
+                                        <p:tgtEl>
+                                          <p:spTgt spid="7"/>
+                                        </p:tgtEl>
+                                        <p:attrNameLst>
+                                          <p:attrName>ppt_w</p:attrName>
+                                        </p:attrNameLst>
+                                      </p:cBhvr>
+                                      <p:tavLst>
+                                        <p:tav tm="0">
+                                          <p:val>
+                                            <p:fltVal val="0"/>
+                                          </p:val>
+                                        </p:tav>
+                                        <p:tav tm="100000">
+                                          <p:val>
+                                            <p:strVal val="#ppt_w"/>
+                                          </p:val>
+                                        </p:tav>
+                                      </p:tavLst>
+                                    </p:anim>
+                                    <p:anim calcmode="lin" valueType="num">
+                                      <p:cBhvr>
+                                        <p:cTn id="30" dur="1000" fill="hold"/>
+                                        <p:tgtEl>
+                                          <p:spTgt spid="7"/>
+                                        </p:tgtEl>
+                                        <p:attrNameLst>
+                                          <p:attrName>ppt_h</p:attrName>
+                                        </p:attrNameLst>
+                                      </p:cBhvr>
+                                      <p:tavLst>
+                                        <p:tav tm="0">
+                                          <p:val>
+                                            <p:fltVal val="0"/>
+                                          </p:val>
+                                        </p:tav>
+                                        <p:tav tm="100000">
+                                          <p:val>
+                                            <p:strVal val="#ppt_h"/>
+                                          </p:val>
+                                        </p:tav>
+                                      </p:tavLst>
+                                    </p:anim>
+                                    <p:anim calcmode="lin" valueType="num">
+                                      <p:cBhvr>
+                                        <p:cTn id="31" dur="1000" fill="hold"/>
+                                        <p:tgtEl>
+                                          <p:spTgt spid="7"/>
+                                        </p:tgtEl>
+                                        <p:attrNameLst>
+                                          <p:attrName>style.rotation</p:attrName>
+                                        </p:attrNameLst>
+                                      </p:cBhvr>
+                                      <p:tavLst>
+                                        <p:tav tm="0">
+                                          <p:val>
+                                            <p:fltVal val="90"/>
+                                          </p:val>
+                                        </p:tav>
+                                        <p:tav tm="100000">
+                                          <p:val>
+                                            <p:fltVal val="0"/>
+                                          </p:val>
+                                        </p:tav>
+                                      </p:tavLst>
+                                    </p:anim>
+                                    <p:animEffect transition="in" filter="fade">
+                                      <p:cBhvr>
+                                        <p:cTn id="32" dur="1000"/>
+                                        <p:tgtEl>
+                                          <p:spTgt spid="7"/>
+                                        </p:tgtEl>
+                                      </p:cBhvr>
+                                    </p:animEffect>
+                                  </p:childTnLst>
+                                </p:cTn>
+                              </p:par>
+                            </p:childTnLst>
+                          </p:cTn>
+                        </p:par>
+                      </p:childTnLst>
+                    </p:cTn>
+                  </p:par>
+                  <p:par>
+                    <p:cTn id="33" fill="hold">
+                      <p:stCondLst>
+                        <p:cond delay="indefinite"/>
+                      </p:stCondLst>
+                      <p:childTnLst>
+                        <p:par>
+                          <p:cTn id="34" fill="hold">
+                            <p:stCondLst>
+                              <p:cond delay="0"/>
+                            </p:stCondLst>
+                            <p:childTnLst>
+                              <p:par>
+                                <p:cTn id="35" presetID="21" presetClass="entr" presetSubtype="1" fill="hold" grpId="0" nodeType="clickEffect">
+                                  <p:stCondLst>
+                                    <p:cond delay="0"/>
+                                  </p:stCondLst>
+                                  <p:childTnLst>
+                                    <p:set>
+                                      <p:cBhvr>
+                                        <p:cTn id="36" dur="1" fill="hold">
+                                          <p:stCondLst>
+                                            <p:cond delay="0"/>
+                                          </p:stCondLst>
+                                        </p:cTn>
+                                        <p:tgtEl>
+                                          <p:spTgt spid="8"/>
+                                        </p:tgtEl>
+                                        <p:attrNameLst>
+                                          <p:attrName>style.visibility</p:attrName>
+                                        </p:attrNameLst>
+                                      </p:cBhvr>
+                                      <p:to>
+                                        <p:strVal val="visible"/>
+                                      </p:to>
+                                    </p:set>
+                                    <p:animEffect transition="in" filter="wheel(1)">
+                                      <p:cBhvr>
+                                        <p:cTn id="37" dur="2000"/>
+                                        <p:tgtEl>
+                                          <p:spTgt spid="8"/>
+                                        </p:tgtEl>
+                                      </p:cBhvr>
+                                    </p:animEffect>
+                                  </p:childTnLst>
+                                </p:cTn>
+                              </p:par>
+                            </p:childTnLst>
+                          </p:cTn>
+                        </p:par>
+                      </p:childTnLst>
+                    </p:cTn>
+                  </p:par>
+                  <p:par>
+                    <p:cTn id="38" fill="hold">
+                      <p:stCondLst>
+                        <p:cond delay="indefinite"/>
+                      </p:stCondLst>
+                      <p:childTnLst>
+                        <p:par>
+                          <p:cTn id="39" fill="hold">
+                            <p:stCondLst>
+                              <p:cond delay="0"/>
+                            </p:stCondLst>
+                            <p:childTnLst>
+                              <p:par>
+                                <p:cTn id="40" presetID="26" presetClass="entr" presetSubtype="0" fill="hold" grpId="0" nodeType="clickEffect">
+                                  <p:stCondLst>
+                                    <p:cond delay="0"/>
+                                  </p:stCondLst>
+                                  <p:childTnLst>
+                                    <p:set>
+                                      <p:cBhvr>
+                                        <p:cTn id="41" dur="1" fill="hold">
+                                          <p:stCondLst>
+                                            <p:cond delay="0"/>
+                                          </p:stCondLst>
+                                        </p:cTn>
+                                        <p:tgtEl>
+                                          <p:spTgt spid="12"/>
+                                        </p:tgtEl>
+                                        <p:attrNameLst>
+                                          <p:attrName>style.visibility</p:attrName>
+                                        </p:attrNameLst>
+                                      </p:cBhvr>
+                                      <p:to>
+                                        <p:strVal val="visible"/>
+                                      </p:to>
+                                    </p:set>
+                                    <p:animEffect transition="in" filter="wipe(down)">
+                                      <p:cBhvr>
+                                        <p:cTn id="42" dur="580">
+                                          <p:stCondLst>
+                                            <p:cond delay="0"/>
+                                          </p:stCondLst>
+                                        </p:cTn>
+                                        <p:tgtEl>
+                                          <p:spTgt spid="12"/>
+                                        </p:tgtEl>
+                                      </p:cBhvr>
+                                    </p:animEffect>
+                                    <p:anim calcmode="lin" valueType="num">
+                                      <p:cBhvr>
+                                        <p:cTn id="43" dur="1822" tmFilter="0,0; 0.14,0.36; 0.43,0.73; 0.71,0.91; 1.0,1.0">
+                                          <p:stCondLst>
+                                            <p:cond delay="0"/>
+                                          </p:stCondLst>
+                                        </p:cTn>
+                                        <p:tgtEl>
+                                          <p:spTgt spid="12"/>
+                                        </p:tgtEl>
+                                        <p:attrNameLst>
+                                          <p:attrName>ppt_x</p:attrName>
+                                        </p:attrNameLst>
+                                      </p:cBhvr>
+                                      <p:tavLst>
+                                        <p:tav tm="0">
+                                          <p:val>
+                                            <p:strVal val="#ppt_x-0.25"/>
+                                          </p:val>
+                                        </p:tav>
+                                        <p:tav tm="100000">
+                                          <p:val>
+                                            <p:strVal val="#ppt_x"/>
+                                          </p:val>
+                                        </p:tav>
+                                      </p:tavLst>
+                                    </p:anim>
+                                    <p:anim calcmode="lin" valueType="num">
+                                      <p:cBhvr>
+                                        <p:cTn id="44" dur="664" tmFilter="0.0,0.0; 0.25,0.07; 0.50,0.2; 0.75,0.467; 1.0,1.0">
+                                          <p:stCondLst>
+                                            <p:cond delay="0"/>
+                                          </p:stCondLst>
+                                        </p:cTn>
+                                        <p:tgtEl>
+                                          <p:spTgt spid="12"/>
+                                        </p:tgtEl>
+                                        <p:attrNameLst>
+                                          <p:attrName>ppt_y</p:attrName>
+                                        </p:attrNameLst>
+                                      </p:cBhvr>
+                                      <p:tavLst>
+                                        <p:tav tm="0" fmla="#ppt_y-sin(pi*$)/3">
+                                          <p:val>
+                                            <p:fltVal val="0.5"/>
+                                          </p:val>
+                                        </p:tav>
+                                        <p:tav tm="100000">
+                                          <p:val>
+                                            <p:fltVal val="1"/>
+                                          </p:val>
+                                        </p:tav>
+                                      </p:tavLst>
+                                    </p:anim>
+                                    <p:anim calcmode="lin" valueType="num">
+                                      <p:cBhvr>
+                                        <p:cTn id="45" dur="664" tmFilter="0, 0; 0.125,0.2665; 0.25,0.4; 0.375,0.465; 0.5,0.5;  0.625,0.535; 0.75,0.6; 0.875,0.7335; 1,1">
+                                          <p:stCondLst>
+                                            <p:cond delay="664"/>
+                                          </p:stCondLst>
+                                        </p:cTn>
+                                        <p:tgtEl>
+                                          <p:spTgt spid="12"/>
+                                        </p:tgtEl>
+                                        <p:attrNameLst>
+                                          <p:attrName>ppt_y</p:attrName>
+                                        </p:attrNameLst>
+                                      </p:cBhvr>
+                                      <p:tavLst>
+                                        <p:tav tm="0" fmla="#ppt_y-sin(pi*$)/9">
+                                          <p:val>
+                                            <p:fltVal val="0"/>
+                                          </p:val>
+                                        </p:tav>
+                                        <p:tav tm="100000">
+                                          <p:val>
+                                            <p:fltVal val="1"/>
+                                          </p:val>
+                                        </p:tav>
+                                      </p:tavLst>
+                                    </p:anim>
+                                    <p:anim calcmode="lin" valueType="num">
+                                      <p:cBhvr>
+                                        <p:cTn id="46" dur="332" tmFilter="0, 0; 0.125,0.2665; 0.25,0.4; 0.375,0.465; 0.5,0.5;  0.625,0.535; 0.75,0.6; 0.875,0.7335; 1,1">
+                                          <p:stCondLst>
+                                            <p:cond delay="1324"/>
+                                          </p:stCondLst>
+                                        </p:cTn>
+                                        <p:tgtEl>
+                                          <p:spTgt spid="12"/>
+                                        </p:tgtEl>
+                                        <p:attrNameLst>
+                                          <p:attrName>ppt_y</p:attrName>
+                                        </p:attrNameLst>
+                                      </p:cBhvr>
+                                      <p:tavLst>
+                                        <p:tav tm="0" fmla="#ppt_y-sin(pi*$)/27">
+                                          <p:val>
+                                            <p:fltVal val="0"/>
+                                          </p:val>
+                                        </p:tav>
+                                        <p:tav tm="100000">
+                                          <p:val>
+                                            <p:fltVal val="1"/>
+                                          </p:val>
+                                        </p:tav>
+                                      </p:tavLst>
+                                    </p:anim>
+                                    <p:anim calcmode="lin" valueType="num">
+                                      <p:cBhvr>
+                                        <p:cTn id="47" dur="164" tmFilter="0, 0; 0.125,0.2665; 0.25,0.4; 0.375,0.465; 0.5,0.5;  0.625,0.535; 0.75,0.6; 0.875,0.7335; 1,1">
+                                          <p:stCondLst>
+                                            <p:cond delay="1656"/>
+                                          </p:stCondLst>
+                                        </p:cTn>
+                                        <p:tgtEl>
+                                          <p:spTgt spid="12"/>
+                                        </p:tgtEl>
+                                        <p:attrNameLst>
+                                          <p:attrName>ppt_y</p:attrName>
+                                        </p:attrNameLst>
+                                      </p:cBhvr>
+                                      <p:tavLst>
+                                        <p:tav tm="0" fmla="#ppt_y-sin(pi*$)/81">
+                                          <p:val>
+                                            <p:fltVal val="0"/>
+                                          </p:val>
+                                        </p:tav>
+                                        <p:tav tm="100000">
+                                          <p:val>
+                                            <p:fltVal val="1"/>
+                                          </p:val>
+                                        </p:tav>
+                                      </p:tavLst>
+                                    </p:anim>
+                                    <p:animScale>
+                                      <p:cBhvr>
+                                        <p:cTn id="48" dur="26">
+                                          <p:stCondLst>
+                                            <p:cond delay="650"/>
+                                          </p:stCondLst>
+                                        </p:cTn>
+                                        <p:tgtEl>
+                                          <p:spTgt spid="12"/>
+                                        </p:tgtEl>
+                                      </p:cBhvr>
+                                      <p:to x="100000" y="60000"/>
+                                    </p:animScale>
+                                    <p:animScale>
+                                      <p:cBhvr>
+                                        <p:cTn id="49" dur="166" decel="50000">
+                                          <p:stCondLst>
+                                            <p:cond delay="676"/>
+                                          </p:stCondLst>
+                                        </p:cTn>
+                                        <p:tgtEl>
+                                          <p:spTgt spid="12"/>
+                                        </p:tgtEl>
+                                      </p:cBhvr>
+                                      <p:to x="100000" y="100000"/>
+                                    </p:animScale>
+                                    <p:animScale>
+                                      <p:cBhvr>
+                                        <p:cTn id="50" dur="26">
+                                          <p:stCondLst>
+                                            <p:cond delay="1312"/>
+                                          </p:stCondLst>
+                                        </p:cTn>
+                                        <p:tgtEl>
+                                          <p:spTgt spid="12"/>
+                                        </p:tgtEl>
+                                      </p:cBhvr>
+                                      <p:to x="100000" y="80000"/>
+                                    </p:animScale>
+                                    <p:animScale>
+                                      <p:cBhvr>
+                                        <p:cTn id="51" dur="166" decel="50000">
+                                          <p:stCondLst>
+                                            <p:cond delay="1338"/>
+                                          </p:stCondLst>
+                                        </p:cTn>
+                                        <p:tgtEl>
+                                          <p:spTgt spid="12"/>
+                                        </p:tgtEl>
+                                      </p:cBhvr>
+                                      <p:to x="100000" y="100000"/>
+                                    </p:animScale>
+                                    <p:animScale>
+                                      <p:cBhvr>
+                                        <p:cTn id="52" dur="26">
+                                          <p:stCondLst>
+                                            <p:cond delay="1642"/>
+                                          </p:stCondLst>
+                                        </p:cTn>
+                                        <p:tgtEl>
+                                          <p:spTgt spid="12"/>
+                                        </p:tgtEl>
+                                      </p:cBhvr>
+                                      <p:to x="100000" y="90000"/>
+                                    </p:animScale>
+                                    <p:animScale>
+                                      <p:cBhvr>
+                                        <p:cTn id="53" dur="166" decel="50000">
+                                          <p:stCondLst>
+                                            <p:cond delay="1668"/>
+                                          </p:stCondLst>
+                                        </p:cTn>
+                                        <p:tgtEl>
+                                          <p:spTgt spid="12"/>
+                                        </p:tgtEl>
+                                      </p:cBhvr>
+                                      <p:to x="100000" y="100000"/>
+                                    </p:animScale>
+                                    <p:animScale>
+                                      <p:cBhvr>
+                                        <p:cTn id="54" dur="26">
+                                          <p:stCondLst>
+                                            <p:cond delay="1808"/>
+                                          </p:stCondLst>
+                                        </p:cTn>
+                                        <p:tgtEl>
+                                          <p:spTgt spid="12"/>
+                                        </p:tgtEl>
+                                      </p:cBhvr>
+                                      <p:to x="100000" y="95000"/>
+                                    </p:animScale>
+                                    <p:animScale>
+                                      <p:cBhvr>
+                                        <p:cTn id="55" dur="166" decel="50000">
+                                          <p:stCondLst>
+                                            <p:cond delay="1834"/>
+                                          </p:stCondLst>
+                                        </p:cTn>
+                                        <p:tgtEl>
+                                          <p:spTgt spid="12"/>
+                                        </p:tgtEl>
+                                      </p:cBhvr>
+                                      <p:to x="100000" y="100000"/>
+                                    </p:animScale>
+                                  </p:childTnLst>
+                                </p:cTn>
+                              </p:par>
+                            </p:childTnLst>
+                          </p:cTn>
+                        </p:par>
+                      </p:childTnLst>
+                    </p:cTn>
+                  </p:par>
+                </p:childTnLst>
+              </p:cTn>
+              <p:prevCondLst>
+                <p:cond evt="onPrev" delay="0">
+                  <p:tgtEl>
+                    <p:sldTgt/>
+                  </p:tgtEl>
+                </p:cond>
+              </p:prevCondLst>
+              <p:nextCondLst>
+                <p:cond evt="onNext" delay="0">
+                  <p:tgtEl>
+                    <p:sldTgt/>
+                  </p:tgtEl>
+                </p:cond>
+              </p:nextCondLst>
+            </p:seq>
+          </p:childTnLst>
+        </p:cTn>
+      </p:par>
+    </p:tnLst>
+    <p:bldLst>
+      <p:bldP spid="4" grpId="0" animBg="1"/>
+      <p:bldP spid="5" grpId="0" animBg="1"/>
+      <p:bldP spid="6" grpId="0" animBg="1"/>
+      <p:bldP spid="7" grpId="0" animBg="1"/>
+      <p:bldP spid="8" grpId="0" animBg="1"/>
+      <p:bldP spid="9" grpId="0" animBg="1"/>
+      <p:bldP spid="12" grpId="0" animBg="1"/>
+    </p:bldLst>
+  </p:timing>
 </p:sld>
 </file>
 
@@ -3945,8 +5966,8 @@
         </p:nvSpPr>
         <p:spPr>
           <a:xfrm>
-            <a:off x="612913" y="0"/>
-            <a:ext cx="10515600" cy="1325563"/>
+            <a:off x="211667" y="18255"/>
+            <a:ext cx="10515600" cy="1001449"/>
           </a:xfrm>
         </p:spPr>
         <p:txBody>
@@ -3955,116 +5976,134 @@
           <a:p>
             <a:r>
               <a:rPr lang="en-US" b="1" dirty="0"/>
-              <a:t>Data Sources, Methodologies</a:t>
+              <a:t>Dashboard Snapshot: Multi-Leaflet</a:t>
             </a:r>
           </a:p>
         </p:txBody>
       </p:sp>
-      <p:sp>
-        <p:nvSpPr>
-          <p:cNvPr id="3" name="Content Placeholder 2">
-            <a:extLst>
-              <a:ext uri="{FF2B5EF4-FFF2-40B4-BE49-F238E27FC236}">
-                <a16:creationId xmlns:a16="http://schemas.microsoft.com/office/drawing/2014/main" id="{0DFFD546-CF9A-49AC-B18E-A77BB9BB6D93}"/>
-              </a:ext>
-            </a:extLst>
-          </p:cNvPr>
-          <p:cNvSpPr>
-            <a:spLocks noGrp="1"/>
-          </p:cNvSpPr>
-          <p:nvPr>
-            <p:ph idx="1"/>
-          </p:nvPr>
-        </p:nvSpPr>
+      <p:pic>
+        <p:nvPicPr>
+          <p:cNvPr id="3" name="Picture 2">
+            <a:extLst>
+              <a:ext uri="{FF2B5EF4-FFF2-40B4-BE49-F238E27FC236}">
+                <a16:creationId xmlns:a16="http://schemas.microsoft.com/office/drawing/2014/main" id="{614DDFA2-FA89-4050-B15A-5B2D64CB1480}"/>
+              </a:ext>
+            </a:extLst>
+          </p:cNvPr>
+          <p:cNvPicPr>
+            <a:picLocks noChangeAspect="1"/>
+          </p:cNvPicPr>
+          <p:nvPr/>
+        </p:nvPicPr>
+        <p:blipFill>
+          <a:blip r:embed="rId2"/>
+          <a:stretch>
+            <a:fillRect/>
+          </a:stretch>
+        </p:blipFill>
         <p:spPr>
           <a:xfrm>
-            <a:off x="520147" y="1325563"/>
-            <a:ext cx="11327295" cy="5148469"/>
+            <a:off x="1264799" y="887183"/>
+            <a:ext cx="7998469" cy="5783354"/>
           </a:xfrm>
+          <a:prstGeom prst="rect">
+            <a:avLst/>
+          </a:prstGeom>
         </p:spPr>
-        <p:txBody>
-          <a:bodyPr>
-            <a:normAutofit fontScale="85000" lnSpcReduction="20000"/>
-          </a:bodyPr>
-          <a:lstStyle/>
-          <a:p>
-            <a:r>
-              <a:rPr lang="en-US" dirty="0" err="1"/>
-              <a:t>Wallethub</a:t>
-            </a:r>
-            <a:r>
-              <a:rPr lang="en-US" dirty="0"/>
-              <a:t> provides rankings, scorings for a number of measures. Data not natively  consolidated</a:t>
-            </a:r>
-          </a:p>
-          <a:p>
-            <a:pPr lvl="1"/>
-            <a:endParaRPr lang="en-US" dirty="0"/>
-          </a:p>
-          <a:p>
-            <a:r>
-              <a:rPr lang="en-US" dirty="0"/>
-              <a:t>Data manually scraped then munged and merged in Python – latitude, longitude determined by  Geocoding API (Google Maps)</a:t>
-            </a:r>
-          </a:p>
-          <a:p>
-            <a:endParaRPr lang="en-US" dirty="0"/>
-          </a:p>
-          <a:p>
-            <a:r>
-              <a:rPr lang="en-US" dirty="0"/>
-              <a:t>Data output in both CSV, JSON formats – stored to MongoDB in JSON form</a:t>
-            </a:r>
-          </a:p>
-          <a:p>
-            <a:endParaRPr lang="en-US" dirty="0"/>
-          </a:p>
-          <a:p>
-            <a:r>
-              <a:rPr lang="en-US" dirty="0"/>
-              <a:t>Map visualization with Leaflet –show multiple maps in dashboard format for quick views</a:t>
-            </a:r>
-          </a:p>
-          <a:p>
-            <a:endParaRPr lang="en-US" dirty="0"/>
-          </a:p>
-          <a:p>
-            <a:r>
-              <a:rPr lang="en-US" dirty="0"/>
-              <a:t>D3 Scatter Plot with variable axis to compare measures – colors determined as a product multiplier of each axis </a:t>
-            </a:r>
-          </a:p>
-          <a:p>
-            <a:pPr lvl="1"/>
-            <a:r>
-              <a:rPr lang="en-US" dirty="0"/>
-              <a:t>Best product multiplier cities rankings are green, near plot origin. Worst are Maroon, far from origin</a:t>
-            </a:r>
-          </a:p>
-          <a:p>
-            <a:pPr marL="0" indent="0">
-              <a:buNone/>
-            </a:pPr>
-            <a:endParaRPr lang="en-US" dirty="0"/>
-          </a:p>
-          <a:p>
-            <a:r>
-              <a:rPr lang="en-US" dirty="0"/>
-              <a:t>Flask full-stack app used for display</a:t>
-            </a:r>
-          </a:p>
-        </p:txBody>
-      </p:sp>
+      </p:pic>
     </p:spTree>
     <p:extLst>
       <p:ext uri="{BB962C8B-B14F-4D97-AF65-F5344CB8AC3E}">
-        <p14:creationId xmlns:p14="http://schemas.microsoft.com/office/powerpoint/2010/main" val="848111900"/>
+        <p14:creationId xmlns:p14="http://schemas.microsoft.com/office/powerpoint/2010/main" val="1644718739"/>
       </p:ext>
     </p:extLst>
   </p:cSld>
   <p:clrMapOvr>
     <a:masterClrMapping/>
   </p:clrMapOvr>
+  <p:timing>
+    <p:tnLst>
+      <p:par>
+        <p:cTn id="1" dur="indefinite" restart="never" nodeType="tmRoot">
+          <p:childTnLst>
+            <p:seq concurrent="1" nextAc="seek">
+              <p:cTn id="2" dur="indefinite" nodeType="mainSeq">
+                <p:childTnLst>
+                  <p:par>
+                    <p:cTn id="3" fill="hold">
+                      <p:stCondLst>
+                        <p:cond delay="indefinite"/>
+                      </p:stCondLst>
+                      <p:childTnLst>
+                        <p:par>
+                          <p:cTn id="4" fill="hold">
+                            <p:stCondLst>
+                              <p:cond delay="0"/>
+                            </p:stCondLst>
+                            <p:childTnLst>
+                              <p:par>
+                                <p:cTn id="5" presetID="6" presetClass="entr" presetSubtype="16" fill="hold" nodeType="clickEffect">
+                                  <p:stCondLst>
+                                    <p:cond delay="0"/>
+                                  </p:stCondLst>
+                                  <p:childTnLst>
+                                    <p:set>
+                                      <p:cBhvr>
+                                        <p:cTn id="6" dur="1" fill="hold">
+                                          <p:stCondLst>
+                                            <p:cond delay="0"/>
+                                          </p:stCondLst>
+                                        </p:cTn>
+                                        <p:tgtEl>
+                                          <p:spTgt spid="3"/>
+                                        </p:tgtEl>
+                                        <p:attrNameLst>
+                                          <p:attrName>style.visibility</p:attrName>
+                                        </p:attrNameLst>
+                                      </p:cBhvr>
+                                      <p:to>
+                                        <p:strVal val="visible"/>
+                                      </p:to>
+                                    </p:set>
+                                    <p:animEffect transition="in" filter="circle(in)">
+                                      <p:cBhvr>
+                                        <p:cTn id="7" dur="2000"/>
+                                        <p:tgtEl>
+                                          <p:spTgt spid="3"/>
+                                        </p:tgtEl>
+                                      </p:cBhvr>
+                                    </p:animEffect>
+                                  </p:childTnLst>
+                                </p:cTn>
+                              </p:par>
+                            </p:childTnLst>
+                          </p:cTn>
+                        </p:par>
+                      </p:childTnLst>
+                    </p:cTn>
+                  </p:par>
+                </p:childTnLst>
+              </p:cTn>
+              <p:prevCondLst>
+                <p:cond evt="onPrev" delay="0">
+                  <p:tgtEl>
+                    <p:sldTgt/>
+                  </p:tgtEl>
+                </p:cond>
+              </p:prevCondLst>
+              <p:nextCondLst>
+                <p:cond evt="onNext" delay="0">
+                  <p:tgtEl>
+                    <p:sldTgt/>
+                  </p:tgtEl>
+                </p:cond>
+              </p:nextCondLst>
+            </p:seq>
+          </p:childTnLst>
+        </p:cTn>
+      </p:par>
+    </p:tnLst>
+  </p:timing>
 </p:sld>
 </file>
 
@@ -4101,28 +6140,148 @@
             <p:ph type="title"/>
           </p:nvPr>
         </p:nvSpPr>
-        <p:spPr/>
+        <p:spPr>
+          <a:xfrm>
+            <a:off x="0" y="0"/>
+            <a:ext cx="10515600" cy="914400"/>
+          </a:xfrm>
+        </p:spPr>
         <p:txBody>
-          <a:bodyPr/>
+          <a:bodyPr>
+            <a:normAutofit fontScale="90000"/>
+          </a:bodyPr>
           <a:lstStyle/>
           <a:p>
             <a:r>
               <a:rPr lang="en-US" b="1" dirty="0"/>
-              <a:t>Dashboard Snapshots</a:t>
+              <a:t>Dashboard Snapshot: D3 Variable-Axis Scatter Plot</a:t>
             </a:r>
           </a:p>
         </p:txBody>
       </p:sp>
+      <p:pic>
+        <p:nvPicPr>
+          <p:cNvPr id="3" name="Picture 2">
+            <a:extLst>
+              <a:ext uri="{FF2B5EF4-FFF2-40B4-BE49-F238E27FC236}">
+                <a16:creationId xmlns:a16="http://schemas.microsoft.com/office/drawing/2014/main" id="{E33E3C27-A6F4-4278-97D0-DBFFBC0307E0}"/>
+              </a:ext>
+            </a:extLst>
+          </p:cNvPr>
+          <p:cNvPicPr>
+            <a:picLocks noChangeAspect="1"/>
+          </p:cNvPicPr>
+          <p:nvPr/>
+        </p:nvPicPr>
+        <p:blipFill>
+          <a:blip r:embed="rId2"/>
+          <a:stretch>
+            <a:fillRect/>
+          </a:stretch>
+        </p:blipFill>
+        <p:spPr>
+          <a:xfrm>
+            <a:off x="808383" y="1053497"/>
+            <a:ext cx="9953512" cy="5493076"/>
+          </a:xfrm>
+          <a:prstGeom prst="rect">
+            <a:avLst/>
+          </a:prstGeom>
+        </p:spPr>
+      </p:pic>
     </p:spTree>
     <p:extLst>
       <p:ext uri="{BB962C8B-B14F-4D97-AF65-F5344CB8AC3E}">
-        <p14:creationId xmlns:p14="http://schemas.microsoft.com/office/powerpoint/2010/main" val="1644718739"/>
+        <p14:creationId xmlns:p14="http://schemas.microsoft.com/office/powerpoint/2010/main" val="3812949878"/>
       </p:ext>
     </p:extLst>
   </p:cSld>
   <p:clrMapOvr>
     <a:masterClrMapping/>
   </p:clrMapOvr>
+  <p:timing>
+    <p:tnLst>
+      <p:par>
+        <p:cTn id="1" dur="indefinite" restart="never" nodeType="tmRoot">
+          <p:childTnLst>
+            <p:seq concurrent="1" nextAc="seek">
+              <p:cTn id="2" dur="indefinite" nodeType="mainSeq">
+                <p:childTnLst>
+                  <p:par>
+                    <p:cTn id="3" fill="hold">
+                      <p:stCondLst>
+                        <p:cond delay="indefinite"/>
+                      </p:stCondLst>
+                      <p:childTnLst>
+                        <p:par>
+                          <p:cTn id="4" fill="hold">
+                            <p:stCondLst>
+                              <p:cond delay="0"/>
+                            </p:stCondLst>
+                            <p:childTnLst>
+                              <p:par>
+                                <p:cTn id="5" presetID="6" presetClass="entr" presetSubtype="16" fill="hold" nodeType="clickEffect">
+                                  <p:stCondLst>
+                                    <p:cond delay="0"/>
+                                  </p:stCondLst>
+                                  <p:childTnLst>
+                                    <p:set>
+                                      <p:cBhvr>
+                                        <p:cTn id="6" dur="1" fill="hold">
+                                          <p:stCondLst>
+                                            <p:cond delay="0"/>
+                                          </p:stCondLst>
+                                        </p:cTn>
+                                        <p:tgtEl>
+                                          <p:spTgt spid="3"/>
+                                        </p:tgtEl>
+                                        <p:attrNameLst>
+                                          <p:attrName>style.visibility</p:attrName>
+                                        </p:attrNameLst>
+                                      </p:cBhvr>
+                                      <p:to>
+                                        <p:strVal val="visible"/>
+                                      </p:to>
+                                    </p:set>
+                                    <p:animEffect transition="in" filter="circle(in)">
+                                      <p:cBhvr>
+                                        <p:cTn id="7" dur="2000"/>
+                                        <p:tgtEl>
+                                          <p:spTgt spid="3"/>
+                                        </p:tgtEl>
+                                      </p:cBhvr>
+                                    </p:animEffect>
+                                  </p:childTnLst>
+                                </p:cTn>
+                              </p:par>
+                            </p:childTnLst>
+                          </p:cTn>
+                        </p:par>
+                      </p:childTnLst>
+                    </p:cTn>
+                  </p:par>
+                </p:childTnLst>
+              </p:cTn>
+              <p:prevCondLst>
+                <p:cond evt="onPrev" delay="0">
+                  <p:tgtEl>
+                    <p:sldTgt/>
+                  </p:tgtEl>
+                </p:cond>
+              </p:prevCondLst>
+              <p:nextCondLst>
+                <p:cond evt="onNext" delay="0">
+                  <p:tgtEl>
+                    <p:sldTgt/>
+                  </p:tgtEl>
+                </p:cond>
+              </p:nextCondLst>
+            </p:seq>
+          </p:childTnLst>
+        </p:cTn>
+      </p:par>
+    </p:tnLst>
+  </p:timing>
 </p:sld>
 </file>
 
@@ -4159,14 +6318,21 @@
             <p:ph type="title"/>
           </p:nvPr>
         </p:nvSpPr>
-        <p:spPr/>
+        <p:spPr>
+          <a:xfrm>
+            <a:off x="92765" y="0"/>
+            <a:ext cx="10972800" cy="980661"/>
+          </a:xfrm>
+        </p:spPr>
         <p:txBody>
-          <a:bodyPr/>
+          <a:bodyPr>
+            <a:normAutofit/>
+          </a:bodyPr>
           <a:lstStyle/>
           <a:p>
             <a:r>
               <a:rPr lang="en-US" b="1" dirty="0"/>
-              <a:t>Dashboard Snapshots</a:t>
+              <a:t>Dashboard Snapshot: Tabular Output</a:t>
             </a:r>
           </a:p>
         </p:txBody>
@@ -4174,7 +6340,7 @@
     </p:spTree>
     <p:extLst>
       <p:ext uri="{BB962C8B-B14F-4D97-AF65-F5344CB8AC3E}">
-        <p14:creationId xmlns:p14="http://schemas.microsoft.com/office/powerpoint/2010/main" val="3812949878"/>
+        <p14:creationId xmlns:p14="http://schemas.microsoft.com/office/powerpoint/2010/main" val="1978296584"/>
       </p:ext>
     </p:extLst>
   </p:cSld>
@@ -4201,6 +6367,173 @@
           <a:chExt cx="0" cy="0"/>
         </a:xfrm>
       </p:grpSpPr>
+      <p:sp>
+        <p:nvSpPr>
+          <p:cNvPr id="2" name="Title 1">
+            <a:extLst>
+              <a:ext uri="{FF2B5EF4-FFF2-40B4-BE49-F238E27FC236}">
+                <a16:creationId xmlns:a16="http://schemas.microsoft.com/office/drawing/2014/main" id="{6A330886-AC2D-492F-8FDC-19969F48FBF0}"/>
+              </a:ext>
+            </a:extLst>
+          </p:cNvPr>
+          <p:cNvSpPr>
+            <a:spLocks noGrp="1"/>
+          </p:cNvSpPr>
+          <p:nvPr>
+            <p:ph type="title"/>
+          </p:nvPr>
+        </p:nvSpPr>
+        <p:spPr>
+          <a:xfrm>
+            <a:off x="0" y="1"/>
+            <a:ext cx="10515600" cy="887896"/>
+          </a:xfrm>
+        </p:spPr>
+        <p:txBody>
+          <a:bodyPr/>
+          <a:lstStyle/>
+          <a:p>
+            <a:r>
+              <a:rPr lang="en-US" b="1" dirty="0"/>
+              <a:t>Dashboard Snapshots - Leaflet</a:t>
+            </a:r>
+          </a:p>
+        </p:txBody>
+      </p:sp>
+      <p:pic>
+        <p:nvPicPr>
+          <p:cNvPr id="4" name="Picture 3">
+            <a:extLst>
+              <a:ext uri="{FF2B5EF4-FFF2-40B4-BE49-F238E27FC236}">
+                <a16:creationId xmlns:a16="http://schemas.microsoft.com/office/drawing/2014/main" id="{84A3463A-42AE-479A-BCDF-C63E906119E1}"/>
+              </a:ext>
+            </a:extLst>
+          </p:cNvPr>
+          <p:cNvPicPr>
+            <a:picLocks noChangeAspect="1"/>
+          </p:cNvPicPr>
+          <p:nvPr/>
+        </p:nvPicPr>
+        <p:blipFill>
+          <a:blip r:embed="rId2"/>
+          <a:stretch>
+            <a:fillRect/>
+          </a:stretch>
+        </p:blipFill>
+        <p:spPr>
+          <a:xfrm>
+            <a:off x="1845733" y="1105430"/>
+            <a:ext cx="7805665" cy="5532437"/>
+          </a:xfrm>
+          <a:prstGeom prst="rect">
+            <a:avLst/>
+          </a:prstGeom>
+        </p:spPr>
+      </p:pic>
+    </p:spTree>
+    <p:extLst>
+      <p:ext uri="{BB962C8B-B14F-4D97-AF65-F5344CB8AC3E}">
+        <p14:creationId xmlns:p14="http://schemas.microsoft.com/office/powerpoint/2010/main" val="406857391"/>
+      </p:ext>
+    </p:extLst>
+  </p:cSld>
+  <p:clrMapOvr>
+    <a:masterClrMapping/>
+  </p:clrMapOvr>
+  <p:timing>
+    <p:tnLst>
+      <p:par>
+        <p:cTn id="1" dur="indefinite" restart="never" nodeType="tmRoot">
+          <p:childTnLst>
+            <p:seq concurrent="1" nextAc="seek">
+              <p:cTn id="2" dur="indefinite" nodeType="mainSeq">
+                <p:childTnLst>
+                  <p:par>
+                    <p:cTn id="3" fill="hold">
+                      <p:stCondLst>
+                        <p:cond delay="indefinite"/>
+                      </p:stCondLst>
+                      <p:childTnLst>
+                        <p:par>
+                          <p:cTn id="4" fill="hold">
+                            <p:stCondLst>
+                              <p:cond delay="0"/>
+                            </p:stCondLst>
+                            <p:childTnLst>
+                              <p:par>
+                                <p:cTn id="5" presetID="26" presetClass="emph" presetSubtype="0" fill="hold" nodeType="clickEffect">
+                                  <p:stCondLst>
+                                    <p:cond delay="0"/>
+                                  </p:stCondLst>
+                                  <p:childTnLst>
+                                    <p:animEffect transition="out" filter="fade">
+                                      <p:cBhvr>
+                                        <p:cTn id="6" dur="500" tmFilter="0, 0; .2, .5; .8, .5; 1, 0"/>
+                                        <p:tgtEl>
+                                          <p:spTgt spid="4"/>
+                                        </p:tgtEl>
+                                      </p:cBhvr>
+                                    </p:animEffect>
+                                    <p:animScale>
+                                      <p:cBhvr>
+                                        <p:cTn id="7" dur="250" autoRev="1" fill="hold"/>
+                                        <p:tgtEl>
+                                          <p:spTgt spid="4"/>
+                                        </p:tgtEl>
+                                      </p:cBhvr>
+                                      <p:by x="105000" y="105000"/>
+                                    </p:animScale>
+                                  </p:childTnLst>
+                                </p:cTn>
+                              </p:par>
+                            </p:childTnLst>
+                          </p:cTn>
+                        </p:par>
+                      </p:childTnLst>
+                    </p:cTn>
+                  </p:par>
+                </p:childTnLst>
+              </p:cTn>
+              <p:prevCondLst>
+                <p:cond evt="onPrev" delay="0">
+                  <p:tgtEl>
+                    <p:sldTgt/>
+                  </p:tgtEl>
+                </p:cond>
+              </p:prevCondLst>
+              <p:nextCondLst>
+                <p:cond evt="onNext" delay="0">
+                  <p:tgtEl>
+                    <p:sldTgt/>
+                  </p:tgtEl>
+                </p:cond>
+              </p:nextCondLst>
+            </p:seq>
+          </p:childTnLst>
+        </p:cTn>
+      </p:par>
+    </p:tnLst>
+  </p:timing>
+</p:sld>
+</file>
+
+<file path=ppt/slides/slide8.xml><?xml version="1.0" encoding="utf-8"?>
+<p:sld xmlns:a="http://schemas.openxmlformats.org/drawingml/2006/main" xmlns:r="http://schemas.openxmlformats.org/officeDocument/2006/relationships" xmlns:p="http://schemas.openxmlformats.org/presentationml/2006/main">
+  <p:cSld>
+    <p:spTree>
+      <p:nvGrpSpPr>
+        <p:cNvPr id="1" name=""/>
+        <p:cNvGrpSpPr/>
+        <p:nvPr/>
+      </p:nvGrpSpPr>
+      <p:grpSpPr>
+        <a:xfrm>
+          <a:off x="0" y="0"/>
+          <a:ext cx="0" cy="0"/>
+          <a:chOff x="0" y="0"/>
+          <a:chExt cx="0" cy="0"/>
+        </a:xfrm>
+      </p:grpSpPr>
       <p:graphicFrame>
         <p:nvGraphicFramePr>
           <p:cNvPr id="3" name="Table 2">
@@ -4216,7 +6549,7 @@
           <p:nvPr>
             <p:extLst>
               <p:ext uri="{D42A27DB-BD31-4B8C-83A1-F6EECF244321}">
-                <p14:modId xmlns:p14="http://schemas.microsoft.com/office/powerpoint/2010/main" val="1081738638"/>
+                <p14:modId xmlns:p14="http://schemas.microsoft.com/office/powerpoint/2010/main" val="3607523052"/>
               </p:ext>
             </p:extLst>
           </p:nvPr>
@@ -4274,7 +6607,11 @@
                       </a:r>
                     </a:p>
                   </a:txBody>
-                  <a:tcPr marL="66241" marR="66241" marT="33121" marB="33121" anchor="ctr"/>
+                  <a:tcPr marL="66241" marR="66241" marT="33121" marB="33121" anchor="ctr">
+                    <a:solidFill>
+                      <a:schemeClr val="bg2"/>
+                    </a:solidFill>
+                  </a:tcPr>
                 </a:tc>
                 <a:tc>
                   <a:txBody>
@@ -4288,7 +6625,11 @@
                       </a:r>
                     </a:p>
                   </a:txBody>
-                  <a:tcPr marL="66241" marR="66241" marT="33121" marB="33121" anchor="ctr"/>
+                  <a:tcPr marL="66241" marR="66241" marT="33121" marB="33121" anchor="ctr">
+                    <a:solidFill>
+                      <a:schemeClr val="bg2"/>
+                    </a:solidFill>
+                  </a:tcPr>
                 </a:tc>
                 <a:tc>
                   <a:txBody>
@@ -4302,7 +6643,11 @@
                       </a:r>
                     </a:p>
                   </a:txBody>
-                  <a:tcPr marL="66241" marR="66241" marT="33121" marB="33121" anchor="ctr"/>
+                  <a:tcPr marL="66241" marR="66241" marT="33121" marB="33121" anchor="ctr">
+                    <a:solidFill>
+                      <a:schemeClr val="bg2"/>
+                    </a:solidFill>
+                  </a:tcPr>
                 </a:tc>
                 <a:tc>
                   <a:txBody>
@@ -4316,7 +6661,11 @@
                       </a:r>
                     </a:p>
                   </a:txBody>
-                  <a:tcPr marL="66241" marR="66241" marT="33121" marB="33121" anchor="ctr"/>
+                  <a:tcPr marL="66241" marR="66241" marT="33121" marB="33121" anchor="ctr">
+                    <a:solidFill>
+                      <a:schemeClr val="bg2"/>
+                    </a:solidFill>
+                  </a:tcPr>
                 </a:tc>
                 <a:extLst>
                   <a:ext uri="{0D108BD9-81ED-4DB2-BD59-A6C34878D82A}">
@@ -4337,7 +6686,11 @@
                       <a:endParaRPr lang="en-US" sz="2000" dirty="0"/>
                     </a:p>
                   </a:txBody>
-                  <a:tcPr marL="66241" marR="66241" marT="33121" marB="33121" anchor="ctr"/>
+                  <a:tcPr marL="66241" marR="66241" marT="33121" marB="33121" anchor="ctr">
+                    <a:solidFill>
+                      <a:schemeClr val="bg2"/>
+                    </a:solidFill>
+                  </a:tcPr>
                 </a:tc>
                 <a:tc>
                   <a:txBody>
@@ -4351,7 +6704,11 @@
                       <a:endParaRPr lang="en-US" sz="2000" dirty="0"/>
                     </a:p>
                   </a:txBody>
-                  <a:tcPr marL="66241" marR="66241" marT="33121" marB="33121" anchor="ctr"/>
+                  <a:tcPr marL="66241" marR="66241" marT="33121" marB="33121" anchor="ctr">
+                    <a:solidFill>
+                      <a:schemeClr val="bg2"/>
+                    </a:solidFill>
+                  </a:tcPr>
                 </a:tc>
                 <a:tc>
                   <a:txBody>
@@ -4364,7 +6721,11 @@
                       </a:r>
                     </a:p>
                   </a:txBody>
-                  <a:tcPr marL="66241" marR="66241" marT="33121" marB="33121" anchor="ctr"/>
+                  <a:tcPr marL="66241" marR="66241" marT="33121" marB="33121" anchor="ctr">
+                    <a:solidFill>
+                      <a:schemeClr val="bg2"/>
+                    </a:solidFill>
+                  </a:tcPr>
                 </a:tc>
                 <a:tc>
                   <a:txBody>
@@ -4377,7 +6738,11 @@
                       </a:r>
                     </a:p>
                   </a:txBody>
-                  <a:tcPr marL="66241" marR="66241" marT="33121" marB="33121" anchor="ctr"/>
+                  <a:tcPr marL="66241" marR="66241" marT="33121" marB="33121" anchor="ctr">
+                    <a:solidFill>
+                      <a:schemeClr val="bg2"/>
+                    </a:solidFill>
+                  </a:tcPr>
                 </a:tc>
                 <a:extLst>
                   <a:ext uri="{0D108BD9-81ED-4DB2-BD59-A6C34878D82A}">
@@ -4398,7 +6763,11 @@
                       <a:endParaRPr lang="en-US" sz="2000" dirty="0"/>
                     </a:p>
                   </a:txBody>
-                  <a:tcPr marL="66241" marR="66241" marT="33121" marB="33121" anchor="ctr"/>
+                  <a:tcPr marL="66241" marR="66241" marT="33121" marB="33121" anchor="ctr">
+                    <a:solidFill>
+                      <a:schemeClr val="bg2"/>
+                    </a:solidFill>
+                  </a:tcPr>
                 </a:tc>
                 <a:tc>
                   <a:txBody>
@@ -4412,7 +6781,11 @@
                       <a:endParaRPr lang="en-US" sz="2000" dirty="0"/>
                     </a:p>
                   </a:txBody>
-                  <a:tcPr marL="66241" marR="66241" marT="33121" marB="33121" anchor="ctr"/>
+                  <a:tcPr marL="66241" marR="66241" marT="33121" marB="33121" anchor="ctr">
+                    <a:solidFill>
+                      <a:schemeClr val="bg2"/>
+                    </a:solidFill>
+                  </a:tcPr>
                 </a:tc>
                 <a:tc>
                   <a:txBody>
@@ -4425,7 +6798,11 @@
                       </a:r>
                     </a:p>
                   </a:txBody>
-                  <a:tcPr marL="66241" marR="66241" marT="33121" marB="33121" anchor="ctr"/>
+                  <a:tcPr marL="66241" marR="66241" marT="33121" marB="33121" anchor="ctr">
+                    <a:solidFill>
+                      <a:schemeClr val="bg2"/>
+                    </a:solidFill>
+                  </a:tcPr>
                 </a:tc>
                 <a:tc>
                   <a:txBody>
@@ -4438,7 +6815,11 @@
                       </a:r>
                     </a:p>
                   </a:txBody>
-                  <a:tcPr marL="66241" marR="66241" marT="33121" marB="33121" anchor="ctr"/>
+                  <a:tcPr marL="66241" marR="66241" marT="33121" marB="33121" anchor="ctr">
+                    <a:solidFill>
+                      <a:schemeClr val="bg2"/>
+                    </a:solidFill>
+                  </a:tcPr>
                 </a:tc>
                 <a:extLst>
                   <a:ext uri="{0D108BD9-81ED-4DB2-BD59-A6C34878D82A}">
@@ -4458,7 +6839,11 @@
                       </a:r>
                     </a:p>
                   </a:txBody>
-                  <a:tcPr marL="66241" marR="66241" marT="33121" marB="33121" anchor="ctr"/>
+                  <a:tcPr marL="66241" marR="66241" marT="33121" marB="33121" anchor="ctr">
+                    <a:solidFill>
+                      <a:schemeClr val="bg2"/>
+                    </a:solidFill>
+                  </a:tcPr>
                 </a:tc>
                 <a:tc>
                   <a:txBody>
@@ -4472,7 +6857,11 @@
                       <a:endParaRPr lang="en-US" sz="2000" dirty="0"/>
                     </a:p>
                   </a:txBody>
-                  <a:tcPr marL="66241" marR="66241" marT="33121" marB="33121" anchor="ctr"/>
+                  <a:tcPr marL="66241" marR="66241" marT="33121" marB="33121" anchor="ctr">
+                    <a:solidFill>
+                      <a:schemeClr val="bg2"/>
+                    </a:solidFill>
+                  </a:tcPr>
                 </a:tc>
                 <a:tc>
                   <a:txBody>
@@ -4485,7 +6874,11 @@
                       </a:r>
                     </a:p>
                   </a:txBody>
-                  <a:tcPr marL="66241" marR="66241" marT="33121" marB="33121" anchor="ctr"/>
+                  <a:tcPr marL="66241" marR="66241" marT="33121" marB="33121" anchor="ctr">
+                    <a:solidFill>
+                      <a:schemeClr val="bg2"/>
+                    </a:solidFill>
+                  </a:tcPr>
                 </a:tc>
                 <a:tc>
                   <a:txBody>
@@ -4498,7 +6891,11 @@
                       </a:r>
                     </a:p>
                   </a:txBody>
-                  <a:tcPr marL="66241" marR="66241" marT="33121" marB="33121" anchor="ctr"/>
+                  <a:tcPr marL="66241" marR="66241" marT="33121" marB="33121" anchor="ctr">
+                    <a:solidFill>
+                      <a:schemeClr val="bg2"/>
+                    </a:solidFill>
+                  </a:tcPr>
                 </a:tc>
                 <a:extLst>
                   <a:ext uri="{0D108BD9-81ED-4DB2-BD59-A6C34878D82A}">
@@ -4518,7 +6915,11 @@
                       </a:r>
                     </a:p>
                   </a:txBody>
-                  <a:tcPr marL="66241" marR="66241" marT="33121" marB="33121" anchor="ctr"/>
+                  <a:tcPr marL="66241" marR="66241" marT="33121" marB="33121" anchor="ctr">
+                    <a:solidFill>
+                      <a:schemeClr val="bg2"/>
+                    </a:solidFill>
+                  </a:tcPr>
                 </a:tc>
                 <a:tc>
                   <a:txBody>
@@ -4532,7 +6933,11 @@
                       <a:endParaRPr lang="en-US" sz="2000" dirty="0"/>
                     </a:p>
                   </a:txBody>
-                  <a:tcPr marL="66241" marR="66241" marT="33121" marB="33121" anchor="ctr"/>
+                  <a:tcPr marL="66241" marR="66241" marT="33121" marB="33121" anchor="ctr">
+                    <a:solidFill>
+                      <a:schemeClr val="bg2"/>
+                    </a:solidFill>
+                  </a:tcPr>
                 </a:tc>
                 <a:tc>
                   <a:txBody>
@@ -4545,7 +6950,11 @@
                       </a:r>
                     </a:p>
                   </a:txBody>
-                  <a:tcPr marL="66241" marR="66241" marT="33121" marB="33121" anchor="ctr"/>
+                  <a:tcPr marL="66241" marR="66241" marT="33121" marB="33121" anchor="ctr">
+                    <a:solidFill>
+                      <a:schemeClr val="bg2"/>
+                    </a:solidFill>
+                  </a:tcPr>
                 </a:tc>
                 <a:tc>
                   <a:txBody>
@@ -4558,7 +6967,11 @@
                       </a:r>
                     </a:p>
                   </a:txBody>
-                  <a:tcPr marL="66241" marR="66241" marT="33121" marB="33121" anchor="ctr"/>
+                  <a:tcPr marL="66241" marR="66241" marT="33121" marB="33121" anchor="ctr">
+                    <a:solidFill>
+                      <a:schemeClr val="bg2"/>
+                    </a:solidFill>
+                  </a:tcPr>
                 </a:tc>
                 <a:extLst>
                   <a:ext uri="{0D108BD9-81ED-4DB2-BD59-A6C34878D82A}">
@@ -4578,7 +6991,11 @@
                       </a:r>
                     </a:p>
                   </a:txBody>
-                  <a:tcPr marL="66241" marR="66241" marT="33121" marB="33121" anchor="ctr"/>
+                  <a:tcPr marL="66241" marR="66241" marT="33121" marB="33121" anchor="ctr">
+                    <a:solidFill>
+                      <a:schemeClr val="bg2"/>
+                    </a:solidFill>
+                  </a:tcPr>
                 </a:tc>
                 <a:tc>
                   <a:txBody>
@@ -4592,7 +7009,11 @@
                       <a:endParaRPr lang="en-US" sz="2000" dirty="0"/>
                     </a:p>
                   </a:txBody>
-                  <a:tcPr marL="66241" marR="66241" marT="33121" marB="33121" anchor="ctr"/>
+                  <a:tcPr marL="66241" marR="66241" marT="33121" marB="33121" anchor="ctr">
+                    <a:solidFill>
+                      <a:schemeClr val="bg2"/>
+                    </a:solidFill>
+                  </a:tcPr>
                 </a:tc>
                 <a:tc>
                   <a:txBody>
@@ -4605,7 +7026,11 @@
                       </a:r>
                     </a:p>
                   </a:txBody>
-                  <a:tcPr marL="66241" marR="66241" marT="33121" marB="33121" anchor="ctr"/>
+                  <a:tcPr marL="66241" marR="66241" marT="33121" marB="33121" anchor="ctr">
+                    <a:solidFill>
+                      <a:schemeClr val="bg2"/>
+                    </a:solidFill>
+                  </a:tcPr>
                 </a:tc>
                 <a:tc>
                   <a:txBody>
@@ -4618,7 +7043,11 @@
                       </a:r>
                     </a:p>
                   </a:txBody>
-                  <a:tcPr marL="66241" marR="66241" marT="33121" marB="33121" anchor="ctr"/>
+                  <a:tcPr marL="66241" marR="66241" marT="33121" marB="33121" anchor="ctr">
+                    <a:solidFill>
+                      <a:schemeClr val="bg2"/>
+                    </a:solidFill>
+                  </a:tcPr>
                 </a:tc>
                 <a:extLst>
                   <a:ext uri="{0D108BD9-81ED-4DB2-BD59-A6C34878D82A}">
@@ -4633,12 +7062,17 @@
                     <a:lstStyle/>
                     <a:p>
                       <a:r>
-                        <a:rPr lang="en-US" sz="2000"/>
+                        <a:rPr lang="en-US" sz="2000" dirty="0" err="1"/>
                         <a:t>community_environment</a:t>
                       </a:r>
+                      <a:endParaRPr lang="en-US" sz="2000" dirty="0"/>
                     </a:p>
                   </a:txBody>
-                  <a:tcPr marL="66241" marR="66241" marT="33121" marB="33121" anchor="ctr"/>
+                  <a:tcPr marL="66241" marR="66241" marT="33121" marB="33121" anchor="ctr">
+                    <a:solidFill>
+                      <a:schemeClr val="bg2"/>
+                    </a:solidFill>
+                  </a:tcPr>
                 </a:tc>
                 <a:tc>
                   <a:txBody>
@@ -4652,7 +7086,11 @@
                       <a:endParaRPr lang="en-US" sz="2000" dirty="0"/>
                     </a:p>
                   </a:txBody>
-                  <a:tcPr marL="66241" marR="66241" marT="33121" marB="33121" anchor="ctr"/>
+                  <a:tcPr marL="66241" marR="66241" marT="33121" marB="33121" anchor="ctr">
+                    <a:solidFill>
+                      <a:schemeClr val="bg2"/>
+                    </a:solidFill>
+                  </a:tcPr>
                 </a:tc>
                 <a:tc>
                   <a:txBody>
@@ -4665,7 +7103,11 @@
                       </a:r>
                     </a:p>
                   </a:txBody>
-                  <a:tcPr marL="66241" marR="66241" marT="33121" marB="33121" anchor="ctr"/>
+                  <a:tcPr marL="66241" marR="66241" marT="33121" marB="33121" anchor="ctr">
+                    <a:solidFill>
+                      <a:schemeClr val="bg2"/>
+                    </a:solidFill>
+                  </a:tcPr>
                 </a:tc>
                 <a:tc>
                   <a:txBody>
@@ -4678,7 +7120,11 @@
                       </a:r>
                     </a:p>
                   </a:txBody>
-                  <a:tcPr marL="66241" marR="66241" marT="33121" marB="33121" anchor="ctr"/>
+                  <a:tcPr marL="66241" marR="66241" marT="33121" marB="33121" anchor="ctr">
+                    <a:solidFill>
+                      <a:schemeClr val="bg2"/>
+                    </a:solidFill>
+                  </a:tcPr>
                 </a:tc>
                 <a:extLst>
                   <a:ext uri="{0D108BD9-81ED-4DB2-BD59-A6C34878D82A}">
@@ -4698,7 +7144,11 @@
                       </a:r>
                     </a:p>
                   </a:txBody>
-                  <a:tcPr anchor="ctr"/>
+                  <a:tcPr anchor="ctr">
+                    <a:solidFill>
+                      <a:schemeClr val="bg2"/>
+                    </a:solidFill>
+                  </a:tcPr>
                 </a:tc>
                 <a:tc>
                   <a:txBody>
@@ -4711,7 +7161,11 @@
                       </a:r>
                     </a:p>
                   </a:txBody>
-                  <a:tcPr anchor="ctr"/>
+                  <a:tcPr anchor="ctr">
+                    <a:solidFill>
+                      <a:schemeClr val="bg2"/>
+                    </a:solidFill>
+                  </a:tcPr>
                 </a:tc>
                 <a:tc>
                   <a:txBody>
@@ -4724,7 +7178,11 @@
                       </a:r>
                     </a:p>
                   </a:txBody>
-                  <a:tcPr anchor="ctr"/>
+                  <a:tcPr anchor="ctr">
+                    <a:solidFill>
+                      <a:schemeClr val="bg2"/>
+                    </a:solidFill>
+                  </a:tcPr>
                 </a:tc>
                 <a:tc>
                   <a:txBody>
@@ -4737,7 +7195,11 @@
                       </a:r>
                     </a:p>
                   </a:txBody>
-                  <a:tcPr anchor="ctr"/>
+                  <a:tcPr anchor="ctr">
+                    <a:solidFill>
+                      <a:schemeClr val="bg2"/>
+                    </a:solidFill>
+                  </a:tcPr>
                 </a:tc>
                 <a:extLst>
                   <a:ext uri="{0D108BD9-81ED-4DB2-BD59-A6C34878D82A}">
@@ -4758,7 +7220,11 @@
                       <a:endParaRPr lang="en-US" sz="2000" dirty="0"/>
                     </a:p>
                   </a:txBody>
-                  <a:tcPr anchor="ctr"/>
+                  <a:tcPr anchor="ctr">
+                    <a:solidFill>
+                      <a:schemeClr val="bg2"/>
+                    </a:solidFill>
+                  </a:tcPr>
                 </a:tc>
                 <a:tc>
                   <a:txBody>
@@ -4772,7 +7238,11 @@
                       <a:endParaRPr lang="en-US" sz="2000" dirty="0"/>
                     </a:p>
                   </a:txBody>
-                  <a:tcPr anchor="ctr"/>
+                  <a:tcPr anchor="ctr">
+                    <a:solidFill>
+                      <a:schemeClr val="bg2"/>
+                    </a:solidFill>
+                  </a:tcPr>
                 </a:tc>
                 <a:tc>
                   <a:txBody>
@@ -4785,7 +7255,11 @@
                       </a:r>
                     </a:p>
                   </a:txBody>
-                  <a:tcPr anchor="ctr"/>
+                  <a:tcPr anchor="ctr">
+                    <a:solidFill>
+                      <a:schemeClr val="bg2"/>
+                    </a:solidFill>
+                  </a:tcPr>
                 </a:tc>
                 <a:tc>
                   <a:txBody>
@@ -4798,7 +7272,11 @@
                       </a:r>
                     </a:p>
                   </a:txBody>
-                  <a:tcPr anchor="ctr"/>
+                  <a:tcPr anchor="ctr">
+                    <a:solidFill>
+                      <a:schemeClr val="bg2"/>
+                    </a:solidFill>
+                  </a:tcPr>
                 </a:tc>
                 <a:extLst>
                   <a:ext uri="{0D108BD9-81ED-4DB2-BD59-A6C34878D82A}">
@@ -4813,12 +7291,17 @@
                     <a:lstStyle/>
                     <a:p>
                       <a:r>
-                        <a:rPr lang="en-US" sz="2000"/>
+                        <a:rPr lang="en-US" sz="2000" dirty="0" err="1"/>
                         <a:t>community_environment</a:t>
                       </a:r>
+                      <a:endParaRPr lang="en-US" sz="2000" dirty="0"/>
                     </a:p>
                   </a:txBody>
-                  <a:tcPr anchor="ctr"/>
+                  <a:tcPr anchor="ctr">
+                    <a:solidFill>
+                      <a:schemeClr val="bg2"/>
+                    </a:solidFill>
+                  </a:tcPr>
                 </a:tc>
                 <a:tc>
                   <a:txBody>
@@ -4832,7 +7315,11 @@
                       <a:endParaRPr lang="en-US" sz="2000" dirty="0"/>
                     </a:p>
                   </a:txBody>
-                  <a:tcPr anchor="ctr"/>
+                  <a:tcPr anchor="ctr">
+                    <a:solidFill>
+                      <a:schemeClr val="bg2"/>
+                    </a:solidFill>
+                  </a:tcPr>
                 </a:tc>
                 <a:tc>
                   <a:txBody>
@@ -4845,7 +7332,11 @@
                       </a:r>
                     </a:p>
                   </a:txBody>
-                  <a:tcPr anchor="ctr"/>
+                  <a:tcPr anchor="ctr">
+                    <a:solidFill>
+                      <a:schemeClr val="bg2"/>
+                    </a:solidFill>
+                  </a:tcPr>
                 </a:tc>
                 <a:tc>
                   <a:txBody>
@@ -4858,7 +7349,11 @@
                       </a:r>
                     </a:p>
                   </a:txBody>
-                  <a:tcPr anchor="ctr"/>
+                  <a:tcPr anchor="ctr">
+                    <a:solidFill>
+                      <a:schemeClr val="bg2"/>
+                    </a:solidFill>
+                  </a:tcPr>
                 </a:tc>
                 <a:extLst>
                   <a:ext uri="{0D108BD9-81ED-4DB2-BD59-A6C34878D82A}">
@@ -4879,7 +7374,11 @@
                       <a:endParaRPr lang="en-US" sz="2000" dirty="0"/>
                     </a:p>
                   </a:txBody>
-                  <a:tcPr anchor="ctr"/>
+                  <a:tcPr anchor="ctr">
+                    <a:solidFill>
+                      <a:schemeClr val="bg2"/>
+                    </a:solidFill>
+                  </a:tcPr>
                 </a:tc>
                 <a:tc>
                   <a:txBody>
@@ -4892,7 +7391,11 @@
                       </a:r>
                     </a:p>
                   </a:txBody>
-                  <a:tcPr anchor="ctr"/>
+                  <a:tcPr anchor="ctr">
+                    <a:solidFill>
+                      <a:schemeClr val="bg2"/>
+                    </a:solidFill>
+                  </a:tcPr>
                 </a:tc>
                 <a:tc>
                   <a:txBody>
@@ -4905,7 +7408,11 @@
                       </a:r>
                     </a:p>
                   </a:txBody>
-                  <a:tcPr anchor="ctr"/>
+                  <a:tcPr anchor="ctr">
+                    <a:solidFill>
+                      <a:schemeClr val="bg2"/>
+                    </a:solidFill>
+                  </a:tcPr>
                 </a:tc>
                 <a:tc>
                   <a:txBody>
@@ -4918,7 +7425,11 @@
                       </a:r>
                     </a:p>
                   </a:txBody>
-                  <a:tcPr anchor="ctr"/>
+                  <a:tcPr anchor="ctr">
+                    <a:solidFill>
+                      <a:schemeClr val="bg2"/>
+                    </a:solidFill>
+                  </a:tcPr>
                 </a:tc>
                 <a:extLst>
                   <a:ext uri="{0D108BD9-81ED-4DB2-BD59-A6C34878D82A}">
@@ -4938,7 +7449,11 @@
                       </a:r>
                     </a:p>
                   </a:txBody>
-                  <a:tcPr anchor="ctr"/>
+                  <a:tcPr anchor="ctr">
+                    <a:solidFill>
+                      <a:schemeClr val="bg2"/>
+                    </a:solidFill>
+                  </a:tcPr>
                 </a:tc>
                 <a:tc>
                   <a:txBody>
@@ -4951,7 +7466,11 @@
                       </a:r>
                     </a:p>
                   </a:txBody>
-                  <a:tcPr anchor="ctr"/>
+                  <a:tcPr anchor="ctr">
+                    <a:solidFill>
+                      <a:schemeClr val="bg2"/>
+                    </a:solidFill>
+                  </a:tcPr>
                 </a:tc>
                 <a:tc>
                   <a:txBody>
@@ -4964,7 +7483,11 @@
                       </a:r>
                     </a:p>
                   </a:txBody>
-                  <a:tcPr anchor="ctr"/>
+                  <a:tcPr anchor="ctr">
+                    <a:solidFill>
+                      <a:schemeClr val="bg2"/>
+                    </a:solidFill>
+                  </a:tcPr>
                 </a:tc>
                 <a:tc>
                   <a:txBody>
@@ -4977,7 +7500,11 @@
                       </a:r>
                     </a:p>
                   </a:txBody>
-                  <a:tcPr anchor="ctr"/>
+                  <a:tcPr anchor="ctr">
+                    <a:solidFill>
+                      <a:schemeClr val="bg2"/>
+                    </a:solidFill>
+                  </a:tcPr>
                 </a:tc>
                 <a:extLst>
                   <a:ext uri="{0D108BD9-81ED-4DB2-BD59-A6C34878D82A}">
@@ -4998,7 +7525,11 @@
                       <a:endParaRPr lang="en-US" sz="2000" dirty="0"/>
                     </a:p>
                   </a:txBody>
-                  <a:tcPr anchor="ctr"/>
+                  <a:tcPr anchor="ctr">
+                    <a:solidFill>
+                      <a:schemeClr val="bg2"/>
+                    </a:solidFill>
+                  </a:tcPr>
                 </a:tc>
                 <a:tc>
                   <a:txBody>
@@ -5011,7 +7542,11 @@
                       </a:r>
                     </a:p>
                   </a:txBody>
-                  <a:tcPr anchor="ctr"/>
+                  <a:tcPr anchor="ctr">
+                    <a:solidFill>
+                      <a:schemeClr val="bg2"/>
+                    </a:solidFill>
+                  </a:tcPr>
                 </a:tc>
                 <a:tc>
                   <a:txBody>
@@ -5024,7 +7559,11 @@
                       </a:r>
                     </a:p>
                   </a:txBody>
-                  <a:tcPr anchor="ctr"/>
+                  <a:tcPr anchor="ctr">
+                    <a:solidFill>
+                      <a:schemeClr val="bg2"/>
+                    </a:solidFill>
+                  </a:tcPr>
                 </a:tc>
                 <a:tc>
                   <a:txBody>
@@ -5037,7 +7576,11 @@
                       </a:r>
                     </a:p>
                   </a:txBody>
-                  <a:tcPr anchor="ctr"/>
+                  <a:tcPr anchor="ctr">
+                    <a:solidFill>
+                      <a:schemeClr val="bg2"/>
+                    </a:solidFill>
+                  </a:tcPr>
                 </a:tc>
                 <a:extLst>
                   <a:ext uri="{0D108BD9-81ED-4DB2-BD59-A6C34878D82A}">
@@ -5065,7 +7608,7 @@
         </p:nvSpPr>
         <p:spPr>
           <a:xfrm>
-            <a:off x="433615" y="1"/>
+            <a:off x="0" y="0"/>
             <a:ext cx="9234714" cy="1047268"/>
           </a:xfrm>
           <a:prstGeom prst="rect">
@@ -5113,10 +7656,139 @@
   <p:clrMapOvr>
     <a:masterClrMapping/>
   </p:clrMapOvr>
+  <p:timing>
+    <p:tnLst>
+      <p:par>
+        <p:cTn id="1" dur="indefinite" restart="never" nodeType="tmRoot">
+          <p:childTnLst>
+            <p:seq concurrent="1" nextAc="seek">
+              <p:cTn id="2" dur="indefinite" nodeType="mainSeq">
+                <p:childTnLst>
+                  <p:par>
+                    <p:cTn id="3" fill="hold">
+                      <p:stCondLst>
+                        <p:cond delay="indefinite"/>
+                      </p:stCondLst>
+                      <p:childTnLst>
+                        <p:par>
+                          <p:cTn id="4" fill="hold">
+                            <p:stCondLst>
+                              <p:cond delay="0"/>
+                            </p:stCondLst>
+                            <p:childTnLst>
+                              <p:par>
+                                <p:cTn id="5" presetID="45" presetClass="entr" presetSubtype="0" fill="hold" nodeType="clickEffect">
+                                  <p:stCondLst>
+                                    <p:cond delay="0"/>
+                                  </p:stCondLst>
+                                  <p:childTnLst>
+                                    <p:set>
+                                      <p:cBhvr>
+                                        <p:cTn id="6" dur="1" fill="hold">
+                                          <p:stCondLst>
+                                            <p:cond delay="0"/>
+                                          </p:stCondLst>
+                                        </p:cTn>
+                                        <p:tgtEl>
+                                          <p:spTgt spid="3"/>
+                                        </p:tgtEl>
+                                        <p:attrNameLst>
+                                          <p:attrName>style.visibility</p:attrName>
+                                        </p:attrNameLst>
+                                      </p:cBhvr>
+                                      <p:to>
+                                        <p:strVal val="visible"/>
+                                      </p:to>
+                                    </p:set>
+                                    <p:animEffect transition="in" filter="fade">
+                                      <p:cBhvr>
+                                        <p:cTn id="7" dur="2000"/>
+                                        <p:tgtEl>
+                                          <p:spTgt spid="3"/>
+                                        </p:tgtEl>
+                                      </p:cBhvr>
+                                    </p:animEffect>
+                                    <p:anim calcmode="lin" valueType="num">
+                                      <p:cBhvr>
+                                        <p:cTn id="8" dur="2000" fill="hold"/>
+                                        <p:tgtEl>
+                                          <p:spTgt spid="3"/>
+                                        </p:tgtEl>
+                                        <p:attrNameLst>
+                                          <p:attrName>ppt_w</p:attrName>
+                                        </p:attrNameLst>
+                                      </p:cBhvr>
+                                      <p:tavLst>
+                                        <p:tav tm="0" fmla="#ppt_w*sin(2.5*pi*$)">
+                                          <p:val>
+                                            <p:fltVal val="0"/>
+                                          </p:val>
+                                        </p:tav>
+                                        <p:tav tm="100000">
+                                          <p:val>
+                                            <p:fltVal val="1"/>
+                                          </p:val>
+                                        </p:tav>
+                                      </p:tavLst>
+                                    </p:anim>
+                                    <p:anim calcmode="lin" valueType="num">
+                                      <p:cBhvr>
+                                        <p:cTn id="9" dur="2000" fill="hold"/>
+                                        <p:tgtEl>
+                                          <p:spTgt spid="3"/>
+                                        </p:tgtEl>
+                                        <p:attrNameLst>
+                                          <p:attrName>ppt_h</p:attrName>
+                                        </p:attrNameLst>
+                                      </p:cBhvr>
+                                      <p:tavLst>
+                                        <p:tav tm="0">
+                                          <p:val>
+                                            <p:strVal val="#ppt_h"/>
+                                          </p:val>
+                                        </p:tav>
+                                        <p:tav tm="100000">
+                                          <p:val>
+                                            <p:strVal val="#ppt_h"/>
+                                          </p:val>
+                                        </p:tav>
+                                      </p:tavLst>
+                                    </p:anim>
+                                  </p:childTnLst>
+                                </p:cTn>
+                              </p:par>
+                            </p:childTnLst>
+                          </p:cTn>
+                        </p:par>
+                      </p:childTnLst>
+                    </p:cTn>
+                  </p:par>
+                </p:childTnLst>
+              </p:cTn>
+              <p:prevCondLst>
+                <p:cond evt="onPrev" delay="0">
+                  <p:tgtEl>
+                    <p:sldTgt/>
+                  </p:tgtEl>
+                </p:cond>
+              </p:prevCondLst>
+              <p:nextCondLst>
+                <p:cond evt="onNext" delay="0">
+                  <p:tgtEl>
+                    <p:sldTgt/>
+                  </p:tgtEl>
+                </p:cond>
+              </p:nextCondLst>
+            </p:seq>
+          </p:childTnLst>
+        </p:cTn>
+      </p:par>
+    </p:tnLst>
+  </p:timing>
 </p:sld>
 </file>
 
-<file path=ppt/slides/slide8.xml><?xml version="1.0" encoding="utf-8"?>
+<file path=ppt/slides/slide9.xml><?xml version="1.0" encoding="utf-8"?>
 <p:sld xmlns:a="http://schemas.openxmlformats.org/drawingml/2006/main" xmlns:r="http://schemas.openxmlformats.org/officeDocument/2006/relationships" xmlns:p="http://schemas.openxmlformats.org/presentationml/2006/main">
   <p:cSld>
     <p:spTree>
@@ -5149,7 +7821,12 @@
             <p:ph type="title"/>
           </p:nvPr>
         </p:nvSpPr>
-        <p:spPr/>
+        <p:spPr>
+          <a:xfrm>
+            <a:off x="249213" y="157050"/>
+            <a:ext cx="10515600" cy="756448"/>
+          </a:xfrm>
+        </p:spPr>
         <p:txBody>
           <a:bodyPr/>
           <a:lstStyle/>
@@ -5163,87 +7840,210 @@
       </p:sp>
       <p:sp>
         <p:nvSpPr>
-          <p:cNvPr id="3" name="Content Placeholder 2">
-            <a:extLst>
-              <a:ext uri="{FF2B5EF4-FFF2-40B4-BE49-F238E27FC236}">
-                <a16:creationId xmlns:a16="http://schemas.microsoft.com/office/drawing/2014/main" id="{0DFFD546-CF9A-49AC-B18E-A77BB9BB6D93}"/>
-              </a:ext>
-            </a:extLst>
-          </p:cNvPr>
-          <p:cNvSpPr>
-            <a:spLocks noGrp="1"/>
-          </p:cNvSpPr>
-          <p:nvPr>
-            <p:ph idx="1"/>
-          </p:nvPr>
+          <p:cNvPr id="4" name="Rectangle: Rounded Corners 3">
+            <a:extLst>
+              <a:ext uri="{FF2B5EF4-FFF2-40B4-BE49-F238E27FC236}">
+                <a16:creationId xmlns:a16="http://schemas.microsoft.com/office/drawing/2014/main" id="{D3AFDB34-89EC-4683-8CD3-397BA707F870}"/>
+              </a:ext>
+            </a:extLst>
+          </p:cNvPr>
+          <p:cNvSpPr/>
+          <p:nvPr/>
         </p:nvSpPr>
         <p:spPr>
           <a:xfrm>
-            <a:off x="410817" y="1576280"/>
-            <a:ext cx="10942983" cy="4351338"/>
+            <a:off x="508001" y="2950552"/>
+            <a:ext cx="10151532" cy="956896"/>
           </a:xfrm>
+          <a:prstGeom prst="roundRect">
+            <a:avLst/>
+          </a:prstGeom>
+          <a:solidFill>
+            <a:schemeClr val="bg2"/>
+          </a:solidFill>
         </p:spPr>
+        <p:style>
+          <a:lnRef idx="2">
+            <a:schemeClr val="accent1">
+              <a:shade val="50000"/>
+            </a:schemeClr>
+          </a:lnRef>
+          <a:fillRef idx="1">
+            <a:schemeClr val="accent1"/>
+          </a:fillRef>
+          <a:effectRef idx="0">
+            <a:schemeClr val="accent1"/>
+          </a:effectRef>
+          <a:fontRef idx="minor">
+            <a:schemeClr val="lt1"/>
+          </a:fontRef>
+        </p:style>
         <p:txBody>
-          <a:bodyPr>
-            <a:normAutofit lnSpcReduction="10000"/>
-          </a:bodyPr>
+          <a:bodyPr rtlCol="0" anchor="ctr"/>
           <a:lstStyle/>
           <a:p>
             <a:r>
-              <a:rPr lang="en-US" dirty="0"/>
+              <a:rPr lang="en-US" dirty="0">
+                <a:solidFill>
+                  <a:schemeClr val="tx1"/>
+                </a:solidFill>
+              </a:rPr>
+              <a:t>Happiness, Health, Income and Environment / Greenspaces show the strongest linear cross-correlation</a:t>
+            </a:r>
+          </a:p>
+          <a:p>
+            <a:pPr lvl="1"/>
+            <a:r>
+              <a:rPr lang="en-US" dirty="0">
+                <a:solidFill>
+                  <a:schemeClr val="tx1"/>
+                </a:solidFill>
+              </a:rPr>
+              <a:t>Weather did not strongly correlate to any other measure</a:t>
+            </a:r>
+          </a:p>
+          <a:p>
+            <a:pPr lvl="1"/>
+            <a:r>
+              <a:rPr lang="en-US" dirty="0">
+                <a:solidFill>
+                  <a:schemeClr val="tx1"/>
+                </a:solidFill>
+              </a:rPr>
+              <a:t>Costs only lightly correlated </a:t>
+            </a:r>
+          </a:p>
+        </p:txBody>
+      </p:sp>
+      <p:sp>
+        <p:nvSpPr>
+          <p:cNvPr id="5" name="Rectangle: Rounded Corners 4">
+            <a:extLst>
+              <a:ext uri="{FF2B5EF4-FFF2-40B4-BE49-F238E27FC236}">
+                <a16:creationId xmlns:a16="http://schemas.microsoft.com/office/drawing/2014/main" id="{72633B06-3CB4-4B18-9356-349454FA16A6}"/>
+              </a:ext>
+            </a:extLst>
+          </p:cNvPr>
+          <p:cNvSpPr/>
+          <p:nvPr/>
+        </p:nvSpPr>
+        <p:spPr>
+          <a:xfrm>
+            <a:off x="508001" y="4547704"/>
+            <a:ext cx="10151532" cy="1118502"/>
+          </a:xfrm>
+          <a:prstGeom prst="roundRect">
+            <a:avLst/>
+          </a:prstGeom>
+          <a:solidFill>
+            <a:schemeClr val="bg2"/>
+          </a:solidFill>
+        </p:spPr>
+        <p:style>
+          <a:lnRef idx="2">
+            <a:schemeClr val="accent1">
+              <a:shade val="50000"/>
+            </a:schemeClr>
+          </a:lnRef>
+          <a:fillRef idx="1">
+            <a:schemeClr val="accent1"/>
+          </a:fillRef>
+          <a:effectRef idx="0">
+            <a:schemeClr val="accent1"/>
+          </a:effectRef>
+          <a:fontRef idx="minor">
+            <a:schemeClr val="lt1"/>
+          </a:fontRef>
+        </p:style>
+        <p:txBody>
+          <a:bodyPr rtlCol="0" anchor="ctr"/>
+          <a:lstStyle/>
+          <a:p>
+            <a:r>
+              <a:rPr lang="en-US" dirty="0">
+                <a:solidFill>
+                  <a:schemeClr val="tx1"/>
+                </a:solidFill>
+              </a:rPr>
+              <a:t>Issues</a:t>
+            </a:r>
+          </a:p>
+          <a:p>
+            <a:pPr lvl="1"/>
+            <a:r>
+              <a:rPr lang="en-US" dirty="0">
+                <a:solidFill>
+                  <a:schemeClr val="tx1"/>
+                </a:solidFill>
+              </a:rPr>
+              <a:t>Common denominator cities reduced the list to 100 (from ~ 300)</a:t>
+            </a:r>
+          </a:p>
+          <a:p>
+            <a:pPr lvl="1"/>
+            <a:r>
+              <a:rPr lang="en-US" dirty="0">
+                <a:solidFill>
+                  <a:schemeClr val="tx1"/>
+                </a:solidFill>
+              </a:rPr>
+              <a:t>Rankings had to be normalized to a scale of 1-100 (ranking of 189 wouldn’t make sense)</a:t>
+            </a:r>
+          </a:p>
+        </p:txBody>
+      </p:sp>
+      <p:sp>
+        <p:nvSpPr>
+          <p:cNvPr id="6" name="Rectangle: Rounded Corners 5">
+            <a:extLst>
+              <a:ext uri="{FF2B5EF4-FFF2-40B4-BE49-F238E27FC236}">
+                <a16:creationId xmlns:a16="http://schemas.microsoft.com/office/drawing/2014/main" id="{99854727-F163-4AE1-87DB-9356B837CA9A}"/>
+              </a:ext>
+            </a:extLst>
+          </p:cNvPr>
+          <p:cNvSpPr/>
+          <p:nvPr/>
+        </p:nvSpPr>
+        <p:spPr>
+          <a:xfrm>
+            <a:off x="508001" y="1502382"/>
+            <a:ext cx="10151532" cy="626533"/>
+          </a:xfrm>
+          <a:prstGeom prst="roundRect">
+            <a:avLst/>
+          </a:prstGeom>
+          <a:solidFill>
+            <a:schemeClr val="bg2"/>
+          </a:solidFill>
+        </p:spPr>
+        <p:style>
+          <a:lnRef idx="2">
+            <a:schemeClr val="accent1">
+              <a:shade val="50000"/>
+            </a:schemeClr>
+          </a:lnRef>
+          <a:fillRef idx="1">
+            <a:schemeClr val="accent1"/>
+          </a:fillRef>
+          <a:effectRef idx="0">
+            <a:schemeClr val="accent1"/>
+          </a:effectRef>
+          <a:fontRef idx="minor">
+            <a:schemeClr val="lt1"/>
+          </a:fontRef>
+        </p:style>
+        <p:txBody>
+          <a:bodyPr rtlCol="0" anchor="ctr"/>
+          <a:lstStyle/>
+          <a:p>
+            <a:r>
+              <a:rPr lang="en-US" dirty="0">
+                <a:solidFill>
+                  <a:schemeClr val="tx1"/>
+                </a:solidFill>
+              </a:rPr>
               <a:t>Not every city has it all</a:t>
             </a:r>
-          </a:p>
-          <a:p>
-            <a:endParaRPr lang="en-US" dirty="0"/>
-          </a:p>
-          <a:p>
-            <a:r>
-              <a:rPr lang="en-US" dirty="0"/>
-              <a:t>Happiness, Health, Income and Environment / Greenspaces show the strongest linear cross-correlation</a:t>
-            </a:r>
-          </a:p>
-          <a:p>
-            <a:pPr lvl="1"/>
-            <a:r>
-              <a:rPr lang="en-US" dirty="0"/>
-              <a:t>Weather did not strongly correlate to any other measure</a:t>
-            </a:r>
-          </a:p>
-          <a:p>
-            <a:pPr lvl="1"/>
-            <a:r>
-              <a:rPr lang="en-US" dirty="0"/>
-              <a:t>Costs only lightly correlated </a:t>
-            </a:r>
-          </a:p>
-          <a:p>
-            <a:pPr lvl="1"/>
-            <a:endParaRPr lang="en-US" dirty="0"/>
-          </a:p>
-          <a:p>
-            <a:r>
-              <a:rPr lang="en-US" dirty="0"/>
-              <a:t>Issues</a:t>
-            </a:r>
-          </a:p>
-          <a:p>
-            <a:pPr lvl="1"/>
-            <a:r>
-              <a:rPr lang="en-US" dirty="0"/>
-              <a:t>Common denominator cities reduced the list to 100 (from ~ 300)</a:t>
-            </a:r>
-          </a:p>
-          <a:p>
-            <a:pPr lvl="1"/>
-            <a:r>
-              <a:rPr lang="en-US" dirty="0"/>
-              <a:t>Rankings had to be normalized to a scale of 1-100 (ranking of 189 wouldn’t make sense)</a:t>
-            </a:r>
-          </a:p>
-          <a:p>
-            <a:pPr lvl="1"/>
-            <a:endParaRPr lang="en-US" dirty="0"/>
           </a:p>
         </p:txBody>
       </p:sp>
@@ -5257,6 +8057,535 @@
   <p:clrMapOvr>
     <a:masterClrMapping/>
   </p:clrMapOvr>
+  <p:timing>
+    <p:tnLst>
+      <p:par>
+        <p:cTn id="1" dur="indefinite" restart="never" nodeType="tmRoot">
+          <p:childTnLst>
+            <p:seq concurrent="1" nextAc="seek">
+              <p:cTn id="2" dur="indefinite" nodeType="mainSeq">
+                <p:childTnLst>
+                  <p:par>
+                    <p:cTn id="3" fill="hold">
+                      <p:stCondLst>
+                        <p:cond delay="indefinite"/>
+                      </p:stCondLst>
+                      <p:childTnLst>
+                        <p:par>
+                          <p:cTn id="4" fill="hold">
+                            <p:stCondLst>
+                              <p:cond delay="0"/>
+                            </p:stCondLst>
+                            <p:childTnLst>
+                              <p:par>
+                                <p:cTn id="5" presetID="53" presetClass="entr" presetSubtype="16" fill="hold" grpId="0" nodeType="clickEffect">
+                                  <p:stCondLst>
+                                    <p:cond delay="0"/>
+                                  </p:stCondLst>
+                                  <p:childTnLst>
+                                    <p:set>
+                                      <p:cBhvr>
+                                        <p:cTn id="6" dur="1" fill="hold">
+                                          <p:stCondLst>
+                                            <p:cond delay="0"/>
+                                          </p:stCondLst>
+                                        </p:cTn>
+                                        <p:tgtEl>
+                                          <p:spTgt spid="6"/>
+                                        </p:tgtEl>
+                                        <p:attrNameLst>
+                                          <p:attrName>style.visibility</p:attrName>
+                                        </p:attrNameLst>
+                                      </p:cBhvr>
+                                      <p:to>
+                                        <p:strVal val="visible"/>
+                                      </p:to>
+                                    </p:set>
+                                    <p:anim calcmode="lin" valueType="num">
+                                      <p:cBhvr>
+                                        <p:cTn id="7" dur="500" fill="hold"/>
+                                        <p:tgtEl>
+                                          <p:spTgt spid="6"/>
+                                        </p:tgtEl>
+                                        <p:attrNameLst>
+                                          <p:attrName>ppt_w</p:attrName>
+                                        </p:attrNameLst>
+                                      </p:cBhvr>
+                                      <p:tavLst>
+                                        <p:tav tm="0">
+                                          <p:val>
+                                            <p:fltVal val="0"/>
+                                          </p:val>
+                                        </p:tav>
+                                        <p:tav tm="100000">
+                                          <p:val>
+                                            <p:strVal val="#ppt_w"/>
+                                          </p:val>
+                                        </p:tav>
+                                      </p:tavLst>
+                                    </p:anim>
+                                    <p:anim calcmode="lin" valueType="num">
+                                      <p:cBhvr>
+                                        <p:cTn id="8" dur="500" fill="hold"/>
+                                        <p:tgtEl>
+                                          <p:spTgt spid="6"/>
+                                        </p:tgtEl>
+                                        <p:attrNameLst>
+                                          <p:attrName>ppt_h</p:attrName>
+                                        </p:attrNameLst>
+                                      </p:cBhvr>
+                                      <p:tavLst>
+                                        <p:tav tm="0">
+                                          <p:val>
+                                            <p:fltVal val="0"/>
+                                          </p:val>
+                                        </p:tav>
+                                        <p:tav tm="100000">
+                                          <p:val>
+                                            <p:strVal val="#ppt_h"/>
+                                          </p:val>
+                                        </p:tav>
+                                      </p:tavLst>
+                                    </p:anim>
+                                    <p:animEffect transition="in" filter="fade">
+                                      <p:cBhvr>
+                                        <p:cTn id="9" dur="500"/>
+                                        <p:tgtEl>
+                                          <p:spTgt spid="6"/>
+                                        </p:tgtEl>
+                                      </p:cBhvr>
+                                    </p:animEffect>
+                                  </p:childTnLst>
+                                </p:cTn>
+                              </p:par>
+                            </p:childTnLst>
+                          </p:cTn>
+                        </p:par>
+                      </p:childTnLst>
+                    </p:cTn>
+                  </p:par>
+                  <p:par>
+                    <p:cTn id="10" fill="hold">
+                      <p:stCondLst>
+                        <p:cond delay="indefinite"/>
+                      </p:stCondLst>
+                      <p:childTnLst>
+                        <p:par>
+                          <p:cTn id="11" fill="hold">
+                            <p:stCondLst>
+                              <p:cond delay="0"/>
+                            </p:stCondLst>
+                            <p:childTnLst>
+                              <p:par>
+                                <p:cTn id="12" presetID="45" presetClass="entr" presetSubtype="0" fill="hold" grpId="0" nodeType="clickEffect">
+                                  <p:stCondLst>
+                                    <p:cond delay="0"/>
+                                  </p:stCondLst>
+                                  <p:childTnLst>
+                                    <p:set>
+                                      <p:cBhvr>
+                                        <p:cTn id="13" dur="1" fill="hold">
+                                          <p:stCondLst>
+                                            <p:cond delay="0"/>
+                                          </p:stCondLst>
+                                        </p:cTn>
+                                        <p:tgtEl>
+                                          <p:spTgt spid="4"/>
+                                        </p:tgtEl>
+                                        <p:attrNameLst>
+                                          <p:attrName>style.visibility</p:attrName>
+                                        </p:attrNameLst>
+                                      </p:cBhvr>
+                                      <p:to>
+                                        <p:strVal val="visible"/>
+                                      </p:to>
+                                    </p:set>
+                                    <p:animEffect transition="in" filter="fade">
+                                      <p:cBhvr>
+                                        <p:cTn id="14" dur="2000"/>
+                                        <p:tgtEl>
+                                          <p:spTgt spid="4"/>
+                                        </p:tgtEl>
+                                      </p:cBhvr>
+                                    </p:animEffect>
+                                    <p:anim calcmode="lin" valueType="num">
+                                      <p:cBhvr>
+                                        <p:cTn id="15" dur="2000" fill="hold"/>
+                                        <p:tgtEl>
+                                          <p:spTgt spid="4"/>
+                                        </p:tgtEl>
+                                        <p:attrNameLst>
+                                          <p:attrName>ppt_w</p:attrName>
+                                        </p:attrNameLst>
+                                      </p:cBhvr>
+                                      <p:tavLst>
+                                        <p:tav tm="0" fmla="#ppt_w*sin(2.5*pi*$)">
+                                          <p:val>
+                                            <p:fltVal val="0"/>
+                                          </p:val>
+                                        </p:tav>
+                                        <p:tav tm="100000">
+                                          <p:val>
+                                            <p:fltVal val="1"/>
+                                          </p:val>
+                                        </p:tav>
+                                      </p:tavLst>
+                                    </p:anim>
+                                    <p:anim calcmode="lin" valueType="num">
+                                      <p:cBhvr>
+                                        <p:cTn id="16" dur="2000" fill="hold"/>
+                                        <p:tgtEl>
+                                          <p:spTgt spid="4"/>
+                                        </p:tgtEl>
+                                        <p:attrNameLst>
+                                          <p:attrName>ppt_h</p:attrName>
+                                        </p:attrNameLst>
+                                      </p:cBhvr>
+                                      <p:tavLst>
+                                        <p:tav tm="0">
+                                          <p:val>
+                                            <p:strVal val="#ppt_h"/>
+                                          </p:val>
+                                        </p:tav>
+                                        <p:tav tm="100000">
+                                          <p:val>
+                                            <p:strVal val="#ppt_h"/>
+                                          </p:val>
+                                        </p:tav>
+                                      </p:tavLst>
+                                    </p:anim>
+                                  </p:childTnLst>
+                                </p:cTn>
+                              </p:par>
+                            </p:childTnLst>
+                          </p:cTn>
+                        </p:par>
+                      </p:childTnLst>
+                    </p:cTn>
+                  </p:par>
+                  <p:par>
+                    <p:cTn id="17" fill="hold">
+                      <p:stCondLst>
+                        <p:cond delay="indefinite"/>
+                      </p:stCondLst>
+                      <p:childTnLst>
+                        <p:par>
+                          <p:cTn id="18" fill="hold">
+                            <p:stCondLst>
+                              <p:cond delay="0"/>
+                            </p:stCondLst>
+                            <p:childTnLst>
+                              <p:par>
+                                <p:cTn id="19" presetID="26" presetClass="entr" presetSubtype="0" fill="hold" grpId="0" nodeType="clickEffect">
+                                  <p:stCondLst>
+                                    <p:cond delay="0"/>
+                                  </p:stCondLst>
+                                  <p:childTnLst>
+                                    <p:set>
+                                      <p:cBhvr>
+                                        <p:cTn id="20" dur="1" fill="hold">
+                                          <p:stCondLst>
+                                            <p:cond delay="0"/>
+                                          </p:stCondLst>
+                                        </p:cTn>
+                                        <p:tgtEl>
+                                          <p:spTgt spid="5"/>
+                                        </p:tgtEl>
+                                        <p:attrNameLst>
+                                          <p:attrName>style.visibility</p:attrName>
+                                        </p:attrNameLst>
+                                      </p:cBhvr>
+                                      <p:to>
+                                        <p:strVal val="visible"/>
+                                      </p:to>
+                                    </p:set>
+                                    <p:animEffect transition="in" filter="wipe(down)">
+                                      <p:cBhvr>
+                                        <p:cTn id="21" dur="580">
+                                          <p:stCondLst>
+                                            <p:cond delay="0"/>
+                                          </p:stCondLst>
+                                        </p:cTn>
+                                        <p:tgtEl>
+                                          <p:spTgt spid="5"/>
+                                        </p:tgtEl>
+                                      </p:cBhvr>
+                                    </p:animEffect>
+                                    <p:anim calcmode="lin" valueType="num">
+                                      <p:cBhvr>
+                                        <p:cTn id="22" dur="1822" tmFilter="0,0; 0.14,0.36; 0.43,0.73; 0.71,0.91; 1.0,1.0">
+                                          <p:stCondLst>
+                                            <p:cond delay="0"/>
+                                          </p:stCondLst>
+                                        </p:cTn>
+                                        <p:tgtEl>
+                                          <p:spTgt spid="5"/>
+                                        </p:tgtEl>
+                                        <p:attrNameLst>
+                                          <p:attrName>ppt_x</p:attrName>
+                                        </p:attrNameLst>
+                                      </p:cBhvr>
+                                      <p:tavLst>
+                                        <p:tav tm="0">
+                                          <p:val>
+                                            <p:strVal val="#ppt_x-0.25"/>
+                                          </p:val>
+                                        </p:tav>
+                                        <p:tav tm="100000">
+                                          <p:val>
+                                            <p:strVal val="#ppt_x"/>
+                                          </p:val>
+                                        </p:tav>
+                                      </p:tavLst>
+                                    </p:anim>
+                                    <p:anim calcmode="lin" valueType="num">
+                                      <p:cBhvr>
+                                        <p:cTn id="23" dur="664" tmFilter="0.0,0.0; 0.25,0.07; 0.50,0.2; 0.75,0.467; 1.0,1.0">
+                                          <p:stCondLst>
+                                            <p:cond delay="0"/>
+                                          </p:stCondLst>
+                                        </p:cTn>
+                                        <p:tgtEl>
+                                          <p:spTgt spid="5"/>
+                                        </p:tgtEl>
+                                        <p:attrNameLst>
+                                          <p:attrName>ppt_y</p:attrName>
+                                        </p:attrNameLst>
+                                      </p:cBhvr>
+                                      <p:tavLst>
+                                        <p:tav tm="0" fmla="#ppt_y-sin(pi*$)/3">
+                                          <p:val>
+                                            <p:fltVal val="0.5"/>
+                                          </p:val>
+                                        </p:tav>
+                                        <p:tav tm="100000">
+                                          <p:val>
+                                            <p:fltVal val="1"/>
+                                          </p:val>
+                                        </p:tav>
+                                      </p:tavLst>
+                                    </p:anim>
+                                    <p:anim calcmode="lin" valueType="num">
+                                      <p:cBhvr>
+                                        <p:cTn id="24" dur="664" tmFilter="0, 0; 0.125,0.2665; 0.25,0.4; 0.375,0.465; 0.5,0.5;  0.625,0.535; 0.75,0.6; 0.875,0.7335; 1,1">
+                                          <p:stCondLst>
+                                            <p:cond delay="664"/>
+                                          </p:stCondLst>
+                                        </p:cTn>
+                                        <p:tgtEl>
+                                          <p:spTgt spid="5"/>
+                                        </p:tgtEl>
+                                        <p:attrNameLst>
+                                          <p:attrName>ppt_y</p:attrName>
+                                        </p:attrNameLst>
+                                      </p:cBhvr>
+                                      <p:tavLst>
+                                        <p:tav tm="0" fmla="#ppt_y-sin(pi*$)/9">
+                                          <p:val>
+                                            <p:fltVal val="0"/>
+                                          </p:val>
+                                        </p:tav>
+                                        <p:tav tm="100000">
+                                          <p:val>
+                                            <p:fltVal val="1"/>
+                                          </p:val>
+                                        </p:tav>
+                                      </p:tavLst>
+                                    </p:anim>
+                                    <p:anim calcmode="lin" valueType="num">
+                                      <p:cBhvr>
+                                        <p:cTn id="25" dur="332" tmFilter="0, 0; 0.125,0.2665; 0.25,0.4; 0.375,0.465; 0.5,0.5;  0.625,0.535; 0.75,0.6; 0.875,0.7335; 1,1">
+                                          <p:stCondLst>
+                                            <p:cond delay="1324"/>
+                                          </p:stCondLst>
+                                        </p:cTn>
+                                        <p:tgtEl>
+                                          <p:spTgt spid="5"/>
+                                        </p:tgtEl>
+                                        <p:attrNameLst>
+                                          <p:attrName>ppt_y</p:attrName>
+                                        </p:attrNameLst>
+                                      </p:cBhvr>
+                                      <p:tavLst>
+                                        <p:tav tm="0" fmla="#ppt_y-sin(pi*$)/27">
+                                          <p:val>
+                                            <p:fltVal val="0"/>
+                                          </p:val>
+                                        </p:tav>
+                                        <p:tav tm="100000">
+                                          <p:val>
+                                            <p:fltVal val="1"/>
+                                          </p:val>
+                                        </p:tav>
+                                      </p:tavLst>
+                                    </p:anim>
+                                    <p:anim calcmode="lin" valueType="num">
+                                      <p:cBhvr>
+                                        <p:cTn id="26" dur="164" tmFilter="0, 0; 0.125,0.2665; 0.25,0.4; 0.375,0.465; 0.5,0.5;  0.625,0.535; 0.75,0.6; 0.875,0.7335; 1,1">
+                                          <p:stCondLst>
+                                            <p:cond delay="1656"/>
+                                          </p:stCondLst>
+                                        </p:cTn>
+                                        <p:tgtEl>
+                                          <p:spTgt spid="5"/>
+                                        </p:tgtEl>
+                                        <p:attrNameLst>
+                                          <p:attrName>ppt_y</p:attrName>
+                                        </p:attrNameLst>
+                                      </p:cBhvr>
+                                      <p:tavLst>
+                                        <p:tav tm="0" fmla="#ppt_y-sin(pi*$)/81">
+                                          <p:val>
+                                            <p:fltVal val="0"/>
+                                          </p:val>
+                                        </p:tav>
+                                        <p:tav tm="100000">
+                                          <p:val>
+                                            <p:fltVal val="1"/>
+                                          </p:val>
+                                        </p:tav>
+                                      </p:tavLst>
+                                    </p:anim>
+                                    <p:animScale>
+                                      <p:cBhvr>
+                                        <p:cTn id="27" dur="26">
+                                          <p:stCondLst>
+                                            <p:cond delay="650"/>
+                                          </p:stCondLst>
+                                        </p:cTn>
+                                        <p:tgtEl>
+                                          <p:spTgt spid="5"/>
+                                        </p:tgtEl>
+                                      </p:cBhvr>
+                                      <p:to x="100000" y="60000"/>
+                                    </p:animScale>
+                                    <p:animScale>
+                                      <p:cBhvr>
+                                        <p:cTn id="28" dur="166" decel="50000">
+                                          <p:stCondLst>
+                                            <p:cond delay="676"/>
+                                          </p:stCondLst>
+                                        </p:cTn>
+                                        <p:tgtEl>
+                                          <p:spTgt spid="5"/>
+                                        </p:tgtEl>
+                                      </p:cBhvr>
+                                      <p:to x="100000" y="100000"/>
+                                    </p:animScale>
+                                    <p:animScale>
+                                      <p:cBhvr>
+                                        <p:cTn id="29" dur="26">
+                                          <p:stCondLst>
+                                            <p:cond delay="1312"/>
+                                          </p:stCondLst>
+                                        </p:cTn>
+                                        <p:tgtEl>
+                                          <p:spTgt spid="5"/>
+                                        </p:tgtEl>
+                                      </p:cBhvr>
+                                      <p:to x="100000" y="80000"/>
+                                    </p:animScale>
+                                    <p:animScale>
+                                      <p:cBhvr>
+                                        <p:cTn id="30" dur="166" decel="50000">
+                                          <p:stCondLst>
+                                            <p:cond delay="1338"/>
+                                          </p:stCondLst>
+                                        </p:cTn>
+                                        <p:tgtEl>
+                                          <p:spTgt spid="5"/>
+                                        </p:tgtEl>
+                                      </p:cBhvr>
+                                      <p:to x="100000" y="100000"/>
+                                    </p:animScale>
+                                    <p:animScale>
+                                      <p:cBhvr>
+                                        <p:cTn id="31" dur="26">
+                                          <p:stCondLst>
+                                            <p:cond delay="1642"/>
+                                          </p:stCondLst>
+                                        </p:cTn>
+                                        <p:tgtEl>
+                                          <p:spTgt spid="5"/>
+                                        </p:tgtEl>
+                                      </p:cBhvr>
+                                      <p:to x="100000" y="90000"/>
+                                    </p:animScale>
+                                    <p:animScale>
+                                      <p:cBhvr>
+                                        <p:cTn id="32" dur="166" decel="50000">
+                                          <p:stCondLst>
+                                            <p:cond delay="1668"/>
+                                          </p:stCondLst>
+                                        </p:cTn>
+                                        <p:tgtEl>
+                                          <p:spTgt spid="5"/>
+                                        </p:tgtEl>
+                                      </p:cBhvr>
+                                      <p:to x="100000" y="100000"/>
+                                    </p:animScale>
+                                    <p:animScale>
+                                      <p:cBhvr>
+                                        <p:cTn id="33" dur="26">
+                                          <p:stCondLst>
+                                            <p:cond delay="1808"/>
+                                          </p:stCondLst>
+                                        </p:cTn>
+                                        <p:tgtEl>
+                                          <p:spTgt spid="5"/>
+                                        </p:tgtEl>
+                                      </p:cBhvr>
+                                      <p:to x="100000" y="95000"/>
+                                    </p:animScale>
+                                    <p:animScale>
+                                      <p:cBhvr>
+                                        <p:cTn id="34" dur="166" decel="50000">
+                                          <p:stCondLst>
+                                            <p:cond delay="1834"/>
+                                          </p:stCondLst>
+                                        </p:cTn>
+                                        <p:tgtEl>
+                                          <p:spTgt spid="5"/>
+                                        </p:tgtEl>
+                                      </p:cBhvr>
+                                      <p:to x="100000" y="100000"/>
+                                    </p:animScale>
+                                  </p:childTnLst>
+                                </p:cTn>
+                              </p:par>
+                            </p:childTnLst>
+                          </p:cTn>
+                        </p:par>
+                      </p:childTnLst>
+                    </p:cTn>
+                  </p:par>
+                </p:childTnLst>
+              </p:cTn>
+              <p:prevCondLst>
+                <p:cond evt="onPrev" delay="0">
+                  <p:tgtEl>
+                    <p:sldTgt/>
+                  </p:tgtEl>
+                </p:cond>
+              </p:prevCondLst>
+              <p:nextCondLst>
+                <p:cond evt="onNext" delay="0">
+                  <p:tgtEl>
+                    <p:sldTgt/>
+                  </p:tgtEl>
+                </p:cond>
+              </p:nextCondLst>
+            </p:seq>
+          </p:childTnLst>
+        </p:cTn>
+      </p:par>
+    </p:tnLst>
+    <p:bldLst>
+      <p:bldP spid="4" grpId="0" animBg="1"/>
+      <p:bldP spid="5" grpId="0" animBg="1"/>
+      <p:bldP spid="6" grpId="0" animBg="1"/>
+    </p:bldLst>
+  </p:timing>
 </p:sld>
 </file>
 

--- a/Presentation.pptx
+++ b/Presentation.pptx
@@ -10,10 +10,9 @@
     <p:sldId id="259" r:id="rId4"/>
     <p:sldId id="263" r:id="rId5"/>
     <p:sldId id="260" r:id="rId6"/>
-    <p:sldId id="265" r:id="rId7"/>
-    <p:sldId id="266" r:id="rId8"/>
-    <p:sldId id="264" r:id="rId9"/>
-    <p:sldId id="261" r:id="rId10"/>
+    <p:sldId id="266" r:id="rId7"/>
+    <p:sldId id="264" r:id="rId8"/>
+    <p:sldId id="261" r:id="rId9"/>
   </p:sldIdLst>
   <p:sldSz cx="12192000" cy="6858000"/>
   <p:notesSz cx="6858000" cy="9144000"/>
@@ -123,7 +122,7 @@
 <file path=ppt/revisionInfo.xml><?xml version="1.0" encoding="utf-8"?>
 <p1510:revInfo xmlns:a="http://schemas.openxmlformats.org/drawingml/2006/main" xmlns:r="http://schemas.openxmlformats.org/officeDocument/2006/relationships" xmlns:p1510="http://schemas.microsoft.com/office/powerpoint/2015/10/main">
   <p1510:revLst>
-    <p1510:client id="{3E733659-760C-4CD6-9271-F0D6CCAF0F70}" v="315" dt="2019-12-03T23:46:30.934"/>
+    <p1510:client id="{3E733659-760C-4CD6-9271-F0D6CCAF0F70}" v="409" dt="2019-12-04T18:44:29.968"/>
   </p1510:revLst>
 </p1510:revInfo>
 </file>
@@ -133,12 +132,12 @@
   <pc:docChgLst>
     <pc:chgData name="Ron Javor" userId="e840de2940c497cb" providerId="LiveId" clId="{3E733659-760C-4CD6-9271-F0D6CCAF0F70}"/>
     <pc:docChg chg="undo custSel addSld delSld modSld modMainMaster">
-      <pc:chgData name="Ron Javor" userId="e840de2940c497cb" providerId="LiveId" clId="{3E733659-760C-4CD6-9271-F0D6CCAF0F70}" dt="2019-12-03T23:49:18.542" v="685"/>
+      <pc:chgData name="Ron Javor" userId="e840de2940c497cb" providerId="LiveId" clId="{3E733659-760C-4CD6-9271-F0D6CCAF0F70}" dt="2019-12-04T18:44:29.968" v="782" actId="20577"/>
       <pc:docMkLst>
         <pc:docMk/>
       </pc:docMkLst>
       <pc:sldChg chg="modSp">
-        <pc:chgData name="Ron Javor" userId="e840de2940c497cb" providerId="LiveId" clId="{3E733659-760C-4CD6-9271-F0D6CCAF0F70}" dt="2019-12-03T23:29:20.620" v="329" actId="1076"/>
+        <pc:chgData name="Ron Javor" userId="e840de2940c497cb" providerId="LiveId" clId="{3E733659-760C-4CD6-9271-F0D6CCAF0F70}" dt="2019-12-04T02:33:11.647" v="687" actId="1076"/>
         <pc:sldMkLst>
           <pc:docMk/>
           <pc:sldMk cId="4220736726" sldId="256"/>
@@ -152,7 +151,7 @@
           </ac:spMkLst>
         </pc:spChg>
         <pc:spChg chg="mod">
-          <ac:chgData name="Ron Javor" userId="e840de2940c497cb" providerId="LiveId" clId="{3E733659-760C-4CD6-9271-F0D6CCAF0F70}" dt="2019-12-03T23:29:17.248" v="328" actId="1076"/>
+          <ac:chgData name="Ron Javor" userId="e840de2940c497cb" providerId="LiveId" clId="{3E733659-760C-4CD6-9271-F0D6CCAF0F70}" dt="2019-12-04T02:33:11.647" v="687" actId="1076"/>
           <ac:spMkLst>
             <pc:docMk/>
             <pc:sldMk cId="4220736726" sldId="256"/>
@@ -325,7 +324,7 @@
         </pc:picChg>
       </pc:sldChg>
       <pc:sldChg chg="addSp delSp modSp setBg modAnim">
-        <pc:chgData name="Ron Javor" userId="e840de2940c497cb" providerId="LiveId" clId="{3E733659-760C-4CD6-9271-F0D6CCAF0F70}" dt="2019-12-03T23:49:18.542" v="685"/>
+        <pc:chgData name="Ron Javor" userId="e840de2940c497cb" providerId="LiveId" clId="{3E733659-760C-4CD6-9271-F0D6CCAF0F70}" dt="2019-12-04T18:44:29.968" v="782" actId="20577"/>
         <pc:sldMkLst>
           <pc:docMk/>
           <pc:sldMk cId="512310489" sldId="261"/>
@@ -355,7 +354,7 @@
           </ac:spMkLst>
         </pc:spChg>
         <pc:spChg chg="add mod">
-          <ac:chgData name="Ron Javor" userId="e840de2940c497cb" providerId="LiveId" clId="{3E733659-760C-4CD6-9271-F0D6CCAF0F70}" dt="2019-12-03T23:43:41.114" v="539" actId="1076"/>
+          <ac:chgData name="Ron Javor" userId="e840de2940c497cb" providerId="LiveId" clId="{3E733659-760C-4CD6-9271-F0D6CCAF0F70}" dt="2019-12-04T18:44:29.968" v="782" actId="20577"/>
           <ac:spMkLst>
             <pc:docMk/>
             <pc:sldMk cId="512310489" sldId="261"/>
@@ -425,8 +424,8 @@
           </ac:graphicFrameMkLst>
         </pc:graphicFrameChg>
       </pc:sldChg>
-      <pc:sldChg chg="delSp modSp add">
-        <pc:chgData name="Ron Javor" userId="e840de2940c497cb" providerId="LiveId" clId="{3E733659-760C-4CD6-9271-F0D6CCAF0F70}" dt="2019-12-03T23:46:30.934" v="658" actId="20577"/>
+      <pc:sldChg chg="delSp modSp add del">
+        <pc:chgData name="Ron Javor" userId="e840de2940c497cb" providerId="LiveId" clId="{3E733659-760C-4CD6-9271-F0D6CCAF0F70}" dt="2019-12-04T02:31:52.558" v="686" actId="2696"/>
         <pc:sldMkLst>
           <pc:docMk/>
           <pc:sldMk cId="1978296584" sldId="265"/>
@@ -4092,7 +4091,7 @@
         </p:nvSpPr>
         <p:spPr>
           <a:xfrm>
-            <a:off x="1685365" y="4229567"/>
+            <a:off x="1524000" y="4017533"/>
             <a:ext cx="9144000" cy="1655762"/>
           </a:xfrm>
         </p:spPr>
@@ -6320,71 +6319,6 @@
         </p:nvSpPr>
         <p:spPr>
           <a:xfrm>
-            <a:off x="92765" y="0"/>
-            <a:ext cx="10972800" cy="980661"/>
-          </a:xfrm>
-        </p:spPr>
-        <p:txBody>
-          <a:bodyPr>
-            <a:normAutofit/>
-          </a:bodyPr>
-          <a:lstStyle/>
-          <a:p>
-            <a:r>
-              <a:rPr lang="en-US" b="1" dirty="0"/>
-              <a:t>Dashboard Snapshot: Tabular Output</a:t>
-            </a:r>
-          </a:p>
-        </p:txBody>
-      </p:sp>
-    </p:spTree>
-    <p:extLst>
-      <p:ext uri="{BB962C8B-B14F-4D97-AF65-F5344CB8AC3E}">
-        <p14:creationId xmlns:p14="http://schemas.microsoft.com/office/powerpoint/2010/main" val="1978296584"/>
-      </p:ext>
-    </p:extLst>
-  </p:cSld>
-  <p:clrMapOvr>
-    <a:masterClrMapping/>
-  </p:clrMapOvr>
-</p:sld>
-</file>
-
-<file path=ppt/slides/slide7.xml><?xml version="1.0" encoding="utf-8"?>
-<p:sld xmlns:a="http://schemas.openxmlformats.org/drawingml/2006/main" xmlns:r="http://schemas.openxmlformats.org/officeDocument/2006/relationships" xmlns:p="http://schemas.openxmlformats.org/presentationml/2006/main">
-  <p:cSld>
-    <p:spTree>
-      <p:nvGrpSpPr>
-        <p:cNvPr id="1" name=""/>
-        <p:cNvGrpSpPr/>
-        <p:nvPr/>
-      </p:nvGrpSpPr>
-      <p:grpSpPr>
-        <a:xfrm>
-          <a:off x="0" y="0"/>
-          <a:ext cx="0" cy="0"/>
-          <a:chOff x="0" y="0"/>
-          <a:chExt cx="0" cy="0"/>
-        </a:xfrm>
-      </p:grpSpPr>
-      <p:sp>
-        <p:nvSpPr>
-          <p:cNvPr id="2" name="Title 1">
-            <a:extLst>
-              <a:ext uri="{FF2B5EF4-FFF2-40B4-BE49-F238E27FC236}">
-                <a16:creationId xmlns:a16="http://schemas.microsoft.com/office/drawing/2014/main" id="{6A330886-AC2D-492F-8FDC-19969F48FBF0}"/>
-              </a:ext>
-            </a:extLst>
-          </p:cNvPr>
-          <p:cNvSpPr>
-            <a:spLocks noGrp="1"/>
-          </p:cNvSpPr>
-          <p:nvPr>
-            <p:ph type="title"/>
-          </p:nvPr>
-        </p:nvSpPr>
-        <p:spPr>
-          <a:xfrm>
             <a:off x="0" y="1"/>
             <a:ext cx="10515600" cy="887896"/>
           </a:xfrm>
@@ -6517,7 +6451,7 @@
 </p:sld>
 </file>
 
-<file path=ppt/slides/slide8.xml><?xml version="1.0" encoding="utf-8"?>
+<file path=ppt/slides/slide7.xml><?xml version="1.0" encoding="utf-8"?>
 <p:sld xmlns:a="http://schemas.openxmlformats.org/drawingml/2006/main" xmlns:r="http://schemas.openxmlformats.org/officeDocument/2006/relationships" xmlns:p="http://schemas.openxmlformats.org/presentationml/2006/main">
   <p:cSld>
     <p:spTree>
@@ -7788,7 +7722,7 @@
 </p:sld>
 </file>
 
-<file path=ppt/slides/slide9.xml><?xml version="1.0" encoding="utf-8"?>
+<file path=ppt/slides/slide8.xml><?xml version="1.0" encoding="utf-8"?>
 <p:sld xmlns:a="http://schemas.openxmlformats.org/drawingml/2006/main" xmlns:r="http://schemas.openxmlformats.org/officeDocument/2006/relationships" xmlns:p="http://schemas.openxmlformats.org/presentationml/2006/main">
   <p:cSld>
     <p:spTree>
@@ -7929,8 +7863,8 @@
         </p:nvSpPr>
         <p:spPr>
           <a:xfrm>
-            <a:off x="508001" y="4547704"/>
-            <a:ext cx="10151532" cy="1118502"/>
+            <a:off x="508001" y="4547703"/>
+            <a:ext cx="10151532" cy="1508539"/>
           </a:xfrm>
           <a:prstGeom prst="roundRect">
             <a:avLst/>
@@ -7988,6 +7922,17 @@
                 </a:solidFill>
               </a:rPr>
               <a:t>Rankings had to be normalized to a scale of 1-100 (ranking of 189 wouldn’t make sense)</a:t>
+            </a:r>
+          </a:p>
+          <a:p>
+            <a:pPr lvl="1"/>
+            <a:r>
+              <a:rPr lang="en-US" dirty="0">
+                <a:solidFill>
+                  <a:schemeClr val="tx1"/>
+                </a:solidFill>
+              </a:rPr>
+              <a:t>Historical weather APIs not available without significant cost (Openweather)</a:t>
             </a:r>
           </a:p>
         </p:txBody>
